--- a/doc/tsduck-diagrams.pptx
+++ b/doc/tsduck-diagrams.pptx
@@ -7,6 +7,7 @@
   <p:sldIdLst>
     <p:sldId id="256" r:id="rId2"/>
     <p:sldId id="257" r:id="rId3"/>
+    <p:sldId id="258" r:id="rId4"/>
   </p:sldIdLst>
   <p:sldSz cx="6858000" cy="9906000" type="A4"/>
   <p:notesSz cx="6858000" cy="9144000"/>
@@ -107,7 +108,7 @@
   </p:defaultTextStyle>
   <p:extLst>
     <p:ext uri="{EFAFB233-063F-42B5-8137-9DF3F51BA10A}">
-      <p15:sldGuideLst xmlns="" xmlns:p15="http://schemas.microsoft.com/office/powerpoint/2012/main">
+      <p15:sldGuideLst xmlns:p15="http://schemas.microsoft.com/office/powerpoint/2012/main" xmlns="">
         <p15:guide id="1" orient="horz" pos="3120">
           <p15:clr>
             <a:srgbClr val="A4A3A4"/>
@@ -255,7 +256,7 @@
           <a:p>
             <a:fld id="{58A7CDC3-5B40-B341-B3D1-EE720DBB9E8A}" type="datetimeFigureOut">
               <a:rPr lang="fr-FR" smtClean="0"/>
-              <a:t>25/09/2018</a:t>
+              <a:t>21/11/2018</a:t>
             </a:fld>
             <a:endParaRPr lang="fr-FR"/>
           </a:p>
@@ -420,7 +421,7 @@
           <a:p>
             <a:fld id="{58A7CDC3-5B40-B341-B3D1-EE720DBB9E8A}" type="datetimeFigureOut">
               <a:rPr lang="fr-FR" smtClean="0"/>
-              <a:t>25/09/2018</a:t>
+              <a:t>21/11/2018</a:t>
             </a:fld>
             <a:endParaRPr lang="fr-FR"/>
           </a:p>
@@ -595,7 +596,7 @@
           <a:p>
             <a:fld id="{58A7CDC3-5B40-B341-B3D1-EE720DBB9E8A}" type="datetimeFigureOut">
               <a:rPr lang="fr-FR" smtClean="0"/>
-              <a:t>25/09/2018</a:t>
+              <a:t>21/11/2018</a:t>
             </a:fld>
             <a:endParaRPr lang="fr-FR"/>
           </a:p>
@@ -760,7 +761,7 @@
           <a:p>
             <a:fld id="{58A7CDC3-5B40-B341-B3D1-EE720DBB9E8A}" type="datetimeFigureOut">
               <a:rPr lang="fr-FR" smtClean="0"/>
-              <a:t>25/09/2018</a:t>
+              <a:t>21/11/2018</a:t>
             </a:fld>
             <a:endParaRPr lang="fr-FR"/>
           </a:p>
@@ -999,7 +1000,7 @@
           <a:p>
             <a:fld id="{58A7CDC3-5B40-B341-B3D1-EE720DBB9E8A}" type="datetimeFigureOut">
               <a:rPr lang="fr-FR" smtClean="0"/>
-              <a:t>25/09/2018</a:t>
+              <a:t>21/11/2018</a:t>
             </a:fld>
             <a:endParaRPr lang="fr-FR"/>
           </a:p>
@@ -1226,7 +1227,7 @@
           <a:p>
             <a:fld id="{58A7CDC3-5B40-B341-B3D1-EE720DBB9E8A}" type="datetimeFigureOut">
               <a:rPr lang="fr-FR" smtClean="0"/>
-              <a:t>25/09/2018</a:t>
+              <a:t>21/11/2018</a:t>
             </a:fld>
             <a:endParaRPr lang="fr-FR"/>
           </a:p>
@@ -1588,7 +1589,7 @@
           <a:p>
             <a:fld id="{58A7CDC3-5B40-B341-B3D1-EE720DBB9E8A}" type="datetimeFigureOut">
               <a:rPr lang="fr-FR" smtClean="0"/>
-              <a:t>25/09/2018</a:t>
+              <a:t>21/11/2018</a:t>
             </a:fld>
             <a:endParaRPr lang="fr-FR"/>
           </a:p>
@@ -1701,7 +1702,7 @@
           <a:p>
             <a:fld id="{58A7CDC3-5B40-B341-B3D1-EE720DBB9E8A}" type="datetimeFigureOut">
               <a:rPr lang="fr-FR" smtClean="0"/>
-              <a:t>25/09/2018</a:t>
+              <a:t>21/11/2018</a:t>
             </a:fld>
             <a:endParaRPr lang="fr-FR"/>
           </a:p>
@@ -1791,7 +1792,7 @@
           <a:p>
             <a:fld id="{58A7CDC3-5B40-B341-B3D1-EE720DBB9E8A}" type="datetimeFigureOut">
               <a:rPr lang="fr-FR" smtClean="0"/>
-              <a:t>25/09/2018</a:t>
+              <a:t>21/11/2018</a:t>
             </a:fld>
             <a:endParaRPr lang="fr-FR"/>
           </a:p>
@@ -2063,7 +2064,7 @@
           <a:p>
             <a:fld id="{58A7CDC3-5B40-B341-B3D1-EE720DBB9E8A}" type="datetimeFigureOut">
               <a:rPr lang="fr-FR" smtClean="0"/>
-              <a:t>25/09/2018</a:t>
+              <a:t>21/11/2018</a:t>
             </a:fld>
             <a:endParaRPr lang="fr-FR"/>
           </a:p>
@@ -2315,7 +2316,7 @@
           <a:p>
             <a:fld id="{58A7CDC3-5B40-B341-B3D1-EE720DBB9E8A}" type="datetimeFigureOut">
               <a:rPr lang="fr-FR" smtClean="0"/>
-              <a:t>25/09/2018</a:t>
+              <a:t>21/11/2018</a:t>
             </a:fld>
             <a:endParaRPr lang="fr-FR"/>
           </a:p>
@@ -2523,7 +2524,7 @@
           <a:p>
             <a:fld id="{58A7CDC3-5B40-B341-B3D1-EE720DBB9E8A}" type="datetimeFigureOut">
               <a:rPr lang="fr-FR" smtClean="0"/>
-              <a:t>25/09/2018</a:t>
+              <a:t>21/11/2018</a:t>
             </a:fld>
             <a:endParaRPr lang="fr-FR"/>
           </a:p>
@@ -7854,3221 +7855,3206 @@
           </a:p>
         </p:txBody>
       </p:sp>
-      <p:grpSp>
-        <p:nvGrpSpPr>
-          <p:cNvPr id="1024" name="Groupe 1023"/>
-          <p:cNvGrpSpPr/>
-          <p:nvPr/>
-        </p:nvGrpSpPr>
-        <p:grpSpPr>
+      <p:sp>
+        <p:nvSpPr>
+          <p:cNvPr id="174" name="Rectangle à coins arrondis 173"/>
+          <p:cNvSpPr/>
+          <p:nvPr/>
+        </p:nvSpPr>
+        <p:spPr>
           <a:xfrm>
-            <a:off x="198903" y="3762901"/>
-            <a:ext cx="6571573" cy="1685639"/>
-            <a:chOff x="198903" y="6457333"/>
-            <a:chExt cx="6571573" cy="1685639"/>
-          </a:xfrm>
-        </p:grpSpPr>
-        <p:sp>
-          <p:nvSpPr>
-            <p:cNvPr id="174" name="Rectangle à coins arrondis 173"/>
-            <p:cNvSpPr/>
-            <p:nvPr/>
-          </p:nvSpPr>
-          <p:spPr>
-            <a:xfrm>
-              <a:off x="1437034" y="6955058"/>
-              <a:ext cx="3519851" cy="411831"/>
-            </a:xfrm>
-            <a:prstGeom prst="roundRect">
-              <a:avLst>
-                <a:gd name="adj" fmla="val 3969"/>
-              </a:avLst>
-            </a:prstGeom>
-            <a:solidFill>
-              <a:schemeClr val="accent6">
-                <a:lumMod val="40000"/>
-                <a:lumOff val="60000"/>
-              </a:schemeClr>
-            </a:solidFill>
-            <a:ln>
-              <a:noFill/>
-            </a:ln>
-          </p:spPr>
-          <p:style>
-            <a:lnRef idx="2">
-              <a:schemeClr val="accent1">
-                <a:shade val="50000"/>
-              </a:schemeClr>
-            </a:lnRef>
-            <a:fillRef idx="1">
-              <a:schemeClr val="accent1"/>
-            </a:fillRef>
-            <a:effectRef idx="0">
-              <a:schemeClr val="accent1"/>
-            </a:effectRef>
-            <a:fontRef idx="minor">
-              <a:schemeClr val="lt1"/>
-            </a:fontRef>
-          </p:style>
-          <p:txBody>
-            <a:bodyPr tIns="0" rtlCol="0" anchor="t" anchorCtr="0"/>
-            <a:lstStyle/>
-            <a:p>
-              <a:pPr algn="ctr"/>
-              <a:r>
-                <a:rPr lang="fr-FR" sz="600" b="1" noProof="1" smtClean="0">
-                  <a:solidFill>
-                    <a:schemeClr val="tx1"/>
-                  </a:solidFill>
-                  <a:latin typeface="Cambria" panose="02040503050406030204" pitchFamily="18" charset="0"/>
-                  <a:ea typeface="Arial Rounded MT Bold" charset="0"/>
-                  <a:cs typeface="Arial Rounded MT Bold" charset="0"/>
-                </a:rPr>
-                <a:t>tsp</a:t>
-              </a:r>
-              <a:endParaRPr lang="fr-FR" sz="600" b="1" noProof="1">
+            <a:off x="1437034" y="4260626"/>
+            <a:ext cx="3519851" cy="411831"/>
+          </a:xfrm>
+          <a:prstGeom prst="roundRect">
+            <a:avLst>
+              <a:gd name="adj" fmla="val 3969"/>
+            </a:avLst>
+          </a:prstGeom>
+          <a:solidFill>
+            <a:schemeClr val="accent6">
+              <a:lumMod val="40000"/>
+              <a:lumOff val="60000"/>
+            </a:schemeClr>
+          </a:solidFill>
+          <a:ln>
+            <a:noFill/>
+          </a:ln>
+        </p:spPr>
+        <p:style>
+          <a:lnRef idx="2">
+            <a:schemeClr val="accent1">
+              <a:shade val="50000"/>
+            </a:schemeClr>
+          </a:lnRef>
+          <a:fillRef idx="1">
+            <a:schemeClr val="accent1"/>
+          </a:fillRef>
+          <a:effectRef idx="0">
+            <a:schemeClr val="accent1"/>
+          </a:effectRef>
+          <a:fontRef idx="minor">
+            <a:schemeClr val="lt1"/>
+          </a:fontRef>
+        </p:style>
+        <p:txBody>
+          <a:bodyPr tIns="0" rtlCol="0" anchor="t" anchorCtr="0"/>
+          <a:lstStyle/>
+          <a:p>
+            <a:pPr algn="ctr"/>
+            <a:r>
+              <a:rPr lang="fr-FR" sz="600" b="1" noProof="1" smtClean="0">
                 <a:solidFill>
                   <a:schemeClr val="tx1"/>
                 </a:solidFill>
                 <a:latin typeface="Cambria" panose="02040503050406030204" pitchFamily="18" charset="0"/>
                 <a:ea typeface="Arial Rounded MT Bold" charset="0"/>
                 <a:cs typeface="Arial Rounded MT Bold" charset="0"/>
-              </a:endParaRPr>
-            </a:p>
-          </p:txBody>
-        </p:sp>
-        <p:sp>
-          <p:nvSpPr>
-            <p:cNvPr id="175" name="Rectangle à coins arrondis 174"/>
-            <p:cNvSpPr/>
-            <p:nvPr/>
-          </p:nvSpPr>
-          <p:spPr>
-            <a:xfrm>
-              <a:off x="1542666" y="7099132"/>
-              <a:ext cx="312039" cy="201219"/>
-            </a:xfrm>
-            <a:prstGeom prst="roundRect">
-              <a:avLst/>
-            </a:prstGeom>
-            <a:solidFill>
-              <a:srgbClr val="1F8A4C"/>
-            </a:solidFill>
-            <a:ln>
-              <a:noFill/>
-            </a:ln>
-          </p:spPr>
-          <p:style>
-            <a:lnRef idx="2">
-              <a:schemeClr val="accent1">
-                <a:shade val="50000"/>
-              </a:schemeClr>
-            </a:lnRef>
-            <a:fillRef idx="1">
-              <a:schemeClr val="accent1"/>
-            </a:fillRef>
-            <a:effectRef idx="0">
-              <a:schemeClr val="accent1"/>
-            </a:effectRef>
-            <a:fontRef idx="minor">
-              <a:schemeClr val="lt1"/>
-            </a:fontRef>
-          </p:style>
-          <p:txBody>
-            <a:bodyPr lIns="36000" rIns="36000" rtlCol="0" anchor="ctr"/>
-            <a:lstStyle/>
-            <a:p>
-              <a:pPr algn="ctr"/>
-              <a:r>
-                <a:rPr lang="fr-FR" sz="600" i="1" noProof="1" smtClean="0">
-                  <a:latin typeface="Cambria" panose="02040503050406030204" pitchFamily="18" charset="0"/>
-                  <a:ea typeface="Arial Rounded MT Bold" charset="0"/>
-                  <a:cs typeface="Arial Rounded MT Bold" charset="0"/>
-                </a:rPr>
-                <a:t>input</a:t>
-              </a:r>
-              <a:endParaRPr lang="fr-FR" sz="600" i="1" noProof="1">
+              </a:rPr>
+              <a:t>tsp</a:t>
+            </a:r>
+            <a:endParaRPr lang="fr-FR" sz="600" b="1" noProof="1">
+              <a:solidFill>
+                <a:schemeClr val="tx1"/>
+              </a:solidFill>
+              <a:latin typeface="Cambria" panose="02040503050406030204" pitchFamily="18" charset="0"/>
+              <a:ea typeface="Arial Rounded MT Bold" charset="0"/>
+              <a:cs typeface="Arial Rounded MT Bold" charset="0"/>
+            </a:endParaRPr>
+          </a:p>
+        </p:txBody>
+      </p:sp>
+      <p:sp>
+        <p:nvSpPr>
+          <p:cNvPr id="175" name="Rectangle à coins arrondis 174"/>
+          <p:cNvSpPr/>
+          <p:nvPr/>
+        </p:nvSpPr>
+        <p:spPr>
+          <a:xfrm>
+            <a:off x="1542666" y="4404700"/>
+            <a:ext cx="312039" cy="201219"/>
+          </a:xfrm>
+          <a:prstGeom prst="roundRect">
+            <a:avLst/>
+          </a:prstGeom>
+          <a:solidFill>
+            <a:srgbClr val="1F8A4C"/>
+          </a:solidFill>
+          <a:ln>
+            <a:noFill/>
+          </a:ln>
+        </p:spPr>
+        <p:style>
+          <a:lnRef idx="2">
+            <a:schemeClr val="accent1">
+              <a:shade val="50000"/>
+            </a:schemeClr>
+          </a:lnRef>
+          <a:fillRef idx="1">
+            <a:schemeClr val="accent1"/>
+          </a:fillRef>
+          <a:effectRef idx="0">
+            <a:schemeClr val="accent1"/>
+          </a:effectRef>
+          <a:fontRef idx="minor">
+            <a:schemeClr val="lt1"/>
+          </a:fontRef>
+        </p:style>
+        <p:txBody>
+          <a:bodyPr lIns="36000" rIns="36000" rtlCol="0" anchor="ctr"/>
+          <a:lstStyle/>
+          <a:p>
+            <a:pPr algn="ctr"/>
+            <a:r>
+              <a:rPr lang="fr-FR" sz="600" i="1" noProof="1" smtClean="0">
                 <a:latin typeface="Cambria" panose="02040503050406030204" pitchFamily="18" charset="0"/>
                 <a:ea typeface="Arial Rounded MT Bold" charset="0"/>
                 <a:cs typeface="Arial Rounded MT Bold" charset="0"/>
-              </a:endParaRPr>
-            </a:p>
-          </p:txBody>
-        </p:sp>
-        <p:cxnSp>
-          <p:nvCxnSpPr>
-            <p:cNvPr id="176" name="Connecteur droit avec flèche 175"/>
-            <p:cNvCxnSpPr>
-              <a:endCxn id="175" idx="1"/>
-            </p:cNvCxnSpPr>
-            <p:nvPr/>
-          </p:nvCxnSpPr>
-          <p:spPr>
-            <a:xfrm>
-              <a:off x="1096360" y="7199741"/>
-              <a:ext cx="446307" cy="1"/>
-            </a:xfrm>
-            <a:prstGeom prst="straightConnector1">
-              <a:avLst/>
-            </a:prstGeom>
-            <a:ln w="19050">
-              <a:solidFill>
-                <a:schemeClr val="tx1"/>
-              </a:solidFill>
-              <a:prstDash val="sysDash"/>
-              <a:tailEnd type="triangle"/>
-            </a:ln>
-          </p:spPr>
-          <p:style>
-            <a:lnRef idx="1">
-              <a:schemeClr val="accent1"/>
-            </a:lnRef>
-            <a:fillRef idx="0">
-              <a:schemeClr val="accent1"/>
-            </a:fillRef>
-            <a:effectRef idx="0">
-              <a:schemeClr val="accent1"/>
-            </a:effectRef>
-            <a:fontRef idx="minor">
+              </a:rPr>
+              <a:t>input</a:t>
+            </a:r>
+            <a:endParaRPr lang="fr-FR" sz="600" i="1" noProof="1">
+              <a:latin typeface="Cambria" panose="02040503050406030204" pitchFamily="18" charset="0"/>
+              <a:ea typeface="Arial Rounded MT Bold" charset="0"/>
+              <a:cs typeface="Arial Rounded MT Bold" charset="0"/>
+            </a:endParaRPr>
+          </a:p>
+        </p:txBody>
+      </p:sp>
+      <p:cxnSp>
+        <p:nvCxnSpPr>
+          <p:cNvPr id="176" name="Connecteur droit avec flèche 175"/>
+          <p:cNvCxnSpPr>
+            <a:endCxn id="175" idx="1"/>
+          </p:cNvCxnSpPr>
+          <p:nvPr/>
+        </p:nvCxnSpPr>
+        <p:spPr>
+          <a:xfrm>
+            <a:off x="1096360" y="4505309"/>
+            <a:ext cx="446307" cy="1"/>
+          </a:xfrm>
+          <a:prstGeom prst="straightConnector1">
+            <a:avLst/>
+          </a:prstGeom>
+          <a:ln w="19050">
+            <a:solidFill>
               <a:schemeClr val="tx1"/>
-            </a:fontRef>
-          </p:style>
-        </p:cxnSp>
-        <p:sp>
-          <p:nvSpPr>
-            <p:cNvPr id="177" name="ZoneTexte 176"/>
-            <p:cNvSpPr txBox="1"/>
-            <p:nvPr/>
-          </p:nvSpPr>
-          <p:spPr>
-            <a:xfrm>
-              <a:off x="1054265" y="7076393"/>
-              <a:ext cx="408441" cy="92333"/>
-            </a:xfrm>
-            <a:prstGeom prst="rect">
-              <a:avLst/>
-            </a:prstGeom>
-            <a:noFill/>
-          </p:spPr>
-          <p:txBody>
-            <a:bodyPr wrap="square" lIns="0" tIns="0" rIns="0" bIns="0" rtlCol="0">
-              <a:spAutoFit/>
-            </a:bodyPr>
-            <a:lstStyle/>
-            <a:p>
-              <a:r>
-                <a:rPr lang="fr-FR" sz="600" noProof="1" smtClean="0">
-                  <a:latin typeface="Cambria" panose="02040503050406030204" pitchFamily="18" charset="0"/>
-                  <a:ea typeface="Arial Rounded MT Bold" charset="0"/>
-                  <a:cs typeface="Arial Rounded MT Bold" charset="0"/>
-                </a:rPr>
-                <a:t>input TS 2</a:t>
-              </a:r>
-              <a:endParaRPr lang="fr-FR" sz="600" noProof="1">
+            </a:solidFill>
+            <a:prstDash val="sysDash"/>
+            <a:tailEnd type="triangle"/>
+          </a:ln>
+        </p:spPr>
+        <p:style>
+          <a:lnRef idx="1">
+            <a:schemeClr val="accent1"/>
+          </a:lnRef>
+          <a:fillRef idx="0">
+            <a:schemeClr val="accent1"/>
+          </a:fillRef>
+          <a:effectRef idx="0">
+            <a:schemeClr val="accent1"/>
+          </a:effectRef>
+          <a:fontRef idx="minor">
+            <a:schemeClr val="tx1"/>
+          </a:fontRef>
+        </p:style>
+      </p:cxnSp>
+      <p:sp>
+        <p:nvSpPr>
+          <p:cNvPr id="177" name="ZoneTexte 176"/>
+          <p:cNvSpPr txBox="1"/>
+          <p:nvPr/>
+        </p:nvSpPr>
+        <p:spPr>
+          <a:xfrm>
+            <a:off x="1054265" y="4381961"/>
+            <a:ext cx="408441" cy="92333"/>
+          </a:xfrm>
+          <a:prstGeom prst="rect">
+            <a:avLst/>
+          </a:prstGeom>
+          <a:noFill/>
+        </p:spPr>
+        <p:txBody>
+          <a:bodyPr wrap="square" lIns="0" tIns="0" rIns="0" bIns="0" rtlCol="0">
+            <a:spAutoFit/>
+          </a:bodyPr>
+          <a:lstStyle/>
+          <a:p>
+            <a:r>
+              <a:rPr lang="fr-FR" sz="600" noProof="1" smtClean="0">
                 <a:latin typeface="Cambria" panose="02040503050406030204" pitchFamily="18" charset="0"/>
                 <a:ea typeface="Arial Rounded MT Bold" charset="0"/>
                 <a:cs typeface="Arial Rounded MT Bold" charset="0"/>
-              </a:endParaRPr>
-            </a:p>
-          </p:txBody>
-        </p:sp>
-        <p:sp>
-          <p:nvSpPr>
-            <p:cNvPr id="178" name="ZoneTexte 177"/>
-            <p:cNvSpPr txBox="1"/>
-            <p:nvPr/>
-          </p:nvSpPr>
-          <p:spPr>
-            <a:xfrm>
-              <a:off x="4982257" y="7070382"/>
-              <a:ext cx="459725" cy="92333"/>
-            </a:xfrm>
-            <a:prstGeom prst="rect">
-              <a:avLst/>
-            </a:prstGeom>
-            <a:noFill/>
-          </p:spPr>
-          <p:txBody>
-            <a:bodyPr wrap="square" lIns="0" tIns="0" rIns="0" bIns="0" rtlCol="0">
-              <a:spAutoFit/>
-            </a:bodyPr>
-            <a:lstStyle/>
-            <a:p>
-              <a:r>
-                <a:rPr lang="fr-FR" sz="600" noProof="1" smtClean="0">
-                  <a:latin typeface="Cambria" panose="02040503050406030204" pitchFamily="18" charset="0"/>
-                  <a:ea typeface="Arial Rounded MT Bold" charset="0"/>
-                  <a:cs typeface="Arial Rounded MT Bold" charset="0"/>
-                </a:rPr>
-                <a:t>output TS 2</a:t>
-              </a:r>
-              <a:endParaRPr lang="fr-FR" sz="600" noProof="1">
+              </a:rPr>
+              <a:t>input TS 2</a:t>
+            </a:r>
+            <a:endParaRPr lang="fr-FR" sz="600" noProof="1">
+              <a:latin typeface="Cambria" panose="02040503050406030204" pitchFamily="18" charset="0"/>
+              <a:ea typeface="Arial Rounded MT Bold" charset="0"/>
+              <a:cs typeface="Arial Rounded MT Bold" charset="0"/>
+            </a:endParaRPr>
+          </a:p>
+        </p:txBody>
+      </p:sp>
+      <p:sp>
+        <p:nvSpPr>
+          <p:cNvPr id="178" name="ZoneTexte 177"/>
+          <p:cNvSpPr txBox="1"/>
+          <p:nvPr/>
+        </p:nvSpPr>
+        <p:spPr>
+          <a:xfrm>
+            <a:off x="4982257" y="4375950"/>
+            <a:ext cx="459725" cy="92333"/>
+          </a:xfrm>
+          <a:prstGeom prst="rect">
+            <a:avLst/>
+          </a:prstGeom>
+          <a:noFill/>
+        </p:spPr>
+        <p:txBody>
+          <a:bodyPr wrap="square" lIns="0" tIns="0" rIns="0" bIns="0" rtlCol="0">
+            <a:spAutoFit/>
+          </a:bodyPr>
+          <a:lstStyle/>
+          <a:p>
+            <a:r>
+              <a:rPr lang="fr-FR" sz="600" noProof="1" smtClean="0">
                 <a:latin typeface="Cambria" panose="02040503050406030204" pitchFamily="18" charset="0"/>
                 <a:ea typeface="Arial Rounded MT Bold" charset="0"/>
                 <a:cs typeface="Arial Rounded MT Bold" charset="0"/>
-              </a:endParaRPr>
-            </a:p>
-          </p:txBody>
-        </p:sp>
-        <p:sp>
-          <p:nvSpPr>
-            <p:cNvPr id="181" name="Rectangle à coins arrondis 180"/>
-            <p:cNvSpPr/>
-            <p:nvPr/>
-          </p:nvSpPr>
-          <p:spPr>
-            <a:xfrm>
-              <a:off x="1973611" y="7099132"/>
-              <a:ext cx="312039" cy="201219"/>
-            </a:xfrm>
-            <a:prstGeom prst="roundRect">
-              <a:avLst/>
-            </a:prstGeom>
-            <a:solidFill>
-              <a:srgbClr val="1F8A4C"/>
-            </a:solidFill>
-            <a:ln>
-              <a:noFill/>
-            </a:ln>
-          </p:spPr>
-          <p:style>
-            <a:lnRef idx="2">
-              <a:schemeClr val="accent1">
-                <a:shade val="50000"/>
-              </a:schemeClr>
-            </a:lnRef>
-            <a:fillRef idx="1">
-              <a:schemeClr val="accent1"/>
-            </a:fillRef>
-            <a:effectRef idx="0">
-              <a:schemeClr val="accent1"/>
-            </a:effectRef>
-            <a:fontRef idx="minor">
-              <a:schemeClr val="lt1"/>
-            </a:fontRef>
-          </p:style>
-          <p:txBody>
-            <a:bodyPr lIns="36000" rIns="36000" rtlCol="0" anchor="ctr"/>
-            <a:lstStyle/>
-            <a:p>
-              <a:pPr algn="ctr"/>
-              <a:r>
-                <a:rPr lang="fr-FR" sz="600" i="1" noProof="1" smtClean="0">
-                  <a:latin typeface="Cambria" panose="02040503050406030204" pitchFamily="18" charset="0"/>
-                  <a:ea typeface="Arial Rounded MT Bold" charset="0"/>
-                  <a:cs typeface="Arial Rounded MT Bold" charset="0"/>
-                </a:rPr>
-                <a:t>plugin</a:t>
-              </a:r>
-              <a:endParaRPr lang="fr-FR" sz="600" i="1" noProof="1">
+              </a:rPr>
+              <a:t>output TS 2</a:t>
+            </a:r>
+            <a:endParaRPr lang="fr-FR" sz="600" noProof="1">
+              <a:latin typeface="Cambria" panose="02040503050406030204" pitchFamily="18" charset="0"/>
+              <a:ea typeface="Arial Rounded MT Bold" charset="0"/>
+              <a:cs typeface="Arial Rounded MT Bold" charset="0"/>
+            </a:endParaRPr>
+          </a:p>
+        </p:txBody>
+      </p:sp>
+      <p:sp>
+        <p:nvSpPr>
+          <p:cNvPr id="181" name="Rectangle à coins arrondis 180"/>
+          <p:cNvSpPr/>
+          <p:nvPr/>
+        </p:nvSpPr>
+        <p:spPr>
+          <a:xfrm>
+            <a:off x="1973611" y="4404700"/>
+            <a:ext cx="312039" cy="201219"/>
+          </a:xfrm>
+          <a:prstGeom prst="roundRect">
+            <a:avLst/>
+          </a:prstGeom>
+          <a:solidFill>
+            <a:srgbClr val="1F8A4C"/>
+          </a:solidFill>
+          <a:ln>
+            <a:noFill/>
+          </a:ln>
+        </p:spPr>
+        <p:style>
+          <a:lnRef idx="2">
+            <a:schemeClr val="accent1">
+              <a:shade val="50000"/>
+            </a:schemeClr>
+          </a:lnRef>
+          <a:fillRef idx="1">
+            <a:schemeClr val="accent1"/>
+          </a:fillRef>
+          <a:effectRef idx="0">
+            <a:schemeClr val="accent1"/>
+          </a:effectRef>
+          <a:fontRef idx="minor">
+            <a:schemeClr val="lt1"/>
+          </a:fontRef>
+        </p:style>
+        <p:txBody>
+          <a:bodyPr lIns="36000" rIns="36000" rtlCol="0" anchor="ctr"/>
+          <a:lstStyle/>
+          <a:p>
+            <a:pPr algn="ctr"/>
+            <a:r>
+              <a:rPr lang="fr-FR" sz="600" i="1" noProof="1" smtClean="0">
                 <a:latin typeface="Cambria" panose="02040503050406030204" pitchFamily="18" charset="0"/>
                 <a:ea typeface="Arial Rounded MT Bold" charset="0"/>
                 <a:cs typeface="Arial Rounded MT Bold" charset="0"/>
-              </a:endParaRPr>
-            </a:p>
-          </p:txBody>
-        </p:sp>
-        <p:sp>
-          <p:nvSpPr>
-            <p:cNvPr id="182" name="Rectangle à coins arrondis 181"/>
-            <p:cNvSpPr/>
-            <p:nvPr/>
-          </p:nvSpPr>
-          <p:spPr>
-            <a:xfrm>
-              <a:off x="2404555" y="7099132"/>
-              <a:ext cx="312039" cy="201219"/>
-            </a:xfrm>
-            <a:prstGeom prst="roundRect">
-              <a:avLst/>
-            </a:prstGeom>
-            <a:solidFill>
-              <a:srgbClr val="1F8A4C"/>
-            </a:solidFill>
-            <a:ln>
-              <a:noFill/>
-            </a:ln>
-          </p:spPr>
-          <p:style>
-            <a:lnRef idx="2">
-              <a:schemeClr val="accent1">
-                <a:shade val="50000"/>
-              </a:schemeClr>
-            </a:lnRef>
-            <a:fillRef idx="1">
-              <a:schemeClr val="accent1"/>
-            </a:fillRef>
-            <a:effectRef idx="0">
-              <a:schemeClr val="accent1"/>
-            </a:effectRef>
-            <a:fontRef idx="minor">
-              <a:schemeClr val="lt1"/>
-            </a:fontRef>
-          </p:style>
-          <p:txBody>
-            <a:bodyPr lIns="36000" rIns="36000" rtlCol="0" anchor="ctr"/>
-            <a:lstStyle/>
-            <a:p>
-              <a:pPr algn="ctr"/>
-              <a:r>
-                <a:rPr lang="fr-FR" sz="600" b="1" noProof="1" smtClean="0">
-                  <a:latin typeface="Consolas" panose="020B0609020204030204" pitchFamily="49" charset="0"/>
-                  <a:ea typeface="Arial Rounded MT Bold" charset="0"/>
-                  <a:cs typeface="Consolas" panose="020B0609020204030204" pitchFamily="49" charset="0"/>
-                </a:rPr>
-                <a:t>merge</a:t>
-              </a:r>
-              <a:endParaRPr lang="fr-FR" sz="600" b="1" noProof="1">
+              </a:rPr>
+              <a:t>plugin</a:t>
+            </a:r>
+            <a:endParaRPr lang="fr-FR" sz="600" i="1" noProof="1">
+              <a:latin typeface="Cambria" panose="02040503050406030204" pitchFamily="18" charset="0"/>
+              <a:ea typeface="Arial Rounded MT Bold" charset="0"/>
+              <a:cs typeface="Arial Rounded MT Bold" charset="0"/>
+            </a:endParaRPr>
+          </a:p>
+        </p:txBody>
+      </p:sp>
+      <p:sp>
+        <p:nvSpPr>
+          <p:cNvPr id="182" name="Rectangle à coins arrondis 181"/>
+          <p:cNvSpPr/>
+          <p:nvPr/>
+        </p:nvSpPr>
+        <p:spPr>
+          <a:xfrm>
+            <a:off x="2404555" y="4404700"/>
+            <a:ext cx="312039" cy="201219"/>
+          </a:xfrm>
+          <a:prstGeom prst="roundRect">
+            <a:avLst/>
+          </a:prstGeom>
+          <a:solidFill>
+            <a:srgbClr val="1F8A4C"/>
+          </a:solidFill>
+          <a:ln>
+            <a:noFill/>
+          </a:ln>
+        </p:spPr>
+        <p:style>
+          <a:lnRef idx="2">
+            <a:schemeClr val="accent1">
+              <a:shade val="50000"/>
+            </a:schemeClr>
+          </a:lnRef>
+          <a:fillRef idx="1">
+            <a:schemeClr val="accent1"/>
+          </a:fillRef>
+          <a:effectRef idx="0">
+            <a:schemeClr val="accent1"/>
+          </a:effectRef>
+          <a:fontRef idx="minor">
+            <a:schemeClr val="lt1"/>
+          </a:fontRef>
+        </p:style>
+        <p:txBody>
+          <a:bodyPr lIns="36000" rIns="36000" rtlCol="0" anchor="ctr"/>
+          <a:lstStyle/>
+          <a:p>
+            <a:pPr algn="ctr"/>
+            <a:r>
+              <a:rPr lang="fr-FR" sz="600" b="1" noProof="1" smtClean="0">
                 <a:latin typeface="Consolas" panose="020B0609020204030204" pitchFamily="49" charset="0"/>
                 <a:ea typeface="Arial Rounded MT Bold" charset="0"/>
                 <a:cs typeface="Consolas" panose="020B0609020204030204" pitchFamily="49" charset="0"/>
-              </a:endParaRPr>
-            </a:p>
-          </p:txBody>
-        </p:sp>
-        <p:sp>
-          <p:nvSpPr>
-            <p:cNvPr id="183" name="Rectangle à coins arrondis 182"/>
-            <p:cNvSpPr/>
-            <p:nvPr/>
-          </p:nvSpPr>
-          <p:spPr>
-            <a:xfrm>
-              <a:off x="2835499" y="7099132"/>
-              <a:ext cx="312039" cy="201219"/>
-            </a:xfrm>
-            <a:prstGeom prst="roundRect">
-              <a:avLst/>
-            </a:prstGeom>
-            <a:solidFill>
-              <a:srgbClr val="1F8A4C"/>
-            </a:solidFill>
-            <a:ln>
-              <a:noFill/>
-            </a:ln>
-          </p:spPr>
-          <p:style>
-            <a:lnRef idx="2">
-              <a:schemeClr val="accent1">
-                <a:shade val="50000"/>
-              </a:schemeClr>
-            </a:lnRef>
-            <a:fillRef idx="1">
-              <a:schemeClr val="accent1"/>
-            </a:fillRef>
-            <a:effectRef idx="0">
-              <a:schemeClr val="accent1"/>
-            </a:effectRef>
-            <a:fontRef idx="minor">
-              <a:schemeClr val="lt1"/>
-            </a:fontRef>
-          </p:style>
-          <p:txBody>
-            <a:bodyPr lIns="36000" rIns="36000" rtlCol="0" anchor="ctr"/>
-            <a:lstStyle/>
-            <a:p>
-              <a:pPr algn="ctr"/>
-              <a:r>
-                <a:rPr lang="fr-FR" sz="600" b="1" noProof="1" smtClean="0">
-                  <a:latin typeface="Consolas" panose="020B0609020204030204" pitchFamily="49" charset="0"/>
-                  <a:ea typeface="Arial Rounded MT Bold" charset="0"/>
-                  <a:cs typeface="Consolas" panose="020B0609020204030204" pitchFamily="49" charset="0"/>
-                </a:rPr>
-                <a:t>merge</a:t>
-              </a:r>
-              <a:endParaRPr lang="fr-FR" sz="600" i="1" noProof="1">
+              </a:rPr>
+              <a:t>merge</a:t>
+            </a:r>
+            <a:endParaRPr lang="fr-FR" sz="600" b="1" noProof="1">
+              <a:latin typeface="Consolas" panose="020B0609020204030204" pitchFamily="49" charset="0"/>
+              <a:ea typeface="Arial Rounded MT Bold" charset="0"/>
+              <a:cs typeface="Consolas" panose="020B0609020204030204" pitchFamily="49" charset="0"/>
+            </a:endParaRPr>
+          </a:p>
+        </p:txBody>
+      </p:sp>
+      <p:sp>
+        <p:nvSpPr>
+          <p:cNvPr id="183" name="Rectangle à coins arrondis 182"/>
+          <p:cNvSpPr/>
+          <p:nvPr/>
+        </p:nvSpPr>
+        <p:spPr>
+          <a:xfrm>
+            <a:off x="2835499" y="4404700"/>
+            <a:ext cx="312039" cy="201219"/>
+          </a:xfrm>
+          <a:prstGeom prst="roundRect">
+            <a:avLst/>
+          </a:prstGeom>
+          <a:solidFill>
+            <a:srgbClr val="1F8A4C"/>
+          </a:solidFill>
+          <a:ln>
+            <a:noFill/>
+          </a:ln>
+        </p:spPr>
+        <p:style>
+          <a:lnRef idx="2">
+            <a:schemeClr val="accent1">
+              <a:shade val="50000"/>
+            </a:schemeClr>
+          </a:lnRef>
+          <a:fillRef idx="1">
+            <a:schemeClr val="accent1"/>
+          </a:fillRef>
+          <a:effectRef idx="0">
+            <a:schemeClr val="accent1"/>
+          </a:effectRef>
+          <a:fontRef idx="minor">
+            <a:schemeClr val="lt1"/>
+          </a:fontRef>
+        </p:style>
+        <p:txBody>
+          <a:bodyPr lIns="36000" rIns="36000" rtlCol="0" anchor="ctr"/>
+          <a:lstStyle/>
+          <a:p>
+            <a:pPr algn="ctr"/>
+            <a:r>
+              <a:rPr lang="fr-FR" sz="600" b="1" noProof="1" smtClean="0">
+                <a:latin typeface="Consolas" panose="020B0609020204030204" pitchFamily="49" charset="0"/>
+                <a:ea typeface="Arial Rounded MT Bold" charset="0"/>
+                <a:cs typeface="Consolas" panose="020B0609020204030204" pitchFamily="49" charset="0"/>
+              </a:rPr>
+              <a:t>merge</a:t>
+            </a:r>
+            <a:endParaRPr lang="fr-FR" sz="600" i="1" noProof="1">
+              <a:latin typeface="Cambria" panose="02040503050406030204" pitchFamily="18" charset="0"/>
+              <a:ea typeface="Arial Rounded MT Bold" charset="0"/>
+              <a:cs typeface="Arial Rounded MT Bold" charset="0"/>
+            </a:endParaRPr>
+          </a:p>
+        </p:txBody>
+      </p:sp>
+      <p:sp>
+        <p:nvSpPr>
+          <p:cNvPr id="184" name="Rectangle à coins arrondis 183"/>
+          <p:cNvSpPr/>
+          <p:nvPr/>
+        </p:nvSpPr>
+        <p:spPr>
+          <a:xfrm>
+            <a:off x="3266443" y="4404700"/>
+            <a:ext cx="312039" cy="201219"/>
+          </a:xfrm>
+          <a:prstGeom prst="roundRect">
+            <a:avLst/>
+          </a:prstGeom>
+          <a:solidFill>
+            <a:srgbClr val="1F8A4C"/>
+          </a:solidFill>
+          <a:ln>
+            <a:noFill/>
+          </a:ln>
+        </p:spPr>
+        <p:style>
+          <a:lnRef idx="2">
+            <a:schemeClr val="accent1">
+              <a:shade val="50000"/>
+            </a:schemeClr>
+          </a:lnRef>
+          <a:fillRef idx="1">
+            <a:schemeClr val="accent1"/>
+          </a:fillRef>
+          <a:effectRef idx="0">
+            <a:schemeClr val="accent1"/>
+          </a:effectRef>
+          <a:fontRef idx="minor">
+            <a:schemeClr val="lt1"/>
+          </a:fontRef>
+        </p:style>
+        <p:txBody>
+          <a:bodyPr lIns="36000" rIns="36000" rtlCol="0" anchor="ctr"/>
+          <a:lstStyle/>
+          <a:p>
+            <a:pPr algn="ctr"/>
+            <a:r>
+              <a:rPr lang="fr-FR" sz="600" i="1" noProof="1" smtClean="0">
                 <a:latin typeface="Cambria" panose="02040503050406030204" pitchFamily="18" charset="0"/>
                 <a:ea typeface="Arial Rounded MT Bold" charset="0"/>
                 <a:cs typeface="Arial Rounded MT Bold" charset="0"/>
-              </a:endParaRPr>
-            </a:p>
-          </p:txBody>
-        </p:sp>
-        <p:sp>
-          <p:nvSpPr>
-            <p:cNvPr id="184" name="Rectangle à coins arrondis 183"/>
-            <p:cNvSpPr/>
-            <p:nvPr/>
-          </p:nvSpPr>
-          <p:spPr>
-            <a:xfrm>
-              <a:off x="3266443" y="7099132"/>
-              <a:ext cx="312039" cy="201219"/>
-            </a:xfrm>
-            <a:prstGeom prst="roundRect">
-              <a:avLst/>
-            </a:prstGeom>
-            <a:solidFill>
-              <a:srgbClr val="1F8A4C"/>
-            </a:solidFill>
-            <a:ln>
-              <a:noFill/>
-            </a:ln>
-          </p:spPr>
-          <p:style>
-            <a:lnRef idx="2">
-              <a:schemeClr val="accent1">
-                <a:shade val="50000"/>
-              </a:schemeClr>
-            </a:lnRef>
-            <a:fillRef idx="1">
-              <a:schemeClr val="accent1"/>
-            </a:fillRef>
-            <a:effectRef idx="0">
-              <a:schemeClr val="accent1"/>
-            </a:effectRef>
-            <a:fontRef idx="minor">
-              <a:schemeClr val="lt1"/>
-            </a:fontRef>
-          </p:style>
-          <p:txBody>
-            <a:bodyPr lIns="36000" rIns="36000" rtlCol="0" anchor="ctr"/>
-            <a:lstStyle/>
-            <a:p>
-              <a:pPr algn="ctr"/>
-              <a:r>
-                <a:rPr lang="fr-FR" sz="600" i="1" noProof="1" smtClean="0">
-                  <a:latin typeface="Cambria" panose="02040503050406030204" pitchFamily="18" charset="0"/>
-                  <a:ea typeface="Arial Rounded MT Bold" charset="0"/>
-                  <a:cs typeface="Arial Rounded MT Bold" charset="0"/>
-                </a:rPr>
-                <a:t>plugin</a:t>
-              </a:r>
-              <a:endParaRPr lang="fr-FR" sz="600" i="1" noProof="1">
+              </a:rPr>
+              <a:t>plugin</a:t>
+            </a:r>
+            <a:endParaRPr lang="fr-FR" sz="600" i="1" noProof="1">
+              <a:latin typeface="Cambria" panose="02040503050406030204" pitchFamily="18" charset="0"/>
+              <a:ea typeface="Arial Rounded MT Bold" charset="0"/>
+              <a:cs typeface="Arial Rounded MT Bold" charset="0"/>
+            </a:endParaRPr>
+          </a:p>
+        </p:txBody>
+      </p:sp>
+      <p:sp>
+        <p:nvSpPr>
+          <p:cNvPr id="185" name="Rectangle à coins arrondis 184"/>
+          <p:cNvSpPr/>
+          <p:nvPr/>
+        </p:nvSpPr>
+        <p:spPr>
+          <a:xfrm>
+            <a:off x="3697387" y="4404700"/>
+            <a:ext cx="312039" cy="201219"/>
+          </a:xfrm>
+          <a:prstGeom prst="roundRect">
+            <a:avLst/>
+          </a:prstGeom>
+          <a:solidFill>
+            <a:srgbClr val="1F8A4C"/>
+          </a:solidFill>
+          <a:ln>
+            <a:noFill/>
+          </a:ln>
+        </p:spPr>
+        <p:style>
+          <a:lnRef idx="2">
+            <a:schemeClr val="accent1">
+              <a:shade val="50000"/>
+            </a:schemeClr>
+          </a:lnRef>
+          <a:fillRef idx="1">
+            <a:schemeClr val="accent1"/>
+          </a:fillRef>
+          <a:effectRef idx="0">
+            <a:schemeClr val="accent1"/>
+          </a:effectRef>
+          <a:fontRef idx="minor">
+            <a:schemeClr val="lt1"/>
+          </a:fontRef>
+        </p:style>
+        <p:txBody>
+          <a:bodyPr lIns="36000" rIns="36000" rtlCol="0" anchor="ctr"/>
+          <a:lstStyle/>
+          <a:p>
+            <a:pPr algn="ctr"/>
+            <a:r>
+              <a:rPr lang="fr-FR" sz="600" b="1" noProof="1" smtClean="0">
+                <a:latin typeface="Consolas" panose="020B0609020204030204" pitchFamily="49" charset="0"/>
+                <a:ea typeface="Arial Rounded MT Bold" charset="0"/>
+                <a:cs typeface="Consolas" panose="020B0609020204030204" pitchFamily="49" charset="0"/>
+              </a:rPr>
+              <a:t>fork</a:t>
+            </a:r>
+            <a:endParaRPr lang="fr-FR" sz="600" i="1" noProof="1">
+              <a:latin typeface="Cambria" panose="02040503050406030204" pitchFamily="18" charset="0"/>
+              <a:ea typeface="Arial Rounded MT Bold" charset="0"/>
+              <a:cs typeface="Arial Rounded MT Bold" charset="0"/>
+            </a:endParaRPr>
+          </a:p>
+        </p:txBody>
+      </p:sp>
+      <p:sp>
+        <p:nvSpPr>
+          <p:cNvPr id="186" name="Rectangle à coins arrondis 185"/>
+          <p:cNvSpPr/>
+          <p:nvPr/>
+        </p:nvSpPr>
+        <p:spPr>
+          <a:xfrm>
+            <a:off x="4128331" y="4404700"/>
+            <a:ext cx="312039" cy="201219"/>
+          </a:xfrm>
+          <a:prstGeom prst="roundRect">
+            <a:avLst/>
+          </a:prstGeom>
+          <a:solidFill>
+            <a:srgbClr val="1F8A4C"/>
+          </a:solidFill>
+          <a:ln>
+            <a:noFill/>
+          </a:ln>
+        </p:spPr>
+        <p:style>
+          <a:lnRef idx="2">
+            <a:schemeClr val="accent1">
+              <a:shade val="50000"/>
+            </a:schemeClr>
+          </a:lnRef>
+          <a:fillRef idx="1">
+            <a:schemeClr val="accent1"/>
+          </a:fillRef>
+          <a:effectRef idx="0">
+            <a:schemeClr val="accent1"/>
+          </a:effectRef>
+          <a:fontRef idx="minor">
+            <a:schemeClr val="lt1"/>
+          </a:fontRef>
+        </p:style>
+        <p:txBody>
+          <a:bodyPr lIns="36000" rIns="36000" rtlCol="0" anchor="ctr"/>
+          <a:lstStyle/>
+          <a:p>
+            <a:pPr algn="ctr"/>
+            <a:r>
+              <a:rPr lang="fr-FR" sz="600" b="1" noProof="1" smtClean="0">
+                <a:latin typeface="Consolas" panose="020B0609020204030204" pitchFamily="49" charset="0"/>
+                <a:ea typeface="Arial Rounded MT Bold" charset="0"/>
+                <a:cs typeface="Consolas" panose="020B0609020204030204" pitchFamily="49" charset="0"/>
+              </a:rPr>
+              <a:t>fork</a:t>
+            </a:r>
+            <a:endParaRPr lang="fr-FR" sz="600" i="1" noProof="1">
+              <a:latin typeface="Cambria" panose="02040503050406030204" pitchFamily="18" charset="0"/>
+              <a:ea typeface="Arial Rounded MT Bold" charset="0"/>
+              <a:cs typeface="Arial Rounded MT Bold" charset="0"/>
+            </a:endParaRPr>
+          </a:p>
+        </p:txBody>
+      </p:sp>
+      <p:sp>
+        <p:nvSpPr>
+          <p:cNvPr id="187" name="Rectangle à coins arrondis 186"/>
+          <p:cNvSpPr/>
+          <p:nvPr/>
+        </p:nvSpPr>
+        <p:spPr>
+          <a:xfrm>
+            <a:off x="4559275" y="4404700"/>
+            <a:ext cx="312039" cy="201219"/>
+          </a:xfrm>
+          <a:prstGeom prst="roundRect">
+            <a:avLst/>
+          </a:prstGeom>
+          <a:solidFill>
+            <a:srgbClr val="1F8A4C"/>
+          </a:solidFill>
+          <a:ln>
+            <a:noFill/>
+          </a:ln>
+        </p:spPr>
+        <p:style>
+          <a:lnRef idx="2">
+            <a:schemeClr val="accent1">
+              <a:shade val="50000"/>
+            </a:schemeClr>
+          </a:lnRef>
+          <a:fillRef idx="1">
+            <a:schemeClr val="accent1"/>
+          </a:fillRef>
+          <a:effectRef idx="0">
+            <a:schemeClr val="accent1"/>
+          </a:effectRef>
+          <a:fontRef idx="minor">
+            <a:schemeClr val="lt1"/>
+          </a:fontRef>
+        </p:style>
+        <p:txBody>
+          <a:bodyPr lIns="36000" rIns="36000" rtlCol="0" anchor="ctr"/>
+          <a:lstStyle/>
+          <a:p>
+            <a:pPr algn="ctr"/>
+            <a:r>
+              <a:rPr lang="fr-FR" sz="600" i="1" noProof="1" smtClean="0">
                 <a:latin typeface="Cambria" panose="02040503050406030204" pitchFamily="18" charset="0"/>
                 <a:ea typeface="Arial Rounded MT Bold" charset="0"/>
                 <a:cs typeface="Arial Rounded MT Bold" charset="0"/>
-              </a:endParaRPr>
-            </a:p>
-          </p:txBody>
-        </p:sp>
-        <p:sp>
-          <p:nvSpPr>
-            <p:cNvPr id="185" name="Rectangle à coins arrondis 184"/>
-            <p:cNvSpPr/>
-            <p:nvPr/>
-          </p:nvSpPr>
-          <p:spPr>
-            <a:xfrm>
-              <a:off x="3697387" y="7099132"/>
-              <a:ext cx="312039" cy="201219"/>
-            </a:xfrm>
-            <a:prstGeom prst="roundRect">
-              <a:avLst/>
-            </a:prstGeom>
+              </a:rPr>
+              <a:t>output</a:t>
+            </a:r>
+            <a:endParaRPr lang="fr-FR" sz="600" i="1" noProof="1">
+              <a:latin typeface="Cambria" panose="02040503050406030204" pitchFamily="18" charset="0"/>
+              <a:ea typeface="Arial Rounded MT Bold" charset="0"/>
+              <a:cs typeface="Arial Rounded MT Bold" charset="0"/>
+            </a:endParaRPr>
+          </a:p>
+        </p:txBody>
+      </p:sp>
+      <p:cxnSp>
+        <p:nvCxnSpPr>
+          <p:cNvPr id="188" name="Connecteur droit avec flèche 187"/>
+          <p:cNvCxnSpPr>
+            <a:stCxn id="175" idx="3"/>
+            <a:endCxn id="181" idx="1"/>
+          </p:cNvCxnSpPr>
+          <p:nvPr/>
+        </p:nvCxnSpPr>
+        <p:spPr>
+          <a:xfrm>
+            <a:off x="1854705" y="4505310"/>
+            <a:ext cx="118905" cy="0"/>
+          </a:xfrm>
+          <a:prstGeom prst="straightConnector1">
+            <a:avLst/>
+          </a:prstGeom>
+          <a:ln w="19050">
             <a:solidFill>
-              <a:srgbClr val="1F8A4C"/>
+              <a:schemeClr val="tx1"/>
             </a:solidFill>
-            <a:ln>
-              <a:noFill/>
-            </a:ln>
-          </p:spPr>
-          <p:style>
-            <a:lnRef idx="2">
-              <a:schemeClr val="accent1">
-                <a:shade val="50000"/>
-              </a:schemeClr>
-            </a:lnRef>
-            <a:fillRef idx="1">
-              <a:schemeClr val="accent1"/>
-            </a:fillRef>
-            <a:effectRef idx="0">
-              <a:schemeClr val="accent1"/>
-            </a:effectRef>
-            <a:fontRef idx="minor">
-              <a:schemeClr val="lt1"/>
-            </a:fontRef>
-          </p:style>
-          <p:txBody>
-            <a:bodyPr lIns="36000" rIns="36000" rtlCol="0" anchor="ctr"/>
-            <a:lstStyle/>
-            <a:p>
-              <a:pPr algn="ctr"/>
-              <a:r>
-                <a:rPr lang="fr-FR" sz="600" b="1" noProof="1" smtClean="0">
-                  <a:latin typeface="Consolas" panose="020B0609020204030204" pitchFamily="49" charset="0"/>
-                  <a:ea typeface="Arial Rounded MT Bold" charset="0"/>
-                  <a:cs typeface="Consolas" panose="020B0609020204030204" pitchFamily="49" charset="0"/>
-                </a:rPr>
-                <a:t>fork</a:t>
-              </a:r>
-              <a:endParaRPr lang="fr-FR" sz="600" i="1" noProof="1">
-                <a:latin typeface="Cambria" panose="02040503050406030204" pitchFamily="18" charset="0"/>
-                <a:ea typeface="Arial Rounded MT Bold" charset="0"/>
-                <a:cs typeface="Arial Rounded MT Bold" charset="0"/>
-              </a:endParaRPr>
-            </a:p>
-          </p:txBody>
-        </p:sp>
-        <p:sp>
-          <p:nvSpPr>
-            <p:cNvPr id="186" name="Rectangle à coins arrondis 185"/>
-            <p:cNvSpPr/>
-            <p:nvPr/>
-          </p:nvSpPr>
-          <p:spPr>
-            <a:xfrm>
-              <a:off x="4128331" y="7099132"/>
-              <a:ext cx="312039" cy="201219"/>
-            </a:xfrm>
-            <a:prstGeom prst="roundRect">
-              <a:avLst/>
-            </a:prstGeom>
+            <a:prstDash val="sysDash"/>
+            <a:tailEnd type="triangle"/>
+          </a:ln>
+        </p:spPr>
+        <p:style>
+          <a:lnRef idx="1">
+            <a:schemeClr val="accent1"/>
+          </a:lnRef>
+          <a:fillRef idx="0">
+            <a:schemeClr val="accent1"/>
+          </a:fillRef>
+          <a:effectRef idx="0">
+            <a:schemeClr val="accent1"/>
+          </a:effectRef>
+          <a:fontRef idx="minor">
+            <a:schemeClr val="tx1"/>
+          </a:fontRef>
+        </p:style>
+      </p:cxnSp>
+      <p:cxnSp>
+        <p:nvCxnSpPr>
+          <p:cNvPr id="189" name="Connecteur droit avec flèche 188"/>
+          <p:cNvCxnSpPr>
+            <a:stCxn id="181" idx="3"/>
+            <a:endCxn id="182" idx="1"/>
+          </p:cNvCxnSpPr>
+          <p:nvPr/>
+        </p:nvCxnSpPr>
+        <p:spPr>
+          <a:xfrm>
+            <a:off x="2285649" y="4505310"/>
+            <a:ext cx="118905" cy="0"/>
+          </a:xfrm>
+          <a:prstGeom prst="straightConnector1">
+            <a:avLst/>
+          </a:prstGeom>
+          <a:ln w="19050">
             <a:solidFill>
-              <a:srgbClr val="1F8A4C"/>
+              <a:schemeClr val="tx1"/>
             </a:solidFill>
-            <a:ln>
-              <a:noFill/>
-            </a:ln>
-          </p:spPr>
-          <p:style>
-            <a:lnRef idx="2">
-              <a:schemeClr val="accent1">
-                <a:shade val="50000"/>
-              </a:schemeClr>
-            </a:lnRef>
-            <a:fillRef idx="1">
-              <a:schemeClr val="accent1"/>
-            </a:fillRef>
-            <a:effectRef idx="0">
-              <a:schemeClr val="accent1"/>
-            </a:effectRef>
-            <a:fontRef idx="minor">
-              <a:schemeClr val="lt1"/>
-            </a:fontRef>
-          </p:style>
-          <p:txBody>
-            <a:bodyPr lIns="36000" rIns="36000" rtlCol="0" anchor="ctr"/>
-            <a:lstStyle/>
-            <a:p>
-              <a:pPr algn="ctr"/>
-              <a:r>
-                <a:rPr lang="fr-FR" sz="600" b="1" noProof="1" smtClean="0">
-                  <a:latin typeface="Consolas" panose="020B0609020204030204" pitchFamily="49" charset="0"/>
-                  <a:ea typeface="Arial Rounded MT Bold" charset="0"/>
-                  <a:cs typeface="Consolas" panose="020B0609020204030204" pitchFamily="49" charset="0"/>
-                </a:rPr>
-                <a:t>fork</a:t>
-              </a:r>
-              <a:endParaRPr lang="fr-FR" sz="600" i="1" noProof="1">
-                <a:latin typeface="Cambria" panose="02040503050406030204" pitchFamily="18" charset="0"/>
-                <a:ea typeface="Arial Rounded MT Bold" charset="0"/>
-                <a:cs typeface="Arial Rounded MT Bold" charset="0"/>
-              </a:endParaRPr>
-            </a:p>
-          </p:txBody>
-        </p:sp>
-        <p:sp>
-          <p:nvSpPr>
-            <p:cNvPr id="187" name="Rectangle à coins arrondis 186"/>
-            <p:cNvSpPr/>
-            <p:nvPr/>
-          </p:nvSpPr>
-          <p:spPr>
-            <a:xfrm>
-              <a:off x="4559275" y="7099132"/>
-              <a:ext cx="312039" cy="201219"/>
-            </a:xfrm>
-            <a:prstGeom prst="roundRect">
-              <a:avLst/>
-            </a:prstGeom>
+            <a:prstDash val="sysDash"/>
+            <a:tailEnd type="triangle"/>
+          </a:ln>
+        </p:spPr>
+        <p:style>
+          <a:lnRef idx="1">
+            <a:schemeClr val="accent1"/>
+          </a:lnRef>
+          <a:fillRef idx="0">
+            <a:schemeClr val="accent1"/>
+          </a:fillRef>
+          <a:effectRef idx="0">
+            <a:schemeClr val="accent1"/>
+          </a:effectRef>
+          <a:fontRef idx="minor">
+            <a:schemeClr val="tx1"/>
+          </a:fontRef>
+        </p:style>
+      </p:cxnSp>
+      <p:cxnSp>
+        <p:nvCxnSpPr>
+          <p:cNvPr id="190" name="Connecteur droit avec flèche 189"/>
+          <p:cNvCxnSpPr>
+            <a:stCxn id="182" idx="3"/>
+            <a:endCxn id="183" idx="1"/>
+          </p:cNvCxnSpPr>
+          <p:nvPr/>
+        </p:nvCxnSpPr>
+        <p:spPr>
+          <a:xfrm>
+            <a:off x="2716593" y="4505310"/>
+            <a:ext cx="118905" cy="0"/>
+          </a:xfrm>
+          <a:prstGeom prst="straightConnector1">
+            <a:avLst/>
+          </a:prstGeom>
+          <a:ln w="19050">
             <a:solidFill>
-              <a:srgbClr val="1F8A4C"/>
+              <a:schemeClr val="tx1"/>
             </a:solidFill>
-            <a:ln>
-              <a:noFill/>
-            </a:ln>
-          </p:spPr>
-          <p:style>
-            <a:lnRef idx="2">
-              <a:schemeClr val="accent1">
-                <a:shade val="50000"/>
-              </a:schemeClr>
-            </a:lnRef>
-            <a:fillRef idx="1">
-              <a:schemeClr val="accent1"/>
-            </a:fillRef>
-            <a:effectRef idx="0">
-              <a:schemeClr val="accent1"/>
-            </a:effectRef>
-            <a:fontRef idx="minor">
-              <a:schemeClr val="lt1"/>
-            </a:fontRef>
-          </p:style>
-          <p:txBody>
-            <a:bodyPr lIns="36000" rIns="36000" rtlCol="0" anchor="ctr"/>
-            <a:lstStyle/>
-            <a:p>
-              <a:pPr algn="ctr"/>
-              <a:r>
-                <a:rPr lang="fr-FR" sz="600" i="1" noProof="1" smtClean="0">
-                  <a:latin typeface="Cambria" panose="02040503050406030204" pitchFamily="18" charset="0"/>
-                  <a:ea typeface="Arial Rounded MT Bold" charset="0"/>
-                  <a:cs typeface="Arial Rounded MT Bold" charset="0"/>
-                </a:rPr>
-                <a:t>output</a:t>
-              </a:r>
-              <a:endParaRPr lang="fr-FR" sz="600" i="1" noProof="1">
-                <a:latin typeface="Cambria" panose="02040503050406030204" pitchFamily="18" charset="0"/>
-                <a:ea typeface="Arial Rounded MT Bold" charset="0"/>
-                <a:cs typeface="Arial Rounded MT Bold" charset="0"/>
-              </a:endParaRPr>
-            </a:p>
-          </p:txBody>
-        </p:sp>
-        <p:cxnSp>
-          <p:nvCxnSpPr>
-            <p:cNvPr id="188" name="Connecteur droit avec flèche 187"/>
-            <p:cNvCxnSpPr>
-              <a:stCxn id="175" idx="3"/>
-              <a:endCxn id="181" idx="1"/>
-            </p:cNvCxnSpPr>
-            <p:nvPr/>
-          </p:nvCxnSpPr>
-          <p:spPr>
-            <a:xfrm>
-              <a:off x="1854705" y="7199742"/>
-              <a:ext cx="118905" cy="0"/>
-            </a:xfrm>
-            <a:prstGeom prst="straightConnector1">
-              <a:avLst/>
-            </a:prstGeom>
-            <a:ln w="19050">
-              <a:solidFill>
-                <a:schemeClr val="tx1"/>
-              </a:solidFill>
-              <a:prstDash val="sysDash"/>
-              <a:tailEnd type="triangle"/>
-            </a:ln>
-          </p:spPr>
-          <p:style>
-            <a:lnRef idx="1">
-              <a:schemeClr val="accent1"/>
-            </a:lnRef>
-            <a:fillRef idx="0">
-              <a:schemeClr val="accent1"/>
-            </a:fillRef>
-            <a:effectRef idx="0">
-              <a:schemeClr val="accent1"/>
-            </a:effectRef>
-            <a:fontRef idx="minor">
+            <a:prstDash val="sysDash"/>
+            <a:tailEnd type="triangle"/>
+          </a:ln>
+        </p:spPr>
+        <p:style>
+          <a:lnRef idx="1">
+            <a:schemeClr val="accent1"/>
+          </a:lnRef>
+          <a:fillRef idx="0">
+            <a:schemeClr val="accent1"/>
+          </a:fillRef>
+          <a:effectRef idx="0">
+            <a:schemeClr val="accent1"/>
+          </a:effectRef>
+          <a:fontRef idx="minor">
+            <a:schemeClr val="tx1"/>
+          </a:fontRef>
+        </p:style>
+      </p:cxnSp>
+      <p:cxnSp>
+        <p:nvCxnSpPr>
+          <p:cNvPr id="191" name="Connecteur droit avec flèche 190"/>
+          <p:cNvCxnSpPr>
+            <a:stCxn id="183" idx="3"/>
+            <a:endCxn id="184" idx="1"/>
+          </p:cNvCxnSpPr>
+          <p:nvPr/>
+        </p:nvCxnSpPr>
+        <p:spPr>
+          <a:xfrm>
+            <a:off x="3147538" y="4505310"/>
+            <a:ext cx="118905" cy="0"/>
+          </a:xfrm>
+          <a:prstGeom prst="straightConnector1">
+            <a:avLst/>
+          </a:prstGeom>
+          <a:ln w="19050">
+            <a:solidFill>
               <a:schemeClr val="tx1"/>
-            </a:fontRef>
-          </p:style>
-        </p:cxnSp>
-        <p:cxnSp>
-          <p:nvCxnSpPr>
-            <p:cNvPr id="189" name="Connecteur droit avec flèche 188"/>
-            <p:cNvCxnSpPr>
-              <a:stCxn id="181" idx="3"/>
-              <a:endCxn id="182" idx="1"/>
-            </p:cNvCxnSpPr>
-            <p:nvPr/>
-          </p:nvCxnSpPr>
-          <p:spPr>
-            <a:xfrm>
-              <a:off x="2285649" y="7199742"/>
-              <a:ext cx="118905" cy="0"/>
-            </a:xfrm>
-            <a:prstGeom prst="straightConnector1">
-              <a:avLst/>
-            </a:prstGeom>
-            <a:ln w="19050">
-              <a:solidFill>
-                <a:schemeClr val="tx1"/>
-              </a:solidFill>
-              <a:prstDash val="sysDash"/>
-              <a:tailEnd type="triangle"/>
-            </a:ln>
-          </p:spPr>
-          <p:style>
-            <a:lnRef idx="1">
-              <a:schemeClr val="accent1"/>
-            </a:lnRef>
-            <a:fillRef idx="0">
-              <a:schemeClr val="accent1"/>
-            </a:fillRef>
-            <a:effectRef idx="0">
-              <a:schemeClr val="accent1"/>
-            </a:effectRef>
-            <a:fontRef idx="minor">
+            </a:solidFill>
+            <a:prstDash val="sysDash"/>
+            <a:tailEnd type="triangle"/>
+          </a:ln>
+        </p:spPr>
+        <p:style>
+          <a:lnRef idx="1">
+            <a:schemeClr val="accent1"/>
+          </a:lnRef>
+          <a:fillRef idx="0">
+            <a:schemeClr val="accent1"/>
+          </a:fillRef>
+          <a:effectRef idx="0">
+            <a:schemeClr val="accent1"/>
+          </a:effectRef>
+          <a:fontRef idx="minor">
+            <a:schemeClr val="tx1"/>
+          </a:fontRef>
+        </p:style>
+      </p:cxnSp>
+      <p:cxnSp>
+        <p:nvCxnSpPr>
+          <p:cNvPr id="192" name="Connecteur droit avec flèche 191"/>
+          <p:cNvCxnSpPr>
+            <a:stCxn id="184" idx="3"/>
+            <a:endCxn id="185" idx="1"/>
+          </p:cNvCxnSpPr>
+          <p:nvPr/>
+        </p:nvCxnSpPr>
+        <p:spPr>
+          <a:xfrm>
+            <a:off x="3578482" y="4505310"/>
+            <a:ext cx="118905" cy="0"/>
+          </a:xfrm>
+          <a:prstGeom prst="straightConnector1">
+            <a:avLst/>
+          </a:prstGeom>
+          <a:ln w="19050">
+            <a:solidFill>
               <a:schemeClr val="tx1"/>
-            </a:fontRef>
-          </p:style>
-        </p:cxnSp>
-        <p:cxnSp>
-          <p:nvCxnSpPr>
-            <p:cNvPr id="190" name="Connecteur droit avec flèche 189"/>
-            <p:cNvCxnSpPr>
-              <a:stCxn id="182" idx="3"/>
-              <a:endCxn id="183" idx="1"/>
-            </p:cNvCxnSpPr>
-            <p:nvPr/>
-          </p:nvCxnSpPr>
-          <p:spPr>
-            <a:xfrm>
-              <a:off x="2716593" y="7199742"/>
-              <a:ext cx="118905" cy="0"/>
-            </a:xfrm>
-            <a:prstGeom prst="straightConnector1">
-              <a:avLst/>
-            </a:prstGeom>
-            <a:ln w="19050">
-              <a:solidFill>
-                <a:schemeClr val="tx1"/>
-              </a:solidFill>
-              <a:prstDash val="sysDash"/>
-              <a:tailEnd type="triangle"/>
-            </a:ln>
-          </p:spPr>
-          <p:style>
-            <a:lnRef idx="1">
-              <a:schemeClr val="accent1"/>
-            </a:lnRef>
-            <a:fillRef idx="0">
-              <a:schemeClr val="accent1"/>
-            </a:fillRef>
-            <a:effectRef idx="0">
-              <a:schemeClr val="accent1"/>
-            </a:effectRef>
-            <a:fontRef idx="minor">
+            </a:solidFill>
+            <a:prstDash val="sysDash"/>
+            <a:tailEnd type="triangle"/>
+          </a:ln>
+        </p:spPr>
+        <p:style>
+          <a:lnRef idx="1">
+            <a:schemeClr val="accent1"/>
+          </a:lnRef>
+          <a:fillRef idx="0">
+            <a:schemeClr val="accent1"/>
+          </a:fillRef>
+          <a:effectRef idx="0">
+            <a:schemeClr val="accent1"/>
+          </a:effectRef>
+          <a:fontRef idx="minor">
+            <a:schemeClr val="tx1"/>
+          </a:fontRef>
+        </p:style>
+      </p:cxnSp>
+      <p:cxnSp>
+        <p:nvCxnSpPr>
+          <p:cNvPr id="193" name="Connecteur droit avec flèche 192"/>
+          <p:cNvCxnSpPr>
+            <a:stCxn id="185" idx="3"/>
+            <a:endCxn id="186" idx="1"/>
+          </p:cNvCxnSpPr>
+          <p:nvPr/>
+        </p:nvCxnSpPr>
+        <p:spPr>
+          <a:xfrm>
+            <a:off x="4009426" y="4505310"/>
+            <a:ext cx="118905" cy="0"/>
+          </a:xfrm>
+          <a:prstGeom prst="straightConnector1">
+            <a:avLst/>
+          </a:prstGeom>
+          <a:ln w="19050">
+            <a:solidFill>
               <a:schemeClr val="tx1"/>
-            </a:fontRef>
-          </p:style>
-        </p:cxnSp>
-        <p:cxnSp>
-          <p:nvCxnSpPr>
-            <p:cNvPr id="191" name="Connecteur droit avec flèche 190"/>
-            <p:cNvCxnSpPr>
-              <a:stCxn id="183" idx="3"/>
-              <a:endCxn id="184" idx="1"/>
-            </p:cNvCxnSpPr>
-            <p:nvPr/>
-          </p:nvCxnSpPr>
-          <p:spPr>
-            <a:xfrm>
-              <a:off x="3147538" y="7199742"/>
-              <a:ext cx="118905" cy="0"/>
-            </a:xfrm>
-            <a:prstGeom prst="straightConnector1">
-              <a:avLst/>
-            </a:prstGeom>
-            <a:ln w="19050">
-              <a:solidFill>
-                <a:schemeClr val="tx1"/>
-              </a:solidFill>
-              <a:prstDash val="sysDash"/>
-              <a:tailEnd type="triangle"/>
-            </a:ln>
-          </p:spPr>
-          <p:style>
-            <a:lnRef idx="1">
-              <a:schemeClr val="accent1"/>
-            </a:lnRef>
-            <a:fillRef idx="0">
-              <a:schemeClr val="accent1"/>
-            </a:fillRef>
-            <a:effectRef idx="0">
-              <a:schemeClr val="accent1"/>
-            </a:effectRef>
-            <a:fontRef idx="minor">
+            </a:solidFill>
+            <a:prstDash val="sysDash"/>
+            <a:tailEnd type="triangle"/>
+          </a:ln>
+        </p:spPr>
+        <p:style>
+          <a:lnRef idx="1">
+            <a:schemeClr val="accent1"/>
+          </a:lnRef>
+          <a:fillRef idx="0">
+            <a:schemeClr val="accent1"/>
+          </a:fillRef>
+          <a:effectRef idx="0">
+            <a:schemeClr val="accent1"/>
+          </a:effectRef>
+          <a:fontRef idx="minor">
+            <a:schemeClr val="tx1"/>
+          </a:fontRef>
+        </p:style>
+      </p:cxnSp>
+      <p:cxnSp>
+        <p:nvCxnSpPr>
+          <p:cNvPr id="194" name="Connecteur droit avec flèche 193"/>
+          <p:cNvCxnSpPr>
+            <a:stCxn id="186" idx="3"/>
+            <a:endCxn id="187" idx="1"/>
+          </p:cNvCxnSpPr>
+          <p:nvPr/>
+        </p:nvCxnSpPr>
+        <p:spPr>
+          <a:xfrm>
+            <a:off x="4440370" y="4505310"/>
+            <a:ext cx="118905" cy="0"/>
+          </a:xfrm>
+          <a:prstGeom prst="straightConnector1">
+            <a:avLst/>
+          </a:prstGeom>
+          <a:ln w="19050">
+            <a:solidFill>
               <a:schemeClr val="tx1"/>
-            </a:fontRef>
-          </p:style>
-        </p:cxnSp>
-        <p:cxnSp>
-          <p:nvCxnSpPr>
-            <p:cNvPr id="192" name="Connecteur droit avec flèche 191"/>
-            <p:cNvCxnSpPr>
-              <a:stCxn id="184" idx="3"/>
-              <a:endCxn id="185" idx="1"/>
-            </p:cNvCxnSpPr>
-            <p:nvPr/>
-          </p:nvCxnSpPr>
-          <p:spPr>
-            <a:xfrm>
-              <a:off x="3578482" y="7199742"/>
-              <a:ext cx="118905" cy="0"/>
-            </a:xfrm>
-            <a:prstGeom prst="straightConnector1">
-              <a:avLst/>
-            </a:prstGeom>
-            <a:ln w="19050">
-              <a:solidFill>
-                <a:schemeClr val="tx1"/>
-              </a:solidFill>
-              <a:prstDash val="sysDash"/>
-              <a:tailEnd type="triangle"/>
-            </a:ln>
-          </p:spPr>
-          <p:style>
-            <a:lnRef idx="1">
-              <a:schemeClr val="accent1"/>
-            </a:lnRef>
-            <a:fillRef idx="0">
-              <a:schemeClr val="accent1"/>
-            </a:fillRef>
-            <a:effectRef idx="0">
-              <a:schemeClr val="accent1"/>
-            </a:effectRef>
-            <a:fontRef idx="minor">
+            </a:solidFill>
+            <a:prstDash val="sysDash"/>
+            <a:tailEnd type="triangle"/>
+          </a:ln>
+        </p:spPr>
+        <p:style>
+          <a:lnRef idx="1">
+            <a:schemeClr val="accent1"/>
+          </a:lnRef>
+          <a:fillRef idx="0">
+            <a:schemeClr val="accent1"/>
+          </a:fillRef>
+          <a:effectRef idx="0">
+            <a:schemeClr val="accent1"/>
+          </a:effectRef>
+          <a:fontRef idx="minor">
+            <a:schemeClr val="tx1"/>
+          </a:fontRef>
+        </p:style>
+      </p:cxnSp>
+      <p:cxnSp>
+        <p:nvCxnSpPr>
+          <p:cNvPr id="195" name="Connecteur droit avec flèche 194"/>
+          <p:cNvCxnSpPr>
+            <a:stCxn id="187" idx="3"/>
+          </p:cNvCxnSpPr>
+          <p:nvPr/>
+        </p:nvCxnSpPr>
+        <p:spPr>
+          <a:xfrm>
+            <a:off x="4871314" y="4505310"/>
+            <a:ext cx="429070" cy="1"/>
+          </a:xfrm>
+          <a:prstGeom prst="straightConnector1">
+            <a:avLst/>
+          </a:prstGeom>
+          <a:ln w="19050">
+            <a:solidFill>
               <a:schemeClr val="tx1"/>
-            </a:fontRef>
-          </p:style>
-        </p:cxnSp>
-        <p:cxnSp>
-          <p:nvCxnSpPr>
-            <p:cNvPr id="193" name="Connecteur droit avec flèche 192"/>
-            <p:cNvCxnSpPr>
-              <a:stCxn id="185" idx="3"/>
-              <a:endCxn id="186" idx="1"/>
-            </p:cNvCxnSpPr>
-            <p:nvPr/>
-          </p:nvCxnSpPr>
-          <p:spPr>
-            <a:xfrm>
-              <a:off x="4009426" y="7199742"/>
-              <a:ext cx="118905" cy="0"/>
-            </a:xfrm>
-            <a:prstGeom prst="straightConnector1">
-              <a:avLst/>
-            </a:prstGeom>
-            <a:ln w="19050">
-              <a:solidFill>
-                <a:schemeClr val="tx1"/>
-              </a:solidFill>
-              <a:prstDash val="sysDash"/>
-              <a:tailEnd type="triangle"/>
-            </a:ln>
-          </p:spPr>
-          <p:style>
-            <a:lnRef idx="1">
-              <a:schemeClr val="accent1"/>
-            </a:lnRef>
-            <a:fillRef idx="0">
-              <a:schemeClr val="accent1"/>
-            </a:fillRef>
-            <a:effectRef idx="0">
-              <a:schemeClr val="accent1"/>
-            </a:effectRef>
-            <a:fontRef idx="minor">
-              <a:schemeClr val="tx1"/>
-            </a:fontRef>
-          </p:style>
-        </p:cxnSp>
-        <p:cxnSp>
-          <p:nvCxnSpPr>
-            <p:cNvPr id="194" name="Connecteur droit avec flèche 193"/>
-            <p:cNvCxnSpPr>
-              <a:stCxn id="186" idx="3"/>
-              <a:endCxn id="187" idx="1"/>
-            </p:cNvCxnSpPr>
-            <p:nvPr/>
-          </p:nvCxnSpPr>
-          <p:spPr>
-            <a:xfrm>
-              <a:off x="4440370" y="7199742"/>
-              <a:ext cx="118905" cy="0"/>
-            </a:xfrm>
-            <a:prstGeom prst="straightConnector1">
-              <a:avLst/>
-            </a:prstGeom>
-            <a:ln w="19050">
-              <a:solidFill>
-                <a:schemeClr val="tx1"/>
-              </a:solidFill>
-              <a:prstDash val="sysDash"/>
-              <a:tailEnd type="triangle"/>
-            </a:ln>
-          </p:spPr>
-          <p:style>
-            <a:lnRef idx="1">
-              <a:schemeClr val="accent1"/>
-            </a:lnRef>
-            <a:fillRef idx="0">
-              <a:schemeClr val="accent1"/>
-            </a:fillRef>
-            <a:effectRef idx="0">
-              <a:schemeClr val="accent1"/>
-            </a:effectRef>
-            <a:fontRef idx="minor">
-              <a:schemeClr val="tx1"/>
-            </a:fontRef>
-          </p:style>
-        </p:cxnSp>
-        <p:cxnSp>
-          <p:nvCxnSpPr>
-            <p:cNvPr id="195" name="Connecteur droit avec flèche 194"/>
-            <p:cNvCxnSpPr>
-              <a:stCxn id="187" idx="3"/>
-            </p:cNvCxnSpPr>
-            <p:nvPr/>
-          </p:nvCxnSpPr>
-          <p:spPr>
-            <a:xfrm>
-              <a:off x="4871314" y="7199742"/>
-              <a:ext cx="429070" cy="1"/>
-            </a:xfrm>
-            <a:prstGeom prst="straightConnector1">
-              <a:avLst/>
-            </a:prstGeom>
-            <a:ln w="19050">
-              <a:solidFill>
-                <a:schemeClr val="tx1"/>
-              </a:solidFill>
-              <a:prstDash val="sysDash"/>
-              <a:tailEnd type="triangle"/>
-            </a:ln>
-          </p:spPr>
-          <p:style>
-            <a:lnRef idx="1">
-              <a:schemeClr val="accent1"/>
-            </a:lnRef>
-            <a:fillRef idx="0">
-              <a:schemeClr val="accent1"/>
-            </a:fillRef>
-            <a:effectRef idx="0">
-              <a:schemeClr val="accent1"/>
-            </a:effectRef>
-            <a:fontRef idx="minor">
-              <a:schemeClr val="tx1"/>
-            </a:fontRef>
-          </p:style>
-        </p:cxnSp>
-        <p:sp>
-          <p:nvSpPr>
-            <p:cNvPr id="196" name="Rectangle à coins arrondis 195"/>
-            <p:cNvSpPr/>
-            <p:nvPr/>
-          </p:nvSpPr>
-          <p:spPr>
-            <a:xfrm>
-              <a:off x="582586" y="6460346"/>
-              <a:ext cx="1806240" cy="411831"/>
-            </a:xfrm>
-            <a:prstGeom prst="roundRect">
-              <a:avLst>
-                <a:gd name="adj" fmla="val 3969"/>
-              </a:avLst>
-            </a:prstGeom>
-            <a:solidFill>
-              <a:schemeClr val="accent6">
-                <a:lumMod val="40000"/>
-                <a:lumOff val="60000"/>
-              </a:schemeClr>
             </a:solidFill>
-            <a:ln>
-              <a:noFill/>
-            </a:ln>
-          </p:spPr>
-          <p:style>
-            <a:lnRef idx="2">
-              <a:schemeClr val="accent1">
-                <a:shade val="50000"/>
-              </a:schemeClr>
-            </a:lnRef>
-            <a:fillRef idx="1">
-              <a:schemeClr val="accent1"/>
-            </a:fillRef>
-            <a:effectRef idx="0">
-              <a:schemeClr val="accent1"/>
-            </a:effectRef>
-            <a:fontRef idx="minor">
-              <a:schemeClr val="lt1"/>
-            </a:fontRef>
-          </p:style>
-          <p:txBody>
-            <a:bodyPr tIns="0" rtlCol="0" anchor="t" anchorCtr="0"/>
-            <a:lstStyle/>
-            <a:p>
-              <a:pPr algn="ctr"/>
-              <a:r>
-                <a:rPr lang="fr-FR" sz="600" b="1" noProof="1" smtClean="0">
-                  <a:solidFill>
-                    <a:schemeClr val="tx1"/>
-                  </a:solidFill>
-                  <a:latin typeface="Cambria" panose="02040503050406030204" pitchFamily="18" charset="0"/>
-                  <a:ea typeface="Arial Rounded MT Bold" charset="0"/>
-                  <a:cs typeface="Arial Rounded MT Bold" charset="0"/>
-                </a:rPr>
-                <a:t>tsp</a:t>
-              </a:r>
-              <a:endParaRPr lang="fr-FR" sz="600" b="1" noProof="1">
+            <a:prstDash val="sysDash"/>
+            <a:tailEnd type="triangle"/>
+          </a:ln>
+        </p:spPr>
+        <p:style>
+          <a:lnRef idx="1">
+            <a:schemeClr val="accent1"/>
+          </a:lnRef>
+          <a:fillRef idx="0">
+            <a:schemeClr val="accent1"/>
+          </a:fillRef>
+          <a:effectRef idx="0">
+            <a:schemeClr val="accent1"/>
+          </a:effectRef>
+          <a:fontRef idx="minor">
+            <a:schemeClr val="tx1"/>
+          </a:fontRef>
+        </p:style>
+      </p:cxnSp>
+      <p:sp>
+        <p:nvSpPr>
+          <p:cNvPr id="196" name="Rectangle à coins arrondis 195"/>
+          <p:cNvSpPr/>
+          <p:nvPr/>
+        </p:nvSpPr>
+        <p:spPr>
+          <a:xfrm>
+            <a:off x="582586" y="3765914"/>
+            <a:ext cx="1806240" cy="411831"/>
+          </a:xfrm>
+          <a:prstGeom prst="roundRect">
+            <a:avLst>
+              <a:gd name="adj" fmla="val 3969"/>
+            </a:avLst>
+          </a:prstGeom>
+          <a:solidFill>
+            <a:schemeClr val="accent6">
+              <a:lumMod val="40000"/>
+              <a:lumOff val="60000"/>
+            </a:schemeClr>
+          </a:solidFill>
+          <a:ln>
+            <a:noFill/>
+          </a:ln>
+        </p:spPr>
+        <p:style>
+          <a:lnRef idx="2">
+            <a:schemeClr val="accent1">
+              <a:shade val="50000"/>
+            </a:schemeClr>
+          </a:lnRef>
+          <a:fillRef idx="1">
+            <a:schemeClr val="accent1"/>
+          </a:fillRef>
+          <a:effectRef idx="0">
+            <a:schemeClr val="accent1"/>
+          </a:effectRef>
+          <a:fontRef idx="minor">
+            <a:schemeClr val="lt1"/>
+          </a:fontRef>
+        </p:style>
+        <p:txBody>
+          <a:bodyPr tIns="0" rtlCol="0" anchor="t" anchorCtr="0"/>
+          <a:lstStyle/>
+          <a:p>
+            <a:pPr algn="ctr"/>
+            <a:r>
+              <a:rPr lang="fr-FR" sz="600" b="1" noProof="1" smtClean="0">
                 <a:solidFill>
                   <a:schemeClr val="tx1"/>
                 </a:solidFill>
                 <a:latin typeface="Cambria" panose="02040503050406030204" pitchFamily="18" charset="0"/>
                 <a:ea typeface="Arial Rounded MT Bold" charset="0"/>
                 <a:cs typeface="Arial Rounded MT Bold" charset="0"/>
-              </a:endParaRPr>
-            </a:p>
-          </p:txBody>
-        </p:sp>
-        <p:sp>
-          <p:nvSpPr>
-            <p:cNvPr id="197" name="Rectangle à coins arrondis 196"/>
-            <p:cNvSpPr/>
-            <p:nvPr/>
-          </p:nvSpPr>
-          <p:spPr>
-            <a:xfrm>
-              <a:off x="692541" y="6607853"/>
-              <a:ext cx="312039" cy="201219"/>
-            </a:xfrm>
-            <a:prstGeom prst="roundRect">
-              <a:avLst/>
-            </a:prstGeom>
-            <a:solidFill>
-              <a:srgbClr val="1F8A4C"/>
-            </a:solidFill>
-            <a:ln>
-              <a:noFill/>
-            </a:ln>
-          </p:spPr>
-          <p:style>
-            <a:lnRef idx="2">
-              <a:schemeClr val="accent1">
-                <a:shade val="50000"/>
-              </a:schemeClr>
-            </a:lnRef>
-            <a:fillRef idx="1">
-              <a:schemeClr val="accent1"/>
-            </a:fillRef>
-            <a:effectRef idx="0">
-              <a:schemeClr val="accent1"/>
-            </a:effectRef>
-            <a:fontRef idx="minor">
-              <a:schemeClr val="lt1"/>
-            </a:fontRef>
-          </p:style>
-          <p:txBody>
-            <a:bodyPr lIns="36000" rIns="36000" rtlCol="0" anchor="ctr"/>
-            <a:lstStyle/>
-            <a:p>
-              <a:pPr algn="ctr"/>
-              <a:r>
-                <a:rPr lang="fr-FR" sz="600" i="1" noProof="1" smtClean="0">
-                  <a:latin typeface="Cambria" panose="02040503050406030204" pitchFamily="18" charset="0"/>
-                  <a:ea typeface="Arial Rounded MT Bold" charset="0"/>
-                  <a:cs typeface="Arial Rounded MT Bold" charset="0"/>
-                </a:rPr>
-                <a:t>input</a:t>
-              </a:r>
-              <a:endParaRPr lang="fr-FR" sz="600" i="1" noProof="1">
+              </a:rPr>
+              <a:t>tsp</a:t>
+            </a:r>
+            <a:endParaRPr lang="fr-FR" sz="600" b="1" noProof="1">
+              <a:solidFill>
+                <a:schemeClr val="tx1"/>
+              </a:solidFill>
+              <a:latin typeface="Cambria" panose="02040503050406030204" pitchFamily="18" charset="0"/>
+              <a:ea typeface="Arial Rounded MT Bold" charset="0"/>
+              <a:cs typeface="Arial Rounded MT Bold" charset="0"/>
+            </a:endParaRPr>
+          </a:p>
+        </p:txBody>
+      </p:sp>
+      <p:sp>
+        <p:nvSpPr>
+          <p:cNvPr id="197" name="Rectangle à coins arrondis 196"/>
+          <p:cNvSpPr/>
+          <p:nvPr/>
+        </p:nvSpPr>
+        <p:spPr>
+          <a:xfrm>
+            <a:off x="692541" y="3913421"/>
+            <a:ext cx="312039" cy="201219"/>
+          </a:xfrm>
+          <a:prstGeom prst="roundRect">
+            <a:avLst/>
+          </a:prstGeom>
+          <a:solidFill>
+            <a:srgbClr val="1F8A4C"/>
+          </a:solidFill>
+          <a:ln>
+            <a:noFill/>
+          </a:ln>
+        </p:spPr>
+        <p:style>
+          <a:lnRef idx="2">
+            <a:schemeClr val="accent1">
+              <a:shade val="50000"/>
+            </a:schemeClr>
+          </a:lnRef>
+          <a:fillRef idx="1">
+            <a:schemeClr val="accent1"/>
+          </a:fillRef>
+          <a:effectRef idx="0">
+            <a:schemeClr val="accent1"/>
+          </a:effectRef>
+          <a:fontRef idx="minor">
+            <a:schemeClr val="lt1"/>
+          </a:fontRef>
+        </p:style>
+        <p:txBody>
+          <a:bodyPr lIns="36000" rIns="36000" rtlCol="0" anchor="ctr"/>
+          <a:lstStyle/>
+          <a:p>
+            <a:pPr algn="ctr"/>
+            <a:r>
+              <a:rPr lang="fr-FR" sz="600" i="1" noProof="1" smtClean="0">
                 <a:latin typeface="Cambria" panose="02040503050406030204" pitchFamily="18" charset="0"/>
                 <a:ea typeface="Arial Rounded MT Bold" charset="0"/>
                 <a:cs typeface="Arial Rounded MT Bold" charset="0"/>
-              </a:endParaRPr>
-            </a:p>
-          </p:txBody>
-        </p:sp>
-        <p:sp>
-          <p:nvSpPr>
-            <p:cNvPr id="198" name="Rectangle à coins arrondis 197"/>
-            <p:cNvSpPr/>
-            <p:nvPr/>
-          </p:nvSpPr>
-          <p:spPr>
-            <a:xfrm>
-              <a:off x="1123160" y="6607853"/>
-              <a:ext cx="312039" cy="201219"/>
-            </a:xfrm>
-            <a:prstGeom prst="roundRect">
-              <a:avLst/>
-            </a:prstGeom>
-            <a:solidFill>
-              <a:srgbClr val="1F8A4C"/>
-            </a:solidFill>
-            <a:ln>
-              <a:noFill/>
-            </a:ln>
-          </p:spPr>
-          <p:style>
-            <a:lnRef idx="2">
-              <a:schemeClr val="accent1">
-                <a:shade val="50000"/>
-              </a:schemeClr>
-            </a:lnRef>
-            <a:fillRef idx="1">
-              <a:schemeClr val="accent1"/>
-            </a:fillRef>
-            <a:effectRef idx="0">
-              <a:schemeClr val="accent1"/>
-            </a:effectRef>
-            <a:fontRef idx="minor">
-              <a:schemeClr val="lt1"/>
-            </a:fontRef>
-          </p:style>
-          <p:txBody>
-            <a:bodyPr lIns="36000" rIns="36000" rtlCol="0" anchor="ctr"/>
-            <a:lstStyle/>
-            <a:p>
-              <a:pPr algn="ctr"/>
-              <a:r>
-                <a:rPr lang="fr-FR" sz="600" i="1" noProof="1" smtClean="0">
-                  <a:latin typeface="Cambria" panose="02040503050406030204" pitchFamily="18" charset="0"/>
-                  <a:ea typeface="Arial Rounded MT Bold" charset="0"/>
-                  <a:cs typeface="Arial Rounded MT Bold" charset="0"/>
-                </a:rPr>
-                <a:t>plugin</a:t>
-              </a:r>
-              <a:endParaRPr lang="fr-FR" sz="600" i="1" noProof="1">
+              </a:rPr>
+              <a:t>input</a:t>
+            </a:r>
+            <a:endParaRPr lang="fr-FR" sz="600" i="1" noProof="1">
+              <a:latin typeface="Cambria" panose="02040503050406030204" pitchFamily="18" charset="0"/>
+              <a:ea typeface="Arial Rounded MT Bold" charset="0"/>
+              <a:cs typeface="Arial Rounded MT Bold" charset="0"/>
+            </a:endParaRPr>
+          </a:p>
+        </p:txBody>
+      </p:sp>
+      <p:sp>
+        <p:nvSpPr>
+          <p:cNvPr id="198" name="Rectangle à coins arrondis 197"/>
+          <p:cNvSpPr/>
+          <p:nvPr/>
+        </p:nvSpPr>
+        <p:spPr>
+          <a:xfrm>
+            <a:off x="1123160" y="3913421"/>
+            <a:ext cx="312039" cy="201219"/>
+          </a:xfrm>
+          <a:prstGeom prst="roundRect">
+            <a:avLst/>
+          </a:prstGeom>
+          <a:solidFill>
+            <a:srgbClr val="1F8A4C"/>
+          </a:solidFill>
+          <a:ln>
+            <a:noFill/>
+          </a:ln>
+        </p:spPr>
+        <p:style>
+          <a:lnRef idx="2">
+            <a:schemeClr val="accent1">
+              <a:shade val="50000"/>
+            </a:schemeClr>
+          </a:lnRef>
+          <a:fillRef idx="1">
+            <a:schemeClr val="accent1"/>
+          </a:fillRef>
+          <a:effectRef idx="0">
+            <a:schemeClr val="accent1"/>
+          </a:effectRef>
+          <a:fontRef idx="minor">
+            <a:schemeClr val="lt1"/>
+          </a:fontRef>
+        </p:style>
+        <p:txBody>
+          <a:bodyPr lIns="36000" rIns="36000" rtlCol="0" anchor="ctr"/>
+          <a:lstStyle/>
+          <a:p>
+            <a:pPr algn="ctr"/>
+            <a:r>
+              <a:rPr lang="fr-FR" sz="600" i="1" noProof="1" smtClean="0">
                 <a:latin typeface="Cambria" panose="02040503050406030204" pitchFamily="18" charset="0"/>
                 <a:ea typeface="Arial Rounded MT Bold" charset="0"/>
                 <a:cs typeface="Arial Rounded MT Bold" charset="0"/>
-              </a:endParaRPr>
-            </a:p>
-          </p:txBody>
-        </p:sp>
-        <p:sp>
-          <p:nvSpPr>
-            <p:cNvPr id="199" name="Rectangle à coins arrondis 198"/>
-            <p:cNvSpPr/>
-            <p:nvPr/>
-          </p:nvSpPr>
-          <p:spPr>
-            <a:xfrm>
-              <a:off x="1553778" y="6607853"/>
-              <a:ext cx="312039" cy="201219"/>
-            </a:xfrm>
-            <a:prstGeom prst="roundRect">
-              <a:avLst/>
-            </a:prstGeom>
-            <a:solidFill>
-              <a:srgbClr val="1F8A4C"/>
-            </a:solidFill>
-            <a:ln>
-              <a:noFill/>
-            </a:ln>
-          </p:spPr>
-          <p:style>
-            <a:lnRef idx="2">
-              <a:schemeClr val="accent1">
-                <a:shade val="50000"/>
-              </a:schemeClr>
-            </a:lnRef>
-            <a:fillRef idx="1">
-              <a:schemeClr val="accent1"/>
-            </a:fillRef>
-            <a:effectRef idx="0">
-              <a:schemeClr val="accent1"/>
-            </a:effectRef>
-            <a:fontRef idx="minor">
-              <a:schemeClr val="lt1"/>
-            </a:fontRef>
-          </p:style>
-          <p:txBody>
-            <a:bodyPr lIns="36000" rIns="36000" rtlCol="0" anchor="ctr"/>
-            <a:lstStyle/>
-            <a:p>
-              <a:pPr algn="ctr"/>
-              <a:r>
-                <a:rPr lang="fr-FR" sz="600" i="1" noProof="1" smtClean="0">
-                  <a:latin typeface="Cambria" panose="02040503050406030204" pitchFamily="18" charset="0"/>
-                  <a:ea typeface="Arial Rounded MT Bold" charset="0"/>
-                  <a:cs typeface="Arial Rounded MT Bold" charset="0"/>
-                </a:rPr>
-                <a:t>plugin</a:t>
-              </a:r>
-              <a:endParaRPr lang="fr-FR" sz="600" i="1" noProof="1">
+              </a:rPr>
+              <a:t>plugin</a:t>
+            </a:r>
+            <a:endParaRPr lang="fr-FR" sz="600" i="1" noProof="1">
+              <a:latin typeface="Cambria" panose="02040503050406030204" pitchFamily="18" charset="0"/>
+              <a:ea typeface="Arial Rounded MT Bold" charset="0"/>
+              <a:cs typeface="Arial Rounded MT Bold" charset="0"/>
+            </a:endParaRPr>
+          </a:p>
+        </p:txBody>
+      </p:sp>
+      <p:sp>
+        <p:nvSpPr>
+          <p:cNvPr id="199" name="Rectangle à coins arrondis 198"/>
+          <p:cNvSpPr/>
+          <p:nvPr/>
+        </p:nvSpPr>
+        <p:spPr>
+          <a:xfrm>
+            <a:off x="1553778" y="3913421"/>
+            <a:ext cx="312039" cy="201219"/>
+          </a:xfrm>
+          <a:prstGeom prst="roundRect">
+            <a:avLst/>
+          </a:prstGeom>
+          <a:solidFill>
+            <a:srgbClr val="1F8A4C"/>
+          </a:solidFill>
+          <a:ln>
+            <a:noFill/>
+          </a:ln>
+        </p:spPr>
+        <p:style>
+          <a:lnRef idx="2">
+            <a:schemeClr val="accent1">
+              <a:shade val="50000"/>
+            </a:schemeClr>
+          </a:lnRef>
+          <a:fillRef idx="1">
+            <a:schemeClr val="accent1"/>
+          </a:fillRef>
+          <a:effectRef idx="0">
+            <a:schemeClr val="accent1"/>
+          </a:effectRef>
+          <a:fontRef idx="minor">
+            <a:schemeClr val="lt1"/>
+          </a:fontRef>
+        </p:style>
+        <p:txBody>
+          <a:bodyPr lIns="36000" rIns="36000" rtlCol="0" anchor="ctr"/>
+          <a:lstStyle/>
+          <a:p>
+            <a:pPr algn="ctr"/>
+            <a:r>
+              <a:rPr lang="fr-FR" sz="600" i="1" noProof="1" smtClean="0">
                 <a:latin typeface="Cambria" panose="02040503050406030204" pitchFamily="18" charset="0"/>
                 <a:ea typeface="Arial Rounded MT Bold" charset="0"/>
                 <a:cs typeface="Arial Rounded MT Bold" charset="0"/>
-              </a:endParaRPr>
-            </a:p>
-          </p:txBody>
-        </p:sp>
-        <p:sp>
-          <p:nvSpPr>
-            <p:cNvPr id="200" name="Rectangle à coins arrondis 199"/>
-            <p:cNvSpPr/>
-            <p:nvPr/>
-          </p:nvSpPr>
-          <p:spPr>
-            <a:xfrm>
-              <a:off x="1984396" y="6607853"/>
-              <a:ext cx="312039" cy="201219"/>
-            </a:xfrm>
-            <a:prstGeom prst="roundRect">
-              <a:avLst/>
-            </a:prstGeom>
+              </a:rPr>
+              <a:t>plugin</a:t>
+            </a:r>
+            <a:endParaRPr lang="fr-FR" sz="600" i="1" noProof="1">
+              <a:latin typeface="Cambria" panose="02040503050406030204" pitchFamily="18" charset="0"/>
+              <a:ea typeface="Arial Rounded MT Bold" charset="0"/>
+              <a:cs typeface="Arial Rounded MT Bold" charset="0"/>
+            </a:endParaRPr>
+          </a:p>
+        </p:txBody>
+      </p:sp>
+      <p:sp>
+        <p:nvSpPr>
+          <p:cNvPr id="200" name="Rectangle à coins arrondis 199"/>
+          <p:cNvSpPr/>
+          <p:nvPr/>
+        </p:nvSpPr>
+        <p:spPr>
+          <a:xfrm>
+            <a:off x="1984396" y="3913421"/>
+            <a:ext cx="312039" cy="201219"/>
+          </a:xfrm>
+          <a:prstGeom prst="roundRect">
+            <a:avLst/>
+          </a:prstGeom>
+          <a:solidFill>
+            <a:srgbClr val="1F8A4C"/>
+          </a:solidFill>
+          <a:ln>
+            <a:noFill/>
+          </a:ln>
+        </p:spPr>
+        <p:style>
+          <a:lnRef idx="2">
+            <a:schemeClr val="accent1">
+              <a:shade val="50000"/>
+            </a:schemeClr>
+          </a:lnRef>
+          <a:fillRef idx="1">
+            <a:schemeClr val="accent1"/>
+          </a:fillRef>
+          <a:effectRef idx="0">
+            <a:schemeClr val="accent1"/>
+          </a:effectRef>
+          <a:fontRef idx="minor">
+            <a:schemeClr val="lt1"/>
+          </a:fontRef>
+        </p:style>
+        <p:txBody>
+          <a:bodyPr lIns="36000" rIns="36000" rtlCol="0" anchor="ctr"/>
+          <a:lstStyle/>
+          <a:p>
+            <a:pPr algn="ctr"/>
+            <a:r>
+              <a:rPr lang="fr-FR" sz="600" b="1" noProof="1" smtClean="0">
+                <a:latin typeface="Consolas" panose="020B0609020204030204" pitchFamily="49" charset="0"/>
+                <a:ea typeface="Arial Rounded MT Bold" charset="0"/>
+                <a:cs typeface="Consolas" panose="020B0609020204030204" pitchFamily="49" charset="0"/>
+              </a:rPr>
+              <a:t>file</a:t>
+            </a:r>
+            <a:endParaRPr lang="fr-FR" sz="600" i="1" noProof="1">
+              <a:latin typeface="Cambria" panose="02040503050406030204" pitchFamily="18" charset="0"/>
+              <a:ea typeface="Arial Rounded MT Bold" charset="0"/>
+              <a:cs typeface="Arial Rounded MT Bold" charset="0"/>
+            </a:endParaRPr>
+          </a:p>
+        </p:txBody>
+      </p:sp>
+      <p:cxnSp>
+        <p:nvCxnSpPr>
+          <p:cNvPr id="201" name="Connecteur droit avec flèche 200"/>
+          <p:cNvCxnSpPr>
+            <a:stCxn id="197" idx="3"/>
+            <a:endCxn id="198" idx="1"/>
+          </p:cNvCxnSpPr>
+          <p:nvPr/>
+        </p:nvCxnSpPr>
+        <p:spPr>
+          <a:xfrm>
+            <a:off x="1004580" y="4014031"/>
+            <a:ext cx="118580" cy="0"/>
+          </a:xfrm>
+          <a:prstGeom prst="straightConnector1">
+            <a:avLst/>
+          </a:prstGeom>
+          <a:ln w="19050">
             <a:solidFill>
-              <a:srgbClr val="1F8A4C"/>
+              <a:schemeClr val="tx1"/>
             </a:solidFill>
-            <a:ln>
-              <a:noFill/>
-            </a:ln>
-          </p:spPr>
-          <p:style>
-            <a:lnRef idx="2">
-              <a:schemeClr val="accent1">
-                <a:shade val="50000"/>
-              </a:schemeClr>
-            </a:lnRef>
-            <a:fillRef idx="1">
-              <a:schemeClr val="accent1"/>
-            </a:fillRef>
-            <a:effectRef idx="0">
-              <a:schemeClr val="accent1"/>
-            </a:effectRef>
-            <a:fontRef idx="minor">
-              <a:schemeClr val="lt1"/>
-            </a:fontRef>
-          </p:style>
-          <p:txBody>
-            <a:bodyPr lIns="36000" rIns="36000" rtlCol="0" anchor="ctr"/>
-            <a:lstStyle/>
-            <a:p>
-              <a:pPr algn="ctr"/>
-              <a:r>
-                <a:rPr lang="fr-FR" sz="600" b="1" noProof="1" smtClean="0">
-                  <a:latin typeface="Consolas" panose="020B0609020204030204" pitchFamily="49" charset="0"/>
-                  <a:ea typeface="Arial Rounded MT Bold" charset="0"/>
-                  <a:cs typeface="Consolas" panose="020B0609020204030204" pitchFamily="49" charset="0"/>
-                </a:rPr>
-                <a:t>file</a:t>
-              </a:r>
-              <a:endParaRPr lang="fr-FR" sz="600" i="1" noProof="1">
-                <a:latin typeface="Cambria" panose="02040503050406030204" pitchFamily="18" charset="0"/>
-                <a:ea typeface="Arial Rounded MT Bold" charset="0"/>
-                <a:cs typeface="Arial Rounded MT Bold" charset="0"/>
-              </a:endParaRPr>
-            </a:p>
-          </p:txBody>
-        </p:sp>
-        <p:cxnSp>
-          <p:nvCxnSpPr>
-            <p:cNvPr id="201" name="Connecteur droit avec flèche 200"/>
-            <p:cNvCxnSpPr>
-              <a:stCxn id="197" idx="3"/>
-              <a:endCxn id="198" idx="1"/>
-            </p:cNvCxnSpPr>
-            <p:nvPr/>
-          </p:nvCxnSpPr>
-          <p:spPr>
-            <a:xfrm>
-              <a:off x="1004580" y="6708463"/>
-              <a:ext cx="118580" cy="0"/>
-            </a:xfrm>
-            <a:prstGeom prst="straightConnector1">
-              <a:avLst/>
-            </a:prstGeom>
-            <a:ln w="19050">
-              <a:solidFill>
-                <a:schemeClr val="tx1"/>
-              </a:solidFill>
-              <a:prstDash val="sysDash"/>
-              <a:tailEnd type="triangle"/>
-            </a:ln>
-          </p:spPr>
-          <p:style>
-            <a:lnRef idx="1">
-              <a:schemeClr val="accent1"/>
-            </a:lnRef>
-            <a:fillRef idx="0">
-              <a:schemeClr val="accent1"/>
-            </a:fillRef>
-            <a:effectRef idx="0">
-              <a:schemeClr val="accent1"/>
-            </a:effectRef>
-            <a:fontRef idx="minor">
+            <a:prstDash val="sysDash"/>
+            <a:tailEnd type="triangle"/>
+          </a:ln>
+        </p:spPr>
+        <p:style>
+          <a:lnRef idx="1">
+            <a:schemeClr val="accent1"/>
+          </a:lnRef>
+          <a:fillRef idx="0">
+            <a:schemeClr val="accent1"/>
+          </a:fillRef>
+          <a:effectRef idx="0">
+            <a:schemeClr val="accent1"/>
+          </a:effectRef>
+          <a:fontRef idx="minor">
+            <a:schemeClr val="tx1"/>
+          </a:fontRef>
+        </p:style>
+      </p:cxnSp>
+      <p:cxnSp>
+        <p:nvCxnSpPr>
+          <p:cNvPr id="202" name="Connecteur droit avec flèche 201"/>
+          <p:cNvCxnSpPr>
+            <a:endCxn id="199" idx="1"/>
+          </p:cNvCxnSpPr>
+          <p:nvPr/>
+        </p:nvCxnSpPr>
+        <p:spPr>
+          <a:xfrm flipV="1">
+            <a:off x="1444719" y="4014031"/>
+            <a:ext cx="109059" cy="3434"/>
+          </a:xfrm>
+          <a:prstGeom prst="straightConnector1">
+            <a:avLst/>
+          </a:prstGeom>
+          <a:ln w="19050">
+            <a:solidFill>
               <a:schemeClr val="tx1"/>
-            </a:fontRef>
-          </p:style>
-        </p:cxnSp>
-        <p:cxnSp>
-          <p:nvCxnSpPr>
-            <p:cNvPr id="202" name="Connecteur droit avec flèche 201"/>
-            <p:cNvCxnSpPr>
-              <a:endCxn id="199" idx="1"/>
-            </p:cNvCxnSpPr>
-            <p:nvPr/>
-          </p:nvCxnSpPr>
-          <p:spPr>
-            <a:xfrm flipV="1">
-              <a:off x="1444719" y="6708463"/>
-              <a:ext cx="109059" cy="3434"/>
-            </a:xfrm>
-            <a:prstGeom prst="straightConnector1">
-              <a:avLst/>
-            </a:prstGeom>
-            <a:ln w="19050">
-              <a:solidFill>
-                <a:schemeClr val="tx1"/>
-              </a:solidFill>
-              <a:prstDash val="sysDash"/>
-              <a:tailEnd type="triangle"/>
-            </a:ln>
-          </p:spPr>
-          <p:style>
-            <a:lnRef idx="1">
-              <a:schemeClr val="accent1"/>
-            </a:lnRef>
-            <a:fillRef idx="0">
-              <a:schemeClr val="accent1"/>
-            </a:fillRef>
-            <a:effectRef idx="0">
-              <a:schemeClr val="accent1"/>
-            </a:effectRef>
-            <a:fontRef idx="minor">
+            </a:solidFill>
+            <a:prstDash val="sysDash"/>
+            <a:tailEnd type="triangle"/>
+          </a:ln>
+        </p:spPr>
+        <p:style>
+          <a:lnRef idx="1">
+            <a:schemeClr val="accent1"/>
+          </a:lnRef>
+          <a:fillRef idx="0">
+            <a:schemeClr val="accent1"/>
+          </a:fillRef>
+          <a:effectRef idx="0">
+            <a:schemeClr val="accent1"/>
+          </a:effectRef>
+          <a:fontRef idx="minor">
+            <a:schemeClr val="tx1"/>
+          </a:fontRef>
+        </p:style>
+      </p:cxnSp>
+      <p:cxnSp>
+        <p:nvCxnSpPr>
+          <p:cNvPr id="203" name="Connecteur droit avec flèche 202"/>
+          <p:cNvCxnSpPr>
+            <a:stCxn id="199" idx="3"/>
+            <a:endCxn id="200" idx="1"/>
+          </p:cNvCxnSpPr>
+          <p:nvPr/>
+        </p:nvCxnSpPr>
+        <p:spPr>
+          <a:xfrm>
+            <a:off x="1865817" y="4014031"/>
+            <a:ext cx="118580" cy="0"/>
+          </a:xfrm>
+          <a:prstGeom prst="straightConnector1">
+            <a:avLst/>
+          </a:prstGeom>
+          <a:ln w="19050">
+            <a:solidFill>
               <a:schemeClr val="tx1"/>
-            </a:fontRef>
-          </p:style>
-        </p:cxnSp>
-        <p:cxnSp>
-          <p:nvCxnSpPr>
-            <p:cNvPr id="203" name="Connecteur droit avec flèche 202"/>
-            <p:cNvCxnSpPr>
-              <a:stCxn id="199" idx="3"/>
-              <a:endCxn id="200" idx="1"/>
-            </p:cNvCxnSpPr>
-            <p:nvPr/>
-          </p:nvCxnSpPr>
-          <p:spPr>
-            <a:xfrm>
-              <a:off x="1865817" y="6708463"/>
-              <a:ext cx="118580" cy="0"/>
-            </a:xfrm>
-            <a:prstGeom prst="straightConnector1">
-              <a:avLst/>
-            </a:prstGeom>
-            <a:ln w="19050">
-              <a:solidFill>
-                <a:schemeClr val="tx1"/>
-              </a:solidFill>
-              <a:prstDash val="sysDash"/>
-              <a:tailEnd type="triangle"/>
-            </a:ln>
-          </p:spPr>
-          <p:style>
-            <a:lnRef idx="1">
-              <a:schemeClr val="accent1"/>
-            </a:lnRef>
-            <a:fillRef idx="0">
-              <a:schemeClr val="accent1"/>
-            </a:fillRef>
-            <a:effectRef idx="0">
-              <a:schemeClr val="accent1"/>
-            </a:effectRef>
-            <a:fontRef idx="minor">
+            </a:solidFill>
+            <a:prstDash val="sysDash"/>
+            <a:tailEnd type="triangle"/>
+          </a:ln>
+        </p:spPr>
+        <p:style>
+          <a:lnRef idx="1">
+            <a:schemeClr val="accent1"/>
+          </a:lnRef>
+          <a:fillRef idx="0">
+            <a:schemeClr val="accent1"/>
+          </a:fillRef>
+          <a:effectRef idx="0">
+            <a:schemeClr val="accent1"/>
+          </a:effectRef>
+          <a:fontRef idx="minor">
+            <a:schemeClr val="tx1"/>
+          </a:fontRef>
+        </p:style>
+      </p:cxnSp>
+      <p:cxnSp>
+        <p:nvCxnSpPr>
+          <p:cNvPr id="204" name="Connecteur droit avec flèche 137"/>
+          <p:cNvCxnSpPr>
+            <a:stCxn id="200" idx="3"/>
+            <a:endCxn id="182" idx="0"/>
+          </p:cNvCxnSpPr>
+          <p:nvPr/>
+        </p:nvCxnSpPr>
+        <p:spPr>
+          <a:xfrm>
+            <a:off x="2296435" y="4014031"/>
+            <a:ext cx="264139" cy="390668"/>
+          </a:xfrm>
+          <a:prstGeom prst="bentConnector2">
+            <a:avLst/>
+          </a:prstGeom>
+          <a:ln w="19050">
+            <a:solidFill>
               <a:schemeClr val="tx1"/>
-            </a:fontRef>
-          </p:style>
-        </p:cxnSp>
-        <p:cxnSp>
-          <p:nvCxnSpPr>
-            <p:cNvPr id="204" name="Connecteur droit avec flèche 137"/>
-            <p:cNvCxnSpPr>
-              <a:stCxn id="200" idx="3"/>
-              <a:endCxn id="182" idx="0"/>
-            </p:cNvCxnSpPr>
-            <p:nvPr/>
-          </p:nvCxnSpPr>
-          <p:spPr>
-            <a:xfrm>
-              <a:off x="2296435" y="6708463"/>
-              <a:ext cx="264139" cy="390668"/>
-            </a:xfrm>
-            <a:prstGeom prst="bentConnector2">
-              <a:avLst/>
-            </a:prstGeom>
-            <a:ln w="19050">
-              <a:solidFill>
-                <a:schemeClr val="tx1"/>
-              </a:solidFill>
-              <a:prstDash val="sysDash"/>
-              <a:tailEnd type="triangle"/>
-            </a:ln>
-          </p:spPr>
-          <p:style>
-            <a:lnRef idx="1">
-              <a:schemeClr val="accent1"/>
-            </a:lnRef>
-            <a:fillRef idx="0">
-              <a:schemeClr val="accent1"/>
-            </a:fillRef>
-            <a:effectRef idx="0">
-              <a:schemeClr val="accent1"/>
-            </a:effectRef>
-            <a:fontRef idx="minor">
-              <a:schemeClr val="tx1"/>
-            </a:fontRef>
-          </p:style>
-        </p:cxnSp>
-        <p:sp>
-          <p:nvSpPr>
-            <p:cNvPr id="205" name="Rectangle à coins arrondis 204"/>
-            <p:cNvSpPr/>
-            <p:nvPr/>
-          </p:nvSpPr>
-          <p:spPr>
-            <a:xfrm>
-              <a:off x="1003383" y="7468960"/>
-              <a:ext cx="1806240" cy="411831"/>
-            </a:xfrm>
-            <a:prstGeom prst="roundRect">
-              <a:avLst>
-                <a:gd name="adj" fmla="val 3969"/>
-              </a:avLst>
-            </a:prstGeom>
-            <a:solidFill>
-              <a:schemeClr val="accent6">
-                <a:lumMod val="40000"/>
-                <a:lumOff val="60000"/>
-              </a:schemeClr>
             </a:solidFill>
-            <a:ln>
-              <a:noFill/>
-            </a:ln>
-          </p:spPr>
-          <p:style>
-            <a:lnRef idx="2">
-              <a:schemeClr val="accent1">
-                <a:shade val="50000"/>
-              </a:schemeClr>
-            </a:lnRef>
-            <a:fillRef idx="1">
-              <a:schemeClr val="accent1"/>
-            </a:fillRef>
-            <a:effectRef idx="0">
-              <a:schemeClr val="accent1"/>
-            </a:effectRef>
-            <a:fontRef idx="minor">
-              <a:schemeClr val="lt1"/>
-            </a:fontRef>
-          </p:style>
-          <p:txBody>
-            <a:bodyPr tIns="0" rtlCol="0" anchor="t" anchorCtr="0"/>
-            <a:lstStyle/>
-            <a:p>
-              <a:pPr algn="ctr"/>
-              <a:r>
-                <a:rPr lang="fr-FR" sz="600" b="1" noProof="1" smtClean="0">
-                  <a:solidFill>
-                    <a:schemeClr val="tx1"/>
-                  </a:solidFill>
-                  <a:latin typeface="Cambria" panose="02040503050406030204" pitchFamily="18" charset="0"/>
-                  <a:ea typeface="Arial Rounded MT Bold" charset="0"/>
-                  <a:cs typeface="Arial Rounded MT Bold" charset="0"/>
-                </a:rPr>
-                <a:t>tsp</a:t>
-              </a:r>
-              <a:endParaRPr lang="fr-FR" sz="600" b="1" noProof="1">
+            <a:prstDash val="sysDash"/>
+            <a:tailEnd type="triangle"/>
+          </a:ln>
+        </p:spPr>
+        <p:style>
+          <a:lnRef idx="1">
+            <a:schemeClr val="accent1"/>
+          </a:lnRef>
+          <a:fillRef idx="0">
+            <a:schemeClr val="accent1"/>
+          </a:fillRef>
+          <a:effectRef idx="0">
+            <a:schemeClr val="accent1"/>
+          </a:effectRef>
+          <a:fontRef idx="minor">
+            <a:schemeClr val="tx1"/>
+          </a:fontRef>
+        </p:style>
+      </p:cxnSp>
+      <p:sp>
+        <p:nvSpPr>
+          <p:cNvPr id="205" name="Rectangle à coins arrondis 204"/>
+          <p:cNvSpPr/>
+          <p:nvPr/>
+        </p:nvSpPr>
+        <p:spPr>
+          <a:xfrm>
+            <a:off x="1003383" y="4774528"/>
+            <a:ext cx="1806240" cy="411831"/>
+          </a:xfrm>
+          <a:prstGeom prst="roundRect">
+            <a:avLst>
+              <a:gd name="adj" fmla="val 3969"/>
+            </a:avLst>
+          </a:prstGeom>
+          <a:solidFill>
+            <a:schemeClr val="accent6">
+              <a:lumMod val="40000"/>
+              <a:lumOff val="60000"/>
+            </a:schemeClr>
+          </a:solidFill>
+          <a:ln>
+            <a:noFill/>
+          </a:ln>
+        </p:spPr>
+        <p:style>
+          <a:lnRef idx="2">
+            <a:schemeClr val="accent1">
+              <a:shade val="50000"/>
+            </a:schemeClr>
+          </a:lnRef>
+          <a:fillRef idx="1">
+            <a:schemeClr val="accent1"/>
+          </a:fillRef>
+          <a:effectRef idx="0">
+            <a:schemeClr val="accent1"/>
+          </a:effectRef>
+          <a:fontRef idx="minor">
+            <a:schemeClr val="lt1"/>
+          </a:fontRef>
+        </p:style>
+        <p:txBody>
+          <a:bodyPr tIns="0" rtlCol="0" anchor="t" anchorCtr="0"/>
+          <a:lstStyle/>
+          <a:p>
+            <a:pPr algn="ctr"/>
+            <a:r>
+              <a:rPr lang="fr-FR" sz="600" b="1" noProof="1" smtClean="0">
                 <a:solidFill>
                   <a:schemeClr val="tx1"/>
                 </a:solidFill>
                 <a:latin typeface="Cambria" panose="02040503050406030204" pitchFamily="18" charset="0"/>
                 <a:ea typeface="Arial Rounded MT Bold" charset="0"/>
                 <a:cs typeface="Arial Rounded MT Bold" charset="0"/>
-              </a:endParaRPr>
-            </a:p>
-          </p:txBody>
-        </p:sp>
-        <p:sp>
-          <p:nvSpPr>
-            <p:cNvPr id="206" name="Rectangle à coins arrondis 205"/>
-            <p:cNvSpPr/>
-            <p:nvPr/>
-          </p:nvSpPr>
-          <p:spPr>
-            <a:xfrm>
-              <a:off x="1113338" y="7616467"/>
-              <a:ext cx="312039" cy="201219"/>
-            </a:xfrm>
-            <a:prstGeom prst="roundRect">
-              <a:avLst/>
-            </a:prstGeom>
-            <a:solidFill>
-              <a:srgbClr val="1F8A4C"/>
-            </a:solidFill>
-            <a:ln>
-              <a:noFill/>
-            </a:ln>
-          </p:spPr>
-          <p:style>
-            <a:lnRef idx="2">
-              <a:schemeClr val="accent1">
-                <a:shade val="50000"/>
-              </a:schemeClr>
-            </a:lnRef>
-            <a:fillRef idx="1">
-              <a:schemeClr val="accent1"/>
-            </a:fillRef>
-            <a:effectRef idx="0">
-              <a:schemeClr val="accent1"/>
-            </a:effectRef>
-            <a:fontRef idx="minor">
-              <a:schemeClr val="lt1"/>
-            </a:fontRef>
-          </p:style>
-          <p:txBody>
-            <a:bodyPr lIns="36000" rIns="36000" rtlCol="0" anchor="ctr"/>
-            <a:lstStyle/>
-            <a:p>
-              <a:pPr algn="ctr"/>
-              <a:r>
-                <a:rPr lang="fr-FR" sz="600" i="1" noProof="1" smtClean="0">
-                  <a:latin typeface="Cambria" panose="02040503050406030204" pitchFamily="18" charset="0"/>
-                  <a:ea typeface="Arial Rounded MT Bold" charset="0"/>
-                  <a:cs typeface="Arial Rounded MT Bold" charset="0"/>
-                </a:rPr>
-                <a:t>input</a:t>
-              </a:r>
-              <a:endParaRPr lang="fr-FR" sz="600" i="1" noProof="1">
+              </a:rPr>
+              <a:t>tsp</a:t>
+            </a:r>
+            <a:endParaRPr lang="fr-FR" sz="600" b="1" noProof="1">
+              <a:solidFill>
+                <a:schemeClr val="tx1"/>
+              </a:solidFill>
+              <a:latin typeface="Cambria" panose="02040503050406030204" pitchFamily="18" charset="0"/>
+              <a:ea typeface="Arial Rounded MT Bold" charset="0"/>
+              <a:cs typeface="Arial Rounded MT Bold" charset="0"/>
+            </a:endParaRPr>
+          </a:p>
+        </p:txBody>
+      </p:sp>
+      <p:sp>
+        <p:nvSpPr>
+          <p:cNvPr id="206" name="Rectangle à coins arrondis 205"/>
+          <p:cNvSpPr/>
+          <p:nvPr/>
+        </p:nvSpPr>
+        <p:spPr>
+          <a:xfrm>
+            <a:off x="1113338" y="4922035"/>
+            <a:ext cx="312039" cy="201219"/>
+          </a:xfrm>
+          <a:prstGeom prst="roundRect">
+            <a:avLst/>
+          </a:prstGeom>
+          <a:solidFill>
+            <a:srgbClr val="1F8A4C"/>
+          </a:solidFill>
+          <a:ln>
+            <a:noFill/>
+          </a:ln>
+        </p:spPr>
+        <p:style>
+          <a:lnRef idx="2">
+            <a:schemeClr val="accent1">
+              <a:shade val="50000"/>
+            </a:schemeClr>
+          </a:lnRef>
+          <a:fillRef idx="1">
+            <a:schemeClr val="accent1"/>
+          </a:fillRef>
+          <a:effectRef idx="0">
+            <a:schemeClr val="accent1"/>
+          </a:effectRef>
+          <a:fontRef idx="minor">
+            <a:schemeClr val="lt1"/>
+          </a:fontRef>
+        </p:style>
+        <p:txBody>
+          <a:bodyPr lIns="36000" rIns="36000" rtlCol="0" anchor="ctr"/>
+          <a:lstStyle/>
+          <a:p>
+            <a:pPr algn="ctr"/>
+            <a:r>
+              <a:rPr lang="fr-FR" sz="600" i="1" noProof="1" smtClean="0">
                 <a:latin typeface="Cambria" panose="02040503050406030204" pitchFamily="18" charset="0"/>
                 <a:ea typeface="Arial Rounded MT Bold" charset="0"/>
                 <a:cs typeface="Arial Rounded MT Bold" charset="0"/>
-              </a:endParaRPr>
-            </a:p>
-          </p:txBody>
-        </p:sp>
-        <p:sp>
-          <p:nvSpPr>
-            <p:cNvPr id="207" name="Rectangle à coins arrondis 206"/>
-            <p:cNvSpPr/>
-            <p:nvPr/>
-          </p:nvSpPr>
-          <p:spPr>
-            <a:xfrm>
-              <a:off x="1543957" y="7616467"/>
-              <a:ext cx="312039" cy="201219"/>
-            </a:xfrm>
-            <a:prstGeom prst="roundRect">
-              <a:avLst/>
-            </a:prstGeom>
-            <a:solidFill>
-              <a:srgbClr val="1F8A4C"/>
-            </a:solidFill>
-            <a:ln>
-              <a:noFill/>
-            </a:ln>
-          </p:spPr>
-          <p:style>
-            <a:lnRef idx="2">
-              <a:schemeClr val="accent1">
-                <a:shade val="50000"/>
-              </a:schemeClr>
-            </a:lnRef>
-            <a:fillRef idx="1">
-              <a:schemeClr val="accent1"/>
-            </a:fillRef>
-            <a:effectRef idx="0">
-              <a:schemeClr val="accent1"/>
-            </a:effectRef>
-            <a:fontRef idx="minor">
-              <a:schemeClr val="lt1"/>
-            </a:fontRef>
-          </p:style>
-          <p:txBody>
-            <a:bodyPr lIns="36000" rIns="36000" rtlCol="0" anchor="ctr"/>
-            <a:lstStyle/>
-            <a:p>
-              <a:pPr algn="ctr"/>
-              <a:r>
-                <a:rPr lang="fr-FR" sz="600" i="1" noProof="1" smtClean="0">
-                  <a:latin typeface="Cambria" panose="02040503050406030204" pitchFamily="18" charset="0"/>
-                  <a:ea typeface="Arial Rounded MT Bold" charset="0"/>
-                  <a:cs typeface="Arial Rounded MT Bold" charset="0"/>
-                </a:rPr>
-                <a:t>plugin</a:t>
-              </a:r>
-              <a:endParaRPr lang="fr-FR" sz="600" i="1" noProof="1">
+              </a:rPr>
+              <a:t>input</a:t>
+            </a:r>
+            <a:endParaRPr lang="fr-FR" sz="600" i="1" noProof="1">
+              <a:latin typeface="Cambria" panose="02040503050406030204" pitchFamily="18" charset="0"/>
+              <a:ea typeface="Arial Rounded MT Bold" charset="0"/>
+              <a:cs typeface="Arial Rounded MT Bold" charset="0"/>
+            </a:endParaRPr>
+          </a:p>
+        </p:txBody>
+      </p:sp>
+      <p:sp>
+        <p:nvSpPr>
+          <p:cNvPr id="207" name="Rectangle à coins arrondis 206"/>
+          <p:cNvSpPr/>
+          <p:nvPr/>
+        </p:nvSpPr>
+        <p:spPr>
+          <a:xfrm>
+            <a:off x="1543957" y="4922035"/>
+            <a:ext cx="312039" cy="201219"/>
+          </a:xfrm>
+          <a:prstGeom prst="roundRect">
+            <a:avLst/>
+          </a:prstGeom>
+          <a:solidFill>
+            <a:srgbClr val="1F8A4C"/>
+          </a:solidFill>
+          <a:ln>
+            <a:noFill/>
+          </a:ln>
+        </p:spPr>
+        <p:style>
+          <a:lnRef idx="2">
+            <a:schemeClr val="accent1">
+              <a:shade val="50000"/>
+            </a:schemeClr>
+          </a:lnRef>
+          <a:fillRef idx="1">
+            <a:schemeClr val="accent1"/>
+          </a:fillRef>
+          <a:effectRef idx="0">
+            <a:schemeClr val="accent1"/>
+          </a:effectRef>
+          <a:fontRef idx="minor">
+            <a:schemeClr val="lt1"/>
+          </a:fontRef>
+        </p:style>
+        <p:txBody>
+          <a:bodyPr lIns="36000" rIns="36000" rtlCol="0" anchor="ctr"/>
+          <a:lstStyle/>
+          <a:p>
+            <a:pPr algn="ctr"/>
+            <a:r>
+              <a:rPr lang="fr-FR" sz="600" i="1" noProof="1" smtClean="0">
                 <a:latin typeface="Cambria" panose="02040503050406030204" pitchFamily="18" charset="0"/>
                 <a:ea typeface="Arial Rounded MT Bold" charset="0"/>
                 <a:cs typeface="Arial Rounded MT Bold" charset="0"/>
-              </a:endParaRPr>
-            </a:p>
-          </p:txBody>
-        </p:sp>
-        <p:sp>
-          <p:nvSpPr>
-            <p:cNvPr id="208" name="Rectangle à coins arrondis 207"/>
-            <p:cNvSpPr/>
-            <p:nvPr/>
-          </p:nvSpPr>
-          <p:spPr>
-            <a:xfrm>
-              <a:off x="1974575" y="7616467"/>
-              <a:ext cx="312039" cy="201219"/>
-            </a:xfrm>
-            <a:prstGeom prst="roundRect">
-              <a:avLst/>
-            </a:prstGeom>
-            <a:solidFill>
-              <a:srgbClr val="1F8A4C"/>
-            </a:solidFill>
-            <a:ln>
-              <a:noFill/>
-            </a:ln>
-          </p:spPr>
-          <p:style>
-            <a:lnRef idx="2">
-              <a:schemeClr val="accent1">
-                <a:shade val="50000"/>
-              </a:schemeClr>
-            </a:lnRef>
-            <a:fillRef idx="1">
-              <a:schemeClr val="accent1"/>
-            </a:fillRef>
-            <a:effectRef idx="0">
-              <a:schemeClr val="accent1"/>
-            </a:effectRef>
-            <a:fontRef idx="minor">
-              <a:schemeClr val="lt1"/>
-            </a:fontRef>
-          </p:style>
-          <p:txBody>
-            <a:bodyPr lIns="36000" rIns="36000" rtlCol="0" anchor="ctr"/>
-            <a:lstStyle/>
-            <a:p>
-              <a:pPr algn="ctr"/>
-              <a:r>
-                <a:rPr lang="fr-FR" sz="600" i="1" noProof="1" smtClean="0">
-                  <a:latin typeface="Cambria" panose="02040503050406030204" pitchFamily="18" charset="0"/>
-                  <a:ea typeface="Arial Rounded MT Bold" charset="0"/>
-                  <a:cs typeface="Arial Rounded MT Bold" charset="0"/>
-                </a:rPr>
-                <a:t>plugin</a:t>
-              </a:r>
-              <a:endParaRPr lang="fr-FR" sz="600" i="1" noProof="1">
+              </a:rPr>
+              <a:t>plugin</a:t>
+            </a:r>
+            <a:endParaRPr lang="fr-FR" sz="600" i="1" noProof="1">
+              <a:latin typeface="Cambria" panose="02040503050406030204" pitchFamily="18" charset="0"/>
+              <a:ea typeface="Arial Rounded MT Bold" charset="0"/>
+              <a:cs typeface="Arial Rounded MT Bold" charset="0"/>
+            </a:endParaRPr>
+          </a:p>
+        </p:txBody>
+      </p:sp>
+      <p:sp>
+        <p:nvSpPr>
+          <p:cNvPr id="208" name="Rectangle à coins arrondis 207"/>
+          <p:cNvSpPr/>
+          <p:nvPr/>
+        </p:nvSpPr>
+        <p:spPr>
+          <a:xfrm>
+            <a:off x="1974575" y="4922035"/>
+            <a:ext cx="312039" cy="201219"/>
+          </a:xfrm>
+          <a:prstGeom prst="roundRect">
+            <a:avLst/>
+          </a:prstGeom>
+          <a:solidFill>
+            <a:srgbClr val="1F8A4C"/>
+          </a:solidFill>
+          <a:ln>
+            <a:noFill/>
+          </a:ln>
+        </p:spPr>
+        <p:style>
+          <a:lnRef idx="2">
+            <a:schemeClr val="accent1">
+              <a:shade val="50000"/>
+            </a:schemeClr>
+          </a:lnRef>
+          <a:fillRef idx="1">
+            <a:schemeClr val="accent1"/>
+          </a:fillRef>
+          <a:effectRef idx="0">
+            <a:schemeClr val="accent1"/>
+          </a:effectRef>
+          <a:fontRef idx="minor">
+            <a:schemeClr val="lt1"/>
+          </a:fontRef>
+        </p:style>
+        <p:txBody>
+          <a:bodyPr lIns="36000" rIns="36000" rtlCol="0" anchor="ctr"/>
+          <a:lstStyle/>
+          <a:p>
+            <a:pPr algn="ctr"/>
+            <a:r>
+              <a:rPr lang="fr-FR" sz="600" i="1" noProof="1" smtClean="0">
                 <a:latin typeface="Cambria" panose="02040503050406030204" pitchFamily="18" charset="0"/>
                 <a:ea typeface="Arial Rounded MT Bold" charset="0"/>
                 <a:cs typeface="Arial Rounded MT Bold" charset="0"/>
-              </a:endParaRPr>
-            </a:p>
-          </p:txBody>
-        </p:sp>
-        <p:sp>
-          <p:nvSpPr>
-            <p:cNvPr id="209" name="Rectangle à coins arrondis 208"/>
-            <p:cNvSpPr/>
-            <p:nvPr/>
-          </p:nvSpPr>
-          <p:spPr>
-            <a:xfrm>
-              <a:off x="2405193" y="7616467"/>
-              <a:ext cx="312039" cy="201219"/>
-            </a:xfrm>
-            <a:prstGeom prst="roundRect">
-              <a:avLst/>
-            </a:prstGeom>
+              </a:rPr>
+              <a:t>plugin</a:t>
+            </a:r>
+            <a:endParaRPr lang="fr-FR" sz="600" i="1" noProof="1">
+              <a:latin typeface="Cambria" panose="02040503050406030204" pitchFamily="18" charset="0"/>
+              <a:ea typeface="Arial Rounded MT Bold" charset="0"/>
+              <a:cs typeface="Arial Rounded MT Bold" charset="0"/>
+            </a:endParaRPr>
+          </a:p>
+        </p:txBody>
+      </p:sp>
+      <p:sp>
+        <p:nvSpPr>
+          <p:cNvPr id="209" name="Rectangle à coins arrondis 208"/>
+          <p:cNvSpPr/>
+          <p:nvPr/>
+        </p:nvSpPr>
+        <p:spPr>
+          <a:xfrm>
+            <a:off x="2405193" y="4922035"/>
+            <a:ext cx="312039" cy="201219"/>
+          </a:xfrm>
+          <a:prstGeom prst="roundRect">
+            <a:avLst/>
+          </a:prstGeom>
+          <a:solidFill>
+            <a:srgbClr val="1F8A4C"/>
+          </a:solidFill>
+          <a:ln>
+            <a:noFill/>
+          </a:ln>
+        </p:spPr>
+        <p:style>
+          <a:lnRef idx="2">
+            <a:schemeClr val="accent1">
+              <a:shade val="50000"/>
+            </a:schemeClr>
+          </a:lnRef>
+          <a:fillRef idx="1">
+            <a:schemeClr val="accent1"/>
+          </a:fillRef>
+          <a:effectRef idx="0">
+            <a:schemeClr val="accent1"/>
+          </a:effectRef>
+          <a:fontRef idx="minor">
+            <a:schemeClr val="lt1"/>
+          </a:fontRef>
+        </p:style>
+        <p:txBody>
+          <a:bodyPr lIns="36000" rIns="36000" rtlCol="0" anchor="ctr"/>
+          <a:lstStyle/>
+          <a:p>
+            <a:pPr algn="ctr"/>
+            <a:r>
+              <a:rPr lang="fr-FR" sz="600" b="1" noProof="1" smtClean="0">
+                <a:latin typeface="Consolas" panose="020B0609020204030204" pitchFamily="49" charset="0"/>
+                <a:ea typeface="Arial Rounded MT Bold" charset="0"/>
+                <a:cs typeface="Consolas" panose="020B0609020204030204" pitchFamily="49" charset="0"/>
+              </a:rPr>
+              <a:t>file</a:t>
+            </a:r>
+            <a:endParaRPr lang="fr-FR" sz="600" i="1" noProof="1">
+              <a:latin typeface="Cambria" panose="02040503050406030204" pitchFamily="18" charset="0"/>
+              <a:ea typeface="Arial Rounded MT Bold" charset="0"/>
+              <a:cs typeface="Arial Rounded MT Bold" charset="0"/>
+            </a:endParaRPr>
+          </a:p>
+        </p:txBody>
+      </p:sp>
+      <p:cxnSp>
+        <p:nvCxnSpPr>
+          <p:cNvPr id="210" name="Connecteur droit avec flèche 209"/>
+          <p:cNvCxnSpPr>
+            <a:stCxn id="206" idx="3"/>
+            <a:endCxn id="207" idx="1"/>
+          </p:cNvCxnSpPr>
+          <p:nvPr/>
+        </p:nvCxnSpPr>
+        <p:spPr>
+          <a:xfrm>
+            <a:off x="1425377" y="5022645"/>
+            <a:ext cx="118580" cy="0"/>
+          </a:xfrm>
+          <a:prstGeom prst="straightConnector1">
+            <a:avLst/>
+          </a:prstGeom>
+          <a:ln w="19050">
             <a:solidFill>
-              <a:srgbClr val="1F8A4C"/>
+              <a:schemeClr val="tx1"/>
             </a:solidFill>
-            <a:ln>
-              <a:noFill/>
-            </a:ln>
-          </p:spPr>
-          <p:style>
-            <a:lnRef idx="2">
-              <a:schemeClr val="accent1">
-                <a:shade val="50000"/>
-              </a:schemeClr>
-            </a:lnRef>
-            <a:fillRef idx="1">
-              <a:schemeClr val="accent1"/>
-            </a:fillRef>
-            <a:effectRef idx="0">
-              <a:schemeClr val="accent1"/>
-            </a:effectRef>
-            <a:fontRef idx="minor">
-              <a:schemeClr val="lt1"/>
-            </a:fontRef>
-          </p:style>
-          <p:txBody>
-            <a:bodyPr lIns="36000" rIns="36000" rtlCol="0" anchor="ctr"/>
-            <a:lstStyle/>
-            <a:p>
-              <a:pPr algn="ctr"/>
-              <a:r>
-                <a:rPr lang="fr-FR" sz="600" b="1" noProof="1" smtClean="0">
-                  <a:latin typeface="Consolas" panose="020B0609020204030204" pitchFamily="49" charset="0"/>
-                  <a:ea typeface="Arial Rounded MT Bold" charset="0"/>
-                  <a:cs typeface="Consolas" panose="020B0609020204030204" pitchFamily="49" charset="0"/>
-                </a:rPr>
-                <a:t>file</a:t>
-              </a:r>
-              <a:endParaRPr lang="fr-FR" sz="600" i="1" noProof="1">
+            <a:prstDash val="sysDash"/>
+            <a:tailEnd type="triangle"/>
+          </a:ln>
+        </p:spPr>
+        <p:style>
+          <a:lnRef idx="1">
+            <a:schemeClr val="accent1"/>
+          </a:lnRef>
+          <a:fillRef idx="0">
+            <a:schemeClr val="accent1"/>
+          </a:fillRef>
+          <a:effectRef idx="0">
+            <a:schemeClr val="accent1"/>
+          </a:effectRef>
+          <a:fontRef idx="minor">
+            <a:schemeClr val="tx1"/>
+          </a:fontRef>
+        </p:style>
+      </p:cxnSp>
+      <p:cxnSp>
+        <p:nvCxnSpPr>
+          <p:cNvPr id="211" name="Connecteur droit avec flèche 210"/>
+          <p:cNvCxnSpPr>
+            <a:endCxn id="208" idx="1"/>
+          </p:cNvCxnSpPr>
+          <p:nvPr/>
+        </p:nvCxnSpPr>
+        <p:spPr>
+          <a:xfrm flipV="1">
+            <a:off x="1865517" y="5022645"/>
+            <a:ext cx="109059" cy="3434"/>
+          </a:xfrm>
+          <a:prstGeom prst="straightConnector1">
+            <a:avLst/>
+          </a:prstGeom>
+          <a:ln w="19050">
+            <a:solidFill>
+              <a:schemeClr val="tx1"/>
+            </a:solidFill>
+            <a:prstDash val="sysDash"/>
+            <a:tailEnd type="triangle"/>
+          </a:ln>
+        </p:spPr>
+        <p:style>
+          <a:lnRef idx="1">
+            <a:schemeClr val="accent1"/>
+          </a:lnRef>
+          <a:fillRef idx="0">
+            <a:schemeClr val="accent1"/>
+          </a:fillRef>
+          <a:effectRef idx="0">
+            <a:schemeClr val="accent1"/>
+          </a:effectRef>
+          <a:fontRef idx="minor">
+            <a:schemeClr val="tx1"/>
+          </a:fontRef>
+        </p:style>
+      </p:cxnSp>
+      <p:cxnSp>
+        <p:nvCxnSpPr>
+          <p:cNvPr id="212" name="Connecteur droit avec flèche 211"/>
+          <p:cNvCxnSpPr>
+            <a:stCxn id="208" idx="3"/>
+            <a:endCxn id="209" idx="1"/>
+          </p:cNvCxnSpPr>
+          <p:nvPr/>
+        </p:nvCxnSpPr>
+        <p:spPr>
+          <a:xfrm>
+            <a:off x="2286614" y="5022645"/>
+            <a:ext cx="118580" cy="0"/>
+          </a:xfrm>
+          <a:prstGeom prst="straightConnector1">
+            <a:avLst/>
+          </a:prstGeom>
+          <a:ln w="19050">
+            <a:solidFill>
+              <a:schemeClr val="tx1"/>
+            </a:solidFill>
+            <a:prstDash val="sysDash"/>
+            <a:tailEnd type="triangle"/>
+          </a:ln>
+        </p:spPr>
+        <p:style>
+          <a:lnRef idx="1">
+            <a:schemeClr val="accent1"/>
+          </a:lnRef>
+          <a:fillRef idx="0">
+            <a:schemeClr val="accent1"/>
+          </a:fillRef>
+          <a:effectRef idx="0">
+            <a:schemeClr val="accent1"/>
+          </a:effectRef>
+          <a:fontRef idx="minor">
+            <a:schemeClr val="tx1"/>
+          </a:fontRef>
+        </p:style>
+      </p:cxnSp>
+      <p:cxnSp>
+        <p:nvCxnSpPr>
+          <p:cNvPr id="213" name="Connecteur droit avec flèche 137"/>
+          <p:cNvCxnSpPr>
+            <a:stCxn id="209" idx="3"/>
+            <a:endCxn id="183" idx="2"/>
+          </p:cNvCxnSpPr>
+          <p:nvPr/>
+        </p:nvCxnSpPr>
+        <p:spPr>
+          <a:xfrm flipV="1">
+            <a:off x="2717232" y="4605919"/>
+            <a:ext cx="274286" cy="416726"/>
+          </a:xfrm>
+          <a:prstGeom prst="bentConnector2">
+            <a:avLst/>
+          </a:prstGeom>
+          <a:ln w="19050">
+            <a:solidFill>
+              <a:schemeClr val="tx1"/>
+            </a:solidFill>
+            <a:prstDash val="sysDash"/>
+            <a:tailEnd type="triangle"/>
+          </a:ln>
+        </p:spPr>
+        <p:style>
+          <a:lnRef idx="1">
+            <a:schemeClr val="accent1"/>
+          </a:lnRef>
+          <a:fillRef idx="0">
+            <a:schemeClr val="accent1"/>
+          </a:fillRef>
+          <a:effectRef idx="0">
+            <a:schemeClr val="accent1"/>
+          </a:effectRef>
+          <a:fontRef idx="minor">
+            <a:schemeClr val="tx1"/>
+          </a:fontRef>
+        </p:style>
+      </p:cxnSp>
+      <p:cxnSp>
+        <p:nvCxnSpPr>
+          <p:cNvPr id="214" name="Connecteur droit avec flèche 213"/>
+          <p:cNvCxnSpPr>
+            <a:endCxn id="197" idx="1"/>
+          </p:cNvCxnSpPr>
+          <p:nvPr/>
+        </p:nvCxnSpPr>
+        <p:spPr>
+          <a:xfrm flipV="1">
+            <a:off x="245505" y="4014031"/>
+            <a:ext cx="447036" cy="3434"/>
+          </a:xfrm>
+          <a:prstGeom prst="straightConnector1">
+            <a:avLst/>
+          </a:prstGeom>
+          <a:ln w="19050">
+            <a:solidFill>
+              <a:schemeClr val="tx1"/>
+            </a:solidFill>
+            <a:prstDash val="sysDash"/>
+            <a:tailEnd type="triangle"/>
+          </a:ln>
+        </p:spPr>
+        <p:style>
+          <a:lnRef idx="1">
+            <a:schemeClr val="accent1"/>
+          </a:lnRef>
+          <a:fillRef idx="0">
+            <a:schemeClr val="accent1"/>
+          </a:fillRef>
+          <a:effectRef idx="0">
+            <a:schemeClr val="accent1"/>
+          </a:effectRef>
+          <a:fontRef idx="minor">
+            <a:schemeClr val="tx1"/>
+          </a:fontRef>
+        </p:style>
+      </p:cxnSp>
+      <p:sp>
+        <p:nvSpPr>
+          <p:cNvPr id="215" name="ZoneTexte 214"/>
+          <p:cNvSpPr txBox="1"/>
+          <p:nvPr/>
+        </p:nvSpPr>
+        <p:spPr>
+          <a:xfrm>
+            <a:off x="198903" y="3894117"/>
+            <a:ext cx="408441" cy="92333"/>
+          </a:xfrm>
+          <a:prstGeom prst="rect">
+            <a:avLst/>
+          </a:prstGeom>
+          <a:noFill/>
+        </p:spPr>
+        <p:txBody>
+          <a:bodyPr wrap="square" lIns="0" tIns="0" rIns="0" bIns="0" rtlCol="0">
+            <a:spAutoFit/>
+          </a:bodyPr>
+          <a:lstStyle/>
+          <a:p>
+            <a:r>
+              <a:rPr lang="fr-FR" sz="600" noProof="1" smtClean="0">
                 <a:latin typeface="Cambria" panose="02040503050406030204" pitchFamily="18" charset="0"/>
                 <a:ea typeface="Arial Rounded MT Bold" charset="0"/>
                 <a:cs typeface="Arial Rounded MT Bold" charset="0"/>
-              </a:endParaRPr>
-            </a:p>
-          </p:txBody>
-        </p:sp>
-        <p:cxnSp>
-          <p:nvCxnSpPr>
-            <p:cNvPr id="210" name="Connecteur droit avec flèche 209"/>
-            <p:cNvCxnSpPr>
-              <a:stCxn id="206" idx="3"/>
-              <a:endCxn id="207" idx="1"/>
-            </p:cNvCxnSpPr>
-            <p:nvPr/>
-          </p:nvCxnSpPr>
-          <p:spPr>
-            <a:xfrm>
-              <a:off x="1425377" y="7717077"/>
-              <a:ext cx="118580" cy="0"/>
-            </a:xfrm>
-            <a:prstGeom prst="straightConnector1">
-              <a:avLst/>
-            </a:prstGeom>
-            <a:ln w="19050">
-              <a:solidFill>
-                <a:schemeClr val="tx1"/>
-              </a:solidFill>
-              <a:prstDash val="sysDash"/>
-              <a:tailEnd type="triangle"/>
-            </a:ln>
-          </p:spPr>
-          <p:style>
-            <a:lnRef idx="1">
-              <a:schemeClr val="accent1"/>
-            </a:lnRef>
-            <a:fillRef idx="0">
-              <a:schemeClr val="accent1"/>
-            </a:fillRef>
-            <a:effectRef idx="0">
-              <a:schemeClr val="accent1"/>
-            </a:effectRef>
-            <a:fontRef idx="minor">
+              </a:rPr>
+              <a:t>input TS 1</a:t>
+            </a:r>
+            <a:endParaRPr lang="fr-FR" sz="600" noProof="1">
+              <a:latin typeface="Cambria" panose="02040503050406030204" pitchFamily="18" charset="0"/>
+              <a:ea typeface="Arial Rounded MT Bold" charset="0"/>
+              <a:cs typeface="Arial Rounded MT Bold" charset="0"/>
+            </a:endParaRPr>
+          </a:p>
+        </p:txBody>
+      </p:sp>
+      <p:cxnSp>
+        <p:nvCxnSpPr>
+          <p:cNvPr id="216" name="Connecteur droit avec flèche 215"/>
+          <p:cNvCxnSpPr>
+            <a:endCxn id="206" idx="1"/>
+          </p:cNvCxnSpPr>
+          <p:nvPr/>
+        </p:nvCxnSpPr>
+        <p:spPr>
+          <a:xfrm flipV="1">
+            <a:off x="677452" y="5022645"/>
+            <a:ext cx="435886" cy="3996"/>
+          </a:xfrm>
+          <a:prstGeom prst="straightConnector1">
+            <a:avLst/>
+          </a:prstGeom>
+          <a:ln w="19050">
+            <a:solidFill>
               <a:schemeClr val="tx1"/>
-            </a:fontRef>
-          </p:style>
-        </p:cxnSp>
-        <p:cxnSp>
-          <p:nvCxnSpPr>
-            <p:cNvPr id="211" name="Connecteur droit avec flèche 210"/>
-            <p:cNvCxnSpPr>
-              <a:endCxn id="208" idx="1"/>
-            </p:cNvCxnSpPr>
-            <p:nvPr/>
-          </p:nvCxnSpPr>
-          <p:spPr>
-            <a:xfrm flipV="1">
-              <a:off x="1865517" y="7717077"/>
-              <a:ext cx="109059" cy="3434"/>
-            </a:xfrm>
-            <a:prstGeom prst="straightConnector1">
-              <a:avLst/>
-            </a:prstGeom>
-            <a:ln w="19050">
-              <a:solidFill>
-                <a:schemeClr val="tx1"/>
-              </a:solidFill>
-              <a:prstDash val="sysDash"/>
-              <a:tailEnd type="triangle"/>
-            </a:ln>
-          </p:spPr>
-          <p:style>
-            <a:lnRef idx="1">
-              <a:schemeClr val="accent1"/>
-            </a:lnRef>
-            <a:fillRef idx="0">
-              <a:schemeClr val="accent1"/>
-            </a:fillRef>
-            <a:effectRef idx="0">
-              <a:schemeClr val="accent1"/>
-            </a:effectRef>
-            <a:fontRef idx="minor">
-              <a:schemeClr val="tx1"/>
-            </a:fontRef>
-          </p:style>
-        </p:cxnSp>
-        <p:cxnSp>
-          <p:nvCxnSpPr>
-            <p:cNvPr id="212" name="Connecteur droit avec flèche 211"/>
-            <p:cNvCxnSpPr>
-              <a:stCxn id="208" idx="3"/>
-              <a:endCxn id="209" idx="1"/>
-            </p:cNvCxnSpPr>
-            <p:nvPr/>
-          </p:nvCxnSpPr>
-          <p:spPr>
-            <a:xfrm>
-              <a:off x="2286614" y="7717077"/>
-              <a:ext cx="118580" cy="0"/>
-            </a:xfrm>
-            <a:prstGeom prst="straightConnector1">
-              <a:avLst/>
-            </a:prstGeom>
-            <a:ln w="19050">
-              <a:solidFill>
-                <a:schemeClr val="tx1"/>
-              </a:solidFill>
-              <a:prstDash val="sysDash"/>
-              <a:tailEnd type="triangle"/>
-            </a:ln>
-          </p:spPr>
-          <p:style>
-            <a:lnRef idx="1">
-              <a:schemeClr val="accent1"/>
-            </a:lnRef>
-            <a:fillRef idx="0">
-              <a:schemeClr val="accent1"/>
-            </a:fillRef>
-            <a:effectRef idx="0">
-              <a:schemeClr val="accent1"/>
-            </a:effectRef>
-            <a:fontRef idx="minor">
-              <a:schemeClr val="tx1"/>
-            </a:fontRef>
-          </p:style>
-        </p:cxnSp>
-        <p:cxnSp>
-          <p:nvCxnSpPr>
-            <p:cNvPr id="213" name="Connecteur droit avec flèche 137"/>
-            <p:cNvCxnSpPr>
-              <a:stCxn id="209" idx="3"/>
-              <a:endCxn id="183" idx="2"/>
-            </p:cNvCxnSpPr>
-            <p:nvPr/>
-          </p:nvCxnSpPr>
-          <p:spPr>
-            <a:xfrm flipV="1">
-              <a:off x="2717232" y="7300351"/>
-              <a:ext cx="274286" cy="416726"/>
-            </a:xfrm>
-            <a:prstGeom prst="bentConnector2">
-              <a:avLst/>
-            </a:prstGeom>
-            <a:ln w="19050">
-              <a:solidFill>
-                <a:schemeClr val="tx1"/>
-              </a:solidFill>
-              <a:prstDash val="sysDash"/>
-              <a:tailEnd type="triangle"/>
-            </a:ln>
-          </p:spPr>
-          <p:style>
-            <a:lnRef idx="1">
-              <a:schemeClr val="accent1"/>
-            </a:lnRef>
-            <a:fillRef idx="0">
-              <a:schemeClr val="accent1"/>
-            </a:fillRef>
-            <a:effectRef idx="0">
-              <a:schemeClr val="accent1"/>
-            </a:effectRef>
-            <a:fontRef idx="minor">
-              <a:schemeClr val="tx1"/>
-            </a:fontRef>
-          </p:style>
-        </p:cxnSp>
-        <p:cxnSp>
-          <p:nvCxnSpPr>
-            <p:cNvPr id="214" name="Connecteur droit avec flèche 213"/>
-            <p:cNvCxnSpPr>
-              <a:endCxn id="197" idx="1"/>
-            </p:cNvCxnSpPr>
-            <p:nvPr/>
-          </p:nvCxnSpPr>
-          <p:spPr>
-            <a:xfrm flipV="1">
-              <a:off x="245505" y="6708463"/>
-              <a:ext cx="447036" cy="3434"/>
-            </a:xfrm>
-            <a:prstGeom prst="straightConnector1">
-              <a:avLst/>
-            </a:prstGeom>
-            <a:ln w="19050">
-              <a:solidFill>
-                <a:schemeClr val="tx1"/>
-              </a:solidFill>
-              <a:prstDash val="sysDash"/>
-              <a:tailEnd type="triangle"/>
-            </a:ln>
-          </p:spPr>
-          <p:style>
-            <a:lnRef idx="1">
-              <a:schemeClr val="accent1"/>
-            </a:lnRef>
-            <a:fillRef idx="0">
-              <a:schemeClr val="accent1"/>
-            </a:fillRef>
-            <a:effectRef idx="0">
-              <a:schemeClr val="accent1"/>
-            </a:effectRef>
-            <a:fontRef idx="minor">
-              <a:schemeClr val="tx1"/>
-            </a:fontRef>
-          </p:style>
-        </p:cxnSp>
-        <p:sp>
-          <p:nvSpPr>
-            <p:cNvPr id="215" name="ZoneTexte 214"/>
-            <p:cNvSpPr txBox="1"/>
-            <p:nvPr/>
-          </p:nvSpPr>
-          <p:spPr>
-            <a:xfrm>
-              <a:off x="198903" y="6588549"/>
-              <a:ext cx="408441" cy="92333"/>
-            </a:xfrm>
-            <a:prstGeom prst="rect">
-              <a:avLst/>
-            </a:prstGeom>
-            <a:noFill/>
-          </p:spPr>
-          <p:txBody>
-            <a:bodyPr wrap="square" lIns="0" tIns="0" rIns="0" bIns="0" rtlCol="0">
-              <a:spAutoFit/>
-            </a:bodyPr>
-            <a:lstStyle/>
-            <a:p>
-              <a:r>
-                <a:rPr lang="fr-FR" sz="600" noProof="1" smtClean="0">
-                  <a:latin typeface="Cambria" panose="02040503050406030204" pitchFamily="18" charset="0"/>
-                  <a:ea typeface="Arial Rounded MT Bold" charset="0"/>
-                  <a:cs typeface="Arial Rounded MT Bold" charset="0"/>
-                </a:rPr>
-                <a:t>input TS 1</a:t>
-              </a:r>
-              <a:endParaRPr lang="fr-FR" sz="600" noProof="1">
+            </a:solidFill>
+            <a:prstDash val="sysDash"/>
+            <a:tailEnd type="triangle"/>
+          </a:ln>
+        </p:spPr>
+        <p:style>
+          <a:lnRef idx="1">
+            <a:schemeClr val="accent1"/>
+          </a:lnRef>
+          <a:fillRef idx="0">
+            <a:schemeClr val="accent1"/>
+          </a:fillRef>
+          <a:effectRef idx="0">
+            <a:schemeClr val="accent1"/>
+          </a:effectRef>
+          <a:fontRef idx="minor">
+            <a:schemeClr val="tx1"/>
+          </a:fontRef>
+        </p:style>
+      </p:cxnSp>
+      <p:sp>
+        <p:nvSpPr>
+          <p:cNvPr id="217" name="ZoneTexte 216"/>
+          <p:cNvSpPr txBox="1"/>
+          <p:nvPr/>
+        </p:nvSpPr>
+        <p:spPr>
+          <a:xfrm>
+            <a:off x="621836" y="4903293"/>
+            <a:ext cx="408441" cy="92333"/>
+          </a:xfrm>
+          <a:prstGeom prst="rect">
+            <a:avLst/>
+          </a:prstGeom>
+          <a:noFill/>
+        </p:spPr>
+        <p:txBody>
+          <a:bodyPr wrap="square" lIns="0" tIns="0" rIns="0" bIns="0" rtlCol="0">
+            <a:spAutoFit/>
+          </a:bodyPr>
+          <a:lstStyle/>
+          <a:p>
+            <a:r>
+              <a:rPr lang="fr-FR" sz="600" noProof="1" smtClean="0">
                 <a:latin typeface="Cambria" panose="02040503050406030204" pitchFamily="18" charset="0"/>
                 <a:ea typeface="Arial Rounded MT Bold" charset="0"/>
                 <a:cs typeface="Arial Rounded MT Bold" charset="0"/>
-              </a:endParaRPr>
-            </a:p>
-          </p:txBody>
-        </p:sp>
-        <p:cxnSp>
-          <p:nvCxnSpPr>
-            <p:cNvPr id="216" name="Connecteur droit avec flèche 215"/>
-            <p:cNvCxnSpPr>
-              <a:endCxn id="206" idx="1"/>
-            </p:cNvCxnSpPr>
-            <p:nvPr/>
-          </p:nvCxnSpPr>
-          <p:spPr>
-            <a:xfrm flipV="1">
-              <a:off x="677452" y="7717077"/>
-              <a:ext cx="435886" cy="3996"/>
-            </a:xfrm>
-            <a:prstGeom prst="straightConnector1">
-              <a:avLst/>
-            </a:prstGeom>
-            <a:ln w="19050">
-              <a:solidFill>
-                <a:schemeClr val="tx1"/>
-              </a:solidFill>
-              <a:prstDash val="sysDash"/>
-              <a:tailEnd type="triangle"/>
-            </a:ln>
-          </p:spPr>
-          <p:style>
-            <a:lnRef idx="1">
-              <a:schemeClr val="accent1"/>
-            </a:lnRef>
-            <a:fillRef idx="0">
-              <a:schemeClr val="accent1"/>
-            </a:fillRef>
-            <a:effectRef idx="0">
-              <a:schemeClr val="accent1"/>
-            </a:effectRef>
-            <a:fontRef idx="minor">
-              <a:schemeClr val="tx1"/>
-            </a:fontRef>
-          </p:style>
-        </p:cxnSp>
-        <p:sp>
-          <p:nvSpPr>
-            <p:cNvPr id="217" name="ZoneTexte 216"/>
-            <p:cNvSpPr txBox="1"/>
-            <p:nvPr/>
-          </p:nvSpPr>
-          <p:spPr>
-            <a:xfrm>
-              <a:off x="621836" y="7597725"/>
-              <a:ext cx="408441" cy="92333"/>
-            </a:xfrm>
-            <a:prstGeom prst="rect">
-              <a:avLst/>
-            </a:prstGeom>
+              </a:rPr>
+              <a:t>input TS 3</a:t>
+            </a:r>
+            <a:endParaRPr lang="fr-FR" sz="600" noProof="1">
+              <a:latin typeface="Cambria" panose="02040503050406030204" pitchFamily="18" charset="0"/>
+              <a:ea typeface="Arial Rounded MT Bold" charset="0"/>
+              <a:cs typeface="Arial Rounded MT Bold" charset="0"/>
+            </a:endParaRPr>
+          </a:p>
+        </p:txBody>
+      </p:sp>
+      <p:sp>
+        <p:nvSpPr>
+          <p:cNvPr id="218" name="Rectangle à coins arrondis 217"/>
+          <p:cNvSpPr/>
+          <p:nvPr/>
+        </p:nvSpPr>
+        <p:spPr>
+          <a:xfrm>
+            <a:off x="4010667" y="3762901"/>
+            <a:ext cx="1806240" cy="411831"/>
+          </a:xfrm>
+          <a:prstGeom prst="roundRect">
+            <a:avLst>
+              <a:gd name="adj" fmla="val 3969"/>
+            </a:avLst>
+          </a:prstGeom>
+          <a:solidFill>
+            <a:schemeClr val="accent6">
+              <a:lumMod val="40000"/>
+              <a:lumOff val="60000"/>
+            </a:schemeClr>
+          </a:solidFill>
+          <a:ln>
             <a:noFill/>
-          </p:spPr>
-          <p:txBody>
-            <a:bodyPr wrap="square" lIns="0" tIns="0" rIns="0" bIns="0" rtlCol="0">
-              <a:spAutoFit/>
-            </a:bodyPr>
-            <a:lstStyle/>
-            <a:p>
-              <a:r>
-                <a:rPr lang="fr-FR" sz="600" noProof="1" smtClean="0">
-                  <a:latin typeface="Cambria" panose="02040503050406030204" pitchFamily="18" charset="0"/>
-                  <a:ea typeface="Arial Rounded MT Bold" charset="0"/>
-                  <a:cs typeface="Arial Rounded MT Bold" charset="0"/>
-                </a:rPr>
-                <a:t>input TS 3</a:t>
-              </a:r>
-              <a:endParaRPr lang="fr-FR" sz="600" noProof="1">
-                <a:latin typeface="Cambria" panose="02040503050406030204" pitchFamily="18" charset="0"/>
-                <a:ea typeface="Arial Rounded MT Bold" charset="0"/>
-                <a:cs typeface="Arial Rounded MT Bold" charset="0"/>
-              </a:endParaRPr>
-            </a:p>
-          </p:txBody>
-        </p:sp>
-        <p:sp>
-          <p:nvSpPr>
-            <p:cNvPr id="218" name="Rectangle à coins arrondis 217"/>
-            <p:cNvSpPr/>
-            <p:nvPr/>
-          </p:nvSpPr>
-          <p:spPr>
-            <a:xfrm>
-              <a:off x="4010667" y="6457333"/>
-              <a:ext cx="1806240" cy="411831"/>
-            </a:xfrm>
-            <a:prstGeom prst="roundRect">
-              <a:avLst>
-                <a:gd name="adj" fmla="val 3969"/>
-              </a:avLst>
-            </a:prstGeom>
-            <a:solidFill>
-              <a:schemeClr val="accent6">
-                <a:lumMod val="40000"/>
-                <a:lumOff val="60000"/>
-              </a:schemeClr>
-            </a:solidFill>
-            <a:ln>
-              <a:noFill/>
-            </a:ln>
-          </p:spPr>
-          <p:style>
-            <a:lnRef idx="2">
-              <a:schemeClr val="accent1">
-                <a:shade val="50000"/>
-              </a:schemeClr>
-            </a:lnRef>
-            <a:fillRef idx="1">
-              <a:schemeClr val="accent1"/>
-            </a:fillRef>
-            <a:effectRef idx="0">
-              <a:schemeClr val="accent1"/>
-            </a:effectRef>
-            <a:fontRef idx="minor">
-              <a:schemeClr val="lt1"/>
-            </a:fontRef>
-          </p:style>
-          <p:txBody>
-            <a:bodyPr tIns="0" rtlCol="0" anchor="t" anchorCtr="0"/>
-            <a:lstStyle/>
-            <a:p>
-              <a:pPr algn="ctr"/>
-              <a:r>
-                <a:rPr lang="fr-FR" sz="600" b="1" noProof="1" smtClean="0">
-                  <a:solidFill>
-                    <a:schemeClr val="tx1"/>
-                  </a:solidFill>
-                  <a:latin typeface="Cambria" panose="02040503050406030204" pitchFamily="18" charset="0"/>
-                  <a:ea typeface="Arial Rounded MT Bold" charset="0"/>
-                  <a:cs typeface="Arial Rounded MT Bold" charset="0"/>
-                </a:rPr>
-                <a:t>tsp</a:t>
-              </a:r>
-              <a:endParaRPr lang="fr-FR" sz="600" b="1" noProof="1">
+          </a:ln>
+        </p:spPr>
+        <p:style>
+          <a:lnRef idx="2">
+            <a:schemeClr val="accent1">
+              <a:shade val="50000"/>
+            </a:schemeClr>
+          </a:lnRef>
+          <a:fillRef idx="1">
+            <a:schemeClr val="accent1"/>
+          </a:fillRef>
+          <a:effectRef idx="0">
+            <a:schemeClr val="accent1"/>
+          </a:effectRef>
+          <a:fontRef idx="minor">
+            <a:schemeClr val="lt1"/>
+          </a:fontRef>
+        </p:style>
+        <p:txBody>
+          <a:bodyPr tIns="0" rtlCol="0" anchor="t" anchorCtr="0"/>
+          <a:lstStyle/>
+          <a:p>
+            <a:pPr algn="ctr"/>
+            <a:r>
+              <a:rPr lang="fr-FR" sz="600" b="1" noProof="1" smtClean="0">
                 <a:solidFill>
                   <a:schemeClr val="tx1"/>
                 </a:solidFill>
                 <a:latin typeface="Cambria" panose="02040503050406030204" pitchFamily="18" charset="0"/>
                 <a:ea typeface="Arial Rounded MT Bold" charset="0"/>
                 <a:cs typeface="Arial Rounded MT Bold" charset="0"/>
-              </a:endParaRPr>
-            </a:p>
-          </p:txBody>
-        </p:sp>
-        <p:sp>
-          <p:nvSpPr>
-            <p:cNvPr id="219" name="Rectangle à coins arrondis 218"/>
-            <p:cNvSpPr/>
-            <p:nvPr/>
-          </p:nvSpPr>
-          <p:spPr>
-            <a:xfrm>
-              <a:off x="4120622" y="6604840"/>
-              <a:ext cx="312039" cy="201219"/>
-            </a:xfrm>
-            <a:prstGeom prst="roundRect">
-              <a:avLst/>
-            </a:prstGeom>
-            <a:solidFill>
-              <a:srgbClr val="1F8A4C"/>
-            </a:solidFill>
-            <a:ln>
-              <a:noFill/>
-            </a:ln>
-          </p:spPr>
-          <p:style>
-            <a:lnRef idx="2">
-              <a:schemeClr val="accent1">
-                <a:shade val="50000"/>
-              </a:schemeClr>
-            </a:lnRef>
-            <a:fillRef idx="1">
-              <a:schemeClr val="accent1"/>
-            </a:fillRef>
-            <a:effectRef idx="0">
-              <a:schemeClr val="accent1"/>
-            </a:effectRef>
-            <a:fontRef idx="minor">
-              <a:schemeClr val="lt1"/>
-            </a:fontRef>
-          </p:style>
-          <p:txBody>
-            <a:bodyPr lIns="36000" rIns="36000" rtlCol="0" anchor="ctr"/>
-            <a:lstStyle/>
-            <a:p>
-              <a:pPr algn="ctr"/>
-              <a:r>
-                <a:rPr lang="fr-FR" sz="600" b="1" noProof="1" smtClean="0">
-                  <a:latin typeface="Consolas" panose="020B0609020204030204" pitchFamily="49" charset="0"/>
-                  <a:ea typeface="Arial Rounded MT Bold" charset="0"/>
-                  <a:cs typeface="Consolas" panose="020B0609020204030204" pitchFamily="49" charset="0"/>
-                </a:rPr>
-                <a:t>file</a:t>
-              </a:r>
-              <a:endParaRPr lang="fr-FR" sz="600" i="1" noProof="1">
+              </a:rPr>
+              <a:t>tsp</a:t>
+            </a:r>
+            <a:endParaRPr lang="fr-FR" sz="600" b="1" noProof="1">
+              <a:solidFill>
+                <a:schemeClr val="tx1"/>
+              </a:solidFill>
+              <a:latin typeface="Cambria" panose="02040503050406030204" pitchFamily="18" charset="0"/>
+              <a:ea typeface="Arial Rounded MT Bold" charset="0"/>
+              <a:cs typeface="Arial Rounded MT Bold" charset="0"/>
+            </a:endParaRPr>
+          </a:p>
+        </p:txBody>
+      </p:sp>
+      <p:sp>
+        <p:nvSpPr>
+          <p:cNvPr id="219" name="Rectangle à coins arrondis 218"/>
+          <p:cNvSpPr/>
+          <p:nvPr/>
+        </p:nvSpPr>
+        <p:spPr>
+          <a:xfrm>
+            <a:off x="4120622" y="3910408"/>
+            <a:ext cx="312039" cy="201219"/>
+          </a:xfrm>
+          <a:prstGeom prst="roundRect">
+            <a:avLst/>
+          </a:prstGeom>
+          <a:solidFill>
+            <a:srgbClr val="1F8A4C"/>
+          </a:solidFill>
+          <a:ln>
+            <a:noFill/>
+          </a:ln>
+        </p:spPr>
+        <p:style>
+          <a:lnRef idx="2">
+            <a:schemeClr val="accent1">
+              <a:shade val="50000"/>
+            </a:schemeClr>
+          </a:lnRef>
+          <a:fillRef idx="1">
+            <a:schemeClr val="accent1"/>
+          </a:fillRef>
+          <a:effectRef idx="0">
+            <a:schemeClr val="accent1"/>
+          </a:effectRef>
+          <a:fontRef idx="minor">
+            <a:schemeClr val="lt1"/>
+          </a:fontRef>
+        </p:style>
+        <p:txBody>
+          <a:bodyPr lIns="36000" rIns="36000" rtlCol="0" anchor="ctr"/>
+          <a:lstStyle/>
+          <a:p>
+            <a:pPr algn="ctr"/>
+            <a:r>
+              <a:rPr lang="fr-FR" sz="600" b="1" noProof="1" smtClean="0">
+                <a:latin typeface="Consolas" panose="020B0609020204030204" pitchFamily="49" charset="0"/>
+                <a:ea typeface="Arial Rounded MT Bold" charset="0"/>
+                <a:cs typeface="Consolas" panose="020B0609020204030204" pitchFamily="49" charset="0"/>
+              </a:rPr>
+              <a:t>file</a:t>
+            </a:r>
+            <a:endParaRPr lang="fr-FR" sz="600" i="1" noProof="1">
+              <a:latin typeface="Cambria" panose="02040503050406030204" pitchFamily="18" charset="0"/>
+              <a:ea typeface="Arial Rounded MT Bold" charset="0"/>
+              <a:cs typeface="Arial Rounded MT Bold" charset="0"/>
+            </a:endParaRPr>
+          </a:p>
+        </p:txBody>
+      </p:sp>
+      <p:sp>
+        <p:nvSpPr>
+          <p:cNvPr id="220" name="Rectangle à coins arrondis 219"/>
+          <p:cNvSpPr/>
+          <p:nvPr/>
+        </p:nvSpPr>
+        <p:spPr>
+          <a:xfrm>
+            <a:off x="4551241" y="3910408"/>
+            <a:ext cx="312039" cy="201219"/>
+          </a:xfrm>
+          <a:prstGeom prst="roundRect">
+            <a:avLst/>
+          </a:prstGeom>
+          <a:solidFill>
+            <a:srgbClr val="1F8A4C"/>
+          </a:solidFill>
+          <a:ln>
+            <a:noFill/>
+          </a:ln>
+        </p:spPr>
+        <p:style>
+          <a:lnRef idx="2">
+            <a:schemeClr val="accent1">
+              <a:shade val="50000"/>
+            </a:schemeClr>
+          </a:lnRef>
+          <a:fillRef idx="1">
+            <a:schemeClr val="accent1"/>
+          </a:fillRef>
+          <a:effectRef idx="0">
+            <a:schemeClr val="accent1"/>
+          </a:effectRef>
+          <a:fontRef idx="minor">
+            <a:schemeClr val="lt1"/>
+          </a:fontRef>
+        </p:style>
+        <p:txBody>
+          <a:bodyPr lIns="36000" rIns="36000" rtlCol="0" anchor="ctr"/>
+          <a:lstStyle/>
+          <a:p>
+            <a:pPr algn="ctr"/>
+            <a:r>
+              <a:rPr lang="fr-FR" sz="600" i="1" noProof="1" smtClean="0">
                 <a:latin typeface="Cambria" panose="02040503050406030204" pitchFamily="18" charset="0"/>
                 <a:ea typeface="Arial Rounded MT Bold" charset="0"/>
                 <a:cs typeface="Arial Rounded MT Bold" charset="0"/>
-              </a:endParaRPr>
-            </a:p>
-          </p:txBody>
-        </p:sp>
-        <p:sp>
-          <p:nvSpPr>
-            <p:cNvPr id="220" name="Rectangle à coins arrondis 219"/>
-            <p:cNvSpPr/>
-            <p:nvPr/>
-          </p:nvSpPr>
-          <p:spPr>
-            <a:xfrm>
-              <a:off x="4551241" y="6604840"/>
-              <a:ext cx="312039" cy="201219"/>
-            </a:xfrm>
-            <a:prstGeom prst="roundRect">
-              <a:avLst/>
-            </a:prstGeom>
-            <a:solidFill>
-              <a:srgbClr val="1F8A4C"/>
-            </a:solidFill>
-            <a:ln>
-              <a:noFill/>
-            </a:ln>
-          </p:spPr>
-          <p:style>
-            <a:lnRef idx="2">
-              <a:schemeClr val="accent1">
-                <a:shade val="50000"/>
-              </a:schemeClr>
-            </a:lnRef>
-            <a:fillRef idx="1">
-              <a:schemeClr val="accent1"/>
-            </a:fillRef>
-            <a:effectRef idx="0">
-              <a:schemeClr val="accent1"/>
-            </a:effectRef>
-            <a:fontRef idx="minor">
-              <a:schemeClr val="lt1"/>
-            </a:fontRef>
-          </p:style>
-          <p:txBody>
-            <a:bodyPr lIns="36000" rIns="36000" rtlCol="0" anchor="ctr"/>
-            <a:lstStyle/>
-            <a:p>
-              <a:pPr algn="ctr"/>
-              <a:r>
-                <a:rPr lang="fr-FR" sz="600" i="1" noProof="1" smtClean="0">
-                  <a:latin typeface="Cambria" panose="02040503050406030204" pitchFamily="18" charset="0"/>
-                  <a:ea typeface="Arial Rounded MT Bold" charset="0"/>
-                  <a:cs typeface="Arial Rounded MT Bold" charset="0"/>
-                </a:rPr>
-                <a:t>plugin</a:t>
-              </a:r>
-              <a:endParaRPr lang="fr-FR" sz="600" i="1" noProof="1">
+              </a:rPr>
+              <a:t>plugin</a:t>
+            </a:r>
+            <a:endParaRPr lang="fr-FR" sz="600" i="1" noProof="1">
+              <a:latin typeface="Cambria" panose="02040503050406030204" pitchFamily="18" charset="0"/>
+              <a:ea typeface="Arial Rounded MT Bold" charset="0"/>
+              <a:cs typeface="Arial Rounded MT Bold" charset="0"/>
+            </a:endParaRPr>
+          </a:p>
+        </p:txBody>
+      </p:sp>
+      <p:sp>
+        <p:nvSpPr>
+          <p:cNvPr id="221" name="Rectangle à coins arrondis 220"/>
+          <p:cNvSpPr/>
+          <p:nvPr/>
+        </p:nvSpPr>
+        <p:spPr>
+          <a:xfrm>
+            <a:off x="4981859" y="3910408"/>
+            <a:ext cx="312039" cy="201219"/>
+          </a:xfrm>
+          <a:prstGeom prst="roundRect">
+            <a:avLst/>
+          </a:prstGeom>
+          <a:solidFill>
+            <a:srgbClr val="1F8A4C"/>
+          </a:solidFill>
+          <a:ln>
+            <a:noFill/>
+          </a:ln>
+        </p:spPr>
+        <p:style>
+          <a:lnRef idx="2">
+            <a:schemeClr val="accent1">
+              <a:shade val="50000"/>
+            </a:schemeClr>
+          </a:lnRef>
+          <a:fillRef idx="1">
+            <a:schemeClr val="accent1"/>
+          </a:fillRef>
+          <a:effectRef idx="0">
+            <a:schemeClr val="accent1"/>
+          </a:effectRef>
+          <a:fontRef idx="minor">
+            <a:schemeClr val="lt1"/>
+          </a:fontRef>
+        </p:style>
+        <p:txBody>
+          <a:bodyPr lIns="36000" rIns="36000" rtlCol="0" anchor="ctr"/>
+          <a:lstStyle/>
+          <a:p>
+            <a:pPr algn="ctr"/>
+            <a:r>
+              <a:rPr lang="fr-FR" sz="600" i="1" noProof="1" smtClean="0">
                 <a:latin typeface="Cambria" panose="02040503050406030204" pitchFamily="18" charset="0"/>
                 <a:ea typeface="Arial Rounded MT Bold" charset="0"/>
                 <a:cs typeface="Arial Rounded MT Bold" charset="0"/>
-              </a:endParaRPr>
-            </a:p>
-          </p:txBody>
-        </p:sp>
-        <p:sp>
-          <p:nvSpPr>
-            <p:cNvPr id="221" name="Rectangle à coins arrondis 220"/>
-            <p:cNvSpPr/>
-            <p:nvPr/>
-          </p:nvSpPr>
-          <p:spPr>
-            <a:xfrm>
-              <a:off x="4981859" y="6604840"/>
-              <a:ext cx="312039" cy="201219"/>
-            </a:xfrm>
-            <a:prstGeom prst="roundRect">
-              <a:avLst/>
-            </a:prstGeom>
-            <a:solidFill>
-              <a:srgbClr val="1F8A4C"/>
-            </a:solidFill>
-            <a:ln>
-              <a:noFill/>
-            </a:ln>
-          </p:spPr>
-          <p:style>
-            <a:lnRef idx="2">
-              <a:schemeClr val="accent1">
-                <a:shade val="50000"/>
-              </a:schemeClr>
-            </a:lnRef>
-            <a:fillRef idx="1">
-              <a:schemeClr val="accent1"/>
-            </a:fillRef>
-            <a:effectRef idx="0">
-              <a:schemeClr val="accent1"/>
-            </a:effectRef>
-            <a:fontRef idx="minor">
-              <a:schemeClr val="lt1"/>
-            </a:fontRef>
-          </p:style>
-          <p:txBody>
-            <a:bodyPr lIns="36000" rIns="36000" rtlCol="0" anchor="ctr"/>
-            <a:lstStyle/>
-            <a:p>
-              <a:pPr algn="ctr"/>
-              <a:r>
-                <a:rPr lang="fr-FR" sz="600" i="1" noProof="1" smtClean="0">
-                  <a:latin typeface="Cambria" panose="02040503050406030204" pitchFamily="18" charset="0"/>
-                  <a:ea typeface="Arial Rounded MT Bold" charset="0"/>
-                  <a:cs typeface="Arial Rounded MT Bold" charset="0"/>
-                </a:rPr>
-                <a:t>plugin</a:t>
-              </a:r>
-              <a:endParaRPr lang="fr-FR" sz="600" i="1" noProof="1">
+              </a:rPr>
+              <a:t>plugin</a:t>
+            </a:r>
+            <a:endParaRPr lang="fr-FR" sz="600" i="1" noProof="1">
+              <a:latin typeface="Cambria" panose="02040503050406030204" pitchFamily="18" charset="0"/>
+              <a:ea typeface="Arial Rounded MT Bold" charset="0"/>
+              <a:cs typeface="Arial Rounded MT Bold" charset="0"/>
+            </a:endParaRPr>
+          </a:p>
+        </p:txBody>
+      </p:sp>
+      <p:sp>
+        <p:nvSpPr>
+          <p:cNvPr id="222" name="Rectangle à coins arrondis 221"/>
+          <p:cNvSpPr/>
+          <p:nvPr/>
+        </p:nvSpPr>
+        <p:spPr>
+          <a:xfrm>
+            <a:off x="5412477" y="3910408"/>
+            <a:ext cx="312039" cy="201219"/>
+          </a:xfrm>
+          <a:prstGeom prst="roundRect">
+            <a:avLst/>
+          </a:prstGeom>
+          <a:solidFill>
+            <a:srgbClr val="1F8A4C"/>
+          </a:solidFill>
+          <a:ln>
+            <a:noFill/>
+          </a:ln>
+        </p:spPr>
+        <p:style>
+          <a:lnRef idx="2">
+            <a:schemeClr val="accent1">
+              <a:shade val="50000"/>
+            </a:schemeClr>
+          </a:lnRef>
+          <a:fillRef idx="1">
+            <a:schemeClr val="accent1"/>
+          </a:fillRef>
+          <a:effectRef idx="0">
+            <a:schemeClr val="accent1"/>
+          </a:effectRef>
+          <a:fontRef idx="minor">
+            <a:schemeClr val="lt1"/>
+          </a:fontRef>
+        </p:style>
+        <p:txBody>
+          <a:bodyPr lIns="36000" rIns="36000" rtlCol="0" anchor="ctr"/>
+          <a:lstStyle/>
+          <a:p>
+            <a:pPr algn="ctr"/>
+            <a:r>
+              <a:rPr lang="fr-FR" sz="600" i="1" noProof="1" smtClean="0">
                 <a:latin typeface="Cambria" panose="02040503050406030204" pitchFamily="18" charset="0"/>
                 <a:ea typeface="Arial Rounded MT Bold" charset="0"/>
                 <a:cs typeface="Arial Rounded MT Bold" charset="0"/>
-              </a:endParaRPr>
-            </a:p>
-          </p:txBody>
-        </p:sp>
-        <p:sp>
-          <p:nvSpPr>
-            <p:cNvPr id="222" name="Rectangle à coins arrondis 221"/>
-            <p:cNvSpPr/>
-            <p:nvPr/>
-          </p:nvSpPr>
-          <p:spPr>
-            <a:xfrm>
-              <a:off x="5412477" y="6604840"/>
-              <a:ext cx="312039" cy="201219"/>
-            </a:xfrm>
-            <a:prstGeom prst="roundRect">
-              <a:avLst/>
-            </a:prstGeom>
+              </a:rPr>
+              <a:t>output</a:t>
+            </a:r>
+            <a:endParaRPr lang="fr-FR" sz="600" i="1" noProof="1">
+              <a:latin typeface="Cambria" panose="02040503050406030204" pitchFamily="18" charset="0"/>
+              <a:ea typeface="Arial Rounded MT Bold" charset="0"/>
+              <a:cs typeface="Arial Rounded MT Bold" charset="0"/>
+            </a:endParaRPr>
+          </a:p>
+        </p:txBody>
+      </p:sp>
+      <p:cxnSp>
+        <p:nvCxnSpPr>
+          <p:cNvPr id="223" name="Connecteur droit avec flèche 222"/>
+          <p:cNvCxnSpPr>
+            <a:stCxn id="219" idx="3"/>
+            <a:endCxn id="220" idx="1"/>
+          </p:cNvCxnSpPr>
+          <p:nvPr/>
+        </p:nvCxnSpPr>
+        <p:spPr>
+          <a:xfrm>
+            <a:off x="4432661" y="4011018"/>
+            <a:ext cx="118580" cy="0"/>
+          </a:xfrm>
+          <a:prstGeom prst="straightConnector1">
+            <a:avLst/>
+          </a:prstGeom>
+          <a:ln w="19050">
             <a:solidFill>
-              <a:srgbClr val="1F8A4C"/>
+              <a:schemeClr val="tx1"/>
             </a:solidFill>
-            <a:ln>
-              <a:noFill/>
-            </a:ln>
-          </p:spPr>
-          <p:style>
-            <a:lnRef idx="2">
-              <a:schemeClr val="accent1">
-                <a:shade val="50000"/>
-              </a:schemeClr>
-            </a:lnRef>
-            <a:fillRef idx="1">
-              <a:schemeClr val="accent1"/>
-            </a:fillRef>
-            <a:effectRef idx="0">
-              <a:schemeClr val="accent1"/>
-            </a:effectRef>
-            <a:fontRef idx="minor">
-              <a:schemeClr val="lt1"/>
-            </a:fontRef>
-          </p:style>
-          <p:txBody>
-            <a:bodyPr lIns="36000" rIns="36000" rtlCol="0" anchor="ctr"/>
-            <a:lstStyle/>
-            <a:p>
-              <a:pPr algn="ctr"/>
-              <a:r>
-                <a:rPr lang="fr-FR" sz="600" i="1" noProof="1" smtClean="0">
-                  <a:latin typeface="Cambria" panose="02040503050406030204" pitchFamily="18" charset="0"/>
-                  <a:ea typeface="Arial Rounded MT Bold" charset="0"/>
-                  <a:cs typeface="Arial Rounded MT Bold" charset="0"/>
-                </a:rPr>
-                <a:t>output</a:t>
-              </a:r>
-              <a:endParaRPr lang="fr-FR" sz="600" i="1" noProof="1">
-                <a:latin typeface="Cambria" panose="02040503050406030204" pitchFamily="18" charset="0"/>
-                <a:ea typeface="Arial Rounded MT Bold" charset="0"/>
-                <a:cs typeface="Arial Rounded MT Bold" charset="0"/>
-              </a:endParaRPr>
-            </a:p>
-          </p:txBody>
-        </p:sp>
-        <p:cxnSp>
-          <p:nvCxnSpPr>
-            <p:cNvPr id="223" name="Connecteur droit avec flèche 222"/>
-            <p:cNvCxnSpPr>
-              <a:stCxn id="219" idx="3"/>
-              <a:endCxn id="220" idx="1"/>
-            </p:cNvCxnSpPr>
-            <p:nvPr/>
-          </p:nvCxnSpPr>
-          <p:spPr>
-            <a:xfrm>
-              <a:off x="4432661" y="6705450"/>
-              <a:ext cx="118580" cy="0"/>
-            </a:xfrm>
-            <a:prstGeom prst="straightConnector1">
-              <a:avLst/>
-            </a:prstGeom>
-            <a:ln w="19050">
-              <a:solidFill>
-                <a:schemeClr val="tx1"/>
-              </a:solidFill>
-              <a:prstDash val="sysDash"/>
-              <a:tailEnd type="triangle"/>
-            </a:ln>
-          </p:spPr>
-          <p:style>
-            <a:lnRef idx="1">
-              <a:schemeClr val="accent1"/>
-            </a:lnRef>
-            <a:fillRef idx="0">
-              <a:schemeClr val="accent1"/>
-            </a:fillRef>
-            <a:effectRef idx="0">
-              <a:schemeClr val="accent1"/>
-            </a:effectRef>
-            <a:fontRef idx="minor">
+            <a:prstDash val="sysDash"/>
+            <a:tailEnd type="triangle"/>
+          </a:ln>
+        </p:spPr>
+        <p:style>
+          <a:lnRef idx="1">
+            <a:schemeClr val="accent1"/>
+          </a:lnRef>
+          <a:fillRef idx="0">
+            <a:schemeClr val="accent1"/>
+          </a:fillRef>
+          <a:effectRef idx="0">
+            <a:schemeClr val="accent1"/>
+          </a:effectRef>
+          <a:fontRef idx="minor">
+            <a:schemeClr val="tx1"/>
+          </a:fontRef>
+        </p:style>
+      </p:cxnSp>
+      <p:cxnSp>
+        <p:nvCxnSpPr>
+          <p:cNvPr id="224" name="Connecteur droit avec flèche 223"/>
+          <p:cNvCxnSpPr>
+            <a:endCxn id="221" idx="1"/>
+          </p:cNvCxnSpPr>
+          <p:nvPr/>
+        </p:nvCxnSpPr>
+        <p:spPr>
+          <a:xfrm flipV="1">
+            <a:off x="4872800" y="4011018"/>
+            <a:ext cx="109059" cy="3434"/>
+          </a:xfrm>
+          <a:prstGeom prst="straightConnector1">
+            <a:avLst/>
+          </a:prstGeom>
+          <a:ln w="19050">
+            <a:solidFill>
               <a:schemeClr val="tx1"/>
-            </a:fontRef>
-          </p:style>
-        </p:cxnSp>
-        <p:cxnSp>
-          <p:nvCxnSpPr>
-            <p:cNvPr id="224" name="Connecteur droit avec flèche 223"/>
-            <p:cNvCxnSpPr>
-              <a:endCxn id="221" idx="1"/>
-            </p:cNvCxnSpPr>
-            <p:nvPr/>
-          </p:nvCxnSpPr>
-          <p:spPr>
-            <a:xfrm flipV="1">
-              <a:off x="4872800" y="6705450"/>
-              <a:ext cx="109059" cy="3434"/>
-            </a:xfrm>
-            <a:prstGeom prst="straightConnector1">
-              <a:avLst/>
-            </a:prstGeom>
-            <a:ln w="19050">
-              <a:solidFill>
-                <a:schemeClr val="tx1"/>
-              </a:solidFill>
-              <a:prstDash val="sysDash"/>
-              <a:tailEnd type="triangle"/>
-            </a:ln>
-          </p:spPr>
-          <p:style>
-            <a:lnRef idx="1">
-              <a:schemeClr val="accent1"/>
-            </a:lnRef>
-            <a:fillRef idx="0">
-              <a:schemeClr val="accent1"/>
-            </a:fillRef>
-            <a:effectRef idx="0">
-              <a:schemeClr val="accent1"/>
-            </a:effectRef>
-            <a:fontRef idx="minor">
+            </a:solidFill>
+            <a:prstDash val="sysDash"/>
+            <a:tailEnd type="triangle"/>
+          </a:ln>
+        </p:spPr>
+        <p:style>
+          <a:lnRef idx="1">
+            <a:schemeClr val="accent1"/>
+          </a:lnRef>
+          <a:fillRef idx="0">
+            <a:schemeClr val="accent1"/>
+          </a:fillRef>
+          <a:effectRef idx="0">
+            <a:schemeClr val="accent1"/>
+          </a:effectRef>
+          <a:fontRef idx="minor">
+            <a:schemeClr val="tx1"/>
+          </a:fontRef>
+        </p:style>
+      </p:cxnSp>
+      <p:cxnSp>
+        <p:nvCxnSpPr>
+          <p:cNvPr id="225" name="Connecteur droit avec flèche 224"/>
+          <p:cNvCxnSpPr>
+            <a:stCxn id="221" idx="3"/>
+            <a:endCxn id="222" idx="1"/>
+          </p:cNvCxnSpPr>
+          <p:nvPr/>
+        </p:nvCxnSpPr>
+        <p:spPr>
+          <a:xfrm>
+            <a:off x="5293898" y="4011018"/>
+            <a:ext cx="118580" cy="0"/>
+          </a:xfrm>
+          <a:prstGeom prst="straightConnector1">
+            <a:avLst/>
+          </a:prstGeom>
+          <a:ln w="19050">
+            <a:solidFill>
               <a:schemeClr val="tx1"/>
-            </a:fontRef>
-          </p:style>
-        </p:cxnSp>
-        <p:cxnSp>
-          <p:nvCxnSpPr>
-            <p:cNvPr id="225" name="Connecteur droit avec flèche 224"/>
-            <p:cNvCxnSpPr>
-              <a:stCxn id="221" idx="3"/>
-              <a:endCxn id="222" idx="1"/>
-            </p:cNvCxnSpPr>
-            <p:nvPr/>
-          </p:nvCxnSpPr>
-          <p:spPr>
-            <a:xfrm>
-              <a:off x="5293898" y="6705450"/>
-              <a:ext cx="118580" cy="0"/>
-            </a:xfrm>
-            <a:prstGeom prst="straightConnector1">
-              <a:avLst/>
-            </a:prstGeom>
-            <a:ln w="19050">
-              <a:solidFill>
-                <a:schemeClr val="tx1"/>
-              </a:solidFill>
-              <a:prstDash val="sysDash"/>
-              <a:tailEnd type="triangle"/>
-            </a:ln>
-          </p:spPr>
-          <p:style>
-            <a:lnRef idx="1">
-              <a:schemeClr val="accent1"/>
-            </a:lnRef>
-            <a:fillRef idx="0">
-              <a:schemeClr val="accent1"/>
-            </a:fillRef>
-            <a:effectRef idx="0">
-              <a:schemeClr val="accent1"/>
-            </a:effectRef>
-            <a:fontRef idx="minor">
+            </a:solidFill>
+            <a:prstDash val="sysDash"/>
+            <a:tailEnd type="triangle"/>
+          </a:ln>
+        </p:spPr>
+        <p:style>
+          <a:lnRef idx="1">
+            <a:schemeClr val="accent1"/>
+          </a:lnRef>
+          <a:fillRef idx="0">
+            <a:schemeClr val="accent1"/>
+          </a:fillRef>
+          <a:effectRef idx="0">
+            <a:schemeClr val="accent1"/>
+          </a:effectRef>
+          <a:fontRef idx="minor">
+            <a:schemeClr val="tx1"/>
+          </a:fontRef>
+        </p:style>
+      </p:cxnSp>
+      <p:cxnSp>
+        <p:nvCxnSpPr>
+          <p:cNvPr id="226" name="Connecteur droit avec flèche 137"/>
+          <p:cNvCxnSpPr>
+            <a:stCxn id="185" idx="0"/>
+            <a:endCxn id="219" idx="1"/>
+          </p:cNvCxnSpPr>
+          <p:nvPr/>
+        </p:nvCxnSpPr>
+        <p:spPr>
+          <a:xfrm rot="5400000" flipH="1" flipV="1">
+            <a:off x="3790174" y="4074251"/>
+            <a:ext cx="393681" cy="267215"/>
+          </a:xfrm>
+          <a:prstGeom prst="bentConnector2">
+            <a:avLst/>
+          </a:prstGeom>
+          <a:ln w="19050">
+            <a:solidFill>
               <a:schemeClr val="tx1"/>
-            </a:fontRef>
-          </p:style>
-        </p:cxnSp>
-        <p:cxnSp>
-          <p:nvCxnSpPr>
-            <p:cNvPr id="226" name="Connecteur droit avec flèche 137"/>
-            <p:cNvCxnSpPr>
-              <a:stCxn id="185" idx="0"/>
-              <a:endCxn id="219" idx="1"/>
-            </p:cNvCxnSpPr>
-            <p:nvPr/>
-          </p:nvCxnSpPr>
-          <p:spPr>
-            <a:xfrm rot="5400000" flipH="1" flipV="1">
-              <a:off x="3790174" y="6768683"/>
-              <a:ext cx="393681" cy="267215"/>
-            </a:xfrm>
-            <a:prstGeom prst="bentConnector2">
-              <a:avLst/>
-            </a:prstGeom>
-            <a:ln w="19050">
-              <a:solidFill>
-                <a:schemeClr val="tx1"/>
-              </a:solidFill>
-              <a:prstDash val="sysDash"/>
-              <a:tailEnd type="triangle"/>
-            </a:ln>
-          </p:spPr>
-          <p:style>
-            <a:lnRef idx="1">
-              <a:schemeClr val="accent1"/>
-            </a:lnRef>
-            <a:fillRef idx="0">
-              <a:schemeClr val="accent1"/>
-            </a:fillRef>
-            <a:effectRef idx="0">
-              <a:schemeClr val="accent1"/>
-            </a:effectRef>
-            <a:fontRef idx="minor">
-              <a:schemeClr val="tx1"/>
-            </a:fontRef>
-          </p:style>
-        </p:cxnSp>
-        <p:sp>
-          <p:nvSpPr>
-            <p:cNvPr id="227" name="Rectangle à coins arrondis 226"/>
-            <p:cNvSpPr/>
-            <p:nvPr/>
-          </p:nvSpPr>
-          <p:spPr>
-            <a:xfrm>
-              <a:off x="4472438" y="7468959"/>
-              <a:ext cx="1806240" cy="411831"/>
-            </a:xfrm>
-            <a:prstGeom prst="roundRect">
-              <a:avLst>
-                <a:gd name="adj" fmla="val 3969"/>
-              </a:avLst>
-            </a:prstGeom>
-            <a:solidFill>
-              <a:schemeClr val="accent6">
-                <a:lumMod val="40000"/>
-                <a:lumOff val="60000"/>
-              </a:schemeClr>
             </a:solidFill>
-            <a:ln>
-              <a:noFill/>
-            </a:ln>
-          </p:spPr>
-          <p:style>
-            <a:lnRef idx="2">
-              <a:schemeClr val="accent1">
-                <a:shade val="50000"/>
-              </a:schemeClr>
-            </a:lnRef>
-            <a:fillRef idx="1">
-              <a:schemeClr val="accent1"/>
-            </a:fillRef>
-            <a:effectRef idx="0">
-              <a:schemeClr val="accent1"/>
-            </a:effectRef>
-            <a:fontRef idx="minor">
-              <a:schemeClr val="lt1"/>
-            </a:fontRef>
-          </p:style>
-          <p:txBody>
-            <a:bodyPr tIns="0" rtlCol="0" anchor="t" anchorCtr="0"/>
-            <a:lstStyle/>
-            <a:p>
-              <a:pPr algn="ctr"/>
-              <a:r>
-                <a:rPr lang="fr-FR" sz="600" b="1" noProof="1" smtClean="0">
-                  <a:solidFill>
-                    <a:schemeClr val="tx1"/>
-                  </a:solidFill>
-                  <a:latin typeface="Cambria" panose="02040503050406030204" pitchFamily="18" charset="0"/>
-                  <a:ea typeface="Arial Rounded MT Bold" charset="0"/>
-                  <a:cs typeface="Arial Rounded MT Bold" charset="0"/>
-                </a:rPr>
-                <a:t>tsp</a:t>
-              </a:r>
-              <a:endParaRPr lang="fr-FR" sz="600" b="1" noProof="1">
+            <a:prstDash val="sysDash"/>
+            <a:tailEnd type="triangle"/>
+          </a:ln>
+        </p:spPr>
+        <p:style>
+          <a:lnRef idx="1">
+            <a:schemeClr val="accent1"/>
+          </a:lnRef>
+          <a:fillRef idx="0">
+            <a:schemeClr val="accent1"/>
+          </a:fillRef>
+          <a:effectRef idx="0">
+            <a:schemeClr val="accent1"/>
+          </a:effectRef>
+          <a:fontRef idx="minor">
+            <a:schemeClr val="tx1"/>
+          </a:fontRef>
+        </p:style>
+      </p:cxnSp>
+      <p:sp>
+        <p:nvSpPr>
+          <p:cNvPr id="227" name="Rectangle à coins arrondis 226"/>
+          <p:cNvSpPr/>
+          <p:nvPr/>
+        </p:nvSpPr>
+        <p:spPr>
+          <a:xfrm>
+            <a:off x="4472438" y="4774527"/>
+            <a:ext cx="1806240" cy="411831"/>
+          </a:xfrm>
+          <a:prstGeom prst="roundRect">
+            <a:avLst>
+              <a:gd name="adj" fmla="val 3969"/>
+            </a:avLst>
+          </a:prstGeom>
+          <a:solidFill>
+            <a:schemeClr val="accent6">
+              <a:lumMod val="40000"/>
+              <a:lumOff val="60000"/>
+            </a:schemeClr>
+          </a:solidFill>
+          <a:ln>
+            <a:noFill/>
+          </a:ln>
+        </p:spPr>
+        <p:style>
+          <a:lnRef idx="2">
+            <a:schemeClr val="accent1">
+              <a:shade val="50000"/>
+            </a:schemeClr>
+          </a:lnRef>
+          <a:fillRef idx="1">
+            <a:schemeClr val="accent1"/>
+          </a:fillRef>
+          <a:effectRef idx="0">
+            <a:schemeClr val="accent1"/>
+          </a:effectRef>
+          <a:fontRef idx="minor">
+            <a:schemeClr val="lt1"/>
+          </a:fontRef>
+        </p:style>
+        <p:txBody>
+          <a:bodyPr tIns="0" rtlCol="0" anchor="t" anchorCtr="0"/>
+          <a:lstStyle/>
+          <a:p>
+            <a:pPr algn="ctr"/>
+            <a:r>
+              <a:rPr lang="fr-FR" sz="600" b="1" noProof="1" smtClean="0">
                 <a:solidFill>
                   <a:schemeClr val="tx1"/>
                 </a:solidFill>
                 <a:latin typeface="Cambria" panose="02040503050406030204" pitchFamily="18" charset="0"/>
                 <a:ea typeface="Arial Rounded MT Bold" charset="0"/>
                 <a:cs typeface="Arial Rounded MT Bold" charset="0"/>
-              </a:endParaRPr>
-            </a:p>
-          </p:txBody>
-        </p:sp>
-        <p:sp>
-          <p:nvSpPr>
-            <p:cNvPr id="228" name="Rectangle à coins arrondis 227"/>
-            <p:cNvSpPr/>
-            <p:nvPr/>
-          </p:nvSpPr>
-          <p:spPr>
-            <a:xfrm>
-              <a:off x="4582393" y="7616467"/>
-              <a:ext cx="312039" cy="201219"/>
-            </a:xfrm>
-            <a:prstGeom prst="roundRect">
-              <a:avLst/>
-            </a:prstGeom>
-            <a:solidFill>
-              <a:srgbClr val="1F8A4C"/>
-            </a:solidFill>
-            <a:ln>
-              <a:noFill/>
-            </a:ln>
-          </p:spPr>
-          <p:style>
-            <a:lnRef idx="2">
-              <a:schemeClr val="accent1">
-                <a:shade val="50000"/>
-              </a:schemeClr>
-            </a:lnRef>
-            <a:fillRef idx="1">
-              <a:schemeClr val="accent1"/>
-            </a:fillRef>
-            <a:effectRef idx="0">
-              <a:schemeClr val="accent1"/>
-            </a:effectRef>
-            <a:fontRef idx="minor">
-              <a:schemeClr val="lt1"/>
-            </a:fontRef>
-          </p:style>
-          <p:txBody>
-            <a:bodyPr lIns="36000" rIns="36000" rtlCol="0" anchor="ctr"/>
-            <a:lstStyle/>
-            <a:p>
-              <a:pPr algn="ctr"/>
-              <a:r>
-                <a:rPr lang="fr-FR" sz="600" b="1" noProof="1" smtClean="0">
-                  <a:latin typeface="Consolas" panose="020B0609020204030204" pitchFamily="49" charset="0"/>
-                  <a:ea typeface="Arial Rounded MT Bold" charset="0"/>
-                  <a:cs typeface="Consolas" panose="020B0609020204030204" pitchFamily="49" charset="0"/>
-                </a:rPr>
-                <a:t>file</a:t>
-              </a:r>
-              <a:endParaRPr lang="fr-FR" sz="600" i="1" noProof="1">
+              </a:rPr>
+              <a:t>tsp</a:t>
+            </a:r>
+            <a:endParaRPr lang="fr-FR" sz="600" b="1" noProof="1">
+              <a:solidFill>
+                <a:schemeClr val="tx1"/>
+              </a:solidFill>
+              <a:latin typeface="Cambria" panose="02040503050406030204" pitchFamily="18" charset="0"/>
+              <a:ea typeface="Arial Rounded MT Bold" charset="0"/>
+              <a:cs typeface="Arial Rounded MT Bold" charset="0"/>
+            </a:endParaRPr>
+          </a:p>
+        </p:txBody>
+      </p:sp>
+      <p:sp>
+        <p:nvSpPr>
+          <p:cNvPr id="228" name="Rectangle à coins arrondis 227"/>
+          <p:cNvSpPr/>
+          <p:nvPr/>
+        </p:nvSpPr>
+        <p:spPr>
+          <a:xfrm>
+            <a:off x="4582393" y="4922035"/>
+            <a:ext cx="312039" cy="201219"/>
+          </a:xfrm>
+          <a:prstGeom prst="roundRect">
+            <a:avLst/>
+          </a:prstGeom>
+          <a:solidFill>
+            <a:srgbClr val="1F8A4C"/>
+          </a:solidFill>
+          <a:ln>
+            <a:noFill/>
+          </a:ln>
+        </p:spPr>
+        <p:style>
+          <a:lnRef idx="2">
+            <a:schemeClr val="accent1">
+              <a:shade val="50000"/>
+            </a:schemeClr>
+          </a:lnRef>
+          <a:fillRef idx="1">
+            <a:schemeClr val="accent1"/>
+          </a:fillRef>
+          <a:effectRef idx="0">
+            <a:schemeClr val="accent1"/>
+          </a:effectRef>
+          <a:fontRef idx="minor">
+            <a:schemeClr val="lt1"/>
+          </a:fontRef>
+        </p:style>
+        <p:txBody>
+          <a:bodyPr lIns="36000" rIns="36000" rtlCol="0" anchor="ctr"/>
+          <a:lstStyle/>
+          <a:p>
+            <a:pPr algn="ctr"/>
+            <a:r>
+              <a:rPr lang="fr-FR" sz="600" b="1" noProof="1" smtClean="0">
+                <a:latin typeface="Consolas" panose="020B0609020204030204" pitchFamily="49" charset="0"/>
+                <a:ea typeface="Arial Rounded MT Bold" charset="0"/>
+                <a:cs typeface="Consolas" panose="020B0609020204030204" pitchFamily="49" charset="0"/>
+              </a:rPr>
+              <a:t>file</a:t>
+            </a:r>
+            <a:endParaRPr lang="fr-FR" sz="600" i="1" noProof="1">
+              <a:latin typeface="Cambria" panose="02040503050406030204" pitchFamily="18" charset="0"/>
+              <a:ea typeface="Arial Rounded MT Bold" charset="0"/>
+              <a:cs typeface="Arial Rounded MT Bold" charset="0"/>
+            </a:endParaRPr>
+          </a:p>
+        </p:txBody>
+      </p:sp>
+      <p:sp>
+        <p:nvSpPr>
+          <p:cNvPr id="229" name="Rectangle à coins arrondis 228"/>
+          <p:cNvSpPr/>
+          <p:nvPr/>
+        </p:nvSpPr>
+        <p:spPr>
+          <a:xfrm>
+            <a:off x="5013011" y="4922035"/>
+            <a:ext cx="312039" cy="201219"/>
+          </a:xfrm>
+          <a:prstGeom prst="roundRect">
+            <a:avLst/>
+          </a:prstGeom>
+          <a:solidFill>
+            <a:srgbClr val="1F8A4C"/>
+          </a:solidFill>
+          <a:ln>
+            <a:noFill/>
+          </a:ln>
+        </p:spPr>
+        <p:style>
+          <a:lnRef idx="2">
+            <a:schemeClr val="accent1">
+              <a:shade val="50000"/>
+            </a:schemeClr>
+          </a:lnRef>
+          <a:fillRef idx="1">
+            <a:schemeClr val="accent1"/>
+          </a:fillRef>
+          <a:effectRef idx="0">
+            <a:schemeClr val="accent1"/>
+          </a:effectRef>
+          <a:fontRef idx="minor">
+            <a:schemeClr val="lt1"/>
+          </a:fontRef>
+        </p:style>
+        <p:txBody>
+          <a:bodyPr lIns="36000" rIns="36000" rtlCol="0" anchor="ctr"/>
+          <a:lstStyle/>
+          <a:p>
+            <a:pPr algn="ctr"/>
+            <a:r>
+              <a:rPr lang="fr-FR" sz="600" i="1" noProof="1" smtClean="0">
                 <a:latin typeface="Cambria" panose="02040503050406030204" pitchFamily="18" charset="0"/>
                 <a:ea typeface="Arial Rounded MT Bold" charset="0"/>
                 <a:cs typeface="Arial Rounded MT Bold" charset="0"/>
-              </a:endParaRPr>
-            </a:p>
-          </p:txBody>
-        </p:sp>
-        <p:sp>
-          <p:nvSpPr>
-            <p:cNvPr id="229" name="Rectangle à coins arrondis 228"/>
-            <p:cNvSpPr/>
-            <p:nvPr/>
-          </p:nvSpPr>
-          <p:spPr>
-            <a:xfrm>
-              <a:off x="5013011" y="7616467"/>
-              <a:ext cx="312039" cy="201219"/>
-            </a:xfrm>
-            <a:prstGeom prst="roundRect">
-              <a:avLst/>
-            </a:prstGeom>
-            <a:solidFill>
-              <a:srgbClr val="1F8A4C"/>
-            </a:solidFill>
-            <a:ln>
-              <a:noFill/>
-            </a:ln>
-          </p:spPr>
-          <p:style>
-            <a:lnRef idx="2">
-              <a:schemeClr val="accent1">
-                <a:shade val="50000"/>
-              </a:schemeClr>
-            </a:lnRef>
-            <a:fillRef idx="1">
-              <a:schemeClr val="accent1"/>
-            </a:fillRef>
-            <a:effectRef idx="0">
-              <a:schemeClr val="accent1"/>
-            </a:effectRef>
-            <a:fontRef idx="minor">
-              <a:schemeClr val="lt1"/>
-            </a:fontRef>
-          </p:style>
-          <p:txBody>
-            <a:bodyPr lIns="36000" rIns="36000" rtlCol="0" anchor="ctr"/>
-            <a:lstStyle/>
-            <a:p>
-              <a:pPr algn="ctr"/>
-              <a:r>
-                <a:rPr lang="fr-FR" sz="600" i="1" noProof="1" smtClean="0">
-                  <a:latin typeface="Cambria" panose="02040503050406030204" pitchFamily="18" charset="0"/>
-                  <a:ea typeface="Arial Rounded MT Bold" charset="0"/>
-                  <a:cs typeface="Arial Rounded MT Bold" charset="0"/>
-                </a:rPr>
-                <a:t>plugin</a:t>
-              </a:r>
-              <a:endParaRPr lang="fr-FR" sz="600" i="1" noProof="1">
+              </a:rPr>
+              <a:t>plugin</a:t>
+            </a:r>
+            <a:endParaRPr lang="fr-FR" sz="600" i="1" noProof="1">
+              <a:latin typeface="Cambria" panose="02040503050406030204" pitchFamily="18" charset="0"/>
+              <a:ea typeface="Arial Rounded MT Bold" charset="0"/>
+              <a:cs typeface="Arial Rounded MT Bold" charset="0"/>
+            </a:endParaRPr>
+          </a:p>
+        </p:txBody>
+      </p:sp>
+      <p:sp>
+        <p:nvSpPr>
+          <p:cNvPr id="230" name="Rectangle à coins arrondis 229"/>
+          <p:cNvSpPr/>
+          <p:nvPr/>
+        </p:nvSpPr>
+        <p:spPr>
+          <a:xfrm>
+            <a:off x="5443630" y="4922035"/>
+            <a:ext cx="312039" cy="201219"/>
+          </a:xfrm>
+          <a:prstGeom prst="roundRect">
+            <a:avLst/>
+          </a:prstGeom>
+          <a:solidFill>
+            <a:srgbClr val="1F8A4C"/>
+          </a:solidFill>
+          <a:ln>
+            <a:noFill/>
+          </a:ln>
+        </p:spPr>
+        <p:style>
+          <a:lnRef idx="2">
+            <a:schemeClr val="accent1">
+              <a:shade val="50000"/>
+            </a:schemeClr>
+          </a:lnRef>
+          <a:fillRef idx="1">
+            <a:schemeClr val="accent1"/>
+          </a:fillRef>
+          <a:effectRef idx="0">
+            <a:schemeClr val="accent1"/>
+          </a:effectRef>
+          <a:fontRef idx="minor">
+            <a:schemeClr val="lt1"/>
+          </a:fontRef>
+        </p:style>
+        <p:txBody>
+          <a:bodyPr lIns="36000" rIns="36000" rtlCol="0" anchor="ctr"/>
+          <a:lstStyle/>
+          <a:p>
+            <a:pPr algn="ctr"/>
+            <a:r>
+              <a:rPr lang="fr-FR" sz="600" i="1" noProof="1" smtClean="0">
                 <a:latin typeface="Cambria" panose="02040503050406030204" pitchFamily="18" charset="0"/>
                 <a:ea typeface="Arial Rounded MT Bold" charset="0"/>
                 <a:cs typeface="Arial Rounded MT Bold" charset="0"/>
-              </a:endParaRPr>
-            </a:p>
-          </p:txBody>
-        </p:sp>
-        <p:sp>
-          <p:nvSpPr>
-            <p:cNvPr id="230" name="Rectangle à coins arrondis 229"/>
-            <p:cNvSpPr/>
-            <p:nvPr/>
-          </p:nvSpPr>
-          <p:spPr>
-            <a:xfrm>
-              <a:off x="5443630" y="7616467"/>
-              <a:ext cx="312039" cy="201219"/>
-            </a:xfrm>
-            <a:prstGeom prst="roundRect">
-              <a:avLst/>
-            </a:prstGeom>
-            <a:solidFill>
-              <a:srgbClr val="1F8A4C"/>
-            </a:solidFill>
-            <a:ln>
-              <a:noFill/>
-            </a:ln>
-          </p:spPr>
-          <p:style>
-            <a:lnRef idx="2">
-              <a:schemeClr val="accent1">
-                <a:shade val="50000"/>
-              </a:schemeClr>
-            </a:lnRef>
-            <a:fillRef idx="1">
-              <a:schemeClr val="accent1"/>
-            </a:fillRef>
-            <a:effectRef idx="0">
-              <a:schemeClr val="accent1"/>
-            </a:effectRef>
-            <a:fontRef idx="minor">
-              <a:schemeClr val="lt1"/>
-            </a:fontRef>
-          </p:style>
-          <p:txBody>
-            <a:bodyPr lIns="36000" rIns="36000" rtlCol="0" anchor="ctr"/>
-            <a:lstStyle/>
-            <a:p>
-              <a:pPr algn="ctr"/>
-              <a:r>
-                <a:rPr lang="fr-FR" sz="600" i="1" noProof="1" smtClean="0">
-                  <a:latin typeface="Cambria" panose="02040503050406030204" pitchFamily="18" charset="0"/>
-                  <a:ea typeface="Arial Rounded MT Bold" charset="0"/>
-                  <a:cs typeface="Arial Rounded MT Bold" charset="0"/>
-                </a:rPr>
-                <a:t>plugin</a:t>
-              </a:r>
-              <a:endParaRPr lang="fr-FR" sz="600" i="1" noProof="1">
+              </a:rPr>
+              <a:t>plugin</a:t>
+            </a:r>
+            <a:endParaRPr lang="fr-FR" sz="600" i="1" noProof="1">
+              <a:latin typeface="Cambria" panose="02040503050406030204" pitchFamily="18" charset="0"/>
+              <a:ea typeface="Arial Rounded MT Bold" charset="0"/>
+              <a:cs typeface="Arial Rounded MT Bold" charset="0"/>
+            </a:endParaRPr>
+          </a:p>
+        </p:txBody>
+      </p:sp>
+      <p:sp>
+        <p:nvSpPr>
+          <p:cNvPr id="231" name="Rectangle à coins arrondis 230"/>
+          <p:cNvSpPr/>
+          <p:nvPr/>
+        </p:nvSpPr>
+        <p:spPr>
+          <a:xfrm>
+            <a:off x="5874248" y="4922035"/>
+            <a:ext cx="312039" cy="201219"/>
+          </a:xfrm>
+          <a:prstGeom prst="roundRect">
+            <a:avLst/>
+          </a:prstGeom>
+          <a:solidFill>
+            <a:srgbClr val="1F8A4C"/>
+          </a:solidFill>
+          <a:ln>
+            <a:noFill/>
+          </a:ln>
+        </p:spPr>
+        <p:style>
+          <a:lnRef idx="2">
+            <a:schemeClr val="accent1">
+              <a:shade val="50000"/>
+            </a:schemeClr>
+          </a:lnRef>
+          <a:fillRef idx="1">
+            <a:schemeClr val="accent1"/>
+          </a:fillRef>
+          <a:effectRef idx="0">
+            <a:schemeClr val="accent1"/>
+          </a:effectRef>
+          <a:fontRef idx="minor">
+            <a:schemeClr val="lt1"/>
+          </a:fontRef>
+        </p:style>
+        <p:txBody>
+          <a:bodyPr lIns="36000" rIns="36000" rtlCol="0" anchor="ctr"/>
+          <a:lstStyle/>
+          <a:p>
+            <a:pPr algn="ctr"/>
+            <a:r>
+              <a:rPr lang="fr-FR" sz="600" i="1" noProof="1" smtClean="0">
                 <a:latin typeface="Cambria" panose="02040503050406030204" pitchFamily="18" charset="0"/>
                 <a:ea typeface="Arial Rounded MT Bold" charset="0"/>
                 <a:cs typeface="Arial Rounded MT Bold" charset="0"/>
-              </a:endParaRPr>
-            </a:p>
-          </p:txBody>
-        </p:sp>
-        <p:sp>
-          <p:nvSpPr>
-            <p:cNvPr id="231" name="Rectangle à coins arrondis 230"/>
-            <p:cNvSpPr/>
-            <p:nvPr/>
-          </p:nvSpPr>
-          <p:spPr>
-            <a:xfrm>
-              <a:off x="5874248" y="7616467"/>
-              <a:ext cx="312039" cy="201219"/>
-            </a:xfrm>
-            <a:prstGeom prst="roundRect">
-              <a:avLst/>
-            </a:prstGeom>
+              </a:rPr>
+              <a:t>output</a:t>
+            </a:r>
+            <a:endParaRPr lang="fr-FR" sz="600" i="1" noProof="1">
+              <a:latin typeface="Cambria" panose="02040503050406030204" pitchFamily="18" charset="0"/>
+              <a:ea typeface="Arial Rounded MT Bold" charset="0"/>
+              <a:cs typeface="Arial Rounded MT Bold" charset="0"/>
+            </a:endParaRPr>
+          </a:p>
+        </p:txBody>
+      </p:sp>
+      <p:cxnSp>
+        <p:nvCxnSpPr>
+          <p:cNvPr id="232" name="Connecteur droit avec flèche 231"/>
+          <p:cNvCxnSpPr>
+            <a:stCxn id="228" idx="3"/>
+            <a:endCxn id="229" idx="1"/>
+          </p:cNvCxnSpPr>
+          <p:nvPr/>
+        </p:nvCxnSpPr>
+        <p:spPr>
+          <a:xfrm>
+            <a:off x="4894432" y="5022645"/>
+            <a:ext cx="118580" cy="0"/>
+          </a:xfrm>
+          <a:prstGeom prst="straightConnector1">
+            <a:avLst/>
+          </a:prstGeom>
+          <a:ln w="19050">
             <a:solidFill>
-              <a:srgbClr val="1F8A4C"/>
+              <a:schemeClr val="tx1"/>
             </a:solidFill>
-            <a:ln>
-              <a:noFill/>
-            </a:ln>
-          </p:spPr>
-          <p:style>
-            <a:lnRef idx="2">
-              <a:schemeClr val="accent1">
-                <a:shade val="50000"/>
-              </a:schemeClr>
-            </a:lnRef>
-            <a:fillRef idx="1">
-              <a:schemeClr val="accent1"/>
-            </a:fillRef>
-            <a:effectRef idx="0">
-              <a:schemeClr val="accent1"/>
-            </a:effectRef>
-            <a:fontRef idx="minor">
-              <a:schemeClr val="lt1"/>
-            </a:fontRef>
-          </p:style>
-          <p:txBody>
-            <a:bodyPr lIns="36000" rIns="36000" rtlCol="0" anchor="ctr"/>
-            <a:lstStyle/>
-            <a:p>
-              <a:pPr algn="ctr"/>
-              <a:r>
-                <a:rPr lang="fr-FR" sz="600" i="1" noProof="1" smtClean="0">
-                  <a:latin typeface="Cambria" panose="02040503050406030204" pitchFamily="18" charset="0"/>
-                  <a:ea typeface="Arial Rounded MT Bold" charset="0"/>
-                  <a:cs typeface="Arial Rounded MT Bold" charset="0"/>
-                </a:rPr>
-                <a:t>output</a:t>
-              </a:r>
-              <a:endParaRPr lang="fr-FR" sz="600" i="1" noProof="1">
+            <a:prstDash val="sysDash"/>
+            <a:tailEnd type="triangle"/>
+          </a:ln>
+        </p:spPr>
+        <p:style>
+          <a:lnRef idx="1">
+            <a:schemeClr val="accent1"/>
+          </a:lnRef>
+          <a:fillRef idx="0">
+            <a:schemeClr val="accent1"/>
+          </a:fillRef>
+          <a:effectRef idx="0">
+            <a:schemeClr val="accent1"/>
+          </a:effectRef>
+          <a:fontRef idx="minor">
+            <a:schemeClr val="tx1"/>
+          </a:fontRef>
+        </p:style>
+      </p:cxnSp>
+      <p:cxnSp>
+        <p:nvCxnSpPr>
+          <p:cNvPr id="233" name="Connecteur droit avec flèche 232"/>
+          <p:cNvCxnSpPr>
+            <a:endCxn id="230" idx="1"/>
+          </p:cNvCxnSpPr>
+          <p:nvPr/>
+        </p:nvCxnSpPr>
+        <p:spPr>
+          <a:xfrm flipV="1">
+            <a:off x="5334571" y="5022645"/>
+            <a:ext cx="109059" cy="3434"/>
+          </a:xfrm>
+          <a:prstGeom prst="straightConnector1">
+            <a:avLst/>
+          </a:prstGeom>
+          <a:ln w="19050">
+            <a:solidFill>
+              <a:schemeClr val="tx1"/>
+            </a:solidFill>
+            <a:prstDash val="sysDash"/>
+            <a:tailEnd type="triangle"/>
+          </a:ln>
+        </p:spPr>
+        <p:style>
+          <a:lnRef idx="1">
+            <a:schemeClr val="accent1"/>
+          </a:lnRef>
+          <a:fillRef idx="0">
+            <a:schemeClr val="accent1"/>
+          </a:fillRef>
+          <a:effectRef idx="0">
+            <a:schemeClr val="accent1"/>
+          </a:effectRef>
+          <a:fontRef idx="minor">
+            <a:schemeClr val="tx1"/>
+          </a:fontRef>
+        </p:style>
+      </p:cxnSp>
+      <p:cxnSp>
+        <p:nvCxnSpPr>
+          <p:cNvPr id="234" name="Connecteur droit avec flèche 233"/>
+          <p:cNvCxnSpPr>
+            <a:stCxn id="230" idx="3"/>
+            <a:endCxn id="231" idx="1"/>
+          </p:cNvCxnSpPr>
+          <p:nvPr/>
+        </p:nvCxnSpPr>
+        <p:spPr>
+          <a:xfrm>
+            <a:off x="5755668" y="5022645"/>
+            <a:ext cx="118580" cy="0"/>
+          </a:xfrm>
+          <a:prstGeom prst="straightConnector1">
+            <a:avLst/>
+          </a:prstGeom>
+          <a:ln w="19050">
+            <a:solidFill>
+              <a:schemeClr val="tx1"/>
+            </a:solidFill>
+            <a:prstDash val="sysDash"/>
+            <a:tailEnd type="triangle"/>
+          </a:ln>
+        </p:spPr>
+        <p:style>
+          <a:lnRef idx="1">
+            <a:schemeClr val="accent1"/>
+          </a:lnRef>
+          <a:fillRef idx="0">
+            <a:schemeClr val="accent1"/>
+          </a:fillRef>
+          <a:effectRef idx="0">
+            <a:schemeClr val="accent1"/>
+          </a:effectRef>
+          <a:fontRef idx="minor">
+            <a:schemeClr val="tx1"/>
+          </a:fontRef>
+        </p:style>
+      </p:cxnSp>
+      <p:cxnSp>
+        <p:nvCxnSpPr>
+          <p:cNvPr id="235" name="Connecteur droit avec flèche 137"/>
+          <p:cNvCxnSpPr>
+            <a:stCxn id="186" idx="2"/>
+            <a:endCxn id="228" idx="1"/>
+          </p:cNvCxnSpPr>
+          <p:nvPr/>
+        </p:nvCxnSpPr>
+        <p:spPr>
+          <a:xfrm rot="16200000" flipH="1">
+            <a:off x="4225009" y="4665261"/>
+            <a:ext cx="416725" cy="298042"/>
+          </a:xfrm>
+          <a:prstGeom prst="bentConnector2">
+            <a:avLst/>
+          </a:prstGeom>
+          <a:ln w="19050">
+            <a:solidFill>
+              <a:schemeClr val="tx1"/>
+            </a:solidFill>
+            <a:prstDash val="sysDash"/>
+            <a:tailEnd type="triangle"/>
+          </a:ln>
+        </p:spPr>
+        <p:style>
+          <a:lnRef idx="1">
+            <a:schemeClr val="accent1"/>
+          </a:lnRef>
+          <a:fillRef idx="0">
+            <a:schemeClr val="accent1"/>
+          </a:fillRef>
+          <a:effectRef idx="0">
+            <a:schemeClr val="accent1"/>
+          </a:effectRef>
+          <a:fontRef idx="minor">
+            <a:schemeClr val="tx1"/>
+          </a:fontRef>
+        </p:style>
+      </p:cxnSp>
+      <p:sp>
+        <p:nvSpPr>
+          <p:cNvPr id="236" name="ZoneTexte 235"/>
+          <p:cNvSpPr txBox="1"/>
+          <p:nvPr/>
+        </p:nvSpPr>
+        <p:spPr>
+          <a:xfrm>
+            <a:off x="5835459" y="3877714"/>
+            <a:ext cx="459725" cy="92333"/>
+          </a:xfrm>
+          <a:prstGeom prst="rect">
+            <a:avLst/>
+          </a:prstGeom>
+          <a:noFill/>
+        </p:spPr>
+        <p:txBody>
+          <a:bodyPr wrap="square" lIns="0" tIns="0" rIns="0" bIns="0" rtlCol="0">
+            <a:spAutoFit/>
+          </a:bodyPr>
+          <a:lstStyle/>
+          <a:p>
+            <a:r>
+              <a:rPr lang="fr-FR" sz="600" noProof="1" smtClean="0">
                 <a:latin typeface="Cambria" panose="02040503050406030204" pitchFamily="18" charset="0"/>
                 <a:ea typeface="Arial Rounded MT Bold" charset="0"/>
                 <a:cs typeface="Arial Rounded MT Bold" charset="0"/>
-              </a:endParaRPr>
-            </a:p>
-          </p:txBody>
-        </p:sp>
-        <p:cxnSp>
-          <p:nvCxnSpPr>
-            <p:cNvPr id="232" name="Connecteur droit avec flèche 231"/>
-            <p:cNvCxnSpPr>
-              <a:stCxn id="228" idx="3"/>
-              <a:endCxn id="229" idx="1"/>
-            </p:cNvCxnSpPr>
-            <p:nvPr/>
-          </p:nvCxnSpPr>
-          <p:spPr>
-            <a:xfrm>
-              <a:off x="4894432" y="7717077"/>
-              <a:ext cx="118580" cy="0"/>
-            </a:xfrm>
-            <a:prstGeom prst="straightConnector1">
-              <a:avLst/>
-            </a:prstGeom>
-            <a:ln w="19050">
-              <a:solidFill>
-                <a:schemeClr val="tx1"/>
-              </a:solidFill>
-              <a:prstDash val="sysDash"/>
-              <a:tailEnd type="triangle"/>
-            </a:ln>
-          </p:spPr>
-          <p:style>
-            <a:lnRef idx="1">
-              <a:schemeClr val="accent1"/>
-            </a:lnRef>
-            <a:fillRef idx="0">
-              <a:schemeClr val="accent1"/>
-            </a:fillRef>
-            <a:effectRef idx="0">
-              <a:schemeClr val="accent1"/>
-            </a:effectRef>
-            <a:fontRef idx="minor">
+              </a:rPr>
+              <a:t>output TS 1</a:t>
+            </a:r>
+            <a:endParaRPr lang="fr-FR" sz="600" noProof="1">
+              <a:latin typeface="Cambria" panose="02040503050406030204" pitchFamily="18" charset="0"/>
+              <a:ea typeface="Arial Rounded MT Bold" charset="0"/>
+              <a:cs typeface="Arial Rounded MT Bold" charset="0"/>
+            </a:endParaRPr>
+          </a:p>
+        </p:txBody>
+      </p:sp>
+      <p:cxnSp>
+        <p:nvCxnSpPr>
+          <p:cNvPr id="237" name="Connecteur droit avec flèche 236"/>
+          <p:cNvCxnSpPr>
+            <a:stCxn id="222" idx="3"/>
+          </p:cNvCxnSpPr>
+          <p:nvPr/>
+        </p:nvCxnSpPr>
+        <p:spPr>
+          <a:xfrm flipV="1">
+            <a:off x="5724516" y="4007075"/>
+            <a:ext cx="429070" cy="3944"/>
+          </a:xfrm>
+          <a:prstGeom prst="straightConnector1">
+            <a:avLst/>
+          </a:prstGeom>
+          <a:ln w="19050">
+            <a:solidFill>
               <a:schemeClr val="tx1"/>
-            </a:fontRef>
-          </p:style>
-        </p:cxnSp>
-        <p:cxnSp>
-          <p:nvCxnSpPr>
-            <p:cNvPr id="233" name="Connecteur droit avec flèche 232"/>
-            <p:cNvCxnSpPr>
-              <a:endCxn id="230" idx="1"/>
-            </p:cNvCxnSpPr>
-            <p:nvPr/>
-          </p:nvCxnSpPr>
-          <p:spPr>
-            <a:xfrm flipV="1">
-              <a:off x="5334571" y="7717077"/>
-              <a:ext cx="109059" cy="3434"/>
-            </a:xfrm>
-            <a:prstGeom prst="straightConnector1">
-              <a:avLst/>
-            </a:prstGeom>
-            <a:ln w="19050">
-              <a:solidFill>
-                <a:schemeClr val="tx1"/>
-              </a:solidFill>
-              <a:prstDash val="sysDash"/>
-              <a:tailEnd type="triangle"/>
-            </a:ln>
-          </p:spPr>
-          <p:style>
-            <a:lnRef idx="1">
-              <a:schemeClr val="accent1"/>
-            </a:lnRef>
-            <a:fillRef idx="0">
-              <a:schemeClr val="accent1"/>
-            </a:fillRef>
-            <a:effectRef idx="0">
-              <a:schemeClr val="accent1"/>
-            </a:effectRef>
-            <a:fontRef idx="minor">
-              <a:schemeClr val="tx1"/>
-            </a:fontRef>
-          </p:style>
-        </p:cxnSp>
-        <p:cxnSp>
-          <p:nvCxnSpPr>
-            <p:cNvPr id="234" name="Connecteur droit avec flèche 233"/>
-            <p:cNvCxnSpPr>
-              <a:stCxn id="230" idx="3"/>
-              <a:endCxn id="231" idx="1"/>
-            </p:cNvCxnSpPr>
-            <p:nvPr/>
-          </p:nvCxnSpPr>
-          <p:spPr>
-            <a:xfrm>
-              <a:off x="5755668" y="7717077"/>
-              <a:ext cx="118580" cy="0"/>
-            </a:xfrm>
-            <a:prstGeom prst="straightConnector1">
-              <a:avLst/>
-            </a:prstGeom>
-            <a:ln w="19050">
-              <a:solidFill>
-                <a:schemeClr val="tx1"/>
-              </a:solidFill>
-              <a:prstDash val="sysDash"/>
-              <a:tailEnd type="triangle"/>
-            </a:ln>
-          </p:spPr>
-          <p:style>
-            <a:lnRef idx="1">
-              <a:schemeClr val="accent1"/>
-            </a:lnRef>
-            <a:fillRef idx="0">
-              <a:schemeClr val="accent1"/>
-            </a:fillRef>
-            <a:effectRef idx="0">
-              <a:schemeClr val="accent1"/>
-            </a:effectRef>
-            <a:fontRef idx="minor">
-              <a:schemeClr val="tx1"/>
-            </a:fontRef>
-          </p:style>
-        </p:cxnSp>
-        <p:cxnSp>
-          <p:nvCxnSpPr>
-            <p:cNvPr id="235" name="Connecteur droit avec flèche 137"/>
-            <p:cNvCxnSpPr>
-              <a:stCxn id="186" idx="2"/>
-              <a:endCxn id="228" idx="1"/>
-            </p:cNvCxnSpPr>
-            <p:nvPr/>
-          </p:nvCxnSpPr>
-          <p:spPr>
-            <a:xfrm rot="16200000" flipH="1">
-              <a:off x="4225009" y="7359693"/>
-              <a:ext cx="416725" cy="298042"/>
-            </a:xfrm>
-            <a:prstGeom prst="bentConnector2">
-              <a:avLst/>
-            </a:prstGeom>
-            <a:ln w="19050">
-              <a:solidFill>
-                <a:schemeClr val="tx1"/>
-              </a:solidFill>
-              <a:prstDash val="sysDash"/>
-              <a:tailEnd type="triangle"/>
-            </a:ln>
-          </p:spPr>
-          <p:style>
-            <a:lnRef idx="1">
-              <a:schemeClr val="accent1"/>
-            </a:lnRef>
-            <a:fillRef idx="0">
-              <a:schemeClr val="accent1"/>
-            </a:fillRef>
-            <a:effectRef idx="0">
-              <a:schemeClr val="accent1"/>
-            </a:effectRef>
-            <a:fontRef idx="minor">
-              <a:schemeClr val="tx1"/>
-            </a:fontRef>
-          </p:style>
-        </p:cxnSp>
-        <p:sp>
-          <p:nvSpPr>
-            <p:cNvPr id="236" name="ZoneTexte 235"/>
-            <p:cNvSpPr txBox="1"/>
-            <p:nvPr/>
-          </p:nvSpPr>
-          <p:spPr>
-            <a:xfrm>
-              <a:off x="5835459" y="6572146"/>
-              <a:ext cx="459725" cy="92333"/>
-            </a:xfrm>
-            <a:prstGeom prst="rect">
-              <a:avLst/>
-            </a:prstGeom>
-            <a:noFill/>
-          </p:spPr>
-          <p:txBody>
-            <a:bodyPr wrap="square" lIns="0" tIns="0" rIns="0" bIns="0" rtlCol="0">
-              <a:spAutoFit/>
-            </a:bodyPr>
-            <a:lstStyle/>
-            <a:p>
-              <a:r>
-                <a:rPr lang="fr-FR" sz="600" noProof="1" smtClean="0">
-                  <a:latin typeface="Cambria" panose="02040503050406030204" pitchFamily="18" charset="0"/>
-                  <a:ea typeface="Arial Rounded MT Bold" charset="0"/>
-                  <a:cs typeface="Arial Rounded MT Bold" charset="0"/>
-                </a:rPr>
-                <a:t>output TS 1</a:t>
-              </a:r>
-              <a:endParaRPr lang="fr-FR" sz="600" noProof="1">
+            </a:solidFill>
+            <a:prstDash val="sysDash"/>
+            <a:tailEnd type="triangle"/>
+          </a:ln>
+        </p:spPr>
+        <p:style>
+          <a:lnRef idx="1">
+            <a:schemeClr val="accent1"/>
+          </a:lnRef>
+          <a:fillRef idx="0">
+            <a:schemeClr val="accent1"/>
+          </a:fillRef>
+          <a:effectRef idx="0">
+            <a:schemeClr val="accent1"/>
+          </a:effectRef>
+          <a:fontRef idx="minor">
+            <a:schemeClr val="tx1"/>
+          </a:fontRef>
+        </p:style>
+      </p:cxnSp>
+      <p:sp>
+        <p:nvSpPr>
+          <p:cNvPr id="238" name="ZoneTexte 237"/>
+          <p:cNvSpPr txBox="1"/>
+          <p:nvPr/>
+        </p:nvSpPr>
+        <p:spPr>
+          <a:xfrm>
+            <a:off x="6310751" y="4899350"/>
+            <a:ext cx="459725" cy="92333"/>
+          </a:xfrm>
+          <a:prstGeom prst="rect">
+            <a:avLst/>
+          </a:prstGeom>
+          <a:noFill/>
+        </p:spPr>
+        <p:txBody>
+          <a:bodyPr wrap="square" lIns="0" tIns="0" rIns="0" bIns="0" rtlCol="0">
+            <a:spAutoFit/>
+          </a:bodyPr>
+          <a:lstStyle/>
+          <a:p>
+            <a:r>
+              <a:rPr lang="fr-FR" sz="600" noProof="1" smtClean="0">
                 <a:latin typeface="Cambria" panose="02040503050406030204" pitchFamily="18" charset="0"/>
                 <a:ea typeface="Arial Rounded MT Bold" charset="0"/>
                 <a:cs typeface="Arial Rounded MT Bold" charset="0"/>
-              </a:endParaRPr>
-            </a:p>
-          </p:txBody>
-        </p:sp>
-        <p:cxnSp>
-          <p:nvCxnSpPr>
-            <p:cNvPr id="237" name="Connecteur droit avec flèche 236"/>
-            <p:cNvCxnSpPr>
-              <a:stCxn id="222" idx="3"/>
-            </p:cNvCxnSpPr>
-            <p:nvPr/>
-          </p:nvCxnSpPr>
-          <p:spPr>
-            <a:xfrm flipV="1">
-              <a:off x="5724516" y="6701507"/>
-              <a:ext cx="429070" cy="3944"/>
-            </a:xfrm>
-            <a:prstGeom prst="straightConnector1">
-              <a:avLst/>
-            </a:prstGeom>
-            <a:ln w="19050">
-              <a:solidFill>
-                <a:schemeClr val="tx1"/>
-              </a:solidFill>
-              <a:prstDash val="sysDash"/>
-              <a:tailEnd type="triangle"/>
-            </a:ln>
-          </p:spPr>
-          <p:style>
-            <a:lnRef idx="1">
-              <a:schemeClr val="accent1"/>
-            </a:lnRef>
-            <a:fillRef idx="0">
-              <a:schemeClr val="accent1"/>
-            </a:fillRef>
-            <a:effectRef idx="0">
-              <a:schemeClr val="accent1"/>
-            </a:effectRef>
-            <a:fontRef idx="minor">
+              </a:rPr>
+              <a:t>output TS 3</a:t>
+            </a:r>
+            <a:endParaRPr lang="fr-FR" sz="600" noProof="1">
+              <a:latin typeface="Cambria" panose="02040503050406030204" pitchFamily="18" charset="0"/>
+              <a:ea typeface="Arial Rounded MT Bold" charset="0"/>
+              <a:cs typeface="Arial Rounded MT Bold" charset="0"/>
+            </a:endParaRPr>
+          </a:p>
+        </p:txBody>
+      </p:sp>
+      <p:cxnSp>
+        <p:nvCxnSpPr>
+          <p:cNvPr id="239" name="Connecteur droit avec flèche 238"/>
+          <p:cNvCxnSpPr>
+            <a:stCxn id="231" idx="3"/>
+          </p:cNvCxnSpPr>
+          <p:nvPr/>
+        </p:nvCxnSpPr>
+        <p:spPr>
+          <a:xfrm flipV="1">
+            <a:off x="6186287" y="5022644"/>
+            <a:ext cx="429070" cy="1"/>
+          </a:xfrm>
+          <a:prstGeom prst="straightConnector1">
+            <a:avLst/>
+          </a:prstGeom>
+          <a:ln w="19050">
+            <a:solidFill>
               <a:schemeClr val="tx1"/>
-            </a:fontRef>
-          </p:style>
-        </p:cxnSp>
-        <p:sp>
-          <p:nvSpPr>
-            <p:cNvPr id="238" name="ZoneTexte 237"/>
-            <p:cNvSpPr txBox="1"/>
-            <p:nvPr/>
-          </p:nvSpPr>
-          <p:spPr>
-            <a:xfrm>
-              <a:off x="6310751" y="7593782"/>
-              <a:ext cx="459725" cy="92333"/>
-            </a:xfrm>
-            <a:prstGeom prst="rect">
-              <a:avLst/>
-            </a:prstGeom>
-            <a:noFill/>
-          </p:spPr>
-          <p:txBody>
-            <a:bodyPr wrap="square" lIns="0" tIns="0" rIns="0" bIns="0" rtlCol="0">
-              <a:spAutoFit/>
-            </a:bodyPr>
-            <a:lstStyle/>
-            <a:p>
-              <a:r>
-                <a:rPr lang="fr-FR" sz="600" noProof="1" smtClean="0">
-                  <a:latin typeface="Cambria" panose="02040503050406030204" pitchFamily="18" charset="0"/>
-                  <a:ea typeface="Arial Rounded MT Bold" charset="0"/>
-                  <a:cs typeface="Arial Rounded MT Bold" charset="0"/>
-                </a:rPr>
-                <a:t>output TS 3</a:t>
-              </a:r>
-              <a:endParaRPr lang="fr-FR" sz="600" noProof="1">
+            </a:solidFill>
+            <a:prstDash val="sysDash"/>
+            <a:tailEnd type="triangle"/>
+          </a:ln>
+        </p:spPr>
+        <p:style>
+          <a:lnRef idx="1">
+            <a:schemeClr val="accent1"/>
+          </a:lnRef>
+          <a:fillRef idx="0">
+            <a:schemeClr val="accent1"/>
+          </a:fillRef>
+          <a:effectRef idx="0">
+            <a:schemeClr val="accent1"/>
+          </a:effectRef>
+          <a:fontRef idx="minor">
+            <a:schemeClr val="tx1"/>
+          </a:fontRef>
+        </p:style>
+      </p:cxnSp>
+      <p:pic>
+        <p:nvPicPr>
+          <p:cNvPr id="241" name="Picture 7" descr="D:\Devel\tsduck\images\tsduck-48.png"/>
+          <p:cNvPicPr>
+            <a:picLocks noChangeAspect="1" noChangeArrowheads="1"/>
+          </p:cNvPicPr>
+          <p:nvPr/>
+        </p:nvPicPr>
+        <p:blipFill>
+          <a:blip r:embed="rId2">
+            <a:extLst>
+              <a:ext uri="{28A0092B-C50C-407E-A947-70E740481C1C}">
+                <a14:useLocalDpi xmlns:a14="http://schemas.microsoft.com/office/drawing/2010/main" val="0"/>
+              </a:ext>
+            </a:extLst>
+          </a:blip>
+          <a:srcRect/>
+          <a:stretch>
+            <a:fillRect/>
+          </a:stretch>
+        </p:blipFill>
+        <p:spPr bwMode="auto">
+          <a:xfrm>
+            <a:off x="6121585" y="5302490"/>
+            <a:ext cx="146050" cy="146050"/>
+          </a:xfrm>
+          <a:prstGeom prst="rect">
+            <a:avLst/>
+          </a:prstGeom>
+          <a:noFill/>
+          <a:extLst>
+            <a:ext uri="{909E8E84-426E-40DD-AFC4-6F175D3DCCD1}">
+              <a14:hiddenFill xmlns:a14="http://schemas.microsoft.com/office/drawing/2010/main">
+                <a:solidFill>
+                  <a:srgbClr val="FFFFFF"/>
+                </a:solidFill>
+              </a14:hiddenFill>
+            </a:ext>
+          </a:extLst>
+        </p:spPr>
+      </p:pic>
+      <p:sp>
+        <p:nvSpPr>
+          <p:cNvPr id="242" name="ZoneTexte 241"/>
+          <p:cNvSpPr txBox="1"/>
+          <p:nvPr/>
+        </p:nvSpPr>
+        <p:spPr>
+          <a:xfrm>
+            <a:off x="6284834" y="5321654"/>
+            <a:ext cx="302156" cy="107722"/>
+          </a:xfrm>
+          <a:prstGeom prst="rect">
+            <a:avLst/>
+          </a:prstGeom>
+          <a:noFill/>
+        </p:spPr>
+        <p:txBody>
+          <a:bodyPr wrap="square" lIns="0" tIns="0" rIns="0" bIns="0" rtlCol="0">
+            <a:spAutoFit/>
+          </a:bodyPr>
+          <a:lstStyle/>
+          <a:p>
+            <a:r>
+              <a:rPr lang="fr-FR" sz="700" noProof="1" smtClean="0">
                 <a:latin typeface="Cambria" panose="02040503050406030204" pitchFamily="18" charset="0"/>
                 <a:ea typeface="Arial Rounded MT Bold" charset="0"/>
                 <a:cs typeface="Arial Rounded MT Bold" charset="0"/>
-              </a:endParaRPr>
-            </a:p>
-          </p:txBody>
-        </p:sp>
-        <p:cxnSp>
-          <p:nvCxnSpPr>
-            <p:cNvPr id="239" name="Connecteur droit avec flèche 238"/>
-            <p:cNvCxnSpPr>
-              <a:stCxn id="231" idx="3"/>
-            </p:cNvCxnSpPr>
-            <p:nvPr/>
-          </p:nvCxnSpPr>
-          <p:spPr>
-            <a:xfrm flipV="1">
-              <a:off x="6186287" y="7717076"/>
-              <a:ext cx="429070" cy="1"/>
-            </a:xfrm>
-            <a:prstGeom prst="straightConnector1">
-              <a:avLst/>
-            </a:prstGeom>
-            <a:ln w="19050">
-              <a:solidFill>
-                <a:schemeClr val="tx1"/>
-              </a:solidFill>
-              <a:prstDash val="sysDash"/>
-              <a:tailEnd type="triangle"/>
-            </a:ln>
-          </p:spPr>
-          <p:style>
-            <a:lnRef idx="1">
-              <a:schemeClr val="accent1"/>
-            </a:lnRef>
-            <a:fillRef idx="0">
-              <a:schemeClr val="accent1"/>
-            </a:fillRef>
-            <a:effectRef idx="0">
-              <a:schemeClr val="accent1"/>
-            </a:effectRef>
-            <a:fontRef idx="minor">
-              <a:schemeClr val="tx1"/>
-            </a:fontRef>
-          </p:style>
-        </p:cxnSp>
-        <p:pic>
-          <p:nvPicPr>
-            <p:cNvPr id="241" name="Picture 7" descr="D:\Devel\tsduck\images\tsduck-48.png"/>
-            <p:cNvPicPr>
-              <a:picLocks noChangeAspect="1" noChangeArrowheads="1"/>
-            </p:cNvPicPr>
-            <p:nvPr/>
-          </p:nvPicPr>
-          <p:blipFill>
-            <a:blip r:embed="rId2">
-              <a:extLst>
-                <a:ext uri="{28A0092B-C50C-407E-A947-70E740481C1C}">
-                  <a14:useLocalDpi xmlns:a14="http://schemas.microsoft.com/office/drawing/2010/main" val="0"/>
-                </a:ext>
-              </a:extLst>
-            </a:blip>
-            <a:srcRect/>
-            <a:stretch>
-              <a:fillRect/>
-            </a:stretch>
-          </p:blipFill>
-          <p:spPr bwMode="auto">
-            <a:xfrm>
-              <a:off x="6121585" y="7996922"/>
-              <a:ext cx="146050" cy="146050"/>
-            </a:xfrm>
-            <a:prstGeom prst="rect">
-              <a:avLst/>
-            </a:prstGeom>
-            <a:noFill/>
-            <a:extLst>
-              <a:ext uri="{909E8E84-426E-40DD-AFC4-6F175D3DCCD1}">
-                <a14:hiddenFill xmlns:a14="http://schemas.microsoft.com/office/drawing/2010/main">
-                  <a:solidFill>
-                    <a:srgbClr val="FFFFFF"/>
-                  </a:solidFill>
-                </a14:hiddenFill>
-              </a:ext>
-            </a:extLst>
-          </p:spPr>
-        </p:pic>
-        <p:sp>
-          <p:nvSpPr>
-            <p:cNvPr id="242" name="ZoneTexte 241"/>
-            <p:cNvSpPr txBox="1"/>
-            <p:nvPr/>
-          </p:nvSpPr>
-          <p:spPr>
-            <a:xfrm>
-              <a:off x="6284834" y="8016086"/>
-              <a:ext cx="302156" cy="107722"/>
-            </a:xfrm>
-            <a:prstGeom prst="rect">
-              <a:avLst/>
-            </a:prstGeom>
-            <a:noFill/>
-          </p:spPr>
-          <p:txBody>
-            <a:bodyPr wrap="square" lIns="0" tIns="0" rIns="0" bIns="0" rtlCol="0">
-              <a:spAutoFit/>
-            </a:bodyPr>
-            <a:lstStyle/>
-            <a:p>
-              <a:r>
-                <a:rPr lang="fr-FR" sz="700" noProof="1" smtClean="0">
-                  <a:latin typeface="Cambria" panose="02040503050406030204" pitchFamily="18" charset="0"/>
-                  <a:ea typeface="Arial Rounded MT Bold" charset="0"/>
-                  <a:cs typeface="Arial Rounded MT Bold" charset="0"/>
-                </a:rPr>
-                <a:t>TSDuck</a:t>
-              </a:r>
-              <a:endParaRPr lang="fr-FR" sz="700" noProof="1">
-                <a:latin typeface="Cambria" panose="02040503050406030204" pitchFamily="18" charset="0"/>
-                <a:ea typeface="Arial Rounded MT Bold" charset="0"/>
-                <a:cs typeface="Arial Rounded MT Bold" charset="0"/>
-              </a:endParaRPr>
-            </a:p>
-          </p:txBody>
-        </p:sp>
-      </p:grpSp>
+              </a:rPr>
+              <a:t>TSDuck</a:t>
+            </a:r>
+            <a:endParaRPr lang="fr-FR" sz="700" noProof="1">
+              <a:latin typeface="Cambria" panose="02040503050406030204" pitchFamily="18" charset="0"/>
+              <a:ea typeface="Arial Rounded MT Bold" charset="0"/>
+              <a:cs typeface="Arial Rounded MT Bold" charset="0"/>
+            </a:endParaRPr>
+          </a:p>
+        </p:txBody>
+      </p:sp>
       <p:pic>
         <p:nvPicPr>
           <p:cNvPr id="240" name="Picture 7" descr="D:\Devel\tsduck\images\tsduck-48.png">
             <a:extLst>
               <a:ext uri="{FF2B5EF4-FFF2-40B4-BE49-F238E27FC236}">
-                <a16:creationId xmlns="" xmlns:a16="http://schemas.microsoft.com/office/drawing/2014/main" id="{7EBDB59B-A971-2145-8D90-DA0176A2FB18}"/>
+                <a16:creationId xmlns:a16="http://schemas.microsoft.com/office/drawing/2014/main" xmlns="" id="{7EBDB59B-A971-2145-8D90-DA0176A2FB18}"/>
               </a:ext>
             </a:extLst>
           </p:cNvPr>
@@ -11115,7 +11101,7 @@
           <p:cNvPr id="243" name="ZoneTexte 242">
             <a:extLst>
               <a:ext uri="{FF2B5EF4-FFF2-40B4-BE49-F238E27FC236}">
-                <a16:creationId xmlns="" xmlns:a16="http://schemas.microsoft.com/office/drawing/2014/main" id="{24E2D4AE-DD52-8240-8AF5-E8D191EF58B2}"/>
+                <a16:creationId xmlns:a16="http://schemas.microsoft.com/office/drawing/2014/main" xmlns="" id="{24E2D4AE-DD52-8240-8AF5-E8D191EF58B2}"/>
               </a:ext>
             </a:extLst>
           </p:cNvPr>
@@ -11159,7 +11145,7 @@
           <p:cNvPr id="244" name="Rectangle à coins arrondis 243">
             <a:extLst>
               <a:ext uri="{FF2B5EF4-FFF2-40B4-BE49-F238E27FC236}">
-                <a16:creationId xmlns="" xmlns:a16="http://schemas.microsoft.com/office/drawing/2014/main" id="{DFD7C87C-57E7-3942-AEE8-76374267556C}"/>
+                <a16:creationId xmlns:a16="http://schemas.microsoft.com/office/drawing/2014/main" xmlns="" id="{DFD7C87C-57E7-3942-AEE8-76374267556C}"/>
               </a:ext>
             </a:extLst>
           </p:cNvPr>
@@ -11234,7 +11220,7 @@
           <p:cNvPr id="245" name="Rectangle à coins arrondis 244">
             <a:extLst>
               <a:ext uri="{FF2B5EF4-FFF2-40B4-BE49-F238E27FC236}">
-                <a16:creationId xmlns="" xmlns:a16="http://schemas.microsoft.com/office/drawing/2014/main" id="{6AF3952C-6E42-9F4C-BCAC-CA6D7682F478}"/>
+                <a16:creationId xmlns:a16="http://schemas.microsoft.com/office/drawing/2014/main" xmlns="" id="{6AF3952C-6E42-9F4C-BCAC-CA6D7682F478}"/>
               </a:ext>
             </a:extLst>
           </p:cNvPr>
@@ -11298,7 +11284,7 @@
           <p:cNvPr id="246" name="Rectangle à coins arrondis 245">
             <a:extLst>
               <a:ext uri="{FF2B5EF4-FFF2-40B4-BE49-F238E27FC236}">
-                <a16:creationId xmlns="" xmlns:a16="http://schemas.microsoft.com/office/drawing/2014/main" id="{401C1769-9E94-FE4E-B77C-858A4DB570E4}"/>
+                <a16:creationId xmlns:a16="http://schemas.microsoft.com/office/drawing/2014/main" xmlns="" id="{401C1769-9E94-FE4E-B77C-858A4DB570E4}"/>
               </a:ext>
             </a:extLst>
           </p:cNvPr>
@@ -11362,7 +11348,7 @@
           <p:cNvPr id="247" name="Rectangle à coins arrondis 246">
             <a:extLst>
               <a:ext uri="{FF2B5EF4-FFF2-40B4-BE49-F238E27FC236}">
-                <a16:creationId xmlns="" xmlns:a16="http://schemas.microsoft.com/office/drawing/2014/main" id="{288599FE-0002-E442-862B-6641BE5360ED}"/>
+                <a16:creationId xmlns:a16="http://schemas.microsoft.com/office/drawing/2014/main" xmlns="" id="{288599FE-0002-E442-862B-6641BE5360ED}"/>
               </a:ext>
             </a:extLst>
           </p:cNvPr>
@@ -11426,7 +11412,7 @@
           <p:cNvPr id="248" name="Connecteur droit avec flèche 247">
             <a:extLst>
               <a:ext uri="{FF2B5EF4-FFF2-40B4-BE49-F238E27FC236}">
-                <a16:creationId xmlns="" xmlns:a16="http://schemas.microsoft.com/office/drawing/2014/main" id="{358A55EA-8299-5243-966D-73C91238E7E1}"/>
+                <a16:creationId xmlns:a16="http://schemas.microsoft.com/office/drawing/2014/main" xmlns="" id="{358A55EA-8299-5243-966D-73C91238E7E1}"/>
               </a:ext>
             </a:extLst>
           </p:cNvPr>
@@ -11472,7 +11458,7 @@
           <p:cNvPr id="249" name="Connecteur droit avec flèche 248">
             <a:extLst>
               <a:ext uri="{FF2B5EF4-FFF2-40B4-BE49-F238E27FC236}">
-                <a16:creationId xmlns="" xmlns:a16="http://schemas.microsoft.com/office/drawing/2014/main" id="{81727CF6-61E7-1248-B379-326132500770}"/>
+                <a16:creationId xmlns:a16="http://schemas.microsoft.com/office/drawing/2014/main" xmlns="" id="{81727CF6-61E7-1248-B379-326132500770}"/>
               </a:ext>
             </a:extLst>
           </p:cNvPr>
@@ -11518,7 +11504,7 @@
           <p:cNvPr id="250" name="ZoneTexte 249">
             <a:extLst>
               <a:ext uri="{FF2B5EF4-FFF2-40B4-BE49-F238E27FC236}">
-                <a16:creationId xmlns="" xmlns:a16="http://schemas.microsoft.com/office/drawing/2014/main" id="{E144A86D-7BE6-D740-8D8A-3812CEE2D089}"/>
+                <a16:creationId xmlns:a16="http://schemas.microsoft.com/office/drawing/2014/main" xmlns="" id="{E144A86D-7BE6-D740-8D8A-3812CEE2D089}"/>
               </a:ext>
             </a:extLst>
           </p:cNvPr>
@@ -11562,7 +11548,7 @@
           <p:cNvPr id="251" name="Connecteur droit avec flèche 250">
             <a:extLst>
               <a:ext uri="{FF2B5EF4-FFF2-40B4-BE49-F238E27FC236}">
-                <a16:creationId xmlns="" xmlns:a16="http://schemas.microsoft.com/office/drawing/2014/main" id="{C4931B87-DB8F-CF42-825C-39B52224539D}"/>
+                <a16:creationId xmlns:a16="http://schemas.microsoft.com/office/drawing/2014/main" xmlns="" id="{C4931B87-DB8F-CF42-825C-39B52224539D}"/>
               </a:ext>
             </a:extLst>
           </p:cNvPr>
@@ -11607,7 +11593,7 @@
           <p:cNvPr id="252" name="Rectangle à coins arrondis 251">
             <a:extLst>
               <a:ext uri="{FF2B5EF4-FFF2-40B4-BE49-F238E27FC236}">
-                <a16:creationId xmlns="" xmlns:a16="http://schemas.microsoft.com/office/drawing/2014/main" id="{F16D29F8-F334-CB4D-BFD1-BD53652E3698}"/>
+                <a16:creationId xmlns:a16="http://schemas.microsoft.com/office/drawing/2014/main" xmlns="" id="{F16D29F8-F334-CB4D-BFD1-BD53652E3698}"/>
               </a:ext>
             </a:extLst>
           </p:cNvPr>
@@ -11678,18 +11664,7 @@
                 <a:ea typeface="Arial Rounded MT Bold" charset="0"/>
                 <a:cs typeface="Arial Rounded MT Bold" charset="0"/>
               </a:rPr>
-              <a:t>t</a:t>
-            </a:r>
-            <a:r>
-              <a:rPr lang="fr-FR" sz="800" noProof="1" smtClean="0">
-                <a:solidFill>
-                  <a:schemeClr val="tx1"/>
-                </a:solidFill>
-                <a:latin typeface="Cambria" panose="02040503050406030204" pitchFamily="18" charset="0"/>
-                <a:ea typeface="Arial Rounded MT Bold" charset="0"/>
-                <a:cs typeface="Arial Rounded MT Bold" charset="0"/>
-              </a:rPr>
-              <a:t>uner 1</a:t>
+              <a:t>tuner 1</a:t>
             </a:r>
             <a:endParaRPr lang="fr-FR" sz="800" noProof="1">
               <a:solidFill>
@@ -11707,7 +11682,7 @@
           <p:cNvPr id="253" name="Connecteur droit 252">
             <a:extLst>
               <a:ext uri="{FF2B5EF4-FFF2-40B4-BE49-F238E27FC236}">
-                <a16:creationId xmlns="" xmlns:a16="http://schemas.microsoft.com/office/drawing/2014/main" id="{21FEE28B-F787-BA47-B678-2E1BC9B22353}"/>
+                <a16:creationId xmlns:a16="http://schemas.microsoft.com/office/drawing/2014/main" xmlns="" id="{21FEE28B-F787-BA47-B678-2E1BC9B22353}"/>
               </a:ext>
             </a:extLst>
           </p:cNvPr>
@@ -11750,7 +11725,7 @@
           <p:cNvPr id="254" name="Picture 3">
             <a:extLst>
               <a:ext uri="{FF2B5EF4-FFF2-40B4-BE49-F238E27FC236}">
-                <a16:creationId xmlns="" xmlns:a16="http://schemas.microsoft.com/office/drawing/2014/main" id="{8B89C201-BA7A-3547-9956-97C9C5593DB9}"/>
+                <a16:creationId xmlns:a16="http://schemas.microsoft.com/office/drawing/2014/main" xmlns="" id="{8B89C201-BA7A-3547-9956-97C9C5593DB9}"/>
               </a:ext>
             </a:extLst>
           </p:cNvPr>
@@ -11820,7 +11795,7 @@
           <p:cNvPr id="255" name="Rectangle à coins arrondis 254">
             <a:extLst>
               <a:ext uri="{FF2B5EF4-FFF2-40B4-BE49-F238E27FC236}">
-                <a16:creationId xmlns="" xmlns:a16="http://schemas.microsoft.com/office/drawing/2014/main" id="{23928D21-4F50-394F-A465-8160CD1E1038}"/>
+                <a16:creationId xmlns:a16="http://schemas.microsoft.com/office/drawing/2014/main" xmlns="" id="{23928D21-4F50-394F-A465-8160CD1E1038}"/>
               </a:ext>
             </a:extLst>
           </p:cNvPr>
@@ -11895,7 +11870,7 @@
           <p:cNvPr id="256" name="Rectangle à coins arrondis 255">
             <a:extLst>
               <a:ext uri="{FF2B5EF4-FFF2-40B4-BE49-F238E27FC236}">
-                <a16:creationId xmlns="" xmlns:a16="http://schemas.microsoft.com/office/drawing/2014/main" id="{D36A8FDC-F1BD-EC40-8248-6B52204EA4FB}"/>
+                <a16:creationId xmlns:a16="http://schemas.microsoft.com/office/drawing/2014/main" xmlns="" id="{D36A8FDC-F1BD-EC40-8248-6B52204EA4FB}"/>
               </a:ext>
             </a:extLst>
           </p:cNvPr>
@@ -11957,7 +11932,7 @@
           <p:cNvPr id="257" name="Rectangle à coins arrondis 256">
             <a:extLst>
               <a:ext uri="{FF2B5EF4-FFF2-40B4-BE49-F238E27FC236}">
-                <a16:creationId xmlns="" xmlns:a16="http://schemas.microsoft.com/office/drawing/2014/main" id="{2E1B18C1-9894-1F42-B531-FA72F788D06A}"/>
+                <a16:creationId xmlns:a16="http://schemas.microsoft.com/office/drawing/2014/main" xmlns="" id="{2E1B18C1-9894-1F42-B531-FA72F788D06A}"/>
               </a:ext>
             </a:extLst>
           </p:cNvPr>
@@ -12021,7 +11996,7 @@
           <p:cNvPr id="258" name="Connecteur droit avec flèche 78">
             <a:extLst>
               <a:ext uri="{FF2B5EF4-FFF2-40B4-BE49-F238E27FC236}">
-                <a16:creationId xmlns="" xmlns:a16="http://schemas.microsoft.com/office/drawing/2014/main" id="{B29DF2C1-5270-904D-B642-F5752B62DDF8}"/>
+                <a16:creationId xmlns:a16="http://schemas.microsoft.com/office/drawing/2014/main" xmlns="" id="{B29DF2C1-5270-904D-B642-F5752B62DDF8}"/>
               </a:ext>
             </a:extLst>
           </p:cNvPr>
@@ -12070,7 +12045,7 @@
           <p:cNvPr id="259" name="Connecteur droit avec flèche 258">
             <a:extLst>
               <a:ext uri="{FF2B5EF4-FFF2-40B4-BE49-F238E27FC236}">
-                <a16:creationId xmlns="" xmlns:a16="http://schemas.microsoft.com/office/drawing/2014/main" id="{7BFD1D0D-2F24-5140-A7A1-15162A534CF0}"/>
+                <a16:creationId xmlns:a16="http://schemas.microsoft.com/office/drawing/2014/main" xmlns="" id="{7BFD1D0D-2F24-5140-A7A1-15162A534CF0}"/>
               </a:ext>
             </a:extLst>
           </p:cNvPr>
@@ -12117,7 +12092,7 @@
           <p:cNvPr id="262" name="Rectangle à coins arrondis 261">
             <a:extLst>
               <a:ext uri="{FF2B5EF4-FFF2-40B4-BE49-F238E27FC236}">
-                <a16:creationId xmlns="" xmlns:a16="http://schemas.microsoft.com/office/drawing/2014/main" id="{FC5A53AA-03C5-6740-AAB7-22C581F93311}"/>
+                <a16:creationId xmlns:a16="http://schemas.microsoft.com/office/drawing/2014/main" xmlns="" id="{FC5A53AA-03C5-6740-AAB7-22C581F93311}"/>
               </a:ext>
             </a:extLst>
           </p:cNvPr>
@@ -12179,7 +12154,7 @@
           <p:cNvPr id="263" name="Rectangle à coins arrondis 262">
             <a:extLst>
               <a:ext uri="{FF2B5EF4-FFF2-40B4-BE49-F238E27FC236}">
-                <a16:creationId xmlns="" xmlns:a16="http://schemas.microsoft.com/office/drawing/2014/main" id="{C892A677-4DD7-9D44-A35F-E07C3734C7D0}"/>
+                <a16:creationId xmlns:a16="http://schemas.microsoft.com/office/drawing/2014/main" xmlns="" id="{C892A677-4DD7-9D44-A35F-E07C3734C7D0}"/>
               </a:ext>
             </a:extLst>
           </p:cNvPr>
@@ -12241,7 +12216,7 @@
           <p:cNvPr id="264" name="Rectangle à coins arrondis 263">
             <a:extLst>
               <a:ext uri="{FF2B5EF4-FFF2-40B4-BE49-F238E27FC236}">
-                <a16:creationId xmlns="" xmlns:a16="http://schemas.microsoft.com/office/drawing/2014/main" id="{055106AB-BE5F-E244-93DF-730F424CE9E2}"/>
+                <a16:creationId xmlns:a16="http://schemas.microsoft.com/office/drawing/2014/main" xmlns="" id="{055106AB-BE5F-E244-93DF-730F424CE9E2}"/>
               </a:ext>
             </a:extLst>
           </p:cNvPr>
@@ -12303,7 +12278,7 @@
           <p:cNvPr id="265" name="Connecteur droit avec flèche 78">
             <a:extLst>
               <a:ext uri="{FF2B5EF4-FFF2-40B4-BE49-F238E27FC236}">
-                <a16:creationId xmlns="" xmlns:a16="http://schemas.microsoft.com/office/drawing/2014/main" id="{CE59BDD5-42FC-2347-A97B-6EF1AF2CD76E}"/>
+                <a16:creationId xmlns:a16="http://schemas.microsoft.com/office/drawing/2014/main" xmlns="" id="{CE59BDD5-42FC-2347-A97B-6EF1AF2CD76E}"/>
               </a:ext>
             </a:extLst>
           </p:cNvPr>
@@ -12351,7 +12326,7 @@
           <p:cNvPr id="266" name="Connecteur droit avec flèche 78">
             <a:extLst>
               <a:ext uri="{FF2B5EF4-FFF2-40B4-BE49-F238E27FC236}">
-                <a16:creationId xmlns="" xmlns:a16="http://schemas.microsoft.com/office/drawing/2014/main" id="{B20FFC8F-9BC4-2E4A-A8EE-7F654C8D18B6}"/>
+                <a16:creationId xmlns:a16="http://schemas.microsoft.com/office/drawing/2014/main" xmlns="" id="{B20FFC8F-9BC4-2E4A-A8EE-7F654C8D18B6}"/>
               </a:ext>
             </a:extLst>
           </p:cNvPr>
@@ -12400,7 +12375,7 @@
           <p:cNvPr id="267" name="Connecteur droit avec flèche 78">
             <a:extLst>
               <a:ext uri="{FF2B5EF4-FFF2-40B4-BE49-F238E27FC236}">
-                <a16:creationId xmlns="" xmlns:a16="http://schemas.microsoft.com/office/drawing/2014/main" id="{FCD708BB-A040-F54D-A04F-BF29BBC34A9B}"/>
+                <a16:creationId xmlns:a16="http://schemas.microsoft.com/office/drawing/2014/main" xmlns="" id="{FCD708BB-A040-F54D-A04F-BF29BBC34A9B}"/>
               </a:ext>
             </a:extLst>
           </p:cNvPr>
@@ -12449,7 +12424,7 @@
           <p:cNvPr id="268" name="Connecteur droit avec flèche 102">
             <a:extLst>
               <a:ext uri="{FF2B5EF4-FFF2-40B4-BE49-F238E27FC236}">
-                <a16:creationId xmlns="" xmlns:a16="http://schemas.microsoft.com/office/drawing/2014/main" id="{F68601FD-3B24-E84E-8512-8F12BDD6F447}"/>
+                <a16:creationId xmlns:a16="http://schemas.microsoft.com/office/drawing/2014/main" xmlns="" id="{F68601FD-3B24-E84E-8512-8F12BDD6F447}"/>
               </a:ext>
             </a:extLst>
           </p:cNvPr>
@@ -12496,7 +12471,7 @@
           <p:cNvPr id="269" name="Rectangle à coins arrondis 268">
             <a:extLst>
               <a:ext uri="{FF2B5EF4-FFF2-40B4-BE49-F238E27FC236}">
-                <a16:creationId xmlns="" xmlns:a16="http://schemas.microsoft.com/office/drawing/2014/main" id="{207176EF-D58B-9F42-B51F-EDF84066C434}"/>
+                <a16:creationId xmlns:a16="http://schemas.microsoft.com/office/drawing/2014/main" xmlns="" id="{207176EF-D58B-9F42-B51F-EDF84066C434}"/>
               </a:ext>
             </a:extLst>
           </p:cNvPr>
@@ -12571,7 +12546,7 @@
           <p:cNvPr id="270" name="Rectangle à coins arrondis 269">
             <a:extLst>
               <a:ext uri="{FF2B5EF4-FFF2-40B4-BE49-F238E27FC236}">
-                <a16:creationId xmlns="" xmlns:a16="http://schemas.microsoft.com/office/drawing/2014/main" id="{0EBD748A-8AD9-2C46-89B4-4F6A71D46447}"/>
+                <a16:creationId xmlns:a16="http://schemas.microsoft.com/office/drawing/2014/main" xmlns="" id="{0EBD748A-8AD9-2C46-89B4-4F6A71D46447}"/>
               </a:ext>
             </a:extLst>
           </p:cNvPr>
@@ -12633,7 +12608,7 @@
           <p:cNvPr id="271" name="Rectangle à coins arrondis 270">
             <a:extLst>
               <a:ext uri="{FF2B5EF4-FFF2-40B4-BE49-F238E27FC236}">
-                <a16:creationId xmlns="" xmlns:a16="http://schemas.microsoft.com/office/drawing/2014/main" id="{FF06C02C-F215-8D4F-A8E5-8095AD1B4B48}"/>
+                <a16:creationId xmlns:a16="http://schemas.microsoft.com/office/drawing/2014/main" xmlns="" id="{FF06C02C-F215-8D4F-A8E5-8095AD1B4B48}"/>
               </a:ext>
             </a:extLst>
           </p:cNvPr>
@@ -12695,7 +12670,7 @@
           <p:cNvPr id="272" name="Rectangle à coins arrondis 271">
             <a:extLst>
               <a:ext uri="{FF2B5EF4-FFF2-40B4-BE49-F238E27FC236}">
-                <a16:creationId xmlns="" xmlns:a16="http://schemas.microsoft.com/office/drawing/2014/main" id="{DC06761C-E5D6-8C40-8FE7-6EAC716FC474}"/>
+                <a16:creationId xmlns:a16="http://schemas.microsoft.com/office/drawing/2014/main" xmlns="" id="{DC06761C-E5D6-8C40-8FE7-6EAC716FC474}"/>
               </a:ext>
             </a:extLst>
           </p:cNvPr>
@@ -12759,7 +12734,7 @@
           <p:cNvPr id="273" name="Connecteur droit avec flèche 272">
             <a:extLst>
               <a:ext uri="{FF2B5EF4-FFF2-40B4-BE49-F238E27FC236}">
-                <a16:creationId xmlns="" xmlns:a16="http://schemas.microsoft.com/office/drawing/2014/main" id="{917022DD-9C4E-8C4F-8EF4-DC025172FC05}"/>
+                <a16:creationId xmlns:a16="http://schemas.microsoft.com/office/drawing/2014/main" xmlns="" id="{917022DD-9C4E-8C4F-8EF4-DC025172FC05}"/>
               </a:ext>
             </a:extLst>
           </p:cNvPr>
@@ -12805,7 +12780,7 @@
           <p:cNvPr id="274" name="Connecteur droit avec flèche 273">
             <a:extLst>
               <a:ext uri="{FF2B5EF4-FFF2-40B4-BE49-F238E27FC236}">
-                <a16:creationId xmlns="" xmlns:a16="http://schemas.microsoft.com/office/drawing/2014/main" id="{C8A7163D-1B73-8544-BEB6-5055C4559C5C}"/>
+                <a16:creationId xmlns:a16="http://schemas.microsoft.com/office/drawing/2014/main" xmlns="" id="{C8A7163D-1B73-8544-BEB6-5055C4559C5C}"/>
               </a:ext>
             </a:extLst>
           </p:cNvPr>
@@ -12851,7 +12826,7 @@
           <p:cNvPr id="275" name="Connecteur droit avec flèche 274">
             <a:extLst>
               <a:ext uri="{FF2B5EF4-FFF2-40B4-BE49-F238E27FC236}">
-                <a16:creationId xmlns="" xmlns:a16="http://schemas.microsoft.com/office/drawing/2014/main" id="{0EB21763-B322-DA48-835F-2AC58953056D}"/>
+                <a16:creationId xmlns:a16="http://schemas.microsoft.com/office/drawing/2014/main" xmlns="" id="{0EB21763-B322-DA48-835F-2AC58953056D}"/>
               </a:ext>
             </a:extLst>
           </p:cNvPr>
@@ -12898,7 +12873,7 @@
           <p:cNvPr id="276" name="ZoneTexte 275">
             <a:extLst>
               <a:ext uri="{FF2B5EF4-FFF2-40B4-BE49-F238E27FC236}">
-                <a16:creationId xmlns="" xmlns:a16="http://schemas.microsoft.com/office/drawing/2014/main" id="{9C7431C8-D75F-5142-A1EB-8230494FC409}"/>
+                <a16:creationId xmlns:a16="http://schemas.microsoft.com/office/drawing/2014/main" xmlns="" id="{9C7431C8-D75F-5142-A1EB-8230494FC409}"/>
               </a:ext>
             </a:extLst>
           </p:cNvPr>
@@ -12942,7 +12917,7 @@
           <p:cNvPr id="277" name="Connecteur droit avec flèche 276">
             <a:extLst>
               <a:ext uri="{FF2B5EF4-FFF2-40B4-BE49-F238E27FC236}">
-                <a16:creationId xmlns="" xmlns:a16="http://schemas.microsoft.com/office/drawing/2014/main" id="{51025ACC-3151-1E4B-AB8E-659FC8729762}"/>
+                <a16:creationId xmlns:a16="http://schemas.microsoft.com/office/drawing/2014/main" xmlns="" id="{51025ACC-3151-1E4B-AB8E-659FC8729762}"/>
               </a:ext>
             </a:extLst>
           </p:cNvPr>
@@ -12989,7 +12964,7 @@
           <p:cNvPr id="278" name="Connecteur droit avec flèche 120">
             <a:extLst>
               <a:ext uri="{FF2B5EF4-FFF2-40B4-BE49-F238E27FC236}">
-                <a16:creationId xmlns="" xmlns:a16="http://schemas.microsoft.com/office/drawing/2014/main" id="{906459B5-8582-FB4E-8E54-AFC7005D5446}"/>
+                <a16:creationId xmlns:a16="http://schemas.microsoft.com/office/drawing/2014/main" xmlns="" id="{906459B5-8582-FB4E-8E54-AFC7005D5446}"/>
               </a:ext>
             </a:extLst>
           </p:cNvPr>
@@ -13038,7 +13013,7 @@
           <p:cNvPr id="279" name="ZoneTexte 278">
             <a:extLst>
               <a:ext uri="{FF2B5EF4-FFF2-40B4-BE49-F238E27FC236}">
-                <a16:creationId xmlns="" xmlns:a16="http://schemas.microsoft.com/office/drawing/2014/main" id="{CA252A1D-16B0-9A4A-89F5-1189E8A73A99}"/>
+                <a16:creationId xmlns:a16="http://schemas.microsoft.com/office/drawing/2014/main" xmlns="" id="{CA252A1D-16B0-9A4A-89F5-1189E8A73A99}"/>
               </a:ext>
             </a:extLst>
           </p:cNvPr>
@@ -13082,7 +13057,7 @@
           <p:cNvPr id="280" name="ZoneTexte 279">
             <a:extLst>
               <a:ext uri="{FF2B5EF4-FFF2-40B4-BE49-F238E27FC236}">
-                <a16:creationId xmlns="" xmlns:a16="http://schemas.microsoft.com/office/drawing/2014/main" id="{CD80FC3C-1E7A-C341-AB6B-3F80A5F70604}"/>
+                <a16:creationId xmlns:a16="http://schemas.microsoft.com/office/drawing/2014/main" xmlns="" id="{CD80FC3C-1E7A-C341-AB6B-3F80A5F70604}"/>
               </a:ext>
             </a:extLst>
           </p:cNvPr>
@@ -13126,7 +13101,7 @@
           <p:cNvPr id="281" name="Rectangle à coins arrondis 280">
             <a:extLst>
               <a:ext uri="{FF2B5EF4-FFF2-40B4-BE49-F238E27FC236}">
-                <a16:creationId xmlns="" xmlns:a16="http://schemas.microsoft.com/office/drawing/2014/main" id="{0E47B07A-E542-E94F-B3E2-4F4ABA87F78E}"/>
+                <a16:creationId xmlns:a16="http://schemas.microsoft.com/office/drawing/2014/main" xmlns="" id="{0E47B07A-E542-E94F-B3E2-4F4ABA87F78E}"/>
               </a:ext>
             </a:extLst>
           </p:cNvPr>
@@ -13201,7 +13176,7 @@
           <p:cNvPr id="282" name="Connecteur droit avec flèche 179">
             <a:extLst>
               <a:ext uri="{FF2B5EF4-FFF2-40B4-BE49-F238E27FC236}">
-                <a16:creationId xmlns="" xmlns:a16="http://schemas.microsoft.com/office/drawing/2014/main" id="{790BDF13-B28F-4A4B-8464-24DEEE7A347F}"/>
+                <a16:creationId xmlns:a16="http://schemas.microsoft.com/office/drawing/2014/main" xmlns="" id="{790BDF13-B28F-4A4B-8464-24DEEE7A347F}"/>
               </a:ext>
             </a:extLst>
           </p:cNvPr>
@@ -13248,7 +13223,7 @@
           <p:cNvPr id="283" name="ZoneTexte 282">
             <a:extLst>
               <a:ext uri="{FF2B5EF4-FFF2-40B4-BE49-F238E27FC236}">
-                <a16:creationId xmlns="" xmlns:a16="http://schemas.microsoft.com/office/drawing/2014/main" id="{0A8106A8-EA81-3B49-833A-1C0B7A03B6C3}"/>
+                <a16:creationId xmlns:a16="http://schemas.microsoft.com/office/drawing/2014/main" xmlns="" id="{0A8106A8-EA81-3B49-833A-1C0B7A03B6C3}"/>
               </a:ext>
             </a:extLst>
           </p:cNvPr>
@@ -13339,7 +13314,7 @@
           <p:cNvPr id="158" name="Rectangle à coins arrondis 157">
             <a:extLst>
               <a:ext uri="{FF2B5EF4-FFF2-40B4-BE49-F238E27FC236}">
-                <a16:creationId xmlns="" xmlns:a16="http://schemas.microsoft.com/office/drawing/2014/main" id="{F16D29F8-F334-CB4D-BFD1-BD53652E3698}"/>
+                <a16:creationId xmlns:a16="http://schemas.microsoft.com/office/drawing/2014/main" xmlns="" id="{F16D29F8-F334-CB4D-BFD1-BD53652E3698}"/>
               </a:ext>
             </a:extLst>
           </p:cNvPr>
@@ -13428,7 +13403,7 @@
           <p:cNvPr id="159" name="Connecteur droit 158">
             <a:extLst>
               <a:ext uri="{FF2B5EF4-FFF2-40B4-BE49-F238E27FC236}">
-                <a16:creationId xmlns="" xmlns:a16="http://schemas.microsoft.com/office/drawing/2014/main" id="{21FEE28B-F787-BA47-B678-2E1BC9B22353}"/>
+                <a16:creationId xmlns:a16="http://schemas.microsoft.com/office/drawing/2014/main" xmlns="" id="{21FEE28B-F787-BA47-B678-2E1BC9B22353}"/>
               </a:ext>
             </a:extLst>
           </p:cNvPr>
@@ -13471,7 +13446,7 @@
           <p:cNvPr id="160" name="Picture 3">
             <a:extLst>
               <a:ext uri="{FF2B5EF4-FFF2-40B4-BE49-F238E27FC236}">
-                <a16:creationId xmlns="" xmlns:a16="http://schemas.microsoft.com/office/drawing/2014/main" id="{8B89C201-BA7A-3547-9956-97C9C5593DB9}"/>
+                <a16:creationId xmlns:a16="http://schemas.microsoft.com/office/drawing/2014/main" xmlns="" id="{8B89C201-BA7A-3547-9956-97C9C5593DB9}"/>
               </a:ext>
             </a:extLst>
           </p:cNvPr>
@@ -13541,7 +13516,7 @@
           <p:cNvPr id="162" name="Rectangle à coins arrondis 161">
             <a:extLst>
               <a:ext uri="{FF2B5EF4-FFF2-40B4-BE49-F238E27FC236}">
-                <a16:creationId xmlns="" xmlns:a16="http://schemas.microsoft.com/office/drawing/2014/main" id="{207176EF-D58B-9F42-B51F-EDF84066C434}"/>
+                <a16:creationId xmlns:a16="http://schemas.microsoft.com/office/drawing/2014/main" xmlns="" id="{207176EF-D58B-9F42-B51F-EDF84066C434}"/>
               </a:ext>
             </a:extLst>
           </p:cNvPr>
@@ -13616,7 +13591,7 @@
           <p:cNvPr id="163" name="Rectangle à coins arrondis 162">
             <a:extLst>
               <a:ext uri="{FF2B5EF4-FFF2-40B4-BE49-F238E27FC236}">
-                <a16:creationId xmlns="" xmlns:a16="http://schemas.microsoft.com/office/drawing/2014/main" id="{0EBD748A-8AD9-2C46-89B4-4F6A71D46447}"/>
+                <a16:creationId xmlns:a16="http://schemas.microsoft.com/office/drawing/2014/main" xmlns="" id="{0EBD748A-8AD9-2C46-89B4-4F6A71D46447}"/>
               </a:ext>
             </a:extLst>
           </p:cNvPr>
@@ -13678,7 +13653,7 @@
           <p:cNvPr id="164" name="Rectangle à coins arrondis 163">
             <a:extLst>
               <a:ext uri="{FF2B5EF4-FFF2-40B4-BE49-F238E27FC236}">
-                <a16:creationId xmlns="" xmlns:a16="http://schemas.microsoft.com/office/drawing/2014/main" id="{FF06C02C-F215-8D4F-A8E5-8095AD1B4B48}"/>
+                <a16:creationId xmlns:a16="http://schemas.microsoft.com/office/drawing/2014/main" xmlns="" id="{FF06C02C-F215-8D4F-A8E5-8095AD1B4B48}"/>
               </a:ext>
             </a:extLst>
           </p:cNvPr>
@@ -13740,7 +13715,7 @@
           <p:cNvPr id="165" name="Rectangle à coins arrondis 164">
             <a:extLst>
               <a:ext uri="{FF2B5EF4-FFF2-40B4-BE49-F238E27FC236}">
-                <a16:creationId xmlns="" xmlns:a16="http://schemas.microsoft.com/office/drawing/2014/main" id="{DC06761C-E5D6-8C40-8FE7-6EAC716FC474}"/>
+                <a16:creationId xmlns:a16="http://schemas.microsoft.com/office/drawing/2014/main" xmlns="" id="{DC06761C-E5D6-8C40-8FE7-6EAC716FC474}"/>
               </a:ext>
             </a:extLst>
           </p:cNvPr>
@@ -13804,7 +13779,7 @@
           <p:cNvPr id="166" name="Connecteur droit avec flèche 165">
             <a:extLst>
               <a:ext uri="{FF2B5EF4-FFF2-40B4-BE49-F238E27FC236}">
-                <a16:creationId xmlns="" xmlns:a16="http://schemas.microsoft.com/office/drawing/2014/main" id="{917022DD-9C4E-8C4F-8EF4-DC025172FC05}"/>
+                <a16:creationId xmlns:a16="http://schemas.microsoft.com/office/drawing/2014/main" xmlns="" id="{917022DD-9C4E-8C4F-8EF4-DC025172FC05}"/>
               </a:ext>
             </a:extLst>
           </p:cNvPr>
@@ -13850,7 +13825,7 @@
           <p:cNvPr id="167" name="Connecteur droit avec flèche 166">
             <a:extLst>
               <a:ext uri="{FF2B5EF4-FFF2-40B4-BE49-F238E27FC236}">
-                <a16:creationId xmlns="" xmlns:a16="http://schemas.microsoft.com/office/drawing/2014/main" id="{C8A7163D-1B73-8544-BEB6-5055C4559C5C}"/>
+                <a16:creationId xmlns:a16="http://schemas.microsoft.com/office/drawing/2014/main" xmlns="" id="{C8A7163D-1B73-8544-BEB6-5055C4559C5C}"/>
               </a:ext>
             </a:extLst>
           </p:cNvPr>
@@ -13896,7 +13871,7 @@
           <p:cNvPr id="168" name="Connecteur droit avec flèche 167">
             <a:extLst>
               <a:ext uri="{FF2B5EF4-FFF2-40B4-BE49-F238E27FC236}">
-                <a16:creationId xmlns="" xmlns:a16="http://schemas.microsoft.com/office/drawing/2014/main" id="{0EB21763-B322-DA48-835F-2AC58953056D}"/>
+                <a16:creationId xmlns:a16="http://schemas.microsoft.com/office/drawing/2014/main" xmlns="" id="{0EB21763-B322-DA48-835F-2AC58953056D}"/>
               </a:ext>
             </a:extLst>
           </p:cNvPr>
@@ -13943,7 +13918,7 @@
           <p:cNvPr id="169" name="Connecteur droit avec flèche 168">
             <a:extLst>
               <a:ext uri="{FF2B5EF4-FFF2-40B4-BE49-F238E27FC236}">
-                <a16:creationId xmlns="" xmlns:a16="http://schemas.microsoft.com/office/drawing/2014/main" id="{51025ACC-3151-1E4B-AB8E-659FC8729762}"/>
+                <a16:creationId xmlns:a16="http://schemas.microsoft.com/office/drawing/2014/main" xmlns="" id="{51025ACC-3151-1E4B-AB8E-659FC8729762}"/>
               </a:ext>
             </a:extLst>
           </p:cNvPr>
@@ -13990,7 +13965,7 @@
           <p:cNvPr id="172" name="ZoneTexte 171">
             <a:extLst>
               <a:ext uri="{FF2B5EF4-FFF2-40B4-BE49-F238E27FC236}">
-                <a16:creationId xmlns="" xmlns:a16="http://schemas.microsoft.com/office/drawing/2014/main" id="{CD80FC3C-1E7A-C341-AB6B-3F80A5F70604}"/>
+                <a16:creationId xmlns:a16="http://schemas.microsoft.com/office/drawing/2014/main" xmlns="" id="{CD80FC3C-1E7A-C341-AB6B-3F80A5F70604}"/>
               </a:ext>
             </a:extLst>
           </p:cNvPr>
@@ -14033,6 +14008,1855 @@
     <p:extLst>
       <p:ext uri="{BB962C8B-B14F-4D97-AF65-F5344CB8AC3E}">
         <p14:creationId xmlns:p14="http://schemas.microsoft.com/office/powerpoint/2010/main" val="582378489"/>
+      </p:ext>
+    </p:extLst>
+  </p:cSld>
+  <p:clrMapOvr>
+    <a:masterClrMapping/>
+  </p:clrMapOvr>
+</p:sld>
+</file>
+
+<file path=ppt/slides/slide3.xml><?xml version="1.0" encoding="utf-8"?>
+<p:sld xmlns:a="http://schemas.openxmlformats.org/drawingml/2006/main" xmlns:r="http://schemas.openxmlformats.org/officeDocument/2006/relationships" xmlns:p="http://schemas.openxmlformats.org/presentationml/2006/main">
+  <p:cSld>
+    <p:spTree>
+      <p:nvGrpSpPr>
+        <p:cNvPr id="1" name=""/>
+        <p:cNvGrpSpPr/>
+        <p:nvPr/>
+      </p:nvGrpSpPr>
+      <p:grpSpPr>
+        <a:xfrm>
+          <a:off x="0" y="0"/>
+          <a:ext cx="0" cy="0"/>
+          <a:chOff x="0" y="0"/>
+          <a:chExt cx="0" cy="0"/>
+        </a:xfrm>
+      </p:grpSpPr>
+      <p:grpSp>
+        <p:nvGrpSpPr>
+          <p:cNvPr id="67" name="Groupe 66"/>
+          <p:cNvGrpSpPr/>
+          <p:nvPr/>
+        </p:nvGrpSpPr>
+        <p:grpSpPr>
+          <a:xfrm>
+            <a:off x="1012803" y="1019761"/>
+            <a:ext cx="3573937" cy="2033123"/>
+            <a:chOff x="1012803" y="1019761"/>
+            <a:chExt cx="3573937" cy="2033123"/>
+          </a:xfrm>
+        </p:grpSpPr>
+        <p:cxnSp>
+          <p:nvCxnSpPr>
+            <p:cNvPr id="66" name="Connecteur droit avec flèche 65"/>
+            <p:cNvCxnSpPr/>
+            <p:nvPr/>
+          </p:nvCxnSpPr>
+          <p:spPr>
+            <a:xfrm>
+              <a:off x="3578053" y="1952755"/>
+              <a:ext cx="0" cy="138564"/>
+            </a:xfrm>
+            <a:prstGeom prst="straightConnector1">
+              <a:avLst/>
+            </a:prstGeom>
+            <a:ln w="19050">
+              <a:solidFill>
+                <a:schemeClr val="tx1"/>
+              </a:solidFill>
+              <a:prstDash val="solid"/>
+              <a:tailEnd type="triangle"/>
+            </a:ln>
+          </p:spPr>
+          <p:style>
+            <a:lnRef idx="1">
+              <a:schemeClr val="accent1"/>
+            </a:lnRef>
+            <a:fillRef idx="0">
+              <a:schemeClr val="accent1"/>
+            </a:fillRef>
+            <a:effectRef idx="0">
+              <a:schemeClr val="accent1"/>
+            </a:effectRef>
+            <a:fontRef idx="minor">
+              <a:schemeClr val="tx1"/>
+            </a:fontRef>
+          </p:style>
+        </p:cxnSp>
+        <p:cxnSp>
+          <p:nvCxnSpPr>
+            <p:cNvPr id="32" name="Connecteur droit avec flèche 31"/>
+            <p:cNvCxnSpPr/>
+            <p:nvPr/>
+          </p:nvCxnSpPr>
+          <p:spPr>
+            <a:xfrm>
+              <a:off x="2024726" y="1956857"/>
+              <a:ext cx="0" cy="138564"/>
+            </a:xfrm>
+            <a:prstGeom prst="straightConnector1">
+              <a:avLst/>
+            </a:prstGeom>
+            <a:ln w="19050">
+              <a:solidFill>
+                <a:schemeClr val="tx1"/>
+              </a:solidFill>
+              <a:prstDash val="solid"/>
+              <a:tailEnd type="triangle"/>
+            </a:ln>
+          </p:spPr>
+          <p:style>
+            <a:lnRef idx="1">
+              <a:schemeClr val="accent1"/>
+            </a:lnRef>
+            <a:fillRef idx="0">
+              <a:schemeClr val="accent1"/>
+            </a:fillRef>
+            <a:effectRef idx="0">
+              <a:schemeClr val="accent1"/>
+            </a:effectRef>
+            <a:fontRef idx="minor">
+              <a:schemeClr val="tx1"/>
+            </a:fontRef>
+          </p:style>
+        </p:cxnSp>
+        <p:cxnSp>
+          <p:nvCxnSpPr>
+            <p:cNvPr id="44" name="Connecteur droit avec flèche 43"/>
+            <p:cNvCxnSpPr/>
+            <p:nvPr/>
+          </p:nvCxnSpPr>
+          <p:spPr>
+            <a:xfrm>
+              <a:off x="3081687" y="1396603"/>
+              <a:ext cx="0" cy="694716"/>
+            </a:xfrm>
+            <a:prstGeom prst="straightConnector1">
+              <a:avLst/>
+            </a:prstGeom>
+            <a:ln w="19050">
+              <a:solidFill>
+                <a:schemeClr val="tx1"/>
+              </a:solidFill>
+              <a:prstDash val="solid"/>
+              <a:tailEnd type="triangle"/>
+            </a:ln>
+          </p:spPr>
+          <p:style>
+            <a:lnRef idx="1">
+              <a:schemeClr val="accent1"/>
+            </a:lnRef>
+            <a:fillRef idx="0">
+              <a:schemeClr val="accent1"/>
+            </a:fillRef>
+            <a:effectRef idx="0">
+              <a:schemeClr val="accent1"/>
+            </a:effectRef>
+            <a:fontRef idx="minor">
+              <a:schemeClr val="tx1"/>
+            </a:fontRef>
+          </p:style>
+        </p:cxnSp>
+        <p:sp>
+          <p:nvSpPr>
+            <p:cNvPr id="4" name="Rectangle à coins arrondis 3"/>
+            <p:cNvSpPr/>
+            <p:nvPr/>
+          </p:nvSpPr>
+          <p:spPr>
+            <a:xfrm>
+              <a:off x="2257425" y="2640927"/>
+              <a:ext cx="1724025" cy="411831"/>
+            </a:xfrm>
+            <a:prstGeom prst="roundRect">
+              <a:avLst>
+                <a:gd name="adj" fmla="val 3969"/>
+              </a:avLst>
+            </a:prstGeom>
+            <a:solidFill>
+              <a:schemeClr val="bg1">
+                <a:lumMod val="85000"/>
+              </a:schemeClr>
+            </a:solidFill>
+            <a:ln>
+              <a:noFill/>
+            </a:ln>
+          </p:spPr>
+          <p:style>
+            <a:lnRef idx="2">
+              <a:schemeClr val="accent1">
+                <a:shade val="50000"/>
+              </a:schemeClr>
+            </a:lnRef>
+            <a:fillRef idx="1">
+              <a:schemeClr val="accent1"/>
+            </a:fillRef>
+            <a:effectRef idx="0">
+              <a:schemeClr val="accent1"/>
+            </a:effectRef>
+            <a:fontRef idx="minor">
+              <a:schemeClr val="lt1"/>
+            </a:fontRef>
+          </p:style>
+          <p:txBody>
+            <a:bodyPr tIns="0" rtlCol="0" anchor="t" anchorCtr="0"/>
+            <a:lstStyle/>
+            <a:p>
+              <a:r>
+                <a:rPr lang="fr-FR" sz="600" b="1" noProof="1">
+                  <a:solidFill>
+                    <a:schemeClr val="tx1"/>
+                  </a:solidFill>
+                  <a:latin typeface="Cambria" panose="02040503050406030204" pitchFamily="18" charset="0"/>
+                  <a:ea typeface="Arial Rounded MT Bold" charset="0"/>
+                  <a:cs typeface="Arial Rounded MT Bold" charset="0"/>
+                </a:rPr>
+                <a:t>Operating System</a:t>
+              </a:r>
+              <a:endParaRPr lang="fr-FR" sz="600" b="1" noProof="1">
+                <a:solidFill>
+                  <a:schemeClr val="tx1"/>
+                </a:solidFill>
+                <a:latin typeface="Cambria" panose="02040503050406030204" pitchFamily="18" charset="0"/>
+                <a:ea typeface="Arial Rounded MT Bold" charset="0"/>
+                <a:cs typeface="Arial Rounded MT Bold" charset="0"/>
+              </a:endParaRPr>
+            </a:p>
+          </p:txBody>
+        </p:sp>
+        <p:sp>
+          <p:nvSpPr>
+            <p:cNvPr id="6" name="Rectangle à coins arrondis 5"/>
+            <p:cNvSpPr/>
+            <p:nvPr/>
+          </p:nvSpPr>
+          <p:spPr>
+            <a:xfrm>
+              <a:off x="2336114" y="2788435"/>
+              <a:ext cx="461985" cy="201219"/>
+            </a:xfrm>
+            <a:prstGeom prst="roundRect">
+              <a:avLst/>
+            </a:prstGeom>
+            <a:solidFill>
+              <a:schemeClr val="bg1">
+                <a:lumMod val="50000"/>
+              </a:schemeClr>
+            </a:solidFill>
+            <a:ln>
+              <a:noFill/>
+            </a:ln>
+          </p:spPr>
+          <p:style>
+            <a:lnRef idx="2">
+              <a:schemeClr val="accent1">
+                <a:shade val="50000"/>
+              </a:schemeClr>
+            </a:lnRef>
+            <a:fillRef idx="1">
+              <a:schemeClr val="accent1"/>
+            </a:fillRef>
+            <a:effectRef idx="0">
+              <a:schemeClr val="accent1"/>
+            </a:effectRef>
+            <a:fontRef idx="minor">
+              <a:schemeClr val="lt1"/>
+            </a:fontRef>
+          </p:style>
+          <p:txBody>
+            <a:bodyPr lIns="36000" rIns="36000" rtlCol="0" anchor="ctr"/>
+            <a:lstStyle/>
+            <a:p>
+              <a:pPr algn="ctr"/>
+              <a:r>
+                <a:rPr lang="fr-FR" sz="600" b="1" noProof="1">
+                  <a:latin typeface="Cambria" panose="02040503050406030204" pitchFamily="18" charset="0"/>
+                  <a:ea typeface="Arial Rounded MT Bold" charset="0"/>
+                  <a:cs typeface="Arial Rounded MT Bold" charset="0"/>
+                </a:rPr>
+                <a:t>Windows</a:t>
+              </a:r>
+              <a:endParaRPr lang="fr-FR" sz="600" b="1" noProof="1">
+                <a:latin typeface="Cambria" panose="02040503050406030204" pitchFamily="18" charset="0"/>
+                <a:ea typeface="Arial Rounded MT Bold" charset="0"/>
+                <a:cs typeface="Arial Rounded MT Bold" charset="0"/>
+              </a:endParaRPr>
+            </a:p>
+          </p:txBody>
+        </p:sp>
+        <p:pic>
+          <p:nvPicPr>
+            <p:cNvPr id="15" name="Picture 7" descr="D:\Devel\tsduck\images\tsduck-48.png"/>
+            <p:cNvPicPr>
+              <a:picLocks noChangeAspect="1" noChangeArrowheads="1"/>
+            </p:cNvPicPr>
+            <p:nvPr/>
+          </p:nvPicPr>
+          <p:blipFill>
+            <a:blip r:embed="rId2">
+              <a:extLst>
+                <a:ext uri="{28A0092B-C50C-407E-A947-70E740481C1C}">
+                  <a14:useLocalDpi xmlns:a14="http://schemas.microsoft.com/office/drawing/2010/main" val="0"/>
+                </a:ext>
+              </a:extLst>
+            </a:blip>
+            <a:srcRect/>
+            <a:stretch>
+              <a:fillRect/>
+            </a:stretch>
+          </p:blipFill>
+          <p:spPr bwMode="auto">
+            <a:xfrm>
+              <a:off x="4121335" y="2859204"/>
+              <a:ext cx="146050" cy="146050"/>
+            </a:xfrm>
+            <a:prstGeom prst="rect">
+              <a:avLst/>
+            </a:prstGeom>
+            <a:noFill/>
+            <a:extLst>
+              <a:ext uri="{909E8E84-426E-40DD-AFC4-6F175D3DCCD1}">
+                <a14:hiddenFill xmlns:a14="http://schemas.microsoft.com/office/drawing/2010/main">
+                  <a:solidFill>
+                    <a:srgbClr val="FFFFFF"/>
+                  </a:solidFill>
+                </a14:hiddenFill>
+              </a:ext>
+            </a:extLst>
+          </p:spPr>
+        </p:pic>
+        <p:sp>
+          <p:nvSpPr>
+            <p:cNvPr id="16" name="ZoneTexte 15"/>
+            <p:cNvSpPr txBox="1"/>
+            <p:nvPr/>
+          </p:nvSpPr>
+          <p:spPr>
+            <a:xfrm>
+              <a:off x="4284584" y="2878368"/>
+              <a:ext cx="302156" cy="107722"/>
+            </a:xfrm>
+            <a:prstGeom prst="rect">
+              <a:avLst/>
+            </a:prstGeom>
+            <a:noFill/>
+          </p:spPr>
+          <p:txBody>
+            <a:bodyPr wrap="square" lIns="0" tIns="0" rIns="0" bIns="0" rtlCol="0">
+              <a:spAutoFit/>
+            </a:bodyPr>
+            <a:lstStyle/>
+            <a:p>
+              <a:r>
+                <a:rPr lang="fr-FR" sz="700" noProof="1" smtClean="0">
+                  <a:latin typeface="Cambria" panose="02040503050406030204" pitchFamily="18" charset="0"/>
+                  <a:ea typeface="Arial Rounded MT Bold" charset="0"/>
+                  <a:cs typeface="Arial Rounded MT Bold" charset="0"/>
+                </a:rPr>
+                <a:t>TSDuck</a:t>
+              </a:r>
+              <a:endParaRPr lang="fr-FR" sz="700" noProof="1">
+                <a:latin typeface="Cambria" panose="02040503050406030204" pitchFamily="18" charset="0"/>
+                <a:ea typeface="Arial Rounded MT Bold" charset="0"/>
+                <a:cs typeface="Arial Rounded MT Bold" charset="0"/>
+              </a:endParaRPr>
+            </a:p>
+          </p:txBody>
+        </p:sp>
+        <p:sp>
+          <p:nvSpPr>
+            <p:cNvPr id="19" name="Rectangle à coins arrondis 18"/>
+            <p:cNvSpPr/>
+            <p:nvPr/>
+          </p:nvSpPr>
+          <p:spPr>
+            <a:xfrm>
+              <a:off x="1012804" y="2091319"/>
+              <a:ext cx="2967037" cy="411831"/>
+            </a:xfrm>
+            <a:prstGeom prst="roundRect">
+              <a:avLst>
+                <a:gd name="adj" fmla="val 3969"/>
+              </a:avLst>
+            </a:prstGeom>
+            <a:solidFill>
+              <a:schemeClr val="accent6">
+                <a:lumMod val="40000"/>
+                <a:lumOff val="60000"/>
+              </a:schemeClr>
+            </a:solidFill>
+            <a:ln>
+              <a:noFill/>
+            </a:ln>
+          </p:spPr>
+          <p:style>
+            <a:lnRef idx="2">
+              <a:schemeClr val="accent1">
+                <a:shade val="50000"/>
+              </a:schemeClr>
+            </a:lnRef>
+            <a:fillRef idx="1">
+              <a:schemeClr val="accent1"/>
+            </a:fillRef>
+            <a:effectRef idx="0">
+              <a:schemeClr val="accent1"/>
+            </a:effectRef>
+            <a:fontRef idx="minor">
+              <a:schemeClr val="lt1"/>
+            </a:fontRef>
+          </p:style>
+          <p:txBody>
+            <a:bodyPr tIns="0" rtlCol="0" anchor="t" anchorCtr="0"/>
+            <a:lstStyle/>
+            <a:p>
+              <a:r>
+                <a:rPr lang="fr-FR" sz="600" b="1" noProof="1" smtClean="0">
+                  <a:solidFill>
+                    <a:schemeClr val="tx1"/>
+                  </a:solidFill>
+                  <a:latin typeface="Cambria" panose="02040503050406030204" pitchFamily="18" charset="0"/>
+                  <a:ea typeface="Arial Rounded MT Bold" charset="0"/>
+                  <a:cs typeface="Arial Rounded MT Bold" charset="0"/>
+                </a:rPr>
+                <a:t>TSDuck library</a:t>
+              </a:r>
+              <a:endParaRPr lang="fr-FR" sz="600" b="1" noProof="1">
+                <a:solidFill>
+                  <a:schemeClr val="tx1"/>
+                </a:solidFill>
+                <a:latin typeface="Cambria" panose="02040503050406030204" pitchFamily="18" charset="0"/>
+                <a:ea typeface="Arial Rounded MT Bold" charset="0"/>
+                <a:cs typeface="Arial Rounded MT Bold" charset="0"/>
+              </a:endParaRPr>
+            </a:p>
+          </p:txBody>
+        </p:sp>
+        <p:sp>
+          <p:nvSpPr>
+            <p:cNvPr id="21" name="Rectangle à coins arrondis 20"/>
+            <p:cNvSpPr/>
+            <p:nvPr/>
+          </p:nvSpPr>
+          <p:spPr>
+            <a:xfrm>
+              <a:off x="2072860" y="2239411"/>
+              <a:ext cx="848293" cy="201219"/>
+            </a:xfrm>
+            <a:prstGeom prst="roundRect">
+              <a:avLst/>
+            </a:prstGeom>
+            <a:solidFill>
+              <a:srgbClr val="1F8A4C"/>
+            </a:solidFill>
+            <a:ln>
+              <a:noFill/>
+            </a:ln>
+          </p:spPr>
+          <p:style>
+            <a:lnRef idx="2">
+              <a:schemeClr val="accent1">
+                <a:shade val="50000"/>
+              </a:schemeClr>
+            </a:lnRef>
+            <a:fillRef idx="1">
+              <a:schemeClr val="accent1"/>
+            </a:fillRef>
+            <a:effectRef idx="0">
+              <a:schemeClr val="accent1"/>
+            </a:effectRef>
+            <a:fontRef idx="minor">
+              <a:schemeClr val="lt1"/>
+            </a:fontRef>
+          </p:style>
+          <p:txBody>
+            <a:bodyPr lIns="36000" rIns="36000" rtlCol="0" anchor="ctr"/>
+            <a:lstStyle/>
+            <a:p>
+              <a:pPr algn="ctr"/>
+              <a:r>
+                <a:rPr lang="fr-FR" sz="600" b="1" noProof="1" smtClean="0">
+                  <a:latin typeface="Cambria" panose="02040503050406030204" pitchFamily="18" charset="0"/>
+                  <a:ea typeface="Arial Rounded MT Bold" charset="0"/>
+                  <a:cs typeface="Arial Rounded MT Bold" charset="0"/>
+                </a:rPr>
+                <a:t>C++ utilities</a:t>
+              </a:r>
+              <a:endParaRPr lang="fr-FR" sz="600" b="1" noProof="1">
+                <a:latin typeface="Cambria" panose="02040503050406030204" pitchFamily="18" charset="0"/>
+                <a:ea typeface="Arial Rounded MT Bold" charset="0"/>
+                <a:cs typeface="Arial Rounded MT Bold" charset="0"/>
+              </a:endParaRPr>
+            </a:p>
+          </p:txBody>
+        </p:sp>
+        <p:sp>
+          <p:nvSpPr>
+            <p:cNvPr id="23" name="Rectangle à coins arrondis 22"/>
+            <p:cNvSpPr/>
+            <p:nvPr/>
+          </p:nvSpPr>
+          <p:spPr>
+            <a:xfrm>
+              <a:off x="2897443" y="2788435"/>
+              <a:ext cx="461985" cy="201219"/>
+            </a:xfrm>
+            <a:prstGeom prst="roundRect">
+              <a:avLst/>
+            </a:prstGeom>
+            <a:solidFill>
+              <a:schemeClr val="bg1">
+                <a:lumMod val="50000"/>
+              </a:schemeClr>
+            </a:solidFill>
+            <a:ln>
+              <a:noFill/>
+            </a:ln>
+          </p:spPr>
+          <p:style>
+            <a:lnRef idx="2">
+              <a:schemeClr val="accent1">
+                <a:shade val="50000"/>
+              </a:schemeClr>
+            </a:lnRef>
+            <a:fillRef idx="1">
+              <a:schemeClr val="accent1"/>
+            </a:fillRef>
+            <a:effectRef idx="0">
+              <a:schemeClr val="accent1"/>
+            </a:effectRef>
+            <a:fontRef idx="minor">
+              <a:schemeClr val="lt1"/>
+            </a:fontRef>
+          </p:style>
+          <p:txBody>
+            <a:bodyPr lIns="36000" rIns="36000" rtlCol="0" anchor="ctr"/>
+            <a:lstStyle/>
+            <a:p>
+              <a:pPr algn="ctr"/>
+              <a:r>
+                <a:rPr lang="fr-FR" sz="600" b="1" noProof="1">
+                  <a:latin typeface="Cambria" panose="02040503050406030204" pitchFamily="18" charset="0"/>
+                  <a:ea typeface="Arial Rounded MT Bold" charset="0"/>
+                  <a:cs typeface="Arial Rounded MT Bold" charset="0"/>
+                </a:rPr>
+                <a:t>Linux</a:t>
+              </a:r>
+              <a:endParaRPr lang="fr-FR" sz="600" b="1" noProof="1">
+                <a:latin typeface="Cambria" panose="02040503050406030204" pitchFamily="18" charset="0"/>
+                <a:ea typeface="Arial Rounded MT Bold" charset="0"/>
+                <a:cs typeface="Arial Rounded MT Bold" charset="0"/>
+              </a:endParaRPr>
+            </a:p>
+          </p:txBody>
+        </p:sp>
+        <p:sp>
+          <p:nvSpPr>
+            <p:cNvPr id="24" name="Rectangle à coins arrondis 23"/>
+            <p:cNvSpPr/>
+            <p:nvPr/>
+          </p:nvSpPr>
+          <p:spPr>
+            <a:xfrm>
+              <a:off x="3454009" y="2788435"/>
+              <a:ext cx="461985" cy="201219"/>
+            </a:xfrm>
+            <a:prstGeom prst="roundRect">
+              <a:avLst/>
+            </a:prstGeom>
+            <a:solidFill>
+              <a:schemeClr val="bg1">
+                <a:lumMod val="50000"/>
+              </a:schemeClr>
+            </a:solidFill>
+            <a:ln>
+              <a:noFill/>
+            </a:ln>
+          </p:spPr>
+          <p:style>
+            <a:lnRef idx="2">
+              <a:schemeClr val="accent1">
+                <a:shade val="50000"/>
+              </a:schemeClr>
+            </a:lnRef>
+            <a:fillRef idx="1">
+              <a:schemeClr val="accent1"/>
+            </a:fillRef>
+            <a:effectRef idx="0">
+              <a:schemeClr val="accent1"/>
+            </a:effectRef>
+            <a:fontRef idx="minor">
+              <a:schemeClr val="lt1"/>
+            </a:fontRef>
+          </p:style>
+          <p:txBody>
+            <a:bodyPr lIns="36000" rIns="36000" rtlCol="0" anchor="ctr"/>
+            <a:lstStyle/>
+            <a:p>
+              <a:pPr algn="ctr"/>
+              <a:r>
+                <a:rPr lang="fr-FR" sz="600" b="1" noProof="1">
+                  <a:latin typeface="Cambria" panose="02040503050406030204" pitchFamily="18" charset="0"/>
+                  <a:ea typeface="Arial Rounded MT Bold" charset="0"/>
+                  <a:cs typeface="Arial Rounded MT Bold" charset="0"/>
+                </a:rPr>
+                <a:t>macOS</a:t>
+              </a:r>
+              <a:endParaRPr lang="fr-FR" sz="600" b="1" noProof="1">
+                <a:latin typeface="Cambria" panose="02040503050406030204" pitchFamily="18" charset="0"/>
+                <a:ea typeface="Arial Rounded MT Bold" charset="0"/>
+                <a:cs typeface="Arial Rounded MT Bold" charset="0"/>
+              </a:endParaRPr>
+            </a:p>
+          </p:txBody>
+        </p:sp>
+        <p:sp>
+          <p:nvSpPr>
+            <p:cNvPr id="28" name="Rectangle à coins arrondis 27"/>
+            <p:cNvSpPr/>
+            <p:nvPr/>
+          </p:nvSpPr>
+          <p:spPr>
+            <a:xfrm>
+              <a:off x="1012803" y="1548394"/>
+              <a:ext cx="1996299" cy="411831"/>
+            </a:xfrm>
+            <a:prstGeom prst="roundRect">
+              <a:avLst>
+                <a:gd name="adj" fmla="val 3969"/>
+              </a:avLst>
+            </a:prstGeom>
+            <a:solidFill>
+              <a:schemeClr val="accent6">
+                <a:lumMod val="40000"/>
+                <a:lumOff val="60000"/>
+              </a:schemeClr>
+            </a:solidFill>
+            <a:ln>
+              <a:noFill/>
+            </a:ln>
+          </p:spPr>
+          <p:style>
+            <a:lnRef idx="2">
+              <a:schemeClr val="accent1">
+                <a:shade val="50000"/>
+              </a:schemeClr>
+            </a:lnRef>
+            <a:fillRef idx="1">
+              <a:schemeClr val="accent1"/>
+            </a:fillRef>
+            <a:effectRef idx="0">
+              <a:schemeClr val="accent1"/>
+            </a:effectRef>
+            <a:fontRef idx="minor">
+              <a:schemeClr val="lt1"/>
+            </a:fontRef>
+          </p:style>
+          <p:txBody>
+            <a:bodyPr tIns="0" rtlCol="0" anchor="t" anchorCtr="0"/>
+            <a:lstStyle/>
+            <a:p>
+              <a:r>
+                <a:rPr lang="fr-FR" sz="600" b="1" noProof="1" smtClean="0">
+                  <a:solidFill>
+                    <a:schemeClr val="tx1"/>
+                  </a:solidFill>
+                  <a:latin typeface="Cambria" panose="02040503050406030204" pitchFamily="18" charset="0"/>
+                  <a:ea typeface="Arial Rounded MT Bold" charset="0"/>
+                  <a:cs typeface="Arial Rounded MT Bold" charset="0"/>
+                </a:rPr>
+                <a:t>TSDuck plugins</a:t>
+              </a:r>
+              <a:endParaRPr lang="fr-FR" sz="600" b="1" noProof="1">
+                <a:solidFill>
+                  <a:schemeClr val="tx1"/>
+                </a:solidFill>
+                <a:latin typeface="Cambria" panose="02040503050406030204" pitchFamily="18" charset="0"/>
+                <a:ea typeface="Arial Rounded MT Bold" charset="0"/>
+                <a:cs typeface="Arial Rounded MT Bold" charset="0"/>
+              </a:endParaRPr>
+            </a:p>
+          </p:txBody>
+        </p:sp>
+        <p:sp>
+          <p:nvSpPr>
+            <p:cNvPr id="29" name="Rectangle à coins arrondis 28"/>
+            <p:cNvSpPr/>
+            <p:nvPr/>
+          </p:nvSpPr>
+          <p:spPr>
+            <a:xfrm>
+              <a:off x="1136617" y="1695902"/>
+              <a:ext cx="848293" cy="201219"/>
+            </a:xfrm>
+            <a:prstGeom prst="roundRect">
+              <a:avLst/>
+            </a:prstGeom>
+            <a:solidFill>
+              <a:srgbClr val="1F8A4C"/>
+            </a:solidFill>
+            <a:ln>
+              <a:noFill/>
+            </a:ln>
+          </p:spPr>
+          <p:style>
+            <a:lnRef idx="2">
+              <a:schemeClr val="accent1">
+                <a:shade val="50000"/>
+              </a:schemeClr>
+            </a:lnRef>
+            <a:fillRef idx="1">
+              <a:schemeClr val="accent1"/>
+            </a:fillRef>
+            <a:effectRef idx="0">
+              <a:schemeClr val="accent1"/>
+            </a:effectRef>
+            <a:fontRef idx="minor">
+              <a:schemeClr val="lt1"/>
+            </a:fontRef>
+          </p:style>
+          <p:txBody>
+            <a:bodyPr lIns="36000" rIns="36000" rtlCol="0" anchor="ctr"/>
+            <a:lstStyle/>
+            <a:p>
+              <a:pPr algn="ctr"/>
+              <a:r>
+                <a:rPr lang="fr-FR" sz="600" b="1" noProof="1" smtClean="0">
+                  <a:latin typeface="Cambria" panose="02040503050406030204" pitchFamily="18" charset="0"/>
+                  <a:ea typeface="Arial Rounded MT Bold" charset="0"/>
+                  <a:cs typeface="Arial Rounded MT Bold" charset="0"/>
+                </a:rPr>
+                <a:t>TS processing</a:t>
+              </a:r>
+              <a:endParaRPr lang="fr-FR" sz="600" b="1" noProof="1">
+                <a:latin typeface="Cambria" panose="02040503050406030204" pitchFamily="18" charset="0"/>
+                <a:ea typeface="Arial Rounded MT Bold" charset="0"/>
+                <a:cs typeface="Arial Rounded MT Bold" charset="0"/>
+              </a:endParaRPr>
+            </a:p>
+          </p:txBody>
+        </p:sp>
+        <p:sp>
+          <p:nvSpPr>
+            <p:cNvPr id="30" name="Rectangle à coins arrondis 29"/>
+            <p:cNvSpPr/>
+            <p:nvPr/>
+          </p:nvSpPr>
+          <p:spPr>
+            <a:xfrm>
+              <a:off x="2072859" y="1696486"/>
+              <a:ext cx="848293" cy="201219"/>
+            </a:xfrm>
+            <a:prstGeom prst="roundRect">
+              <a:avLst/>
+            </a:prstGeom>
+            <a:solidFill>
+              <a:srgbClr val="1F8A4C"/>
+            </a:solidFill>
+            <a:ln>
+              <a:noFill/>
+            </a:ln>
+          </p:spPr>
+          <p:style>
+            <a:lnRef idx="2">
+              <a:schemeClr val="accent1">
+                <a:shade val="50000"/>
+              </a:schemeClr>
+            </a:lnRef>
+            <a:fillRef idx="1">
+              <a:schemeClr val="accent1"/>
+            </a:fillRef>
+            <a:effectRef idx="0">
+              <a:schemeClr val="accent1"/>
+            </a:effectRef>
+            <a:fontRef idx="minor">
+              <a:schemeClr val="lt1"/>
+            </a:fontRef>
+          </p:style>
+          <p:txBody>
+            <a:bodyPr lIns="36000" rIns="36000" rtlCol="0" anchor="ctr"/>
+            <a:lstStyle/>
+            <a:p>
+              <a:pPr algn="ctr"/>
+              <a:r>
+                <a:rPr lang="fr-FR" sz="600" b="1" noProof="1" smtClean="0">
+                  <a:latin typeface="Cambria" panose="02040503050406030204" pitchFamily="18" charset="0"/>
+                  <a:ea typeface="Arial Rounded MT Bold" charset="0"/>
+                  <a:cs typeface="Arial Rounded MT Bold" charset="0"/>
+                </a:rPr>
+                <a:t>TS input &amp; output</a:t>
+              </a:r>
+              <a:endParaRPr lang="fr-FR" sz="600" b="1" noProof="1">
+                <a:latin typeface="Cambria" panose="02040503050406030204" pitchFamily="18" charset="0"/>
+                <a:ea typeface="Arial Rounded MT Bold" charset="0"/>
+                <a:cs typeface="Arial Rounded MT Bold" charset="0"/>
+              </a:endParaRPr>
+            </a:p>
+          </p:txBody>
+        </p:sp>
+        <p:sp>
+          <p:nvSpPr>
+            <p:cNvPr id="33" name="Rectangle à coins arrondis 32"/>
+            <p:cNvSpPr/>
+            <p:nvPr/>
+          </p:nvSpPr>
+          <p:spPr>
+            <a:xfrm>
+              <a:off x="1014413" y="1019761"/>
+              <a:ext cx="2967037" cy="411831"/>
+            </a:xfrm>
+            <a:prstGeom prst="roundRect">
+              <a:avLst>
+                <a:gd name="adj" fmla="val 3969"/>
+              </a:avLst>
+            </a:prstGeom>
+            <a:solidFill>
+              <a:schemeClr val="accent6">
+                <a:lumMod val="40000"/>
+                <a:lumOff val="60000"/>
+              </a:schemeClr>
+            </a:solidFill>
+            <a:ln>
+              <a:noFill/>
+            </a:ln>
+          </p:spPr>
+          <p:style>
+            <a:lnRef idx="2">
+              <a:schemeClr val="accent1">
+                <a:shade val="50000"/>
+              </a:schemeClr>
+            </a:lnRef>
+            <a:fillRef idx="1">
+              <a:schemeClr val="accent1"/>
+            </a:fillRef>
+            <a:effectRef idx="0">
+              <a:schemeClr val="accent1"/>
+            </a:effectRef>
+            <a:fontRef idx="minor">
+              <a:schemeClr val="lt1"/>
+            </a:fontRef>
+          </p:style>
+          <p:txBody>
+            <a:bodyPr tIns="0" rtlCol="0" anchor="t" anchorCtr="0"/>
+            <a:lstStyle/>
+            <a:p>
+              <a:r>
+                <a:rPr lang="fr-FR" sz="600" b="1" noProof="1" smtClean="0">
+                  <a:solidFill>
+                    <a:schemeClr val="tx1"/>
+                  </a:solidFill>
+                  <a:latin typeface="Cambria" panose="02040503050406030204" pitchFamily="18" charset="0"/>
+                  <a:ea typeface="Arial Rounded MT Bold" charset="0"/>
+                  <a:cs typeface="Arial Rounded MT Bold" charset="0"/>
+                </a:rPr>
+                <a:t>TSDuck commands</a:t>
+              </a:r>
+              <a:endParaRPr lang="fr-FR" sz="600" b="1" noProof="1">
+                <a:solidFill>
+                  <a:schemeClr val="tx1"/>
+                </a:solidFill>
+                <a:latin typeface="Cambria" panose="02040503050406030204" pitchFamily="18" charset="0"/>
+                <a:ea typeface="Arial Rounded MT Bold" charset="0"/>
+                <a:cs typeface="Arial Rounded MT Bold" charset="0"/>
+              </a:endParaRPr>
+            </a:p>
+          </p:txBody>
+        </p:sp>
+        <p:sp>
+          <p:nvSpPr>
+            <p:cNvPr id="36" name="Rectangle à coins arrondis 35"/>
+            <p:cNvSpPr/>
+            <p:nvPr/>
+          </p:nvSpPr>
+          <p:spPr>
+            <a:xfrm>
+              <a:off x="3010711" y="1168437"/>
+              <a:ext cx="848293" cy="201219"/>
+            </a:xfrm>
+            <a:prstGeom prst="roundRect">
+              <a:avLst/>
+            </a:prstGeom>
+            <a:solidFill>
+              <a:srgbClr val="1F8A4C"/>
+            </a:solidFill>
+            <a:ln>
+              <a:noFill/>
+            </a:ln>
+          </p:spPr>
+          <p:style>
+            <a:lnRef idx="2">
+              <a:schemeClr val="accent1">
+                <a:shade val="50000"/>
+              </a:schemeClr>
+            </a:lnRef>
+            <a:fillRef idx="1">
+              <a:schemeClr val="accent1"/>
+            </a:fillRef>
+            <a:effectRef idx="0">
+              <a:schemeClr val="accent1"/>
+            </a:effectRef>
+            <a:fontRef idx="minor">
+              <a:schemeClr val="lt1"/>
+            </a:fontRef>
+          </p:style>
+          <p:txBody>
+            <a:bodyPr lIns="36000" rIns="36000" rtlCol="0" anchor="ctr"/>
+            <a:lstStyle/>
+            <a:p>
+              <a:pPr algn="ctr"/>
+              <a:r>
+                <a:rPr lang="fr-FR" sz="600" b="1" noProof="1" smtClean="0">
+                  <a:latin typeface="Cambria" panose="02040503050406030204" pitchFamily="18" charset="0"/>
+                  <a:ea typeface="Arial Rounded MT Bold" charset="0"/>
+                  <a:cs typeface="Arial Rounded MT Bold" charset="0"/>
+                </a:rPr>
+                <a:t>other </a:t>
+              </a:r>
+              <a:r>
+                <a:rPr lang="fr-FR" sz="600" b="1" noProof="1" smtClean="0">
+                  <a:latin typeface="Consolas" panose="020B0609020204030204" pitchFamily="49" charset="0"/>
+                  <a:ea typeface="Arial Rounded MT Bold" charset="0"/>
+                  <a:cs typeface="Consolas" panose="020B0609020204030204" pitchFamily="49" charset="0"/>
+                </a:rPr>
+                <a:t>ts</a:t>
+              </a:r>
+              <a:r>
+                <a:rPr lang="fr-FR" sz="600" b="1" noProof="1" smtClean="0">
+                  <a:latin typeface="Cambria" panose="02040503050406030204" pitchFamily="18" charset="0"/>
+                  <a:ea typeface="Arial Rounded MT Bold" charset="0"/>
+                  <a:cs typeface="Arial Rounded MT Bold" charset="0"/>
+                </a:rPr>
+                <a:t> commands</a:t>
+              </a:r>
+              <a:endParaRPr lang="fr-FR" sz="600" b="1" noProof="1">
+                <a:latin typeface="Cambria" panose="02040503050406030204" pitchFamily="18" charset="0"/>
+                <a:ea typeface="Arial Rounded MT Bold" charset="0"/>
+                <a:cs typeface="Arial Rounded MT Bold" charset="0"/>
+              </a:endParaRPr>
+            </a:p>
+          </p:txBody>
+        </p:sp>
+        <p:cxnSp>
+          <p:nvCxnSpPr>
+            <p:cNvPr id="9" name="Connecteur droit avec flèche 8"/>
+            <p:cNvCxnSpPr/>
+            <p:nvPr/>
+          </p:nvCxnSpPr>
+          <p:spPr>
+            <a:xfrm>
+              <a:off x="2642481" y="1330968"/>
+              <a:ext cx="0" cy="364934"/>
+            </a:xfrm>
+            <a:prstGeom prst="straightConnector1">
+              <a:avLst/>
+            </a:prstGeom>
+            <a:ln w="19050">
+              <a:solidFill>
+                <a:schemeClr val="tx1"/>
+              </a:solidFill>
+              <a:prstDash val="solid"/>
+              <a:tailEnd type="triangle"/>
+            </a:ln>
+          </p:spPr>
+          <p:style>
+            <a:lnRef idx="1">
+              <a:schemeClr val="accent1"/>
+            </a:lnRef>
+            <a:fillRef idx="0">
+              <a:schemeClr val="accent1"/>
+            </a:fillRef>
+            <a:effectRef idx="0">
+              <a:schemeClr val="accent1"/>
+            </a:effectRef>
+            <a:fontRef idx="minor">
+              <a:schemeClr val="tx1"/>
+            </a:fontRef>
+          </p:style>
+        </p:cxnSp>
+        <p:cxnSp>
+          <p:nvCxnSpPr>
+            <p:cNvPr id="39" name="Connecteur droit avec flèche 38"/>
+            <p:cNvCxnSpPr/>
+            <p:nvPr/>
+          </p:nvCxnSpPr>
+          <p:spPr>
+            <a:xfrm>
+              <a:off x="2189980" y="1330952"/>
+              <a:ext cx="0" cy="364934"/>
+            </a:xfrm>
+            <a:prstGeom prst="straightConnector1">
+              <a:avLst/>
+            </a:prstGeom>
+            <a:ln w="19050">
+              <a:solidFill>
+                <a:schemeClr val="tx1"/>
+              </a:solidFill>
+              <a:prstDash val="solid"/>
+              <a:tailEnd type="triangle"/>
+            </a:ln>
+          </p:spPr>
+          <p:style>
+            <a:lnRef idx="1">
+              <a:schemeClr val="accent1"/>
+            </a:lnRef>
+            <a:fillRef idx="0">
+              <a:schemeClr val="accent1"/>
+            </a:fillRef>
+            <a:effectRef idx="0">
+              <a:schemeClr val="accent1"/>
+            </a:effectRef>
+            <a:fontRef idx="minor">
+              <a:schemeClr val="tx1"/>
+            </a:fontRef>
+          </p:style>
+        </p:cxnSp>
+        <p:cxnSp>
+          <p:nvCxnSpPr>
+            <p:cNvPr id="40" name="Connecteur droit avec flèche 39"/>
+            <p:cNvCxnSpPr/>
+            <p:nvPr/>
+          </p:nvCxnSpPr>
+          <p:spPr>
+            <a:xfrm>
+              <a:off x="1842265" y="1330936"/>
+              <a:ext cx="0" cy="364934"/>
+            </a:xfrm>
+            <a:prstGeom prst="straightConnector1">
+              <a:avLst/>
+            </a:prstGeom>
+            <a:ln w="19050">
+              <a:solidFill>
+                <a:schemeClr val="tx1"/>
+              </a:solidFill>
+              <a:prstDash val="solid"/>
+              <a:tailEnd type="triangle"/>
+            </a:ln>
+          </p:spPr>
+          <p:style>
+            <a:lnRef idx="1">
+              <a:schemeClr val="accent1"/>
+            </a:lnRef>
+            <a:fillRef idx="0">
+              <a:schemeClr val="accent1"/>
+            </a:fillRef>
+            <a:effectRef idx="0">
+              <a:schemeClr val="accent1"/>
+            </a:effectRef>
+            <a:fontRef idx="minor">
+              <a:schemeClr val="tx1"/>
+            </a:fontRef>
+          </p:style>
+        </p:cxnSp>
+        <p:cxnSp>
+          <p:nvCxnSpPr>
+            <p:cNvPr id="41" name="Connecteur droit avec flèche 40"/>
+            <p:cNvCxnSpPr>
+              <a:stCxn id="22" idx="2"/>
+            </p:cNvCxnSpPr>
+            <p:nvPr/>
+          </p:nvCxnSpPr>
+          <p:spPr>
+            <a:xfrm>
+              <a:off x="3452301" y="2441214"/>
+              <a:ext cx="1608" cy="199713"/>
+            </a:xfrm>
+            <a:prstGeom prst="straightConnector1">
+              <a:avLst/>
+            </a:prstGeom>
+            <a:ln w="19050">
+              <a:solidFill>
+                <a:schemeClr val="tx1"/>
+              </a:solidFill>
+              <a:prstDash val="solid"/>
+              <a:tailEnd type="triangle"/>
+            </a:ln>
+          </p:spPr>
+          <p:style>
+            <a:lnRef idx="1">
+              <a:schemeClr val="accent1"/>
+            </a:lnRef>
+            <a:fillRef idx="0">
+              <a:schemeClr val="accent1"/>
+            </a:fillRef>
+            <a:effectRef idx="0">
+              <a:schemeClr val="accent1"/>
+            </a:effectRef>
+            <a:fontRef idx="minor">
+              <a:schemeClr val="tx1"/>
+            </a:fontRef>
+          </p:style>
+        </p:cxnSp>
+        <p:sp>
+          <p:nvSpPr>
+            <p:cNvPr id="34" name="Rectangle à coins arrondis 33"/>
+            <p:cNvSpPr/>
+            <p:nvPr/>
+          </p:nvSpPr>
+          <p:spPr>
+            <a:xfrm>
+              <a:off x="1723371" y="1167268"/>
+              <a:ext cx="585144" cy="201219"/>
+            </a:xfrm>
+            <a:prstGeom prst="roundRect">
+              <a:avLst/>
+            </a:prstGeom>
+            <a:solidFill>
+              <a:srgbClr val="1F8A4C"/>
+            </a:solidFill>
+            <a:ln>
+              <a:noFill/>
+            </a:ln>
+          </p:spPr>
+          <p:style>
+            <a:lnRef idx="2">
+              <a:schemeClr val="accent1">
+                <a:shade val="50000"/>
+              </a:schemeClr>
+            </a:lnRef>
+            <a:fillRef idx="1">
+              <a:schemeClr val="accent1"/>
+            </a:fillRef>
+            <a:effectRef idx="0">
+              <a:schemeClr val="accent1"/>
+            </a:effectRef>
+            <a:fontRef idx="minor">
+              <a:schemeClr val="lt1"/>
+            </a:fontRef>
+          </p:style>
+          <p:txBody>
+            <a:bodyPr lIns="36000" rIns="36000" rtlCol="0" anchor="ctr"/>
+            <a:lstStyle/>
+            <a:p>
+              <a:pPr algn="ctr"/>
+              <a:r>
+                <a:rPr lang="fr-FR" sz="600" b="1" noProof="1" smtClean="0">
+                  <a:latin typeface="Consolas" panose="020B0609020204030204" pitchFamily="49" charset="0"/>
+                  <a:ea typeface="Arial Rounded MT Bold" charset="0"/>
+                  <a:cs typeface="Consolas" panose="020B0609020204030204" pitchFamily="49" charset="0"/>
+                </a:rPr>
+                <a:t>tsp</a:t>
+              </a:r>
+              <a:endParaRPr lang="fr-FR" sz="600" b="1" noProof="1">
+                <a:latin typeface="Consolas" panose="020B0609020204030204" pitchFamily="49" charset="0"/>
+                <a:ea typeface="Arial Rounded MT Bold" charset="0"/>
+                <a:cs typeface="Consolas" panose="020B0609020204030204" pitchFamily="49" charset="0"/>
+              </a:endParaRPr>
+            </a:p>
+          </p:txBody>
+        </p:sp>
+        <p:sp>
+          <p:nvSpPr>
+            <p:cNvPr id="35" name="Rectangle à coins arrondis 34"/>
+            <p:cNvSpPr/>
+            <p:nvPr/>
+          </p:nvSpPr>
+          <p:spPr>
+            <a:xfrm>
+              <a:off x="2362200" y="1167853"/>
+              <a:ext cx="560562" cy="201219"/>
+            </a:xfrm>
+            <a:prstGeom prst="roundRect">
+              <a:avLst/>
+            </a:prstGeom>
+            <a:solidFill>
+              <a:srgbClr val="1F8A4C"/>
+            </a:solidFill>
+            <a:ln>
+              <a:noFill/>
+            </a:ln>
+          </p:spPr>
+          <p:style>
+            <a:lnRef idx="2">
+              <a:schemeClr val="accent1">
+                <a:shade val="50000"/>
+              </a:schemeClr>
+            </a:lnRef>
+            <a:fillRef idx="1">
+              <a:schemeClr val="accent1"/>
+            </a:fillRef>
+            <a:effectRef idx="0">
+              <a:schemeClr val="accent1"/>
+            </a:effectRef>
+            <a:fontRef idx="minor">
+              <a:schemeClr val="lt1"/>
+            </a:fontRef>
+          </p:style>
+          <p:txBody>
+            <a:bodyPr lIns="36000" rIns="36000" rtlCol="0" anchor="ctr"/>
+            <a:lstStyle/>
+            <a:p>
+              <a:pPr algn="ctr"/>
+              <a:r>
+                <a:rPr lang="fr-FR" sz="600" b="1" noProof="1" smtClean="0">
+                  <a:latin typeface="Consolas" panose="020B0609020204030204" pitchFamily="49" charset="0"/>
+                  <a:ea typeface="Arial Rounded MT Bold" charset="0"/>
+                  <a:cs typeface="Consolas" panose="020B0609020204030204" pitchFamily="49" charset="0"/>
+                </a:rPr>
+                <a:t>tsswitch</a:t>
+              </a:r>
+              <a:endParaRPr lang="fr-FR" sz="600" b="1" noProof="1">
+                <a:latin typeface="Consolas" panose="020B0609020204030204" pitchFamily="49" charset="0"/>
+                <a:ea typeface="Arial Rounded MT Bold" charset="0"/>
+                <a:cs typeface="Consolas" panose="020B0609020204030204" pitchFamily="49" charset="0"/>
+              </a:endParaRPr>
+            </a:p>
+          </p:txBody>
+        </p:sp>
+        <p:sp>
+          <p:nvSpPr>
+            <p:cNvPr id="46" name="Rectangle à coins arrondis 45"/>
+            <p:cNvSpPr/>
+            <p:nvPr/>
+          </p:nvSpPr>
+          <p:spPr>
+            <a:xfrm>
+              <a:off x="1012803" y="2641053"/>
+              <a:ext cx="1177177" cy="411831"/>
+            </a:xfrm>
+            <a:prstGeom prst="roundRect">
+              <a:avLst>
+                <a:gd name="adj" fmla="val 3969"/>
+              </a:avLst>
+            </a:prstGeom>
+            <a:solidFill>
+              <a:schemeClr val="bg1">
+                <a:lumMod val="85000"/>
+              </a:schemeClr>
+            </a:solidFill>
+            <a:ln>
+              <a:noFill/>
+            </a:ln>
+          </p:spPr>
+          <p:style>
+            <a:lnRef idx="2">
+              <a:schemeClr val="accent1">
+                <a:shade val="50000"/>
+              </a:schemeClr>
+            </a:lnRef>
+            <a:fillRef idx="1">
+              <a:schemeClr val="accent1"/>
+            </a:fillRef>
+            <a:effectRef idx="0">
+              <a:schemeClr val="accent1"/>
+            </a:effectRef>
+            <a:fontRef idx="minor">
+              <a:schemeClr val="lt1"/>
+            </a:fontRef>
+          </p:style>
+          <p:txBody>
+            <a:bodyPr tIns="0" rtlCol="0" anchor="t" anchorCtr="0"/>
+            <a:lstStyle/>
+            <a:p>
+              <a:r>
+                <a:rPr lang="fr-FR" sz="600" b="1" noProof="1" smtClean="0">
+                  <a:solidFill>
+                    <a:schemeClr val="tx1"/>
+                  </a:solidFill>
+                  <a:latin typeface="Cambria" panose="02040503050406030204" pitchFamily="18" charset="0"/>
+                  <a:ea typeface="Arial Rounded MT Bold" charset="0"/>
+                  <a:cs typeface="Arial Rounded MT Bold" charset="0"/>
+                </a:rPr>
+                <a:t>DVB tuning framework</a:t>
+              </a:r>
+              <a:endParaRPr lang="fr-FR" sz="600" b="1" noProof="1">
+                <a:solidFill>
+                  <a:schemeClr val="tx1"/>
+                </a:solidFill>
+                <a:latin typeface="Cambria" panose="02040503050406030204" pitchFamily="18" charset="0"/>
+                <a:ea typeface="Arial Rounded MT Bold" charset="0"/>
+                <a:cs typeface="Arial Rounded MT Bold" charset="0"/>
+              </a:endParaRPr>
+            </a:p>
+          </p:txBody>
+        </p:sp>
+        <p:sp>
+          <p:nvSpPr>
+            <p:cNvPr id="47" name="Rectangle à coins arrondis 46"/>
+            <p:cNvSpPr/>
+            <p:nvPr/>
+          </p:nvSpPr>
+          <p:spPr>
+            <a:xfrm>
+              <a:off x="1076984" y="2772855"/>
+              <a:ext cx="500265" cy="232631"/>
+            </a:xfrm>
+            <a:prstGeom prst="roundRect">
+              <a:avLst/>
+            </a:prstGeom>
+            <a:solidFill>
+              <a:schemeClr val="bg1">
+                <a:lumMod val="50000"/>
+              </a:schemeClr>
+            </a:solidFill>
+            <a:ln>
+              <a:noFill/>
+            </a:ln>
+          </p:spPr>
+          <p:style>
+            <a:lnRef idx="2">
+              <a:schemeClr val="accent1">
+                <a:shade val="50000"/>
+              </a:schemeClr>
+            </a:lnRef>
+            <a:fillRef idx="1">
+              <a:schemeClr val="accent1"/>
+            </a:fillRef>
+            <a:effectRef idx="0">
+              <a:schemeClr val="accent1"/>
+            </a:effectRef>
+            <a:fontRef idx="minor">
+              <a:schemeClr val="lt1"/>
+            </a:fontRef>
+          </p:style>
+          <p:txBody>
+            <a:bodyPr lIns="0" rIns="0" rtlCol="0" anchor="ctr"/>
+            <a:lstStyle/>
+            <a:p>
+              <a:pPr algn="ctr"/>
+              <a:r>
+                <a:rPr lang="fr-FR" sz="600" b="1" noProof="1">
+                  <a:latin typeface="Cambria" panose="02040503050406030204" pitchFamily="18" charset="0"/>
+                  <a:ea typeface="Arial Rounded MT Bold" charset="0"/>
+                  <a:cs typeface="Arial Rounded MT Bold" charset="0"/>
+                </a:rPr>
+                <a:t>DirectShow (Windows)</a:t>
+              </a:r>
+              <a:endParaRPr lang="fr-FR" sz="600" b="1" noProof="1">
+                <a:latin typeface="Cambria" panose="02040503050406030204" pitchFamily="18" charset="0"/>
+                <a:ea typeface="Arial Rounded MT Bold" charset="0"/>
+                <a:cs typeface="Arial Rounded MT Bold" charset="0"/>
+              </a:endParaRPr>
+            </a:p>
+          </p:txBody>
+        </p:sp>
+        <p:sp>
+          <p:nvSpPr>
+            <p:cNvPr id="49" name="Rectangle à coins arrondis 48"/>
+            <p:cNvSpPr/>
+            <p:nvPr/>
+          </p:nvSpPr>
+          <p:spPr>
+            <a:xfrm>
+              <a:off x="1626501" y="2772855"/>
+              <a:ext cx="495311" cy="232631"/>
+            </a:xfrm>
+            <a:prstGeom prst="roundRect">
+              <a:avLst/>
+            </a:prstGeom>
+            <a:solidFill>
+              <a:schemeClr val="bg1">
+                <a:lumMod val="50000"/>
+              </a:schemeClr>
+            </a:solidFill>
+            <a:ln>
+              <a:noFill/>
+            </a:ln>
+          </p:spPr>
+          <p:style>
+            <a:lnRef idx="2">
+              <a:schemeClr val="accent1">
+                <a:shade val="50000"/>
+              </a:schemeClr>
+            </a:lnRef>
+            <a:fillRef idx="1">
+              <a:schemeClr val="accent1"/>
+            </a:fillRef>
+            <a:effectRef idx="0">
+              <a:schemeClr val="accent1"/>
+            </a:effectRef>
+            <a:fontRef idx="minor">
+              <a:schemeClr val="lt1"/>
+            </a:fontRef>
+          </p:style>
+          <p:txBody>
+            <a:bodyPr lIns="0" rIns="0" rtlCol="0" anchor="ctr"/>
+            <a:lstStyle/>
+            <a:p>
+              <a:pPr algn="ctr"/>
+              <a:r>
+                <a:rPr lang="fr-FR" sz="600" b="1" noProof="1">
+                  <a:latin typeface="Cambria" panose="02040503050406030204" pitchFamily="18" charset="0"/>
+                  <a:ea typeface="Arial Rounded MT Bold" charset="0"/>
+                  <a:cs typeface="Arial Rounded MT Bold" charset="0"/>
+                </a:rPr>
+                <a:t>Linux TV</a:t>
+              </a:r>
+              <a:endParaRPr lang="fr-FR" sz="600" b="1" noProof="1">
+                <a:latin typeface="Cambria" panose="02040503050406030204" pitchFamily="18" charset="0"/>
+                <a:ea typeface="Arial Rounded MT Bold" charset="0"/>
+                <a:cs typeface="Arial Rounded MT Bold" charset="0"/>
+              </a:endParaRPr>
+            </a:p>
+          </p:txBody>
+        </p:sp>
+        <p:cxnSp>
+          <p:nvCxnSpPr>
+            <p:cNvPr id="55" name="Connecteur droit avec flèche 54"/>
+            <p:cNvCxnSpPr/>
+            <p:nvPr/>
+          </p:nvCxnSpPr>
+          <p:spPr>
+            <a:xfrm>
+              <a:off x="1523307" y="2438039"/>
+              <a:ext cx="1608" cy="203727"/>
+            </a:xfrm>
+            <a:prstGeom prst="straightConnector1">
+              <a:avLst/>
+            </a:prstGeom>
+            <a:ln w="19050">
+              <a:solidFill>
+                <a:schemeClr val="tx1"/>
+              </a:solidFill>
+              <a:prstDash val="solid"/>
+              <a:tailEnd type="triangle"/>
+            </a:ln>
+          </p:spPr>
+          <p:style>
+            <a:lnRef idx="1">
+              <a:schemeClr val="accent1"/>
+            </a:lnRef>
+            <a:fillRef idx="0">
+              <a:schemeClr val="accent1"/>
+            </a:fillRef>
+            <a:effectRef idx="0">
+              <a:schemeClr val="accent1"/>
+            </a:effectRef>
+            <a:fontRef idx="minor">
+              <a:schemeClr val="tx1"/>
+            </a:fontRef>
+          </p:style>
+        </p:cxnSp>
+        <p:sp>
+          <p:nvSpPr>
+            <p:cNvPr id="20" name="Rectangle à coins arrondis 19"/>
+            <p:cNvSpPr/>
+            <p:nvPr/>
+          </p:nvSpPr>
+          <p:spPr>
+            <a:xfrm>
+              <a:off x="1112803" y="2238827"/>
+              <a:ext cx="848293" cy="201219"/>
+            </a:xfrm>
+            <a:prstGeom prst="roundRect">
+              <a:avLst/>
+            </a:prstGeom>
+            <a:solidFill>
+              <a:srgbClr val="1F8A4C"/>
+            </a:solidFill>
+            <a:ln>
+              <a:noFill/>
+            </a:ln>
+          </p:spPr>
+          <p:style>
+            <a:lnRef idx="2">
+              <a:schemeClr val="accent1">
+                <a:shade val="50000"/>
+              </a:schemeClr>
+            </a:lnRef>
+            <a:fillRef idx="1">
+              <a:schemeClr val="accent1"/>
+            </a:fillRef>
+            <a:effectRef idx="0">
+              <a:schemeClr val="accent1"/>
+            </a:effectRef>
+            <a:fontRef idx="minor">
+              <a:schemeClr val="lt1"/>
+            </a:fontRef>
+          </p:style>
+          <p:txBody>
+            <a:bodyPr lIns="36000" rIns="36000" rtlCol="0" anchor="ctr"/>
+            <a:lstStyle/>
+            <a:p>
+              <a:pPr algn="ctr"/>
+              <a:r>
+                <a:rPr lang="fr-FR" sz="600" b="1" noProof="1" smtClean="0">
+                  <a:latin typeface="Cambria" panose="02040503050406030204" pitchFamily="18" charset="0"/>
+                  <a:ea typeface="Arial Rounded MT Bold" charset="0"/>
+                  <a:cs typeface="Arial Rounded MT Bold" charset="0"/>
+                </a:rPr>
+                <a:t>MPEG, DVB, DTV</a:t>
+              </a:r>
+              <a:endParaRPr lang="fr-FR" sz="600" b="1" noProof="1">
+                <a:latin typeface="Cambria" panose="02040503050406030204" pitchFamily="18" charset="0"/>
+                <a:ea typeface="Arial Rounded MT Bold" charset="0"/>
+                <a:cs typeface="Arial Rounded MT Bold" charset="0"/>
+              </a:endParaRPr>
+            </a:p>
+          </p:txBody>
+        </p:sp>
+        <p:sp>
+          <p:nvSpPr>
+            <p:cNvPr id="22" name="Rectangle à coins arrondis 21"/>
+            <p:cNvSpPr/>
+            <p:nvPr/>
+          </p:nvSpPr>
+          <p:spPr>
+            <a:xfrm>
+              <a:off x="3028154" y="2239995"/>
+              <a:ext cx="848293" cy="201219"/>
+            </a:xfrm>
+            <a:prstGeom prst="roundRect">
+              <a:avLst/>
+            </a:prstGeom>
+            <a:solidFill>
+              <a:srgbClr val="1F8A4C"/>
+            </a:solidFill>
+            <a:ln>
+              <a:noFill/>
+            </a:ln>
+          </p:spPr>
+          <p:style>
+            <a:lnRef idx="2">
+              <a:schemeClr val="accent1">
+                <a:shade val="50000"/>
+              </a:schemeClr>
+            </a:lnRef>
+            <a:fillRef idx="1">
+              <a:schemeClr val="accent1"/>
+            </a:fillRef>
+            <a:effectRef idx="0">
+              <a:schemeClr val="accent1"/>
+            </a:effectRef>
+            <a:fontRef idx="minor">
+              <a:schemeClr val="lt1"/>
+            </a:fontRef>
+          </p:style>
+          <p:txBody>
+            <a:bodyPr lIns="36000" rIns="36000" rtlCol="0" anchor="ctr"/>
+            <a:lstStyle/>
+            <a:p>
+              <a:pPr algn="ctr"/>
+              <a:r>
+                <a:rPr lang="fr-FR" sz="600" b="1" noProof="1" smtClean="0">
+                  <a:latin typeface="Cambria" panose="02040503050406030204" pitchFamily="18" charset="0"/>
+                  <a:ea typeface="Arial Rounded MT Bold" charset="0"/>
+                  <a:cs typeface="Arial Rounded MT Bold" charset="0"/>
+                </a:rPr>
+                <a:t>OS abstraction</a:t>
+              </a:r>
+              <a:endParaRPr lang="fr-FR" sz="600" b="1" noProof="1">
+                <a:latin typeface="Cambria" panose="02040503050406030204" pitchFamily="18" charset="0"/>
+                <a:ea typeface="Arial Rounded MT Bold" charset="0"/>
+                <a:cs typeface="Arial Rounded MT Bold" charset="0"/>
+              </a:endParaRPr>
+            </a:p>
+          </p:txBody>
+        </p:sp>
+        <p:cxnSp>
+          <p:nvCxnSpPr>
+            <p:cNvPr id="56" name="Connecteur droit avec flèche 55"/>
+            <p:cNvCxnSpPr>
+              <a:stCxn id="20" idx="3"/>
+              <a:endCxn id="21" idx="1"/>
+            </p:cNvCxnSpPr>
+            <p:nvPr/>
+          </p:nvCxnSpPr>
+          <p:spPr>
+            <a:xfrm>
+              <a:off x="1961096" y="2339437"/>
+              <a:ext cx="111764" cy="584"/>
+            </a:xfrm>
+            <a:prstGeom prst="straightConnector1">
+              <a:avLst/>
+            </a:prstGeom>
+            <a:ln w="19050">
+              <a:solidFill>
+                <a:schemeClr val="tx1"/>
+              </a:solidFill>
+              <a:prstDash val="solid"/>
+              <a:tailEnd type="triangle"/>
+            </a:ln>
+          </p:spPr>
+          <p:style>
+            <a:lnRef idx="1">
+              <a:schemeClr val="accent1"/>
+            </a:lnRef>
+            <a:fillRef idx="0">
+              <a:schemeClr val="accent1"/>
+            </a:fillRef>
+            <a:effectRef idx="0">
+              <a:schemeClr val="accent1"/>
+            </a:effectRef>
+            <a:fontRef idx="minor">
+              <a:schemeClr val="tx1"/>
+            </a:fontRef>
+          </p:style>
+        </p:cxnSp>
+        <p:cxnSp>
+          <p:nvCxnSpPr>
+            <p:cNvPr id="59" name="Connecteur droit avec flèche 58"/>
+            <p:cNvCxnSpPr>
+              <a:stCxn id="21" idx="3"/>
+              <a:endCxn id="22" idx="1"/>
+            </p:cNvCxnSpPr>
+            <p:nvPr/>
+          </p:nvCxnSpPr>
+          <p:spPr>
+            <a:xfrm>
+              <a:off x="2921153" y="2340021"/>
+              <a:ext cx="107001" cy="584"/>
+            </a:xfrm>
+            <a:prstGeom prst="straightConnector1">
+              <a:avLst/>
+            </a:prstGeom>
+            <a:ln w="19050">
+              <a:solidFill>
+                <a:schemeClr val="tx1"/>
+              </a:solidFill>
+              <a:prstDash val="solid"/>
+              <a:tailEnd type="triangle"/>
+            </a:ln>
+          </p:spPr>
+          <p:style>
+            <a:lnRef idx="1">
+              <a:schemeClr val="accent1"/>
+            </a:lnRef>
+            <a:fillRef idx="0">
+              <a:schemeClr val="accent1"/>
+            </a:fillRef>
+            <a:effectRef idx="0">
+              <a:schemeClr val="accent1"/>
+            </a:effectRef>
+            <a:fontRef idx="minor">
+              <a:schemeClr val="tx1"/>
+            </a:fontRef>
+          </p:style>
+        </p:cxnSp>
+        <p:sp>
+          <p:nvSpPr>
+            <p:cNvPr id="62" name="Rectangle à coins arrondis 61"/>
+            <p:cNvSpPr/>
+            <p:nvPr/>
+          </p:nvSpPr>
+          <p:spPr>
+            <a:xfrm>
+              <a:off x="1112803" y="1167267"/>
+              <a:ext cx="560562" cy="201219"/>
+            </a:xfrm>
+            <a:prstGeom prst="roundRect">
+              <a:avLst/>
+            </a:prstGeom>
+            <a:solidFill>
+              <a:srgbClr val="1F8A4C"/>
+            </a:solidFill>
+            <a:ln>
+              <a:noFill/>
+            </a:ln>
+          </p:spPr>
+          <p:style>
+            <a:lnRef idx="2">
+              <a:schemeClr val="accent1">
+                <a:shade val="50000"/>
+              </a:schemeClr>
+            </a:lnRef>
+            <a:fillRef idx="1">
+              <a:schemeClr val="accent1"/>
+            </a:fillRef>
+            <a:effectRef idx="0">
+              <a:schemeClr val="accent1"/>
+            </a:effectRef>
+            <a:fontRef idx="minor">
+              <a:schemeClr val="lt1"/>
+            </a:fontRef>
+          </p:style>
+          <p:txBody>
+            <a:bodyPr lIns="36000" rIns="36000" rtlCol="0" anchor="ctr"/>
+            <a:lstStyle/>
+            <a:p>
+              <a:pPr algn="ctr"/>
+              <a:r>
+                <a:rPr lang="fr-FR" sz="600" b="1" noProof="1">
+                  <a:latin typeface="Consolas" panose="020B0609020204030204" pitchFamily="49" charset="0"/>
+                  <a:ea typeface="Arial Rounded MT Bold" charset="0"/>
+                  <a:cs typeface="Consolas" panose="020B0609020204030204" pitchFamily="49" charset="0"/>
+                </a:rPr>
+                <a:t>tsanalyze</a:t>
+              </a:r>
+              <a:endParaRPr lang="fr-FR" sz="600" b="1" noProof="1">
+                <a:latin typeface="Consolas" panose="020B0609020204030204" pitchFamily="49" charset="0"/>
+                <a:ea typeface="Arial Rounded MT Bold" charset="0"/>
+                <a:cs typeface="Consolas" panose="020B0609020204030204" pitchFamily="49" charset="0"/>
+              </a:endParaRPr>
+            </a:p>
+          </p:txBody>
+        </p:sp>
+        <p:sp>
+          <p:nvSpPr>
+            <p:cNvPr id="63" name="Rectangle à coins arrondis 62"/>
+            <p:cNvSpPr/>
+            <p:nvPr/>
+          </p:nvSpPr>
+          <p:spPr>
+            <a:xfrm>
+              <a:off x="3162485" y="1548393"/>
+              <a:ext cx="818965" cy="411831"/>
+            </a:xfrm>
+            <a:prstGeom prst="roundRect">
+              <a:avLst>
+                <a:gd name="adj" fmla="val 3969"/>
+              </a:avLst>
+            </a:prstGeom>
+            <a:solidFill>
+              <a:schemeClr val="bg1">
+                <a:lumMod val="85000"/>
+              </a:schemeClr>
+            </a:solidFill>
+            <a:ln>
+              <a:noFill/>
+            </a:ln>
+          </p:spPr>
+          <p:style>
+            <a:lnRef idx="2">
+              <a:schemeClr val="accent1">
+                <a:shade val="50000"/>
+              </a:schemeClr>
+            </a:lnRef>
+            <a:fillRef idx="1">
+              <a:schemeClr val="accent1"/>
+            </a:fillRef>
+            <a:effectRef idx="0">
+              <a:schemeClr val="accent1"/>
+            </a:effectRef>
+            <a:fontRef idx="minor">
+              <a:schemeClr val="lt1"/>
+            </a:fontRef>
+          </p:style>
+          <p:txBody>
+            <a:bodyPr tIns="0" rtlCol="0" anchor="t" anchorCtr="0"/>
+            <a:lstStyle/>
+            <a:p>
+              <a:r>
+                <a:rPr lang="fr-FR" sz="600" b="1" noProof="1" smtClean="0">
+                  <a:solidFill>
+                    <a:schemeClr val="tx1"/>
+                  </a:solidFill>
+                  <a:latin typeface="Cambria" panose="02040503050406030204" pitchFamily="18" charset="0"/>
+                  <a:ea typeface="Arial Rounded MT Bold" charset="0"/>
+                  <a:cs typeface="Arial Rounded MT Bold" charset="0"/>
+                </a:rPr>
+                <a:t>3rd-party plugins</a:t>
+              </a:r>
+              <a:endParaRPr lang="fr-FR" sz="600" b="1" noProof="1">
+                <a:solidFill>
+                  <a:schemeClr val="tx1"/>
+                </a:solidFill>
+                <a:latin typeface="Cambria" panose="02040503050406030204" pitchFamily="18" charset="0"/>
+                <a:ea typeface="Arial Rounded MT Bold" charset="0"/>
+                <a:cs typeface="Arial Rounded MT Bold" charset="0"/>
+              </a:endParaRPr>
+            </a:p>
+          </p:txBody>
+        </p:sp>
+        <p:sp>
+          <p:nvSpPr>
+            <p:cNvPr id="64" name="Rectangle à coins arrondis 63"/>
+            <p:cNvSpPr/>
+            <p:nvPr/>
+          </p:nvSpPr>
+          <p:spPr>
+            <a:xfrm>
+              <a:off x="3240736" y="1695901"/>
+              <a:ext cx="279500" cy="201219"/>
+            </a:xfrm>
+            <a:prstGeom prst="roundRect">
+              <a:avLst/>
+            </a:prstGeom>
+            <a:solidFill>
+              <a:schemeClr val="bg1">
+                <a:lumMod val="50000"/>
+              </a:schemeClr>
+            </a:solidFill>
+            <a:ln>
+              <a:noFill/>
+            </a:ln>
+          </p:spPr>
+          <p:style>
+            <a:lnRef idx="2">
+              <a:schemeClr val="accent1">
+                <a:shade val="50000"/>
+              </a:schemeClr>
+            </a:lnRef>
+            <a:fillRef idx="1">
+              <a:schemeClr val="accent1"/>
+            </a:fillRef>
+            <a:effectRef idx="0">
+              <a:schemeClr val="accent1"/>
+            </a:effectRef>
+            <a:fontRef idx="minor">
+              <a:schemeClr val="lt1"/>
+            </a:fontRef>
+          </p:style>
+          <p:txBody>
+            <a:bodyPr lIns="36000" rIns="36000" rtlCol="0" anchor="ctr"/>
+            <a:lstStyle/>
+            <a:p>
+              <a:pPr algn="ctr"/>
+              <a:endParaRPr lang="fr-FR" sz="600" b="1" noProof="1">
+                <a:latin typeface="Cambria" panose="02040503050406030204" pitchFamily="18" charset="0"/>
+                <a:ea typeface="Arial Rounded MT Bold" charset="0"/>
+                <a:cs typeface="Arial Rounded MT Bold" charset="0"/>
+              </a:endParaRPr>
+            </a:p>
+          </p:txBody>
+        </p:sp>
+        <p:sp>
+          <p:nvSpPr>
+            <p:cNvPr id="65" name="Rectangle à coins arrondis 64"/>
+            <p:cNvSpPr/>
+            <p:nvPr/>
+          </p:nvSpPr>
+          <p:spPr>
+            <a:xfrm>
+              <a:off x="3623236" y="1695901"/>
+              <a:ext cx="279500" cy="201219"/>
+            </a:xfrm>
+            <a:prstGeom prst="roundRect">
+              <a:avLst/>
+            </a:prstGeom>
+            <a:solidFill>
+              <a:schemeClr val="bg1">
+                <a:lumMod val="50000"/>
+              </a:schemeClr>
+            </a:solidFill>
+            <a:ln>
+              <a:noFill/>
+            </a:ln>
+          </p:spPr>
+          <p:style>
+            <a:lnRef idx="2">
+              <a:schemeClr val="accent1">
+                <a:shade val="50000"/>
+              </a:schemeClr>
+            </a:lnRef>
+            <a:fillRef idx="1">
+              <a:schemeClr val="accent1"/>
+            </a:fillRef>
+            <a:effectRef idx="0">
+              <a:schemeClr val="accent1"/>
+            </a:effectRef>
+            <a:fontRef idx="minor">
+              <a:schemeClr val="lt1"/>
+            </a:fontRef>
+          </p:style>
+          <p:txBody>
+            <a:bodyPr lIns="36000" rIns="36000" rtlCol="0" anchor="ctr"/>
+            <a:lstStyle/>
+            <a:p>
+              <a:pPr algn="ctr"/>
+              <a:endParaRPr lang="fr-FR" sz="600" b="1" noProof="1">
+                <a:latin typeface="Cambria" panose="02040503050406030204" pitchFamily="18" charset="0"/>
+                <a:ea typeface="Arial Rounded MT Bold" charset="0"/>
+                <a:cs typeface="Arial Rounded MT Bold" charset="0"/>
+              </a:endParaRPr>
+            </a:p>
+          </p:txBody>
+        </p:sp>
+      </p:grpSp>
+    </p:spTree>
+    <p:extLst>
+      <p:ext uri="{BB962C8B-B14F-4D97-AF65-F5344CB8AC3E}">
+        <p14:creationId xmlns:p14="http://schemas.microsoft.com/office/powerpoint/2010/main" val="4239256438"/>
       </p:ext>
     </p:extLst>
   </p:cSld>
@@ -14297,7 +16121,7 @@
   <a:extraClrSchemeLst/>
   <a:extLst>
     <a:ext uri="{05A4C25C-085E-4340-85A3-A5531E510DB2}">
-      <thm15:themeFamily xmlns="" xmlns:thm15="http://schemas.microsoft.com/office/thememl/2012/main" name="Office Theme" id="{62F939B6-93AF-4DB8-9C6B-D6C7DFDC589F}" vid="{4A3C46E8-61CC-4603-A589-7422A47A8E4A}"/>
+      <thm15:themeFamily xmlns:thm15="http://schemas.microsoft.com/office/thememl/2012/main" xmlns="" name="Office Theme" id="{62F939B6-93AF-4DB8-9C6B-D6C7DFDC589F}" vid="{4A3C46E8-61CC-4603-A589-7422A47A8E4A}"/>
     </a:ext>
   </a:extLst>
 </a:theme>

--- a/doc/tsduck-diagrams.pptx
+++ b/doc/tsduck-diagrams.pptx
@@ -8,6 +8,7 @@
     <p:sldId id="256" r:id="rId2"/>
     <p:sldId id="257" r:id="rId3"/>
     <p:sldId id="258" r:id="rId4"/>
+    <p:sldId id="259" r:id="rId5"/>
   </p:sldIdLst>
   <p:sldSz cx="6858000" cy="9906000" type="A4"/>
   <p:notesSz cx="6858000" cy="9144000"/>
@@ -108,7 +109,7 @@
   </p:defaultTextStyle>
   <p:extLst>
     <p:ext uri="{EFAFB233-063F-42B5-8137-9DF3F51BA10A}">
-      <p15:sldGuideLst xmlns:p15="http://schemas.microsoft.com/office/powerpoint/2012/main" xmlns="">
+      <p15:sldGuideLst xmlns:p15="http://schemas.microsoft.com/office/powerpoint/2012/main">
         <p15:guide id="1" orient="horz" pos="3120">
           <p15:clr>
             <a:srgbClr val="A4A3A4"/>
@@ -256,7 +257,7 @@
           <a:p>
             <a:fld id="{58A7CDC3-5B40-B341-B3D1-EE720DBB9E8A}" type="datetimeFigureOut">
               <a:rPr lang="fr-FR" smtClean="0"/>
-              <a:t>21/11/2018</a:t>
+              <a:t>19/10/2019</a:t>
             </a:fld>
             <a:endParaRPr lang="fr-FR"/>
           </a:p>
@@ -421,7 +422,7 @@
           <a:p>
             <a:fld id="{58A7CDC3-5B40-B341-B3D1-EE720DBB9E8A}" type="datetimeFigureOut">
               <a:rPr lang="fr-FR" smtClean="0"/>
-              <a:t>21/11/2018</a:t>
+              <a:t>19/10/2019</a:t>
             </a:fld>
             <a:endParaRPr lang="fr-FR"/>
           </a:p>
@@ -596,7 +597,7 @@
           <a:p>
             <a:fld id="{58A7CDC3-5B40-B341-B3D1-EE720DBB9E8A}" type="datetimeFigureOut">
               <a:rPr lang="fr-FR" smtClean="0"/>
-              <a:t>21/11/2018</a:t>
+              <a:t>19/10/2019</a:t>
             </a:fld>
             <a:endParaRPr lang="fr-FR"/>
           </a:p>
@@ -761,7 +762,7 @@
           <a:p>
             <a:fld id="{58A7CDC3-5B40-B341-B3D1-EE720DBB9E8A}" type="datetimeFigureOut">
               <a:rPr lang="fr-FR" smtClean="0"/>
-              <a:t>21/11/2018</a:t>
+              <a:t>19/10/2019</a:t>
             </a:fld>
             <a:endParaRPr lang="fr-FR"/>
           </a:p>
@@ -1000,7 +1001,7 @@
           <a:p>
             <a:fld id="{58A7CDC3-5B40-B341-B3D1-EE720DBB9E8A}" type="datetimeFigureOut">
               <a:rPr lang="fr-FR" smtClean="0"/>
-              <a:t>21/11/2018</a:t>
+              <a:t>19/10/2019</a:t>
             </a:fld>
             <a:endParaRPr lang="fr-FR"/>
           </a:p>
@@ -1227,7 +1228,7 @@
           <a:p>
             <a:fld id="{58A7CDC3-5B40-B341-B3D1-EE720DBB9E8A}" type="datetimeFigureOut">
               <a:rPr lang="fr-FR" smtClean="0"/>
-              <a:t>21/11/2018</a:t>
+              <a:t>19/10/2019</a:t>
             </a:fld>
             <a:endParaRPr lang="fr-FR"/>
           </a:p>
@@ -1589,7 +1590,7 @@
           <a:p>
             <a:fld id="{58A7CDC3-5B40-B341-B3D1-EE720DBB9E8A}" type="datetimeFigureOut">
               <a:rPr lang="fr-FR" smtClean="0"/>
-              <a:t>21/11/2018</a:t>
+              <a:t>19/10/2019</a:t>
             </a:fld>
             <a:endParaRPr lang="fr-FR"/>
           </a:p>
@@ -1702,7 +1703,7 @@
           <a:p>
             <a:fld id="{58A7CDC3-5B40-B341-B3D1-EE720DBB9E8A}" type="datetimeFigureOut">
               <a:rPr lang="fr-FR" smtClean="0"/>
-              <a:t>21/11/2018</a:t>
+              <a:t>19/10/2019</a:t>
             </a:fld>
             <a:endParaRPr lang="fr-FR"/>
           </a:p>
@@ -1792,7 +1793,7 @@
           <a:p>
             <a:fld id="{58A7CDC3-5B40-B341-B3D1-EE720DBB9E8A}" type="datetimeFigureOut">
               <a:rPr lang="fr-FR" smtClean="0"/>
-              <a:t>21/11/2018</a:t>
+              <a:t>19/10/2019</a:t>
             </a:fld>
             <a:endParaRPr lang="fr-FR"/>
           </a:p>
@@ -2064,7 +2065,7 @@
           <a:p>
             <a:fld id="{58A7CDC3-5B40-B341-B3D1-EE720DBB9E8A}" type="datetimeFigureOut">
               <a:rPr lang="fr-FR" smtClean="0"/>
-              <a:t>21/11/2018</a:t>
+              <a:t>19/10/2019</a:t>
             </a:fld>
             <a:endParaRPr lang="fr-FR"/>
           </a:p>
@@ -2316,7 +2317,7 @@
           <a:p>
             <a:fld id="{58A7CDC3-5B40-B341-B3D1-EE720DBB9E8A}" type="datetimeFigureOut">
               <a:rPr lang="fr-FR" smtClean="0"/>
-              <a:t>21/11/2018</a:t>
+              <a:t>19/10/2019</a:t>
             </a:fld>
             <a:endParaRPr lang="fr-FR"/>
           </a:p>
@@ -2524,7 +2525,7 @@
           <a:p>
             <a:fld id="{58A7CDC3-5B40-B341-B3D1-EE720DBB9E8A}" type="datetimeFigureOut">
               <a:rPr lang="fr-FR" smtClean="0"/>
-              <a:t>21/11/2018</a:t>
+              <a:t>19/10/2019</a:t>
             </a:fld>
             <a:endParaRPr lang="fr-FR"/>
           </a:p>
@@ -5716,18 +5717,13 @@
           <a:p>
             <a:pPr algn="ctr"/>
             <a:r>
-              <a:rPr lang="fr-FR" sz="1000" b="1" noProof="1" smtClean="0">
+              <a:rPr lang="fr-FR" sz="1000" b="1" noProof="1">
                 <a:latin typeface="Cambria" panose="02040503050406030204" pitchFamily="18" charset="0"/>
                 <a:ea typeface="Arial Rounded MT Bold" charset="0"/>
                 <a:cs typeface="Arial Rounded MT Bold" charset="0"/>
               </a:rPr>
               <a:t>Media Server</a:t>
             </a:r>
-            <a:endParaRPr lang="fr-FR" sz="1000" b="1" noProof="1">
-              <a:latin typeface="Cambria" panose="02040503050406030204" pitchFamily="18" charset="0"/>
-              <a:ea typeface="Arial Rounded MT Bold" charset="0"/>
-              <a:cs typeface="Arial Rounded MT Bold" charset="0"/>
-            </a:endParaRPr>
           </a:p>
         </p:txBody>
       </p:sp>
@@ -5755,18 +5751,13 @@
           <a:p>
             <a:pPr algn="ctr"/>
             <a:r>
-              <a:rPr lang="fr-FR" sz="900" i="1" noProof="1" smtClean="0">
+              <a:rPr lang="fr-FR" sz="900" i="1" noProof="1">
                 <a:latin typeface="Cambria" panose="02040503050406030204" pitchFamily="18" charset="0"/>
                 <a:ea typeface="Arial Rounded MT Bold" charset="0"/>
                 <a:cs typeface="Arial Rounded MT Bold" charset="0"/>
               </a:rPr>
               <a:t>Network 1</a:t>
             </a:r>
-            <a:endParaRPr lang="fr-FR" sz="900" i="1" noProof="1">
-              <a:latin typeface="Cambria" panose="02040503050406030204" pitchFamily="18" charset="0"/>
-              <a:ea typeface="Arial Rounded MT Bold" charset="0"/>
-              <a:cs typeface="Arial Rounded MT Bold" charset="0"/>
-            </a:endParaRPr>
           </a:p>
         </p:txBody>
       </p:sp>
@@ -5834,18 +5825,13 @@
           <a:lstStyle/>
           <a:p>
             <a:r>
-              <a:rPr lang="fr-FR" sz="700" noProof="1" smtClean="0">
+              <a:rPr lang="fr-FR" sz="700" noProof="1">
                 <a:latin typeface="Cambria" panose="02040503050406030204" pitchFamily="18" charset="0"/>
                 <a:ea typeface="Arial Rounded MT Bold" charset="0"/>
                 <a:cs typeface="Arial Rounded MT Bold" charset="0"/>
               </a:rPr>
               <a:t>TSDuck</a:t>
             </a:r>
-            <a:endParaRPr lang="fr-FR" sz="700" noProof="1">
-              <a:latin typeface="Cambria" panose="02040503050406030204" pitchFamily="18" charset="0"/>
-              <a:ea typeface="Arial Rounded MT Bold" charset="0"/>
-              <a:cs typeface="Arial Rounded MT Bold" charset="0"/>
-            </a:endParaRPr>
           </a:p>
         </p:txBody>
       </p:sp>
@@ -5894,18 +5880,13 @@
           <a:p>
             <a:pPr algn="ctr"/>
             <a:r>
-              <a:rPr lang="fr-FR" sz="1000" b="1" noProof="1" smtClean="0">
+              <a:rPr lang="fr-FR" sz="1000" b="1" noProof="1">
                 <a:latin typeface="Cambria" panose="02040503050406030204" pitchFamily="18" charset="0"/>
                 <a:ea typeface="Arial Rounded MT Bold" charset="0"/>
                 <a:cs typeface="Arial Rounded MT Bold" charset="0"/>
               </a:rPr>
               <a:t>Linux or Windows</a:t>
             </a:r>
-            <a:endParaRPr lang="fr-FR" sz="1000" b="1" noProof="1">
-              <a:latin typeface="Cambria" panose="02040503050406030204" pitchFamily="18" charset="0"/>
-              <a:ea typeface="Arial Rounded MT Bold" charset="0"/>
-              <a:cs typeface="Arial Rounded MT Bold" charset="0"/>
-            </a:endParaRPr>
           </a:p>
         </p:txBody>
       </p:sp>
@@ -5995,7 +5976,7 @@
           <a:p>
             <a:pPr algn="ctr"/>
             <a:r>
-              <a:rPr lang="fr-FR" sz="900" noProof="1" smtClean="0">
+              <a:rPr lang="fr-FR" sz="900" noProof="1">
                 <a:solidFill>
                   <a:schemeClr val="tx1"/>
                 </a:solidFill>
@@ -6009,7 +5990,7 @@
           <a:p>
             <a:pPr algn="ctr"/>
             <a:r>
-              <a:rPr lang="fr-FR" sz="900" noProof="1" smtClean="0">
+              <a:rPr lang="fr-FR" sz="900" noProof="1">
                 <a:solidFill>
                   <a:schemeClr val="tx1"/>
                 </a:solidFill>
@@ -6019,14 +6000,6 @@
               </a:rPr>
               <a:t>tuner</a:t>
             </a:r>
-            <a:endParaRPr lang="fr-FR" sz="900" noProof="1">
-              <a:solidFill>
-                <a:schemeClr val="tx1"/>
-              </a:solidFill>
-              <a:latin typeface="Cambria" panose="02040503050406030204" pitchFamily="18" charset="0"/>
-              <a:ea typeface="Arial Rounded MT Bold" charset="0"/>
-              <a:cs typeface="Arial Rounded MT Bold" charset="0"/>
-            </a:endParaRPr>
           </a:p>
         </p:txBody>
       </p:sp>
@@ -6075,18 +6048,13 @@
           <a:p>
             <a:pPr algn="ctr"/>
             <a:r>
-              <a:rPr lang="fr-FR" sz="1000" b="1" noProof="1" smtClean="0">
+              <a:rPr lang="fr-FR" sz="1000" b="1" noProof="1">
                 <a:latin typeface="Cambria" panose="02040503050406030204" pitchFamily="18" charset="0"/>
                 <a:ea typeface="Arial Rounded MT Bold" charset="0"/>
                 <a:cs typeface="Arial Rounded MT Bold" charset="0"/>
               </a:rPr>
               <a:t>Linux or Windows</a:t>
             </a:r>
-            <a:endParaRPr lang="fr-FR" sz="1000" b="1" noProof="1">
-              <a:latin typeface="Cambria" panose="02040503050406030204" pitchFamily="18" charset="0"/>
-              <a:ea typeface="Arial Rounded MT Bold" charset="0"/>
-              <a:cs typeface="Arial Rounded MT Bold" charset="0"/>
-            </a:endParaRPr>
           </a:p>
         </p:txBody>
       </p:sp>
@@ -6181,7 +6149,7 @@
           <a:p>
             <a:pPr algn="ctr"/>
             <a:r>
-              <a:rPr lang="fr-FR" sz="900" i="1" noProof="1" smtClean="0">
+              <a:rPr lang="fr-FR" sz="900" i="1" noProof="1">
                 <a:solidFill>
                   <a:schemeClr val="tx1"/>
                 </a:solidFill>
@@ -6191,14 +6159,6 @@
               </a:rPr>
               <a:t>tsp</a:t>
             </a:r>
-            <a:endParaRPr lang="fr-FR" sz="900" i="1" noProof="1">
-              <a:solidFill>
-                <a:schemeClr val="tx1"/>
-              </a:solidFill>
-              <a:latin typeface="Cambria" panose="02040503050406030204" pitchFamily="18" charset="0"/>
-              <a:ea typeface="Arial Rounded MT Bold" charset="0"/>
-              <a:cs typeface="Arial Rounded MT Bold" charset="0"/>
-            </a:endParaRPr>
           </a:p>
         </p:txBody>
       </p:sp>
@@ -6250,7 +6210,7 @@
           <a:p>
             <a:pPr algn="ctr"/>
             <a:r>
-              <a:rPr lang="fr-FR" sz="900" noProof="1" smtClean="0">
+              <a:rPr lang="fr-FR" sz="900" noProof="1">
                 <a:solidFill>
                   <a:schemeClr val="tx1"/>
                 </a:solidFill>
@@ -6260,14 +6220,6 @@
               </a:rPr>
               <a:t>Dektec modulator</a:t>
             </a:r>
-            <a:endParaRPr lang="fr-FR" sz="900" noProof="1">
-              <a:solidFill>
-                <a:schemeClr val="tx1"/>
-              </a:solidFill>
-              <a:latin typeface="Cambria" panose="02040503050406030204" pitchFamily="18" charset="0"/>
-              <a:ea typeface="Arial Rounded MT Bold" charset="0"/>
-              <a:cs typeface="Arial Rounded MT Bold" charset="0"/>
-            </a:endParaRPr>
           </a:p>
         </p:txBody>
       </p:sp>
@@ -6316,18 +6268,13 @@
           <a:p>
             <a:pPr algn="ctr"/>
             <a:r>
-              <a:rPr lang="fr-FR" sz="1000" b="1" noProof="1" smtClean="0">
+              <a:rPr lang="fr-FR" sz="1000" b="1" noProof="1">
                 <a:latin typeface="Cambria" panose="02040503050406030204" pitchFamily="18" charset="0"/>
                 <a:ea typeface="Arial Rounded MT Bold" charset="0"/>
                 <a:cs typeface="Arial Rounded MT Bold" charset="0"/>
               </a:rPr>
               <a:t>STB</a:t>
             </a:r>
-            <a:endParaRPr lang="fr-FR" sz="1000" b="1" noProof="1">
-              <a:latin typeface="Cambria" panose="02040503050406030204" pitchFamily="18" charset="0"/>
-              <a:ea typeface="Arial Rounded MT Bold" charset="0"/>
-              <a:cs typeface="Arial Rounded MT Bold" charset="0"/>
-            </a:endParaRPr>
           </a:p>
         </p:txBody>
       </p:sp>
@@ -6376,18 +6323,13 @@
           <a:p>
             <a:pPr algn="ctr"/>
             <a:r>
-              <a:rPr lang="fr-FR" sz="1000" b="1" noProof="1" smtClean="0">
+              <a:rPr lang="fr-FR" sz="1000" b="1" noProof="1">
                 <a:latin typeface="Cambria" panose="02040503050406030204" pitchFamily="18" charset="0"/>
                 <a:ea typeface="Arial Rounded MT Bold" charset="0"/>
                 <a:cs typeface="Arial Rounded MT Bold" charset="0"/>
               </a:rPr>
               <a:t>STB</a:t>
             </a:r>
-            <a:endParaRPr lang="fr-FR" sz="1000" b="1" noProof="1">
-              <a:latin typeface="Cambria" panose="02040503050406030204" pitchFamily="18" charset="0"/>
-              <a:ea typeface="Arial Rounded MT Bold" charset="0"/>
-              <a:cs typeface="Arial Rounded MT Bold" charset="0"/>
-            </a:endParaRPr>
           </a:p>
         </p:txBody>
       </p:sp>
@@ -6704,18 +6646,13 @@
           <a:p>
             <a:pPr algn="ctr"/>
             <a:r>
-              <a:rPr lang="fr-FR" sz="900" i="1" noProof="1" smtClean="0">
+              <a:rPr lang="fr-FR" sz="900" i="1" noProof="1">
                 <a:latin typeface="Cambria" panose="02040503050406030204" pitchFamily="18" charset="0"/>
                 <a:ea typeface="Arial Rounded MT Bold" charset="0"/>
                 <a:cs typeface="Arial Rounded MT Bold" charset="0"/>
               </a:rPr>
               <a:t>Multicast to 224.250.250.1 : 9000</a:t>
             </a:r>
-            <a:endParaRPr lang="fr-FR" sz="900" i="1" noProof="1">
-              <a:latin typeface="Cambria" panose="02040503050406030204" pitchFamily="18" charset="0"/>
-              <a:ea typeface="Arial Rounded MT Bold" charset="0"/>
-              <a:cs typeface="Arial Rounded MT Bold" charset="0"/>
-            </a:endParaRPr>
           </a:p>
         </p:txBody>
       </p:sp>
@@ -6743,18 +6680,13 @@
           <a:p>
             <a:pPr algn="ctr"/>
             <a:r>
-              <a:rPr lang="fr-FR" sz="900" i="1" noProof="1" smtClean="0">
+              <a:rPr lang="fr-FR" sz="900" i="1" noProof="1">
                 <a:latin typeface="Cambria" panose="02040503050406030204" pitchFamily="18" charset="0"/>
                 <a:ea typeface="Arial Rounded MT Bold" charset="0"/>
                 <a:cs typeface="Arial Rounded MT Bold" charset="0"/>
               </a:rPr>
               <a:t>Network 2</a:t>
             </a:r>
-            <a:endParaRPr lang="fr-FR" sz="900" i="1" noProof="1">
-              <a:latin typeface="Cambria" panose="02040503050406030204" pitchFamily="18" charset="0"/>
-              <a:ea typeface="Arial Rounded MT Bold" charset="0"/>
-              <a:cs typeface="Arial Rounded MT Bold" charset="0"/>
-            </a:endParaRPr>
           </a:p>
         </p:txBody>
       </p:sp>
@@ -6803,18 +6735,13 @@
           <a:p>
             <a:pPr algn="ctr"/>
             <a:r>
-              <a:rPr lang="fr-FR" sz="1000" b="1" noProof="1" smtClean="0">
+              <a:rPr lang="fr-FR" sz="1000" b="1" noProof="1">
                 <a:latin typeface="Cambria" panose="02040503050406030204" pitchFamily="18" charset="0"/>
                 <a:ea typeface="Arial Rounded MT Bold" charset="0"/>
                 <a:cs typeface="Arial Rounded MT Bold" charset="0"/>
               </a:rPr>
               <a:t>STB</a:t>
             </a:r>
-            <a:endParaRPr lang="fr-FR" sz="1000" b="1" noProof="1">
-              <a:latin typeface="Cambria" panose="02040503050406030204" pitchFamily="18" charset="0"/>
-              <a:ea typeface="Arial Rounded MT Bold" charset="0"/>
-              <a:cs typeface="Arial Rounded MT Bold" charset="0"/>
-            </a:endParaRPr>
           </a:p>
         </p:txBody>
       </p:sp>
@@ -6863,18 +6790,13 @@
           <a:p>
             <a:pPr algn="ctr"/>
             <a:r>
-              <a:rPr lang="fr-FR" sz="1000" b="1" noProof="1" smtClean="0">
+              <a:rPr lang="fr-FR" sz="1000" b="1" noProof="1">
                 <a:latin typeface="Cambria" panose="02040503050406030204" pitchFamily="18" charset="0"/>
                 <a:ea typeface="Arial Rounded MT Bold" charset="0"/>
                 <a:cs typeface="Arial Rounded MT Bold" charset="0"/>
               </a:rPr>
               <a:t>STB</a:t>
             </a:r>
-            <a:endParaRPr lang="fr-FR" sz="1000" b="1" noProof="1">
-              <a:latin typeface="Cambria" panose="02040503050406030204" pitchFamily="18" charset="0"/>
-              <a:ea typeface="Arial Rounded MT Bold" charset="0"/>
-              <a:cs typeface="Arial Rounded MT Bold" charset="0"/>
-            </a:endParaRPr>
           </a:p>
         </p:txBody>
       </p:sp>
@@ -7152,18 +7074,13 @@
           <a:p>
             <a:pPr algn="ctr"/>
             <a:r>
-              <a:rPr lang="fr-FR" sz="900" i="1" noProof="1" smtClean="0">
+              <a:rPr lang="fr-FR" sz="900" i="1" noProof="1">
                 <a:latin typeface="Cambria" panose="02040503050406030204" pitchFamily="18" charset="0"/>
                 <a:ea typeface="Arial Rounded MT Bold" charset="0"/>
                 <a:cs typeface="Arial Rounded MT Bold" charset="0"/>
               </a:rPr>
               <a:t>Multicast to 230.2.3.4 : 7000</a:t>
             </a:r>
-            <a:endParaRPr lang="fr-FR" sz="900" i="1" noProof="1">
-              <a:latin typeface="Cambria" panose="02040503050406030204" pitchFamily="18" charset="0"/>
-              <a:ea typeface="Arial Rounded MT Bold" charset="0"/>
-              <a:cs typeface="Arial Rounded MT Bold" charset="0"/>
-            </a:endParaRPr>
           </a:p>
         </p:txBody>
       </p:sp>
@@ -7212,18 +7129,13 @@
           <a:p>
             <a:pPr algn="ctr"/>
             <a:r>
-              <a:rPr lang="fr-FR" sz="1000" b="1" noProof="1" smtClean="0">
+              <a:rPr lang="fr-FR" sz="1000" b="1" noProof="1">
                 <a:latin typeface="Cambria" panose="02040503050406030204" pitchFamily="18" charset="0"/>
                 <a:ea typeface="Arial Rounded MT Bold" charset="0"/>
                 <a:cs typeface="Arial Rounded MT Bold" charset="0"/>
               </a:rPr>
               <a:t>STB</a:t>
             </a:r>
-            <a:endParaRPr lang="fr-FR" sz="1000" b="1" noProof="1">
-              <a:latin typeface="Cambria" panose="02040503050406030204" pitchFamily="18" charset="0"/>
-              <a:ea typeface="Arial Rounded MT Bold" charset="0"/>
-              <a:cs typeface="Arial Rounded MT Bold" charset="0"/>
-            </a:endParaRPr>
           </a:p>
         </p:txBody>
       </p:sp>
@@ -7366,18 +7278,13 @@
           <a:p>
             <a:pPr algn="ctr"/>
             <a:r>
-              <a:rPr lang="fr-FR" sz="900" i="1" noProof="1" smtClean="0">
+              <a:rPr lang="fr-FR" sz="900" i="1" noProof="1">
                 <a:latin typeface="Cambria" panose="02040503050406030204" pitchFamily="18" charset="0"/>
                 <a:ea typeface="Arial Rounded MT Bold" charset="0"/>
                 <a:cs typeface="Arial Rounded MT Bold" charset="0"/>
               </a:rPr>
               <a:t>MPE encapsulation, forged destination: 230.2.3.4 : 7000</a:t>
             </a:r>
-            <a:endParaRPr lang="fr-FR" sz="900" i="1" noProof="1">
-              <a:latin typeface="Cambria" panose="02040503050406030204" pitchFamily="18" charset="0"/>
-              <a:ea typeface="Arial Rounded MT Bold" charset="0"/>
-              <a:cs typeface="Arial Rounded MT Bold" charset="0"/>
-            </a:endParaRPr>
           </a:p>
         </p:txBody>
       </p:sp>
@@ -7467,7 +7374,7 @@
           <a:p>
             <a:pPr algn="ctr"/>
             <a:r>
-              <a:rPr lang="fr-FR" sz="900" noProof="1" smtClean="0">
+              <a:rPr lang="fr-FR" sz="900" noProof="1">
                 <a:solidFill>
                   <a:schemeClr val="tx1"/>
                 </a:solidFill>
@@ -7481,7 +7388,7 @@
           <a:p>
             <a:pPr algn="ctr"/>
             <a:r>
-              <a:rPr lang="fr-FR" sz="900" noProof="1" smtClean="0">
+              <a:rPr lang="fr-FR" sz="900" noProof="1">
                 <a:solidFill>
                   <a:schemeClr val="tx1"/>
                 </a:solidFill>
@@ -7491,14 +7398,6 @@
               </a:rPr>
               <a:t>tuner</a:t>
             </a:r>
-            <a:endParaRPr lang="fr-FR" sz="900" noProof="1">
-              <a:solidFill>
-                <a:schemeClr val="tx1"/>
-              </a:solidFill>
-              <a:latin typeface="Cambria" panose="02040503050406030204" pitchFamily="18" charset="0"/>
-              <a:ea typeface="Arial Rounded MT Bold" charset="0"/>
-              <a:cs typeface="Arial Rounded MT Bold" charset="0"/>
-            </a:endParaRPr>
           </a:p>
         </p:txBody>
       </p:sp>
@@ -7736,7 +7635,7 @@
           <a:p>
             <a:pPr algn="ctr"/>
             <a:r>
-              <a:rPr lang="fr-FR" sz="900" i="1" noProof="1" smtClean="0">
+              <a:rPr lang="fr-FR" sz="900" i="1" noProof="1">
                 <a:solidFill>
                   <a:schemeClr val="tx1"/>
                 </a:solidFill>
@@ -7746,14 +7645,6 @@
               </a:rPr>
               <a:t>tsp</a:t>
             </a:r>
-            <a:endParaRPr lang="fr-FR" sz="900" i="1" noProof="1">
-              <a:solidFill>
-                <a:schemeClr val="tx1"/>
-              </a:solidFill>
-              <a:latin typeface="Cambria" panose="02040503050406030204" pitchFamily="18" charset="0"/>
-              <a:ea typeface="Arial Rounded MT Bold" charset="0"/>
-              <a:cs typeface="Arial Rounded MT Bold" charset="0"/>
-            </a:endParaRPr>
           </a:p>
         </p:txBody>
       </p:sp>
@@ -7903,7 +7794,7 @@
           <a:p>
             <a:pPr algn="ctr"/>
             <a:r>
-              <a:rPr lang="fr-FR" sz="600" b="1" noProof="1" smtClean="0">
+              <a:rPr lang="fr-FR" sz="600" b="1" noProof="1">
                 <a:solidFill>
                   <a:schemeClr val="tx1"/>
                 </a:solidFill>
@@ -7913,14 +7804,6 @@
               </a:rPr>
               <a:t>tsp</a:t>
             </a:r>
-            <a:endParaRPr lang="fr-FR" sz="600" b="1" noProof="1">
-              <a:solidFill>
-                <a:schemeClr val="tx1"/>
-              </a:solidFill>
-              <a:latin typeface="Cambria" panose="02040503050406030204" pitchFamily="18" charset="0"/>
-              <a:ea typeface="Arial Rounded MT Bold" charset="0"/>
-              <a:cs typeface="Arial Rounded MT Bold" charset="0"/>
-            </a:endParaRPr>
           </a:p>
         </p:txBody>
       </p:sp>
@@ -7967,18 +7850,13 @@
           <a:p>
             <a:pPr algn="ctr"/>
             <a:r>
-              <a:rPr lang="fr-FR" sz="600" i="1" noProof="1" smtClean="0">
+              <a:rPr lang="fr-FR" sz="600" i="1" noProof="1">
                 <a:latin typeface="Cambria" panose="02040503050406030204" pitchFamily="18" charset="0"/>
                 <a:ea typeface="Arial Rounded MT Bold" charset="0"/>
                 <a:cs typeface="Arial Rounded MT Bold" charset="0"/>
               </a:rPr>
               <a:t>input</a:t>
             </a:r>
-            <a:endParaRPr lang="fr-FR" sz="600" i="1" noProof="1">
-              <a:latin typeface="Cambria" panose="02040503050406030204" pitchFamily="18" charset="0"/>
-              <a:ea typeface="Arial Rounded MT Bold" charset="0"/>
-              <a:cs typeface="Arial Rounded MT Bold" charset="0"/>
-            </a:endParaRPr>
           </a:p>
         </p:txBody>
       </p:sp>
@@ -8044,18 +7922,13 @@
           <a:lstStyle/>
           <a:p>
             <a:r>
-              <a:rPr lang="fr-FR" sz="600" noProof="1" smtClean="0">
+              <a:rPr lang="fr-FR" sz="600" noProof="1">
                 <a:latin typeface="Cambria" panose="02040503050406030204" pitchFamily="18" charset="0"/>
                 <a:ea typeface="Arial Rounded MT Bold" charset="0"/>
                 <a:cs typeface="Arial Rounded MT Bold" charset="0"/>
               </a:rPr>
               <a:t>input TS 2</a:t>
             </a:r>
-            <a:endParaRPr lang="fr-FR" sz="600" noProof="1">
-              <a:latin typeface="Cambria" panose="02040503050406030204" pitchFamily="18" charset="0"/>
-              <a:ea typeface="Arial Rounded MT Bold" charset="0"/>
-              <a:cs typeface="Arial Rounded MT Bold" charset="0"/>
-            </a:endParaRPr>
           </a:p>
         </p:txBody>
       </p:sp>
@@ -8082,18 +7955,13 @@
           <a:lstStyle/>
           <a:p>
             <a:r>
-              <a:rPr lang="fr-FR" sz="600" noProof="1" smtClean="0">
+              <a:rPr lang="fr-FR" sz="600" noProof="1">
                 <a:latin typeface="Cambria" panose="02040503050406030204" pitchFamily="18" charset="0"/>
                 <a:ea typeface="Arial Rounded MT Bold" charset="0"/>
                 <a:cs typeface="Arial Rounded MT Bold" charset="0"/>
               </a:rPr>
               <a:t>output TS 2</a:t>
             </a:r>
-            <a:endParaRPr lang="fr-FR" sz="600" noProof="1">
-              <a:latin typeface="Cambria" panose="02040503050406030204" pitchFamily="18" charset="0"/>
-              <a:ea typeface="Arial Rounded MT Bold" charset="0"/>
-              <a:cs typeface="Arial Rounded MT Bold" charset="0"/>
-            </a:endParaRPr>
           </a:p>
         </p:txBody>
       </p:sp>
@@ -8140,18 +8008,13 @@
           <a:p>
             <a:pPr algn="ctr"/>
             <a:r>
-              <a:rPr lang="fr-FR" sz="600" i="1" noProof="1" smtClean="0">
+              <a:rPr lang="fr-FR" sz="600" i="1" noProof="1">
                 <a:latin typeface="Cambria" panose="02040503050406030204" pitchFamily="18" charset="0"/>
                 <a:ea typeface="Arial Rounded MT Bold" charset="0"/>
                 <a:cs typeface="Arial Rounded MT Bold" charset="0"/>
               </a:rPr>
               <a:t>plugin</a:t>
             </a:r>
-            <a:endParaRPr lang="fr-FR" sz="600" i="1" noProof="1">
-              <a:latin typeface="Cambria" panose="02040503050406030204" pitchFamily="18" charset="0"/>
-              <a:ea typeface="Arial Rounded MT Bold" charset="0"/>
-              <a:cs typeface="Arial Rounded MT Bold" charset="0"/>
-            </a:endParaRPr>
           </a:p>
         </p:txBody>
       </p:sp>
@@ -8198,18 +8061,13 @@
           <a:p>
             <a:pPr algn="ctr"/>
             <a:r>
-              <a:rPr lang="fr-FR" sz="600" b="1" noProof="1" smtClean="0">
+              <a:rPr lang="fr-FR" sz="600" b="1" noProof="1">
                 <a:latin typeface="Consolas" panose="020B0609020204030204" pitchFamily="49" charset="0"/>
                 <a:ea typeface="Arial Rounded MT Bold" charset="0"/>
                 <a:cs typeface="Consolas" panose="020B0609020204030204" pitchFamily="49" charset="0"/>
               </a:rPr>
               <a:t>merge</a:t>
             </a:r>
-            <a:endParaRPr lang="fr-FR" sz="600" b="1" noProof="1">
-              <a:latin typeface="Consolas" panose="020B0609020204030204" pitchFamily="49" charset="0"/>
-              <a:ea typeface="Arial Rounded MT Bold" charset="0"/>
-              <a:cs typeface="Consolas" panose="020B0609020204030204" pitchFamily="49" charset="0"/>
-            </a:endParaRPr>
           </a:p>
         </p:txBody>
       </p:sp>
@@ -8256,7 +8114,7 @@
           <a:p>
             <a:pPr algn="ctr"/>
             <a:r>
-              <a:rPr lang="fr-FR" sz="600" b="1" noProof="1" smtClean="0">
+              <a:rPr lang="fr-FR" sz="600" b="1" noProof="1">
                 <a:latin typeface="Consolas" panose="020B0609020204030204" pitchFamily="49" charset="0"/>
                 <a:ea typeface="Arial Rounded MT Bold" charset="0"/>
                 <a:cs typeface="Consolas" panose="020B0609020204030204" pitchFamily="49" charset="0"/>
@@ -8314,18 +8172,13 @@
           <a:p>
             <a:pPr algn="ctr"/>
             <a:r>
-              <a:rPr lang="fr-FR" sz="600" i="1" noProof="1" smtClean="0">
+              <a:rPr lang="fr-FR" sz="600" i="1" noProof="1">
                 <a:latin typeface="Cambria" panose="02040503050406030204" pitchFamily="18" charset="0"/>
                 <a:ea typeface="Arial Rounded MT Bold" charset="0"/>
                 <a:cs typeface="Arial Rounded MT Bold" charset="0"/>
               </a:rPr>
               <a:t>plugin</a:t>
             </a:r>
-            <a:endParaRPr lang="fr-FR" sz="600" i="1" noProof="1">
-              <a:latin typeface="Cambria" panose="02040503050406030204" pitchFamily="18" charset="0"/>
-              <a:ea typeface="Arial Rounded MT Bold" charset="0"/>
-              <a:cs typeface="Arial Rounded MT Bold" charset="0"/>
-            </a:endParaRPr>
           </a:p>
         </p:txBody>
       </p:sp>
@@ -8372,7 +8225,7 @@
           <a:p>
             <a:pPr algn="ctr"/>
             <a:r>
-              <a:rPr lang="fr-FR" sz="600" b="1" noProof="1" smtClean="0">
+              <a:rPr lang="fr-FR" sz="600" b="1" noProof="1">
                 <a:latin typeface="Consolas" panose="020B0609020204030204" pitchFamily="49" charset="0"/>
                 <a:ea typeface="Arial Rounded MT Bold" charset="0"/>
                 <a:cs typeface="Consolas" panose="020B0609020204030204" pitchFamily="49" charset="0"/>
@@ -8430,7 +8283,7 @@
           <a:p>
             <a:pPr algn="ctr"/>
             <a:r>
-              <a:rPr lang="fr-FR" sz="600" b="1" noProof="1" smtClean="0">
+              <a:rPr lang="fr-FR" sz="600" b="1" noProof="1">
                 <a:latin typeface="Consolas" panose="020B0609020204030204" pitchFamily="49" charset="0"/>
                 <a:ea typeface="Arial Rounded MT Bold" charset="0"/>
                 <a:cs typeface="Consolas" panose="020B0609020204030204" pitchFamily="49" charset="0"/>
@@ -8488,18 +8341,13 @@
           <a:p>
             <a:pPr algn="ctr"/>
             <a:r>
-              <a:rPr lang="fr-FR" sz="600" i="1" noProof="1" smtClean="0">
+              <a:rPr lang="fr-FR" sz="600" i="1" noProof="1">
                 <a:latin typeface="Cambria" panose="02040503050406030204" pitchFamily="18" charset="0"/>
                 <a:ea typeface="Arial Rounded MT Bold" charset="0"/>
                 <a:cs typeface="Arial Rounded MT Bold" charset="0"/>
               </a:rPr>
               <a:t>output</a:t>
             </a:r>
-            <a:endParaRPr lang="fr-FR" sz="600" i="1" noProof="1">
-              <a:latin typeface="Cambria" panose="02040503050406030204" pitchFamily="18" charset="0"/>
-              <a:ea typeface="Arial Rounded MT Bold" charset="0"/>
-              <a:cs typeface="Arial Rounded MT Bold" charset="0"/>
-            </a:endParaRPr>
           </a:p>
         </p:txBody>
       </p:sp>
@@ -8870,7 +8718,7 @@
           <a:p>
             <a:pPr algn="ctr"/>
             <a:r>
-              <a:rPr lang="fr-FR" sz="600" b="1" noProof="1" smtClean="0">
+              <a:rPr lang="fr-FR" sz="600" b="1" noProof="1">
                 <a:solidFill>
                   <a:schemeClr val="tx1"/>
                 </a:solidFill>
@@ -8880,14 +8728,6 @@
               </a:rPr>
               <a:t>tsp</a:t>
             </a:r>
-            <a:endParaRPr lang="fr-FR" sz="600" b="1" noProof="1">
-              <a:solidFill>
-                <a:schemeClr val="tx1"/>
-              </a:solidFill>
-              <a:latin typeface="Cambria" panose="02040503050406030204" pitchFamily="18" charset="0"/>
-              <a:ea typeface="Arial Rounded MT Bold" charset="0"/>
-              <a:cs typeface="Arial Rounded MT Bold" charset="0"/>
-            </a:endParaRPr>
           </a:p>
         </p:txBody>
       </p:sp>
@@ -8934,18 +8774,13 @@
           <a:p>
             <a:pPr algn="ctr"/>
             <a:r>
-              <a:rPr lang="fr-FR" sz="600" i="1" noProof="1" smtClean="0">
+              <a:rPr lang="fr-FR" sz="600" i="1" noProof="1">
                 <a:latin typeface="Cambria" panose="02040503050406030204" pitchFamily="18" charset="0"/>
                 <a:ea typeface="Arial Rounded MT Bold" charset="0"/>
                 <a:cs typeface="Arial Rounded MT Bold" charset="0"/>
               </a:rPr>
               <a:t>input</a:t>
             </a:r>
-            <a:endParaRPr lang="fr-FR" sz="600" i="1" noProof="1">
-              <a:latin typeface="Cambria" panose="02040503050406030204" pitchFamily="18" charset="0"/>
-              <a:ea typeface="Arial Rounded MT Bold" charset="0"/>
-              <a:cs typeface="Arial Rounded MT Bold" charset="0"/>
-            </a:endParaRPr>
           </a:p>
         </p:txBody>
       </p:sp>
@@ -8992,18 +8827,13 @@
           <a:p>
             <a:pPr algn="ctr"/>
             <a:r>
-              <a:rPr lang="fr-FR" sz="600" i="1" noProof="1" smtClean="0">
+              <a:rPr lang="fr-FR" sz="600" i="1" noProof="1">
                 <a:latin typeface="Cambria" panose="02040503050406030204" pitchFamily="18" charset="0"/>
                 <a:ea typeface="Arial Rounded MT Bold" charset="0"/>
                 <a:cs typeface="Arial Rounded MT Bold" charset="0"/>
               </a:rPr>
               <a:t>plugin</a:t>
             </a:r>
-            <a:endParaRPr lang="fr-FR" sz="600" i="1" noProof="1">
-              <a:latin typeface="Cambria" panose="02040503050406030204" pitchFamily="18" charset="0"/>
-              <a:ea typeface="Arial Rounded MT Bold" charset="0"/>
-              <a:cs typeface="Arial Rounded MT Bold" charset="0"/>
-            </a:endParaRPr>
           </a:p>
         </p:txBody>
       </p:sp>
@@ -9050,18 +8880,13 @@
           <a:p>
             <a:pPr algn="ctr"/>
             <a:r>
-              <a:rPr lang="fr-FR" sz="600" i="1" noProof="1" smtClean="0">
+              <a:rPr lang="fr-FR" sz="600" i="1" noProof="1">
                 <a:latin typeface="Cambria" panose="02040503050406030204" pitchFamily="18" charset="0"/>
                 <a:ea typeface="Arial Rounded MT Bold" charset="0"/>
                 <a:cs typeface="Arial Rounded MT Bold" charset="0"/>
               </a:rPr>
               <a:t>plugin</a:t>
             </a:r>
-            <a:endParaRPr lang="fr-FR" sz="600" i="1" noProof="1">
-              <a:latin typeface="Cambria" panose="02040503050406030204" pitchFamily="18" charset="0"/>
-              <a:ea typeface="Arial Rounded MT Bold" charset="0"/>
-              <a:cs typeface="Arial Rounded MT Bold" charset="0"/>
-            </a:endParaRPr>
           </a:p>
         </p:txBody>
       </p:sp>
@@ -9108,7 +8933,7 @@
           <a:p>
             <a:pPr algn="ctr"/>
             <a:r>
-              <a:rPr lang="fr-FR" sz="600" b="1" noProof="1" smtClean="0">
+              <a:rPr lang="fr-FR" sz="600" b="1" noProof="1">
                 <a:latin typeface="Consolas" panose="020B0609020204030204" pitchFamily="49" charset="0"/>
                 <a:ea typeface="Arial Rounded MT Bold" charset="0"/>
                 <a:cs typeface="Consolas" panose="020B0609020204030204" pitchFamily="49" charset="0"/>
@@ -9330,7 +9155,7 @@
           <a:p>
             <a:pPr algn="ctr"/>
             <a:r>
-              <a:rPr lang="fr-FR" sz="600" b="1" noProof="1" smtClean="0">
+              <a:rPr lang="fr-FR" sz="600" b="1" noProof="1">
                 <a:solidFill>
                   <a:schemeClr val="tx1"/>
                 </a:solidFill>
@@ -9340,14 +9165,6 @@
               </a:rPr>
               <a:t>tsp</a:t>
             </a:r>
-            <a:endParaRPr lang="fr-FR" sz="600" b="1" noProof="1">
-              <a:solidFill>
-                <a:schemeClr val="tx1"/>
-              </a:solidFill>
-              <a:latin typeface="Cambria" panose="02040503050406030204" pitchFamily="18" charset="0"/>
-              <a:ea typeface="Arial Rounded MT Bold" charset="0"/>
-              <a:cs typeface="Arial Rounded MT Bold" charset="0"/>
-            </a:endParaRPr>
           </a:p>
         </p:txBody>
       </p:sp>
@@ -9394,18 +9211,13 @@
           <a:p>
             <a:pPr algn="ctr"/>
             <a:r>
-              <a:rPr lang="fr-FR" sz="600" i="1" noProof="1" smtClean="0">
+              <a:rPr lang="fr-FR" sz="600" i="1" noProof="1">
                 <a:latin typeface="Cambria" panose="02040503050406030204" pitchFamily="18" charset="0"/>
                 <a:ea typeface="Arial Rounded MT Bold" charset="0"/>
                 <a:cs typeface="Arial Rounded MT Bold" charset="0"/>
               </a:rPr>
               <a:t>input</a:t>
             </a:r>
-            <a:endParaRPr lang="fr-FR" sz="600" i="1" noProof="1">
-              <a:latin typeface="Cambria" panose="02040503050406030204" pitchFamily="18" charset="0"/>
-              <a:ea typeface="Arial Rounded MT Bold" charset="0"/>
-              <a:cs typeface="Arial Rounded MT Bold" charset="0"/>
-            </a:endParaRPr>
           </a:p>
         </p:txBody>
       </p:sp>
@@ -9452,18 +9264,13 @@
           <a:p>
             <a:pPr algn="ctr"/>
             <a:r>
-              <a:rPr lang="fr-FR" sz="600" i="1" noProof="1" smtClean="0">
+              <a:rPr lang="fr-FR" sz="600" i="1" noProof="1">
                 <a:latin typeface="Cambria" panose="02040503050406030204" pitchFamily="18" charset="0"/>
                 <a:ea typeface="Arial Rounded MT Bold" charset="0"/>
                 <a:cs typeface="Arial Rounded MT Bold" charset="0"/>
               </a:rPr>
               <a:t>plugin</a:t>
             </a:r>
-            <a:endParaRPr lang="fr-FR" sz="600" i="1" noProof="1">
-              <a:latin typeface="Cambria" panose="02040503050406030204" pitchFamily="18" charset="0"/>
-              <a:ea typeface="Arial Rounded MT Bold" charset="0"/>
-              <a:cs typeface="Arial Rounded MT Bold" charset="0"/>
-            </a:endParaRPr>
           </a:p>
         </p:txBody>
       </p:sp>
@@ -9510,18 +9317,13 @@
           <a:p>
             <a:pPr algn="ctr"/>
             <a:r>
-              <a:rPr lang="fr-FR" sz="600" i="1" noProof="1" smtClean="0">
+              <a:rPr lang="fr-FR" sz="600" i="1" noProof="1">
                 <a:latin typeface="Cambria" panose="02040503050406030204" pitchFamily="18" charset="0"/>
                 <a:ea typeface="Arial Rounded MT Bold" charset="0"/>
                 <a:cs typeface="Arial Rounded MT Bold" charset="0"/>
               </a:rPr>
               <a:t>plugin</a:t>
             </a:r>
-            <a:endParaRPr lang="fr-FR" sz="600" i="1" noProof="1">
-              <a:latin typeface="Cambria" panose="02040503050406030204" pitchFamily="18" charset="0"/>
-              <a:ea typeface="Arial Rounded MT Bold" charset="0"/>
-              <a:cs typeface="Arial Rounded MT Bold" charset="0"/>
-            </a:endParaRPr>
           </a:p>
         </p:txBody>
       </p:sp>
@@ -9568,7 +9370,7 @@
           <a:p>
             <a:pPr algn="ctr"/>
             <a:r>
-              <a:rPr lang="fr-FR" sz="600" b="1" noProof="1" smtClean="0">
+              <a:rPr lang="fr-FR" sz="600" b="1" noProof="1">
                 <a:latin typeface="Consolas" panose="020B0609020204030204" pitchFamily="49" charset="0"/>
                 <a:ea typeface="Arial Rounded MT Bold" charset="0"/>
                 <a:cs typeface="Consolas" panose="020B0609020204030204" pitchFamily="49" charset="0"/>
@@ -9804,18 +9606,13 @@
           <a:lstStyle/>
           <a:p>
             <a:r>
-              <a:rPr lang="fr-FR" sz="600" noProof="1" smtClean="0">
+              <a:rPr lang="fr-FR" sz="600" noProof="1">
                 <a:latin typeface="Cambria" panose="02040503050406030204" pitchFamily="18" charset="0"/>
                 <a:ea typeface="Arial Rounded MT Bold" charset="0"/>
                 <a:cs typeface="Arial Rounded MT Bold" charset="0"/>
               </a:rPr>
               <a:t>input TS 1</a:t>
             </a:r>
-            <a:endParaRPr lang="fr-FR" sz="600" noProof="1">
-              <a:latin typeface="Cambria" panose="02040503050406030204" pitchFamily="18" charset="0"/>
-              <a:ea typeface="Arial Rounded MT Bold" charset="0"/>
-              <a:cs typeface="Arial Rounded MT Bold" charset="0"/>
-            </a:endParaRPr>
           </a:p>
         </p:txBody>
       </p:sp>
@@ -9881,18 +9678,13 @@
           <a:lstStyle/>
           <a:p>
             <a:r>
-              <a:rPr lang="fr-FR" sz="600" noProof="1" smtClean="0">
+              <a:rPr lang="fr-FR" sz="600" noProof="1">
                 <a:latin typeface="Cambria" panose="02040503050406030204" pitchFamily="18" charset="0"/>
                 <a:ea typeface="Arial Rounded MT Bold" charset="0"/>
                 <a:cs typeface="Arial Rounded MT Bold" charset="0"/>
               </a:rPr>
               <a:t>input TS 3</a:t>
             </a:r>
-            <a:endParaRPr lang="fr-FR" sz="600" noProof="1">
-              <a:latin typeface="Cambria" panose="02040503050406030204" pitchFamily="18" charset="0"/>
-              <a:ea typeface="Arial Rounded MT Bold" charset="0"/>
-              <a:cs typeface="Arial Rounded MT Bold" charset="0"/>
-            </a:endParaRPr>
           </a:p>
         </p:txBody>
       </p:sp>
@@ -9944,7 +9736,7 @@
           <a:p>
             <a:pPr algn="ctr"/>
             <a:r>
-              <a:rPr lang="fr-FR" sz="600" b="1" noProof="1" smtClean="0">
+              <a:rPr lang="fr-FR" sz="600" b="1" noProof="1">
                 <a:solidFill>
                   <a:schemeClr val="tx1"/>
                 </a:solidFill>
@@ -9954,14 +9746,6 @@
               </a:rPr>
               <a:t>tsp</a:t>
             </a:r>
-            <a:endParaRPr lang="fr-FR" sz="600" b="1" noProof="1">
-              <a:solidFill>
-                <a:schemeClr val="tx1"/>
-              </a:solidFill>
-              <a:latin typeface="Cambria" panose="02040503050406030204" pitchFamily="18" charset="0"/>
-              <a:ea typeface="Arial Rounded MT Bold" charset="0"/>
-              <a:cs typeface="Arial Rounded MT Bold" charset="0"/>
-            </a:endParaRPr>
           </a:p>
         </p:txBody>
       </p:sp>
@@ -10008,7 +9792,7 @@
           <a:p>
             <a:pPr algn="ctr"/>
             <a:r>
-              <a:rPr lang="fr-FR" sz="600" b="1" noProof="1" smtClean="0">
+              <a:rPr lang="fr-FR" sz="600" b="1" noProof="1">
                 <a:latin typeface="Consolas" panose="020B0609020204030204" pitchFamily="49" charset="0"/>
                 <a:ea typeface="Arial Rounded MT Bold" charset="0"/>
                 <a:cs typeface="Consolas" panose="020B0609020204030204" pitchFamily="49" charset="0"/>
@@ -10066,18 +9850,13 @@
           <a:p>
             <a:pPr algn="ctr"/>
             <a:r>
-              <a:rPr lang="fr-FR" sz="600" i="1" noProof="1" smtClean="0">
+              <a:rPr lang="fr-FR" sz="600" i="1" noProof="1">
                 <a:latin typeface="Cambria" panose="02040503050406030204" pitchFamily="18" charset="0"/>
                 <a:ea typeface="Arial Rounded MT Bold" charset="0"/>
                 <a:cs typeface="Arial Rounded MT Bold" charset="0"/>
               </a:rPr>
               <a:t>plugin</a:t>
             </a:r>
-            <a:endParaRPr lang="fr-FR" sz="600" i="1" noProof="1">
-              <a:latin typeface="Cambria" panose="02040503050406030204" pitchFamily="18" charset="0"/>
-              <a:ea typeface="Arial Rounded MT Bold" charset="0"/>
-              <a:cs typeface="Arial Rounded MT Bold" charset="0"/>
-            </a:endParaRPr>
           </a:p>
         </p:txBody>
       </p:sp>
@@ -10124,18 +9903,13 @@
           <a:p>
             <a:pPr algn="ctr"/>
             <a:r>
-              <a:rPr lang="fr-FR" sz="600" i="1" noProof="1" smtClean="0">
+              <a:rPr lang="fr-FR" sz="600" i="1" noProof="1">
                 <a:latin typeface="Cambria" panose="02040503050406030204" pitchFamily="18" charset="0"/>
                 <a:ea typeface="Arial Rounded MT Bold" charset="0"/>
                 <a:cs typeface="Arial Rounded MT Bold" charset="0"/>
               </a:rPr>
               <a:t>plugin</a:t>
             </a:r>
-            <a:endParaRPr lang="fr-FR" sz="600" i="1" noProof="1">
-              <a:latin typeface="Cambria" panose="02040503050406030204" pitchFamily="18" charset="0"/>
-              <a:ea typeface="Arial Rounded MT Bold" charset="0"/>
-              <a:cs typeface="Arial Rounded MT Bold" charset="0"/>
-            </a:endParaRPr>
           </a:p>
         </p:txBody>
       </p:sp>
@@ -10182,18 +9956,13 @@
           <a:p>
             <a:pPr algn="ctr"/>
             <a:r>
-              <a:rPr lang="fr-FR" sz="600" i="1" noProof="1" smtClean="0">
+              <a:rPr lang="fr-FR" sz="600" i="1" noProof="1">
                 <a:latin typeface="Cambria" panose="02040503050406030204" pitchFamily="18" charset="0"/>
                 <a:ea typeface="Arial Rounded MT Bold" charset="0"/>
                 <a:cs typeface="Arial Rounded MT Bold" charset="0"/>
               </a:rPr>
               <a:t>output</a:t>
             </a:r>
-            <a:endParaRPr lang="fr-FR" sz="600" i="1" noProof="1">
-              <a:latin typeface="Cambria" panose="02040503050406030204" pitchFamily="18" charset="0"/>
-              <a:ea typeface="Arial Rounded MT Bold" charset="0"/>
-              <a:cs typeface="Arial Rounded MT Bold" charset="0"/>
-            </a:endParaRPr>
           </a:p>
         </p:txBody>
       </p:sp>
@@ -10404,7 +10173,7 @@
           <a:p>
             <a:pPr algn="ctr"/>
             <a:r>
-              <a:rPr lang="fr-FR" sz="600" b="1" noProof="1" smtClean="0">
+              <a:rPr lang="fr-FR" sz="600" b="1" noProof="1">
                 <a:solidFill>
                   <a:schemeClr val="tx1"/>
                 </a:solidFill>
@@ -10414,14 +10183,6 @@
               </a:rPr>
               <a:t>tsp</a:t>
             </a:r>
-            <a:endParaRPr lang="fr-FR" sz="600" b="1" noProof="1">
-              <a:solidFill>
-                <a:schemeClr val="tx1"/>
-              </a:solidFill>
-              <a:latin typeface="Cambria" panose="02040503050406030204" pitchFamily="18" charset="0"/>
-              <a:ea typeface="Arial Rounded MT Bold" charset="0"/>
-              <a:cs typeface="Arial Rounded MT Bold" charset="0"/>
-            </a:endParaRPr>
           </a:p>
         </p:txBody>
       </p:sp>
@@ -10468,7 +10229,7 @@
           <a:p>
             <a:pPr algn="ctr"/>
             <a:r>
-              <a:rPr lang="fr-FR" sz="600" b="1" noProof="1" smtClean="0">
+              <a:rPr lang="fr-FR" sz="600" b="1" noProof="1">
                 <a:latin typeface="Consolas" panose="020B0609020204030204" pitchFamily="49" charset="0"/>
                 <a:ea typeface="Arial Rounded MT Bold" charset="0"/>
                 <a:cs typeface="Consolas" panose="020B0609020204030204" pitchFamily="49" charset="0"/>
@@ -10526,18 +10287,13 @@
           <a:p>
             <a:pPr algn="ctr"/>
             <a:r>
-              <a:rPr lang="fr-FR" sz="600" i="1" noProof="1" smtClean="0">
+              <a:rPr lang="fr-FR" sz="600" i="1" noProof="1">
                 <a:latin typeface="Cambria" panose="02040503050406030204" pitchFamily="18" charset="0"/>
                 <a:ea typeface="Arial Rounded MT Bold" charset="0"/>
                 <a:cs typeface="Arial Rounded MT Bold" charset="0"/>
               </a:rPr>
               <a:t>plugin</a:t>
             </a:r>
-            <a:endParaRPr lang="fr-FR" sz="600" i="1" noProof="1">
-              <a:latin typeface="Cambria" panose="02040503050406030204" pitchFamily="18" charset="0"/>
-              <a:ea typeface="Arial Rounded MT Bold" charset="0"/>
-              <a:cs typeface="Arial Rounded MT Bold" charset="0"/>
-            </a:endParaRPr>
           </a:p>
         </p:txBody>
       </p:sp>
@@ -10584,18 +10340,13 @@
           <a:p>
             <a:pPr algn="ctr"/>
             <a:r>
-              <a:rPr lang="fr-FR" sz="600" i="1" noProof="1" smtClean="0">
+              <a:rPr lang="fr-FR" sz="600" i="1" noProof="1">
                 <a:latin typeface="Cambria" panose="02040503050406030204" pitchFamily="18" charset="0"/>
                 <a:ea typeface="Arial Rounded MT Bold" charset="0"/>
                 <a:cs typeface="Arial Rounded MT Bold" charset="0"/>
               </a:rPr>
               <a:t>plugin</a:t>
             </a:r>
-            <a:endParaRPr lang="fr-FR" sz="600" i="1" noProof="1">
-              <a:latin typeface="Cambria" panose="02040503050406030204" pitchFamily="18" charset="0"/>
-              <a:ea typeface="Arial Rounded MT Bold" charset="0"/>
-              <a:cs typeface="Arial Rounded MT Bold" charset="0"/>
-            </a:endParaRPr>
           </a:p>
         </p:txBody>
       </p:sp>
@@ -10642,18 +10393,13 @@
           <a:p>
             <a:pPr algn="ctr"/>
             <a:r>
-              <a:rPr lang="fr-FR" sz="600" i="1" noProof="1" smtClean="0">
+              <a:rPr lang="fr-FR" sz="600" i="1" noProof="1">
                 <a:latin typeface="Cambria" panose="02040503050406030204" pitchFamily="18" charset="0"/>
                 <a:ea typeface="Arial Rounded MT Bold" charset="0"/>
                 <a:cs typeface="Arial Rounded MT Bold" charset="0"/>
               </a:rPr>
               <a:t>output</a:t>
             </a:r>
-            <a:endParaRPr lang="fr-FR" sz="600" i="1" noProof="1">
-              <a:latin typeface="Cambria" panose="02040503050406030204" pitchFamily="18" charset="0"/>
-              <a:ea typeface="Arial Rounded MT Bold" charset="0"/>
-              <a:cs typeface="Arial Rounded MT Bold" charset="0"/>
-            </a:endParaRPr>
           </a:p>
         </p:txBody>
       </p:sp>
@@ -10839,18 +10585,13 @@
           <a:lstStyle/>
           <a:p>
             <a:r>
-              <a:rPr lang="fr-FR" sz="600" noProof="1" smtClean="0">
+              <a:rPr lang="fr-FR" sz="600" noProof="1">
                 <a:latin typeface="Cambria" panose="02040503050406030204" pitchFamily="18" charset="0"/>
                 <a:ea typeface="Arial Rounded MT Bold" charset="0"/>
                 <a:cs typeface="Arial Rounded MT Bold" charset="0"/>
               </a:rPr>
               <a:t>output TS 1</a:t>
             </a:r>
-            <a:endParaRPr lang="fr-FR" sz="600" noProof="1">
-              <a:latin typeface="Cambria" panose="02040503050406030204" pitchFamily="18" charset="0"/>
-              <a:ea typeface="Arial Rounded MT Bold" charset="0"/>
-              <a:cs typeface="Arial Rounded MT Bold" charset="0"/>
-            </a:endParaRPr>
           </a:p>
         </p:txBody>
       </p:sp>
@@ -10916,18 +10657,13 @@
           <a:lstStyle/>
           <a:p>
             <a:r>
-              <a:rPr lang="fr-FR" sz="600" noProof="1" smtClean="0">
+              <a:rPr lang="fr-FR" sz="600" noProof="1">
                 <a:latin typeface="Cambria" panose="02040503050406030204" pitchFamily="18" charset="0"/>
                 <a:ea typeface="Arial Rounded MT Bold" charset="0"/>
                 <a:cs typeface="Arial Rounded MT Bold" charset="0"/>
               </a:rPr>
               <a:t>output TS 3</a:t>
             </a:r>
-            <a:endParaRPr lang="fr-FR" sz="600" noProof="1">
-              <a:latin typeface="Cambria" panose="02040503050406030204" pitchFamily="18" charset="0"/>
-              <a:ea typeface="Arial Rounded MT Bold" charset="0"/>
-              <a:cs typeface="Arial Rounded MT Bold" charset="0"/>
-            </a:endParaRPr>
           </a:p>
         </p:txBody>
       </p:sp>
@@ -11034,18 +10770,13 @@
           <a:lstStyle/>
           <a:p>
             <a:r>
-              <a:rPr lang="fr-FR" sz="700" noProof="1" smtClean="0">
+              <a:rPr lang="fr-FR" sz="700" noProof="1">
                 <a:latin typeface="Cambria" panose="02040503050406030204" pitchFamily="18" charset="0"/>
                 <a:ea typeface="Arial Rounded MT Bold" charset="0"/>
                 <a:cs typeface="Arial Rounded MT Bold" charset="0"/>
               </a:rPr>
               <a:t>TSDuck</a:t>
             </a:r>
-            <a:endParaRPr lang="fr-FR" sz="700" noProof="1">
-              <a:latin typeface="Cambria" panose="02040503050406030204" pitchFamily="18" charset="0"/>
-              <a:ea typeface="Arial Rounded MT Bold" charset="0"/>
-              <a:cs typeface="Arial Rounded MT Bold" charset="0"/>
-            </a:endParaRPr>
           </a:p>
         </p:txBody>
       </p:sp>
@@ -11054,7 +10785,7 @@
           <p:cNvPr id="240" name="Picture 7" descr="D:\Devel\tsduck\images\tsduck-48.png">
             <a:extLst>
               <a:ext uri="{FF2B5EF4-FFF2-40B4-BE49-F238E27FC236}">
-                <a16:creationId xmlns:a16="http://schemas.microsoft.com/office/drawing/2014/main" xmlns="" id="{7EBDB59B-A971-2145-8D90-DA0176A2FB18}"/>
+                <a16:creationId xmlns:a16="http://schemas.microsoft.com/office/drawing/2014/main" id="{7EBDB59B-A971-2145-8D90-DA0176A2FB18}"/>
               </a:ext>
             </a:extLst>
           </p:cNvPr>
@@ -11101,7 +10832,7 @@
           <p:cNvPr id="243" name="ZoneTexte 242">
             <a:extLst>
               <a:ext uri="{FF2B5EF4-FFF2-40B4-BE49-F238E27FC236}">
-                <a16:creationId xmlns:a16="http://schemas.microsoft.com/office/drawing/2014/main" xmlns="" id="{24E2D4AE-DD52-8240-8AF5-E8D191EF58B2}"/>
+                <a16:creationId xmlns:a16="http://schemas.microsoft.com/office/drawing/2014/main" id="{24E2D4AE-DD52-8240-8AF5-E8D191EF58B2}"/>
               </a:ext>
             </a:extLst>
           </p:cNvPr>
@@ -11125,18 +10856,13 @@
           <a:lstStyle/>
           <a:p>
             <a:r>
-              <a:rPr lang="fr-FR" sz="800" noProof="1" smtClean="0">
+              <a:rPr lang="fr-FR" sz="800" noProof="1">
                 <a:latin typeface="Cambria" panose="02040503050406030204" pitchFamily="18" charset="0"/>
                 <a:ea typeface="Arial Rounded MT Bold" charset="0"/>
                 <a:cs typeface="Arial Rounded MT Bold" charset="0"/>
               </a:rPr>
               <a:t>TSDuck</a:t>
             </a:r>
-            <a:endParaRPr lang="fr-FR" sz="800" noProof="1">
-              <a:latin typeface="Cambria" panose="02040503050406030204" pitchFamily="18" charset="0"/>
-              <a:ea typeface="Arial Rounded MT Bold" charset="0"/>
-              <a:cs typeface="Arial Rounded MT Bold" charset="0"/>
-            </a:endParaRPr>
           </a:p>
         </p:txBody>
       </p:sp>
@@ -11145,7 +10871,7 @@
           <p:cNvPr id="244" name="Rectangle à coins arrondis 243">
             <a:extLst>
               <a:ext uri="{FF2B5EF4-FFF2-40B4-BE49-F238E27FC236}">
-                <a16:creationId xmlns:a16="http://schemas.microsoft.com/office/drawing/2014/main" xmlns="" id="{DFD7C87C-57E7-3942-AEE8-76374267556C}"/>
+                <a16:creationId xmlns:a16="http://schemas.microsoft.com/office/drawing/2014/main" id="{DFD7C87C-57E7-3942-AEE8-76374267556C}"/>
               </a:ext>
             </a:extLst>
           </p:cNvPr>
@@ -11194,7 +10920,7 @@
           <a:p>
             <a:pPr algn="ctr"/>
             <a:r>
-              <a:rPr lang="fr-FR" sz="900" b="1" noProof="1" smtClean="0">
+              <a:rPr lang="fr-FR" sz="900" b="1" noProof="1">
                 <a:solidFill>
                   <a:schemeClr val="tx1"/>
                 </a:solidFill>
@@ -11220,7 +10946,7 @@
           <p:cNvPr id="245" name="Rectangle à coins arrondis 244">
             <a:extLst>
               <a:ext uri="{FF2B5EF4-FFF2-40B4-BE49-F238E27FC236}">
-                <a16:creationId xmlns:a16="http://schemas.microsoft.com/office/drawing/2014/main" xmlns="" id="{6AF3952C-6E42-9F4C-BCAC-CA6D7682F478}"/>
+                <a16:creationId xmlns:a16="http://schemas.microsoft.com/office/drawing/2014/main" id="{6AF3952C-6E42-9F4C-BCAC-CA6D7682F478}"/>
               </a:ext>
             </a:extLst>
           </p:cNvPr>
@@ -11264,7 +10990,7 @@
           <a:p>
             <a:pPr algn="ctr"/>
             <a:r>
-              <a:rPr lang="fr-FR" sz="800" b="1" noProof="1" smtClean="0">
+              <a:rPr lang="fr-FR" sz="800" b="1" noProof="1">
                 <a:latin typeface="Consolas" panose="020B0609020204030204" pitchFamily="49" charset="0"/>
                 <a:ea typeface="Arial Rounded MT Bold" charset="0"/>
                 <a:cs typeface="Consolas" panose="020B0609020204030204" pitchFamily="49" charset="0"/>
@@ -11284,7 +11010,7 @@
           <p:cNvPr id="246" name="Rectangle à coins arrondis 245">
             <a:extLst>
               <a:ext uri="{FF2B5EF4-FFF2-40B4-BE49-F238E27FC236}">
-                <a16:creationId xmlns:a16="http://schemas.microsoft.com/office/drawing/2014/main" xmlns="" id="{401C1769-9E94-FE4E-B77C-858A4DB570E4}"/>
+                <a16:creationId xmlns:a16="http://schemas.microsoft.com/office/drawing/2014/main" id="{401C1769-9E94-FE4E-B77C-858A4DB570E4}"/>
               </a:ext>
             </a:extLst>
           </p:cNvPr>
@@ -11328,18 +11054,13 @@
           <a:p>
             <a:pPr algn="ctr"/>
             <a:r>
-              <a:rPr lang="fr-FR" sz="800" i="1" noProof="1" smtClean="0">
+              <a:rPr lang="fr-FR" sz="800" i="1" noProof="1">
                 <a:latin typeface="Cambria" panose="02040503050406030204" pitchFamily="18" charset="0"/>
                 <a:ea typeface="Arial Rounded MT Bold" charset="0"/>
                 <a:cs typeface="Arial Rounded MT Bold" charset="0"/>
               </a:rPr>
               <a:t>plugin</a:t>
             </a:r>
-            <a:endParaRPr lang="fr-FR" sz="800" i="1" noProof="1">
-              <a:latin typeface="Cambria" panose="02040503050406030204" pitchFamily="18" charset="0"/>
-              <a:ea typeface="Arial Rounded MT Bold" charset="0"/>
-              <a:cs typeface="Arial Rounded MT Bold" charset="0"/>
-            </a:endParaRPr>
           </a:p>
         </p:txBody>
       </p:sp>
@@ -11348,7 +11069,7 @@
           <p:cNvPr id="247" name="Rectangle à coins arrondis 246">
             <a:extLst>
               <a:ext uri="{FF2B5EF4-FFF2-40B4-BE49-F238E27FC236}">
-                <a16:creationId xmlns:a16="http://schemas.microsoft.com/office/drawing/2014/main" xmlns="" id="{288599FE-0002-E442-862B-6641BE5360ED}"/>
+                <a16:creationId xmlns:a16="http://schemas.microsoft.com/office/drawing/2014/main" id="{288599FE-0002-E442-862B-6641BE5360ED}"/>
               </a:ext>
             </a:extLst>
           </p:cNvPr>
@@ -11392,18 +11113,13 @@
           <a:p>
             <a:pPr algn="ctr"/>
             <a:r>
-              <a:rPr lang="fr-FR" sz="800" i="1" noProof="1" smtClean="0">
+              <a:rPr lang="fr-FR" sz="800" i="1" noProof="1">
                 <a:latin typeface="Cambria" panose="02040503050406030204" pitchFamily="18" charset="0"/>
                 <a:ea typeface="Arial Rounded MT Bold" charset="0"/>
                 <a:cs typeface="Arial Rounded MT Bold" charset="0"/>
               </a:rPr>
               <a:t>output</a:t>
             </a:r>
-            <a:endParaRPr lang="fr-FR" sz="800" i="1" noProof="1">
-              <a:latin typeface="Cambria" panose="02040503050406030204" pitchFamily="18" charset="0"/>
-              <a:ea typeface="Arial Rounded MT Bold" charset="0"/>
-              <a:cs typeface="Arial Rounded MT Bold" charset="0"/>
-            </a:endParaRPr>
           </a:p>
         </p:txBody>
       </p:sp>
@@ -11412,7 +11128,7 @@
           <p:cNvPr id="248" name="Connecteur droit avec flèche 247">
             <a:extLst>
               <a:ext uri="{FF2B5EF4-FFF2-40B4-BE49-F238E27FC236}">
-                <a16:creationId xmlns:a16="http://schemas.microsoft.com/office/drawing/2014/main" xmlns="" id="{358A55EA-8299-5243-966D-73C91238E7E1}"/>
+                <a16:creationId xmlns:a16="http://schemas.microsoft.com/office/drawing/2014/main" id="{358A55EA-8299-5243-966D-73C91238E7E1}"/>
               </a:ext>
             </a:extLst>
           </p:cNvPr>
@@ -11458,7 +11174,7 @@
           <p:cNvPr id="249" name="Connecteur droit avec flèche 248">
             <a:extLst>
               <a:ext uri="{FF2B5EF4-FFF2-40B4-BE49-F238E27FC236}">
-                <a16:creationId xmlns:a16="http://schemas.microsoft.com/office/drawing/2014/main" xmlns="" id="{81727CF6-61E7-1248-B379-326132500770}"/>
+                <a16:creationId xmlns:a16="http://schemas.microsoft.com/office/drawing/2014/main" id="{81727CF6-61E7-1248-B379-326132500770}"/>
               </a:ext>
             </a:extLst>
           </p:cNvPr>
@@ -11504,7 +11220,7 @@
           <p:cNvPr id="250" name="ZoneTexte 249">
             <a:extLst>
               <a:ext uri="{FF2B5EF4-FFF2-40B4-BE49-F238E27FC236}">
-                <a16:creationId xmlns:a16="http://schemas.microsoft.com/office/drawing/2014/main" xmlns="" id="{E144A86D-7BE6-D740-8D8A-3812CEE2D089}"/>
+                <a16:creationId xmlns:a16="http://schemas.microsoft.com/office/drawing/2014/main" id="{E144A86D-7BE6-D740-8D8A-3812CEE2D089}"/>
               </a:ext>
             </a:extLst>
           </p:cNvPr>
@@ -11528,18 +11244,13 @@
           <a:lstStyle/>
           <a:p>
             <a:r>
-              <a:rPr lang="fr-FR" sz="800" noProof="1" smtClean="0">
+              <a:rPr lang="fr-FR" sz="800" noProof="1">
                 <a:latin typeface="Cambria" panose="02040503050406030204" pitchFamily="18" charset="0"/>
                 <a:ea typeface="Arial Rounded MT Bold" charset="0"/>
                 <a:cs typeface="Arial Rounded MT Bold" charset="0"/>
               </a:rPr>
               <a:t>output TS</a:t>
             </a:r>
-            <a:endParaRPr lang="fr-FR" sz="800" noProof="1">
-              <a:latin typeface="Cambria" panose="02040503050406030204" pitchFamily="18" charset="0"/>
-              <a:ea typeface="Arial Rounded MT Bold" charset="0"/>
-              <a:cs typeface="Arial Rounded MT Bold" charset="0"/>
-            </a:endParaRPr>
           </a:p>
         </p:txBody>
       </p:sp>
@@ -11548,7 +11259,7 @@
           <p:cNvPr id="251" name="Connecteur droit avec flèche 250">
             <a:extLst>
               <a:ext uri="{FF2B5EF4-FFF2-40B4-BE49-F238E27FC236}">
-                <a16:creationId xmlns:a16="http://schemas.microsoft.com/office/drawing/2014/main" xmlns="" id="{C4931B87-DB8F-CF42-825C-39B52224539D}"/>
+                <a16:creationId xmlns:a16="http://schemas.microsoft.com/office/drawing/2014/main" id="{C4931B87-DB8F-CF42-825C-39B52224539D}"/>
               </a:ext>
             </a:extLst>
           </p:cNvPr>
@@ -11593,7 +11304,7 @@
           <p:cNvPr id="252" name="Rectangle à coins arrondis 251">
             <a:extLst>
               <a:ext uri="{FF2B5EF4-FFF2-40B4-BE49-F238E27FC236}">
-                <a16:creationId xmlns:a16="http://schemas.microsoft.com/office/drawing/2014/main" xmlns="" id="{F16D29F8-F334-CB4D-BFD1-BD53652E3698}"/>
+                <a16:creationId xmlns:a16="http://schemas.microsoft.com/office/drawing/2014/main" id="{F16D29F8-F334-CB4D-BFD1-BD53652E3698}"/>
               </a:ext>
             </a:extLst>
           </p:cNvPr>
@@ -11642,7 +11353,7 @@
           <a:p>
             <a:pPr algn="ctr"/>
             <a:r>
-              <a:rPr lang="fr-FR" sz="800" noProof="1" smtClean="0">
+              <a:rPr lang="fr-FR" sz="800" noProof="1">
                 <a:solidFill>
                   <a:schemeClr val="tx1"/>
                 </a:solidFill>
@@ -11656,7 +11367,7 @@
           <a:p>
             <a:pPr algn="ctr"/>
             <a:r>
-              <a:rPr lang="fr-FR" sz="800" noProof="1" smtClean="0">
+              <a:rPr lang="fr-FR" sz="800" noProof="1">
                 <a:solidFill>
                   <a:schemeClr val="tx1"/>
                 </a:solidFill>
@@ -11666,14 +11377,6 @@
               </a:rPr>
               <a:t>tuner 1</a:t>
             </a:r>
-            <a:endParaRPr lang="fr-FR" sz="800" noProof="1">
-              <a:solidFill>
-                <a:schemeClr val="tx1"/>
-              </a:solidFill>
-              <a:latin typeface="Cambria" panose="02040503050406030204" pitchFamily="18" charset="0"/>
-              <a:ea typeface="Arial Rounded MT Bold" charset="0"/>
-              <a:cs typeface="Arial Rounded MT Bold" charset="0"/>
-            </a:endParaRPr>
           </a:p>
         </p:txBody>
       </p:sp>
@@ -11682,7 +11385,7 @@
           <p:cNvPr id="253" name="Connecteur droit 252">
             <a:extLst>
               <a:ext uri="{FF2B5EF4-FFF2-40B4-BE49-F238E27FC236}">
-                <a16:creationId xmlns:a16="http://schemas.microsoft.com/office/drawing/2014/main" xmlns="" id="{21FEE28B-F787-BA47-B678-2E1BC9B22353}"/>
+                <a16:creationId xmlns:a16="http://schemas.microsoft.com/office/drawing/2014/main" id="{21FEE28B-F787-BA47-B678-2E1BC9B22353}"/>
               </a:ext>
             </a:extLst>
           </p:cNvPr>
@@ -11725,7 +11428,7 @@
           <p:cNvPr id="254" name="Picture 3">
             <a:extLst>
               <a:ext uri="{FF2B5EF4-FFF2-40B4-BE49-F238E27FC236}">
-                <a16:creationId xmlns:a16="http://schemas.microsoft.com/office/drawing/2014/main" xmlns="" id="{8B89C201-BA7A-3547-9956-97C9C5593DB9}"/>
+                <a16:creationId xmlns:a16="http://schemas.microsoft.com/office/drawing/2014/main" id="{8B89C201-BA7A-3547-9956-97C9C5593DB9}"/>
               </a:ext>
             </a:extLst>
           </p:cNvPr>
@@ -11795,7 +11498,7 @@
           <p:cNvPr id="255" name="Rectangle à coins arrondis 254">
             <a:extLst>
               <a:ext uri="{FF2B5EF4-FFF2-40B4-BE49-F238E27FC236}">
-                <a16:creationId xmlns:a16="http://schemas.microsoft.com/office/drawing/2014/main" xmlns="" id="{23928D21-4F50-394F-A465-8160CD1E1038}"/>
+                <a16:creationId xmlns:a16="http://schemas.microsoft.com/office/drawing/2014/main" id="{23928D21-4F50-394F-A465-8160CD1E1038}"/>
               </a:ext>
             </a:extLst>
           </p:cNvPr>
@@ -11844,7 +11547,7 @@
           <a:p>
             <a:pPr algn="ctr"/>
             <a:r>
-              <a:rPr lang="fr-FR" sz="900" b="1" noProof="1" smtClean="0">
+              <a:rPr lang="fr-FR" sz="900" b="1" noProof="1">
                 <a:solidFill>
                   <a:schemeClr val="tx1"/>
                 </a:solidFill>
@@ -11854,14 +11557,6 @@
               </a:rPr>
               <a:t>tsswitch</a:t>
             </a:r>
-            <a:endParaRPr lang="fr-FR" sz="900" b="1" noProof="1">
-              <a:solidFill>
-                <a:schemeClr val="tx1"/>
-              </a:solidFill>
-              <a:latin typeface="Cambria" panose="02040503050406030204" pitchFamily="18" charset="0"/>
-              <a:ea typeface="Arial Rounded MT Bold" charset="0"/>
-              <a:cs typeface="Arial Rounded MT Bold" charset="0"/>
-            </a:endParaRPr>
           </a:p>
         </p:txBody>
       </p:sp>
@@ -11870,7 +11565,7 @@
           <p:cNvPr id="256" name="Rectangle à coins arrondis 255">
             <a:extLst>
               <a:ext uri="{FF2B5EF4-FFF2-40B4-BE49-F238E27FC236}">
-                <a16:creationId xmlns:a16="http://schemas.microsoft.com/office/drawing/2014/main" xmlns="" id="{D36A8FDC-F1BD-EC40-8248-6B52204EA4FB}"/>
+                <a16:creationId xmlns:a16="http://schemas.microsoft.com/office/drawing/2014/main" id="{D36A8FDC-F1BD-EC40-8248-6B52204EA4FB}"/>
               </a:ext>
             </a:extLst>
           </p:cNvPr>
@@ -11914,16 +11609,12 @@
           <a:p>
             <a:pPr algn="ctr"/>
             <a:r>
-              <a:rPr lang="fr-FR" sz="800" b="1" noProof="1" smtClean="0">
+              <a:rPr lang="fr-FR" sz="800" b="1" noProof="1">
                 <a:latin typeface="Consolas" panose="020B0609020204030204" pitchFamily="49" charset="0"/>
                 <a:cs typeface="Consolas" panose="020B0609020204030204" pitchFamily="49" charset="0"/>
               </a:rPr>
               <a:t>fork</a:t>
             </a:r>
-            <a:endParaRPr lang="fr-FR" sz="800" b="1" noProof="1">
-              <a:latin typeface="Consolas" panose="020B0609020204030204" pitchFamily="49" charset="0"/>
-              <a:cs typeface="Consolas" panose="020B0609020204030204" pitchFamily="49" charset="0"/>
-            </a:endParaRPr>
           </a:p>
         </p:txBody>
       </p:sp>
@@ -11932,7 +11623,7 @@
           <p:cNvPr id="257" name="Rectangle à coins arrondis 256">
             <a:extLst>
               <a:ext uri="{FF2B5EF4-FFF2-40B4-BE49-F238E27FC236}">
-                <a16:creationId xmlns:a16="http://schemas.microsoft.com/office/drawing/2014/main" xmlns="" id="{2E1B18C1-9894-1F42-B531-FA72F788D06A}"/>
+                <a16:creationId xmlns:a16="http://schemas.microsoft.com/office/drawing/2014/main" id="{2E1B18C1-9894-1F42-B531-FA72F788D06A}"/>
               </a:ext>
             </a:extLst>
           </p:cNvPr>
@@ -11976,7 +11667,7 @@
           <a:p>
             <a:pPr algn="ctr"/>
             <a:r>
-              <a:rPr lang="fr-FR" sz="800" b="1" noProof="1" smtClean="0">
+              <a:rPr lang="fr-FR" sz="800" b="1" noProof="1">
                 <a:latin typeface="Consolas" panose="020B0609020204030204" pitchFamily="49" charset="0"/>
                 <a:ea typeface="Arial Rounded MT Bold" charset="0"/>
                 <a:cs typeface="Consolas" panose="020B0609020204030204" pitchFamily="49" charset="0"/>
@@ -11996,7 +11687,7 @@
           <p:cNvPr id="258" name="Connecteur droit avec flèche 78">
             <a:extLst>
               <a:ext uri="{FF2B5EF4-FFF2-40B4-BE49-F238E27FC236}">
-                <a16:creationId xmlns:a16="http://schemas.microsoft.com/office/drawing/2014/main" xmlns="" id="{B29DF2C1-5270-904D-B642-F5752B62DDF8}"/>
+                <a16:creationId xmlns:a16="http://schemas.microsoft.com/office/drawing/2014/main" id="{B29DF2C1-5270-904D-B642-F5752B62DDF8}"/>
               </a:ext>
             </a:extLst>
           </p:cNvPr>
@@ -12045,7 +11736,7 @@
           <p:cNvPr id="259" name="Connecteur droit avec flèche 258">
             <a:extLst>
               <a:ext uri="{FF2B5EF4-FFF2-40B4-BE49-F238E27FC236}">
-                <a16:creationId xmlns:a16="http://schemas.microsoft.com/office/drawing/2014/main" xmlns="" id="{7BFD1D0D-2F24-5140-A7A1-15162A534CF0}"/>
+                <a16:creationId xmlns:a16="http://schemas.microsoft.com/office/drawing/2014/main" id="{7BFD1D0D-2F24-5140-A7A1-15162A534CF0}"/>
               </a:ext>
             </a:extLst>
           </p:cNvPr>
@@ -12092,7 +11783,7 @@
           <p:cNvPr id="262" name="Rectangle à coins arrondis 261">
             <a:extLst>
               <a:ext uri="{FF2B5EF4-FFF2-40B4-BE49-F238E27FC236}">
-                <a16:creationId xmlns:a16="http://schemas.microsoft.com/office/drawing/2014/main" xmlns="" id="{FC5A53AA-03C5-6740-AAB7-22C581F93311}"/>
+                <a16:creationId xmlns:a16="http://schemas.microsoft.com/office/drawing/2014/main" id="{FC5A53AA-03C5-6740-AAB7-22C581F93311}"/>
               </a:ext>
             </a:extLst>
           </p:cNvPr>
@@ -12136,16 +11827,12 @@
           <a:p>
             <a:pPr algn="ctr"/>
             <a:r>
-              <a:rPr lang="fr-FR" sz="800" b="1" noProof="1" smtClean="0">
+              <a:rPr lang="fr-FR" sz="800" b="1" noProof="1">
                 <a:latin typeface="Consolas" panose="020B0609020204030204" pitchFamily="49" charset="0"/>
                 <a:cs typeface="Consolas" panose="020B0609020204030204" pitchFamily="49" charset="0"/>
               </a:rPr>
               <a:t>ip</a:t>
             </a:r>
-            <a:endParaRPr lang="fr-FR" sz="800" b="1" noProof="1">
-              <a:latin typeface="Consolas" panose="020B0609020204030204" pitchFamily="49" charset="0"/>
-              <a:cs typeface="Consolas" panose="020B0609020204030204" pitchFamily="49" charset="0"/>
-            </a:endParaRPr>
           </a:p>
         </p:txBody>
       </p:sp>
@@ -12154,7 +11841,7 @@
           <p:cNvPr id="263" name="Rectangle à coins arrondis 262">
             <a:extLst>
               <a:ext uri="{FF2B5EF4-FFF2-40B4-BE49-F238E27FC236}">
-                <a16:creationId xmlns:a16="http://schemas.microsoft.com/office/drawing/2014/main" xmlns="" id="{C892A677-4DD7-9D44-A35F-E07C3734C7D0}"/>
+                <a16:creationId xmlns:a16="http://schemas.microsoft.com/office/drawing/2014/main" id="{C892A677-4DD7-9D44-A35F-E07C3734C7D0}"/>
               </a:ext>
             </a:extLst>
           </p:cNvPr>
@@ -12198,16 +11885,12 @@
           <a:p>
             <a:pPr algn="ctr"/>
             <a:r>
-              <a:rPr lang="fr-FR" sz="800" b="1" noProof="1" smtClean="0">
+              <a:rPr lang="fr-FR" sz="800" b="1" noProof="1">
                 <a:latin typeface="Consolas" panose="020B0609020204030204" pitchFamily="49" charset="0"/>
                 <a:cs typeface="Consolas" panose="020B0609020204030204" pitchFamily="49" charset="0"/>
               </a:rPr>
               <a:t>http</a:t>
             </a:r>
-            <a:endParaRPr lang="fr-FR" sz="800" b="1" noProof="1">
-              <a:latin typeface="Consolas" panose="020B0609020204030204" pitchFamily="49" charset="0"/>
-              <a:cs typeface="Consolas" panose="020B0609020204030204" pitchFamily="49" charset="0"/>
-            </a:endParaRPr>
           </a:p>
         </p:txBody>
       </p:sp>
@@ -12216,7 +11899,7 @@
           <p:cNvPr id="264" name="Rectangle à coins arrondis 263">
             <a:extLst>
               <a:ext uri="{FF2B5EF4-FFF2-40B4-BE49-F238E27FC236}">
-                <a16:creationId xmlns:a16="http://schemas.microsoft.com/office/drawing/2014/main" xmlns="" id="{055106AB-BE5F-E244-93DF-730F424CE9E2}"/>
+                <a16:creationId xmlns:a16="http://schemas.microsoft.com/office/drawing/2014/main" id="{055106AB-BE5F-E244-93DF-730F424CE9E2}"/>
               </a:ext>
             </a:extLst>
           </p:cNvPr>
@@ -12260,16 +11943,12 @@
           <a:p>
             <a:pPr algn="ctr"/>
             <a:r>
-              <a:rPr lang="fr-FR" sz="800" b="1" noProof="1" smtClean="0">
+              <a:rPr lang="fr-FR" sz="800" b="1" noProof="1">
                 <a:latin typeface="Consolas" panose="020B0609020204030204" pitchFamily="49" charset="0"/>
                 <a:cs typeface="Consolas" panose="020B0609020204030204" pitchFamily="49" charset="0"/>
               </a:rPr>
               <a:t>fork</a:t>
             </a:r>
-            <a:endParaRPr lang="fr-FR" sz="800" b="1" noProof="1">
-              <a:latin typeface="Consolas" panose="020B0609020204030204" pitchFamily="49" charset="0"/>
-              <a:cs typeface="Consolas" panose="020B0609020204030204" pitchFamily="49" charset="0"/>
-            </a:endParaRPr>
           </a:p>
         </p:txBody>
       </p:sp>
@@ -12278,7 +11957,7 @@
           <p:cNvPr id="265" name="Connecteur droit avec flèche 78">
             <a:extLst>
               <a:ext uri="{FF2B5EF4-FFF2-40B4-BE49-F238E27FC236}">
-                <a16:creationId xmlns:a16="http://schemas.microsoft.com/office/drawing/2014/main" xmlns="" id="{CE59BDD5-42FC-2347-A97B-6EF1AF2CD76E}"/>
+                <a16:creationId xmlns:a16="http://schemas.microsoft.com/office/drawing/2014/main" id="{CE59BDD5-42FC-2347-A97B-6EF1AF2CD76E}"/>
               </a:ext>
             </a:extLst>
           </p:cNvPr>
@@ -12326,7 +12005,7 @@
           <p:cNvPr id="266" name="Connecteur droit avec flèche 78">
             <a:extLst>
               <a:ext uri="{FF2B5EF4-FFF2-40B4-BE49-F238E27FC236}">
-                <a16:creationId xmlns:a16="http://schemas.microsoft.com/office/drawing/2014/main" xmlns="" id="{B20FFC8F-9BC4-2E4A-A8EE-7F654C8D18B6}"/>
+                <a16:creationId xmlns:a16="http://schemas.microsoft.com/office/drawing/2014/main" id="{B20FFC8F-9BC4-2E4A-A8EE-7F654C8D18B6}"/>
               </a:ext>
             </a:extLst>
           </p:cNvPr>
@@ -12375,7 +12054,7 @@
           <p:cNvPr id="267" name="Connecteur droit avec flèche 78">
             <a:extLst>
               <a:ext uri="{FF2B5EF4-FFF2-40B4-BE49-F238E27FC236}">
-                <a16:creationId xmlns:a16="http://schemas.microsoft.com/office/drawing/2014/main" xmlns="" id="{FCD708BB-A040-F54D-A04F-BF29BBC34A9B}"/>
+                <a16:creationId xmlns:a16="http://schemas.microsoft.com/office/drawing/2014/main" id="{FCD708BB-A040-F54D-A04F-BF29BBC34A9B}"/>
               </a:ext>
             </a:extLst>
           </p:cNvPr>
@@ -12424,7 +12103,7 @@
           <p:cNvPr id="268" name="Connecteur droit avec flèche 102">
             <a:extLst>
               <a:ext uri="{FF2B5EF4-FFF2-40B4-BE49-F238E27FC236}">
-                <a16:creationId xmlns:a16="http://schemas.microsoft.com/office/drawing/2014/main" xmlns="" id="{F68601FD-3B24-E84E-8512-8F12BDD6F447}"/>
+                <a16:creationId xmlns:a16="http://schemas.microsoft.com/office/drawing/2014/main" id="{F68601FD-3B24-E84E-8512-8F12BDD6F447}"/>
               </a:ext>
             </a:extLst>
           </p:cNvPr>
@@ -12471,7 +12150,7 @@
           <p:cNvPr id="269" name="Rectangle à coins arrondis 268">
             <a:extLst>
               <a:ext uri="{FF2B5EF4-FFF2-40B4-BE49-F238E27FC236}">
-                <a16:creationId xmlns:a16="http://schemas.microsoft.com/office/drawing/2014/main" xmlns="" id="{207176EF-D58B-9F42-B51F-EDF84066C434}"/>
+                <a16:creationId xmlns:a16="http://schemas.microsoft.com/office/drawing/2014/main" id="{207176EF-D58B-9F42-B51F-EDF84066C434}"/>
               </a:ext>
             </a:extLst>
           </p:cNvPr>
@@ -12520,7 +12199,7 @@
           <a:p>
             <a:pPr algn="ctr"/>
             <a:r>
-              <a:rPr lang="fr-FR" sz="900" b="1" noProof="1" smtClean="0">
+              <a:rPr lang="fr-FR" sz="900" b="1" noProof="1">
                 <a:solidFill>
                   <a:schemeClr val="tx1"/>
                 </a:solidFill>
@@ -12546,7 +12225,7 @@
           <p:cNvPr id="270" name="Rectangle à coins arrondis 269">
             <a:extLst>
               <a:ext uri="{FF2B5EF4-FFF2-40B4-BE49-F238E27FC236}">
-                <a16:creationId xmlns:a16="http://schemas.microsoft.com/office/drawing/2014/main" xmlns="" id="{0EBD748A-8AD9-2C46-89B4-4F6A71D46447}"/>
+                <a16:creationId xmlns:a16="http://schemas.microsoft.com/office/drawing/2014/main" id="{0EBD748A-8AD9-2C46-89B4-4F6A71D46447}"/>
               </a:ext>
             </a:extLst>
           </p:cNvPr>
@@ -12590,16 +12269,12 @@
           <a:p>
             <a:pPr algn="ctr"/>
             <a:r>
-              <a:rPr lang="fr-FR" sz="800" b="1" noProof="1" smtClean="0">
+              <a:rPr lang="fr-FR" sz="800" b="1" noProof="1">
                 <a:latin typeface="Consolas" panose="020B0609020204030204" pitchFamily="49" charset="0"/>
                 <a:cs typeface="Consolas" panose="020B0609020204030204" pitchFamily="49" charset="0"/>
               </a:rPr>
               <a:t>dvb</a:t>
             </a:r>
-            <a:endParaRPr lang="fr-FR" sz="800" b="1" noProof="1">
-              <a:latin typeface="Consolas" panose="020B0609020204030204" pitchFamily="49" charset="0"/>
-              <a:cs typeface="Consolas" panose="020B0609020204030204" pitchFamily="49" charset="0"/>
-            </a:endParaRPr>
           </a:p>
         </p:txBody>
       </p:sp>
@@ -12608,7 +12283,7 @@
           <p:cNvPr id="271" name="Rectangle à coins arrondis 270">
             <a:extLst>
               <a:ext uri="{FF2B5EF4-FFF2-40B4-BE49-F238E27FC236}">
-                <a16:creationId xmlns:a16="http://schemas.microsoft.com/office/drawing/2014/main" xmlns="" id="{FF06C02C-F215-8D4F-A8E5-8095AD1B4B48}"/>
+                <a16:creationId xmlns:a16="http://schemas.microsoft.com/office/drawing/2014/main" id="{FF06C02C-F215-8D4F-A8E5-8095AD1B4B48}"/>
               </a:ext>
             </a:extLst>
           </p:cNvPr>
@@ -12652,16 +12327,12 @@
           <a:p>
             <a:pPr algn="ctr"/>
             <a:r>
-              <a:rPr lang="fr-FR" sz="800" b="1" noProof="1" smtClean="0">
+              <a:rPr lang="fr-FR" sz="800" b="1" noProof="1">
                 <a:latin typeface="Consolas" panose="020B0609020204030204" pitchFamily="49" charset="0"/>
                 <a:cs typeface="Consolas" panose="020B0609020204030204" pitchFamily="49" charset="0"/>
               </a:rPr>
               <a:t>zap</a:t>
             </a:r>
-            <a:endParaRPr lang="fr-FR" sz="800" b="1" noProof="1">
-              <a:latin typeface="Consolas" panose="020B0609020204030204" pitchFamily="49" charset="0"/>
-              <a:cs typeface="Consolas" panose="020B0609020204030204" pitchFamily="49" charset="0"/>
-            </a:endParaRPr>
           </a:p>
         </p:txBody>
       </p:sp>
@@ -12670,7 +12341,7 @@
           <p:cNvPr id="272" name="Rectangle à coins arrondis 271">
             <a:extLst>
               <a:ext uri="{FF2B5EF4-FFF2-40B4-BE49-F238E27FC236}">
-                <a16:creationId xmlns:a16="http://schemas.microsoft.com/office/drawing/2014/main" xmlns="" id="{DC06761C-E5D6-8C40-8FE7-6EAC716FC474}"/>
+                <a16:creationId xmlns:a16="http://schemas.microsoft.com/office/drawing/2014/main" id="{DC06761C-E5D6-8C40-8FE7-6EAC716FC474}"/>
               </a:ext>
             </a:extLst>
           </p:cNvPr>
@@ -12714,7 +12385,7 @@
           <a:p>
             <a:pPr algn="ctr"/>
             <a:r>
-              <a:rPr lang="fr-FR" sz="800" b="1" noProof="1" smtClean="0">
+              <a:rPr lang="fr-FR" sz="800" b="1" noProof="1">
                 <a:latin typeface="Consolas" panose="020B0609020204030204" pitchFamily="49" charset="0"/>
                 <a:ea typeface="Arial Rounded MT Bold" charset="0"/>
                 <a:cs typeface="Consolas" panose="020B0609020204030204" pitchFamily="49" charset="0"/>
@@ -12734,7 +12405,7 @@
           <p:cNvPr id="273" name="Connecteur droit avec flèche 272">
             <a:extLst>
               <a:ext uri="{FF2B5EF4-FFF2-40B4-BE49-F238E27FC236}">
-                <a16:creationId xmlns:a16="http://schemas.microsoft.com/office/drawing/2014/main" xmlns="" id="{917022DD-9C4E-8C4F-8EF4-DC025172FC05}"/>
+                <a16:creationId xmlns:a16="http://schemas.microsoft.com/office/drawing/2014/main" id="{917022DD-9C4E-8C4F-8EF4-DC025172FC05}"/>
               </a:ext>
             </a:extLst>
           </p:cNvPr>
@@ -12780,7 +12451,7 @@
           <p:cNvPr id="274" name="Connecteur droit avec flèche 273">
             <a:extLst>
               <a:ext uri="{FF2B5EF4-FFF2-40B4-BE49-F238E27FC236}">
-                <a16:creationId xmlns:a16="http://schemas.microsoft.com/office/drawing/2014/main" xmlns="" id="{C8A7163D-1B73-8544-BEB6-5055C4559C5C}"/>
+                <a16:creationId xmlns:a16="http://schemas.microsoft.com/office/drawing/2014/main" id="{C8A7163D-1B73-8544-BEB6-5055C4559C5C}"/>
               </a:ext>
             </a:extLst>
           </p:cNvPr>
@@ -12826,7 +12497,7 @@
           <p:cNvPr id="275" name="Connecteur droit avec flèche 274">
             <a:extLst>
               <a:ext uri="{FF2B5EF4-FFF2-40B4-BE49-F238E27FC236}">
-                <a16:creationId xmlns:a16="http://schemas.microsoft.com/office/drawing/2014/main" xmlns="" id="{0EB21763-B322-DA48-835F-2AC58953056D}"/>
+                <a16:creationId xmlns:a16="http://schemas.microsoft.com/office/drawing/2014/main" id="{0EB21763-B322-DA48-835F-2AC58953056D}"/>
               </a:ext>
             </a:extLst>
           </p:cNvPr>
@@ -12873,7 +12544,7 @@
           <p:cNvPr id="276" name="ZoneTexte 275">
             <a:extLst>
               <a:ext uri="{FF2B5EF4-FFF2-40B4-BE49-F238E27FC236}">
-                <a16:creationId xmlns:a16="http://schemas.microsoft.com/office/drawing/2014/main" xmlns="" id="{9C7431C8-D75F-5142-A1EB-8230494FC409}"/>
+                <a16:creationId xmlns:a16="http://schemas.microsoft.com/office/drawing/2014/main" id="{9C7431C8-D75F-5142-A1EB-8230494FC409}"/>
               </a:ext>
             </a:extLst>
           </p:cNvPr>
@@ -12897,18 +12568,13 @@
           <a:lstStyle/>
           <a:p>
             <a:r>
-              <a:rPr lang="fr-FR" sz="800" noProof="1" smtClean="0">
+              <a:rPr lang="fr-FR" sz="800" noProof="1">
                 <a:latin typeface="Cambria" panose="02040503050406030204" pitchFamily="18" charset="0"/>
                 <a:ea typeface="Arial Rounded MT Bold" charset="0"/>
                 <a:cs typeface="Arial Rounded MT Bold" charset="0"/>
               </a:rPr>
               <a:t>input TS 1</a:t>
             </a:r>
-            <a:endParaRPr lang="fr-FR" sz="800" noProof="1">
-              <a:latin typeface="Cambria" panose="02040503050406030204" pitchFamily="18" charset="0"/>
-              <a:ea typeface="Arial Rounded MT Bold" charset="0"/>
-              <a:cs typeface="Arial Rounded MT Bold" charset="0"/>
-            </a:endParaRPr>
           </a:p>
         </p:txBody>
       </p:sp>
@@ -12917,7 +12583,7 @@
           <p:cNvPr id="277" name="Connecteur droit avec flèche 276">
             <a:extLst>
               <a:ext uri="{FF2B5EF4-FFF2-40B4-BE49-F238E27FC236}">
-                <a16:creationId xmlns:a16="http://schemas.microsoft.com/office/drawing/2014/main" xmlns="" id="{51025ACC-3151-1E4B-AB8E-659FC8729762}"/>
+                <a16:creationId xmlns:a16="http://schemas.microsoft.com/office/drawing/2014/main" id="{51025ACC-3151-1E4B-AB8E-659FC8729762}"/>
               </a:ext>
             </a:extLst>
           </p:cNvPr>
@@ -12964,7 +12630,7 @@
           <p:cNvPr id="278" name="Connecteur droit avec flèche 120">
             <a:extLst>
               <a:ext uri="{FF2B5EF4-FFF2-40B4-BE49-F238E27FC236}">
-                <a16:creationId xmlns:a16="http://schemas.microsoft.com/office/drawing/2014/main" xmlns="" id="{906459B5-8582-FB4E-8E54-AFC7005D5446}"/>
+                <a16:creationId xmlns:a16="http://schemas.microsoft.com/office/drawing/2014/main" id="{906459B5-8582-FB4E-8E54-AFC7005D5446}"/>
               </a:ext>
             </a:extLst>
           </p:cNvPr>
@@ -13013,7 +12679,7 @@
           <p:cNvPr id="279" name="ZoneTexte 278">
             <a:extLst>
               <a:ext uri="{FF2B5EF4-FFF2-40B4-BE49-F238E27FC236}">
-                <a16:creationId xmlns:a16="http://schemas.microsoft.com/office/drawing/2014/main" xmlns="" id="{CA252A1D-16B0-9A4A-89F5-1189E8A73A99}"/>
+                <a16:creationId xmlns:a16="http://schemas.microsoft.com/office/drawing/2014/main" id="{CA252A1D-16B0-9A4A-89F5-1189E8A73A99}"/>
               </a:ext>
             </a:extLst>
           </p:cNvPr>
@@ -13037,18 +12703,13 @@
           <a:lstStyle/>
           <a:p>
             <a:r>
-              <a:rPr lang="fr-FR" sz="800" noProof="1" smtClean="0">
+              <a:rPr lang="fr-FR" sz="800" noProof="1">
                 <a:latin typeface="Cambria" panose="02040503050406030204" pitchFamily="18" charset="0"/>
                 <a:ea typeface="Arial Rounded MT Bold" charset="0"/>
                 <a:cs typeface="Arial Rounded MT Bold" charset="0"/>
               </a:rPr>
               <a:t>input TS 2</a:t>
             </a:r>
-            <a:endParaRPr lang="fr-FR" sz="800" noProof="1">
-              <a:latin typeface="Cambria" panose="02040503050406030204" pitchFamily="18" charset="0"/>
-              <a:ea typeface="Arial Rounded MT Bold" charset="0"/>
-              <a:cs typeface="Arial Rounded MT Bold" charset="0"/>
-            </a:endParaRPr>
           </a:p>
         </p:txBody>
       </p:sp>
@@ -13057,7 +12718,7 @@
           <p:cNvPr id="280" name="ZoneTexte 279">
             <a:extLst>
               <a:ext uri="{FF2B5EF4-FFF2-40B4-BE49-F238E27FC236}">
-                <a16:creationId xmlns:a16="http://schemas.microsoft.com/office/drawing/2014/main" xmlns="" id="{CD80FC3C-1E7A-C341-AB6B-3F80A5F70604}"/>
+                <a16:creationId xmlns:a16="http://schemas.microsoft.com/office/drawing/2014/main" id="{CD80FC3C-1E7A-C341-AB6B-3F80A5F70604}"/>
               </a:ext>
             </a:extLst>
           </p:cNvPr>
@@ -13081,18 +12742,13 @@
           <a:lstStyle/>
           <a:p>
             <a:r>
-              <a:rPr lang="fr-FR" sz="800" noProof="1" smtClean="0">
+              <a:rPr lang="fr-FR" sz="800" noProof="1">
                 <a:latin typeface="Cambria" panose="02040503050406030204" pitchFamily="18" charset="0"/>
                 <a:ea typeface="Arial Rounded MT Bold" charset="0"/>
                 <a:cs typeface="Arial Rounded MT Bold" charset="0"/>
               </a:rPr>
               <a:t>input TS 3</a:t>
             </a:r>
-            <a:endParaRPr lang="fr-FR" sz="800" noProof="1">
-              <a:latin typeface="Cambria" panose="02040503050406030204" pitchFamily="18" charset="0"/>
-              <a:ea typeface="Arial Rounded MT Bold" charset="0"/>
-              <a:cs typeface="Arial Rounded MT Bold" charset="0"/>
-            </a:endParaRPr>
           </a:p>
         </p:txBody>
       </p:sp>
@@ -13101,7 +12757,7 @@
           <p:cNvPr id="281" name="Rectangle à coins arrondis 280">
             <a:extLst>
               <a:ext uri="{FF2B5EF4-FFF2-40B4-BE49-F238E27FC236}">
-                <a16:creationId xmlns:a16="http://schemas.microsoft.com/office/drawing/2014/main" xmlns="" id="{0E47B07A-E542-E94F-B3E2-4F4ABA87F78E}"/>
+                <a16:creationId xmlns:a16="http://schemas.microsoft.com/office/drawing/2014/main" id="{0E47B07A-E542-E94F-B3E2-4F4ABA87F78E}"/>
               </a:ext>
             </a:extLst>
           </p:cNvPr>
@@ -13150,7 +12806,7 @@
           <a:p>
             <a:pPr algn="ctr"/>
             <a:r>
-              <a:rPr lang="fr-FR" sz="800" noProof="1" smtClean="0">
+              <a:rPr lang="fr-FR" sz="800" noProof="1">
                 <a:solidFill>
                   <a:schemeClr val="tx1"/>
                 </a:solidFill>
@@ -13160,14 +12816,6 @@
               </a:rPr>
               <a:t>Remote control</a:t>
             </a:r>
-            <a:endParaRPr lang="fr-FR" sz="800" noProof="1">
-              <a:solidFill>
-                <a:schemeClr val="tx1"/>
-              </a:solidFill>
-              <a:latin typeface="Cambria" panose="02040503050406030204" pitchFamily="18" charset="0"/>
-              <a:ea typeface="Arial Rounded MT Bold" charset="0"/>
-              <a:cs typeface="Arial Rounded MT Bold" charset="0"/>
-            </a:endParaRPr>
           </a:p>
         </p:txBody>
       </p:sp>
@@ -13176,7 +12824,7 @@
           <p:cNvPr id="282" name="Connecteur droit avec flèche 179">
             <a:extLst>
               <a:ext uri="{FF2B5EF4-FFF2-40B4-BE49-F238E27FC236}">
-                <a16:creationId xmlns:a16="http://schemas.microsoft.com/office/drawing/2014/main" xmlns="" id="{790BDF13-B28F-4A4B-8464-24DEEE7A347F}"/>
+                <a16:creationId xmlns:a16="http://schemas.microsoft.com/office/drawing/2014/main" id="{790BDF13-B28F-4A4B-8464-24DEEE7A347F}"/>
               </a:ext>
             </a:extLst>
           </p:cNvPr>
@@ -13223,7 +12871,7 @@
           <p:cNvPr id="283" name="ZoneTexte 282">
             <a:extLst>
               <a:ext uri="{FF2B5EF4-FFF2-40B4-BE49-F238E27FC236}">
-                <a16:creationId xmlns:a16="http://schemas.microsoft.com/office/drawing/2014/main" xmlns="" id="{0A8106A8-EA81-3B49-833A-1C0B7A03B6C3}"/>
+                <a16:creationId xmlns:a16="http://schemas.microsoft.com/office/drawing/2014/main" id="{0A8106A8-EA81-3B49-833A-1C0B7A03B6C3}"/>
               </a:ext>
             </a:extLst>
           </p:cNvPr>
@@ -13247,7 +12895,7 @@
           <a:lstStyle/>
           <a:p>
             <a:r>
-              <a:rPr lang="fr-FR" sz="800" noProof="1" smtClean="0">
+              <a:rPr lang="fr-FR" sz="800" noProof="1">
                 <a:latin typeface="Cambria" panose="02040503050406030204" pitchFamily="18" charset="0"/>
                 <a:ea typeface="Arial Rounded MT Bold" charset="0"/>
                 <a:cs typeface="Arial Rounded MT Bold" charset="0"/>
@@ -13256,7 +12904,7 @@
             </a:r>
           </a:p>
           <a:p>
-            <a:endParaRPr lang="fr-FR" sz="800" noProof="1" smtClean="0">
+            <a:endParaRPr lang="fr-FR" sz="800" noProof="1">
               <a:latin typeface="Cambria" panose="02040503050406030204" pitchFamily="18" charset="0"/>
               <a:ea typeface="Arial Rounded MT Bold" charset="0"/>
               <a:cs typeface="Arial Rounded MT Bold" charset="0"/>
@@ -13264,7 +12912,7 @@
           </a:p>
           <a:p>
             <a:r>
-              <a:rPr lang="fr-FR" sz="800" noProof="1" smtClean="0">
+              <a:rPr lang="fr-FR" sz="800" noProof="1">
                 <a:latin typeface="Consolas" panose="020B0609020204030204" pitchFamily="49" charset="0"/>
                 <a:ea typeface="Arial Rounded MT Bold" charset="0"/>
                 <a:cs typeface="Consolas" panose="020B0609020204030204" pitchFamily="49" charset="0"/>
@@ -13274,7 +12922,7 @@
           </a:p>
           <a:p>
             <a:r>
-              <a:rPr lang="fr-FR" sz="800" noProof="1" smtClean="0">
+              <a:rPr lang="fr-FR" sz="800" noProof="1">
                 <a:latin typeface="Consolas" panose="020B0609020204030204" pitchFamily="49" charset="0"/>
                 <a:ea typeface="Arial Rounded MT Bold" charset="0"/>
                 <a:cs typeface="Consolas" panose="020B0609020204030204" pitchFamily="49" charset="0"/>
@@ -13284,7 +12932,7 @@
           </a:p>
           <a:p>
             <a:r>
-              <a:rPr lang="fr-FR" sz="800" noProof="1" smtClean="0">
+              <a:rPr lang="fr-FR" sz="800" noProof="1">
                 <a:latin typeface="Consolas" panose="020B0609020204030204" pitchFamily="49" charset="0"/>
                 <a:ea typeface="Arial Rounded MT Bold" charset="0"/>
                 <a:cs typeface="Consolas" panose="020B0609020204030204" pitchFamily="49" charset="0"/>
@@ -13294,18 +12942,13 @@
           </a:p>
           <a:p>
             <a:r>
-              <a:rPr lang="fr-FR" sz="800" noProof="1" smtClean="0">
+              <a:rPr lang="fr-FR" sz="800" noProof="1">
                 <a:latin typeface="Consolas" panose="020B0609020204030204" pitchFamily="49" charset="0"/>
                 <a:ea typeface="Arial Rounded MT Bold" charset="0"/>
                 <a:cs typeface="Consolas" panose="020B0609020204030204" pitchFamily="49" charset="0"/>
               </a:rPr>
               <a:t>"3"</a:t>
             </a:r>
-            <a:endParaRPr lang="fr-FR" sz="800" noProof="1">
-              <a:latin typeface="Consolas" panose="020B0609020204030204" pitchFamily="49" charset="0"/>
-              <a:ea typeface="Arial Rounded MT Bold" charset="0"/>
-              <a:cs typeface="Consolas" panose="020B0609020204030204" pitchFamily="49" charset="0"/>
-            </a:endParaRPr>
           </a:p>
         </p:txBody>
       </p:sp>
@@ -13314,7 +12957,7 @@
           <p:cNvPr id="158" name="Rectangle à coins arrondis 157">
             <a:extLst>
               <a:ext uri="{FF2B5EF4-FFF2-40B4-BE49-F238E27FC236}">
-                <a16:creationId xmlns:a16="http://schemas.microsoft.com/office/drawing/2014/main" xmlns="" id="{F16D29F8-F334-CB4D-BFD1-BD53652E3698}"/>
+                <a16:creationId xmlns:a16="http://schemas.microsoft.com/office/drawing/2014/main" id="{F16D29F8-F334-CB4D-BFD1-BD53652E3698}"/>
               </a:ext>
             </a:extLst>
           </p:cNvPr>
@@ -13363,7 +13006,7 @@
           <a:p>
             <a:pPr algn="ctr"/>
             <a:r>
-              <a:rPr lang="fr-FR" sz="800" noProof="1" smtClean="0">
+              <a:rPr lang="fr-FR" sz="800" noProof="1">
                 <a:solidFill>
                   <a:schemeClr val="tx1"/>
                 </a:solidFill>
@@ -13377,7 +13020,7 @@
           <a:p>
             <a:pPr algn="ctr"/>
             <a:r>
-              <a:rPr lang="fr-FR" sz="800" noProof="1" smtClean="0">
+              <a:rPr lang="fr-FR" sz="800" noProof="1">
                 <a:solidFill>
                   <a:schemeClr val="tx1"/>
                 </a:solidFill>
@@ -13387,14 +13030,6 @@
               </a:rPr>
               <a:t>tuner 0</a:t>
             </a:r>
-            <a:endParaRPr lang="fr-FR" sz="800" noProof="1">
-              <a:solidFill>
-                <a:schemeClr val="tx1"/>
-              </a:solidFill>
-              <a:latin typeface="Cambria" panose="02040503050406030204" pitchFamily="18" charset="0"/>
-              <a:ea typeface="Arial Rounded MT Bold" charset="0"/>
-              <a:cs typeface="Arial Rounded MT Bold" charset="0"/>
-            </a:endParaRPr>
           </a:p>
         </p:txBody>
       </p:sp>
@@ -13403,7 +13038,7 @@
           <p:cNvPr id="159" name="Connecteur droit 158">
             <a:extLst>
               <a:ext uri="{FF2B5EF4-FFF2-40B4-BE49-F238E27FC236}">
-                <a16:creationId xmlns:a16="http://schemas.microsoft.com/office/drawing/2014/main" xmlns="" id="{21FEE28B-F787-BA47-B678-2E1BC9B22353}"/>
+                <a16:creationId xmlns:a16="http://schemas.microsoft.com/office/drawing/2014/main" id="{21FEE28B-F787-BA47-B678-2E1BC9B22353}"/>
               </a:ext>
             </a:extLst>
           </p:cNvPr>
@@ -13446,7 +13081,7 @@
           <p:cNvPr id="160" name="Picture 3">
             <a:extLst>
               <a:ext uri="{FF2B5EF4-FFF2-40B4-BE49-F238E27FC236}">
-                <a16:creationId xmlns:a16="http://schemas.microsoft.com/office/drawing/2014/main" xmlns="" id="{8B89C201-BA7A-3547-9956-97C9C5593DB9}"/>
+                <a16:creationId xmlns:a16="http://schemas.microsoft.com/office/drawing/2014/main" id="{8B89C201-BA7A-3547-9956-97C9C5593DB9}"/>
               </a:ext>
             </a:extLst>
           </p:cNvPr>
@@ -13516,7 +13151,7 @@
           <p:cNvPr id="162" name="Rectangle à coins arrondis 161">
             <a:extLst>
               <a:ext uri="{FF2B5EF4-FFF2-40B4-BE49-F238E27FC236}">
-                <a16:creationId xmlns:a16="http://schemas.microsoft.com/office/drawing/2014/main" xmlns="" id="{207176EF-D58B-9F42-B51F-EDF84066C434}"/>
+                <a16:creationId xmlns:a16="http://schemas.microsoft.com/office/drawing/2014/main" id="{207176EF-D58B-9F42-B51F-EDF84066C434}"/>
               </a:ext>
             </a:extLst>
           </p:cNvPr>
@@ -13565,7 +13200,7 @@
           <a:p>
             <a:pPr algn="ctr"/>
             <a:r>
-              <a:rPr lang="fr-FR" sz="900" b="1" noProof="1" smtClean="0">
+              <a:rPr lang="fr-FR" sz="900" b="1" noProof="1">
                 <a:solidFill>
                   <a:schemeClr val="tx1"/>
                 </a:solidFill>
@@ -13591,7 +13226,7 @@
           <p:cNvPr id="163" name="Rectangle à coins arrondis 162">
             <a:extLst>
               <a:ext uri="{FF2B5EF4-FFF2-40B4-BE49-F238E27FC236}">
-                <a16:creationId xmlns:a16="http://schemas.microsoft.com/office/drawing/2014/main" xmlns="" id="{0EBD748A-8AD9-2C46-89B4-4F6A71D46447}"/>
+                <a16:creationId xmlns:a16="http://schemas.microsoft.com/office/drawing/2014/main" id="{0EBD748A-8AD9-2C46-89B4-4F6A71D46447}"/>
               </a:ext>
             </a:extLst>
           </p:cNvPr>
@@ -13635,16 +13270,12 @@
           <a:p>
             <a:pPr algn="ctr"/>
             <a:r>
-              <a:rPr lang="fr-FR" sz="800" b="1" noProof="1" smtClean="0">
+              <a:rPr lang="fr-FR" sz="800" b="1" noProof="1">
                 <a:latin typeface="Consolas" panose="020B0609020204030204" pitchFamily="49" charset="0"/>
                 <a:cs typeface="Consolas" panose="020B0609020204030204" pitchFamily="49" charset="0"/>
               </a:rPr>
               <a:t>dvb</a:t>
             </a:r>
-            <a:endParaRPr lang="fr-FR" sz="800" b="1" noProof="1">
-              <a:latin typeface="Consolas" panose="020B0609020204030204" pitchFamily="49" charset="0"/>
-              <a:cs typeface="Consolas" panose="020B0609020204030204" pitchFamily="49" charset="0"/>
-            </a:endParaRPr>
           </a:p>
         </p:txBody>
       </p:sp>
@@ -13653,7 +13284,7 @@
           <p:cNvPr id="164" name="Rectangle à coins arrondis 163">
             <a:extLst>
               <a:ext uri="{FF2B5EF4-FFF2-40B4-BE49-F238E27FC236}">
-                <a16:creationId xmlns:a16="http://schemas.microsoft.com/office/drawing/2014/main" xmlns="" id="{FF06C02C-F215-8D4F-A8E5-8095AD1B4B48}"/>
+                <a16:creationId xmlns:a16="http://schemas.microsoft.com/office/drawing/2014/main" id="{FF06C02C-F215-8D4F-A8E5-8095AD1B4B48}"/>
               </a:ext>
             </a:extLst>
           </p:cNvPr>
@@ -13697,16 +13328,12 @@
           <a:p>
             <a:pPr algn="ctr"/>
             <a:r>
-              <a:rPr lang="fr-FR" sz="800" b="1" noProof="1" smtClean="0">
+              <a:rPr lang="fr-FR" sz="800" b="1" noProof="1">
                 <a:latin typeface="Consolas" panose="020B0609020204030204" pitchFamily="49" charset="0"/>
                 <a:cs typeface="Consolas" panose="020B0609020204030204" pitchFamily="49" charset="0"/>
               </a:rPr>
               <a:t>zap</a:t>
             </a:r>
-            <a:endParaRPr lang="fr-FR" sz="800" b="1" noProof="1">
-              <a:latin typeface="Consolas" panose="020B0609020204030204" pitchFamily="49" charset="0"/>
-              <a:cs typeface="Consolas" panose="020B0609020204030204" pitchFamily="49" charset="0"/>
-            </a:endParaRPr>
           </a:p>
         </p:txBody>
       </p:sp>
@@ -13715,7 +13342,7 @@
           <p:cNvPr id="165" name="Rectangle à coins arrondis 164">
             <a:extLst>
               <a:ext uri="{FF2B5EF4-FFF2-40B4-BE49-F238E27FC236}">
-                <a16:creationId xmlns:a16="http://schemas.microsoft.com/office/drawing/2014/main" xmlns="" id="{DC06761C-E5D6-8C40-8FE7-6EAC716FC474}"/>
+                <a16:creationId xmlns:a16="http://schemas.microsoft.com/office/drawing/2014/main" id="{DC06761C-E5D6-8C40-8FE7-6EAC716FC474}"/>
               </a:ext>
             </a:extLst>
           </p:cNvPr>
@@ -13759,7 +13386,7 @@
           <a:p>
             <a:pPr algn="ctr"/>
             <a:r>
-              <a:rPr lang="fr-FR" sz="800" b="1" noProof="1" smtClean="0">
+              <a:rPr lang="fr-FR" sz="800" b="1" noProof="1">
                 <a:latin typeface="Consolas" panose="020B0609020204030204" pitchFamily="49" charset="0"/>
                 <a:ea typeface="Arial Rounded MT Bold" charset="0"/>
                 <a:cs typeface="Consolas" panose="020B0609020204030204" pitchFamily="49" charset="0"/>
@@ -13779,7 +13406,7 @@
           <p:cNvPr id="166" name="Connecteur droit avec flèche 165">
             <a:extLst>
               <a:ext uri="{FF2B5EF4-FFF2-40B4-BE49-F238E27FC236}">
-                <a16:creationId xmlns:a16="http://schemas.microsoft.com/office/drawing/2014/main" xmlns="" id="{917022DD-9C4E-8C4F-8EF4-DC025172FC05}"/>
+                <a16:creationId xmlns:a16="http://schemas.microsoft.com/office/drawing/2014/main" id="{917022DD-9C4E-8C4F-8EF4-DC025172FC05}"/>
               </a:ext>
             </a:extLst>
           </p:cNvPr>
@@ -13825,7 +13452,7 @@
           <p:cNvPr id="167" name="Connecteur droit avec flèche 166">
             <a:extLst>
               <a:ext uri="{FF2B5EF4-FFF2-40B4-BE49-F238E27FC236}">
-                <a16:creationId xmlns:a16="http://schemas.microsoft.com/office/drawing/2014/main" xmlns="" id="{C8A7163D-1B73-8544-BEB6-5055C4559C5C}"/>
+                <a16:creationId xmlns:a16="http://schemas.microsoft.com/office/drawing/2014/main" id="{C8A7163D-1B73-8544-BEB6-5055C4559C5C}"/>
               </a:ext>
             </a:extLst>
           </p:cNvPr>
@@ -13871,7 +13498,7 @@
           <p:cNvPr id="168" name="Connecteur droit avec flèche 167">
             <a:extLst>
               <a:ext uri="{FF2B5EF4-FFF2-40B4-BE49-F238E27FC236}">
-                <a16:creationId xmlns:a16="http://schemas.microsoft.com/office/drawing/2014/main" xmlns="" id="{0EB21763-B322-DA48-835F-2AC58953056D}"/>
+                <a16:creationId xmlns:a16="http://schemas.microsoft.com/office/drawing/2014/main" id="{0EB21763-B322-DA48-835F-2AC58953056D}"/>
               </a:ext>
             </a:extLst>
           </p:cNvPr>
@@ -13918,7 +13545,7 @@
           <p:cNvPr id="169" name="Connecteur droit avec flèche 168">
             <a:extLst>
               <a:ext uri="{FF2B5EF4-FFF2-40B4-BE49-F238E27FC236}">
-                <a16:creationId xmlns:a16="http://schemas.microsoft.com/office/drawing/2014/main" xmlns="" id="{51025ACC-3151-1E4B-AB8E-659FC8729762}"/>
+                <a16:creationId xmlns:a16="http://schemas.microsoft.com/office/drawing/2014/main" id="{51025ACC-3151-1E4B-AB8E-659FC8729762}"/>
               </a:ext>
             </a:extLst>
           </p:cNvPr>
@@ -13965,7 +13592,7 @@
           <p:cNvPr id="172" name="ZoneTexte 171">
             <a:extLst>
               <a:ext uri="{FF2B5EF4-FFF2-40B4-BE49-F238E27FC236}">
-                <a16:creationId xmlns:a16="http://schemas.microsoft.com/office/drawing/2014/main" xmlns="" id="{CD80FC3C-1E7A-C341-AB6B-3F80A5F70604}"/>
+                <a16:creationId xmlns:a16="http://schemas.microsoft.com/office/drawing/2014/main" id="{CD80FC3C-1E7A-C341-AB6B-3F80A5F70604}"/>
               </a:ext>
             </a:extLst>
           </p:cNvPr>
@@ -13989,18 +13616,13 @@
           <a:lstStyle/>
           <a:p>
             <a:r>
-              <a:rPr lang="fr-FR" sz="800" noProof="1" smtClean="0">
+              <a:rPr lang="fr-FR" sz="800" noProof="1">
                 <a:latin typeface="Cambria" panose="02040503050406030204" pitchFamily="18" charset="0"/>
                 <a:ea typeface="Arial Rounded MT Bold" charset="0"/>
                 <a:cs typeface="Arial Rounded MT Bold" charset="0"/>
               </a:rPr>
               <a:t>input TS 0</a:t>
             </a:r>
-            <a:endParaRPr lang="fr-FR" sz="800" noProof="1">
-              <a:latin typeface="Cambria" panose="02040503050406030204" pitchFamily="18" charset="0"/>
-              <a:ea typeface="Arial Rounded MT Bold" charset="0"/>
-              <a:cs typeface="Arial Rounded MT Bold" charset="0"/>
-            </a:endParaRPr>
           </a:p>
         </p:txBody>
       </p:sp>
@@ -14215,14 +13837,6 @@
                 </a:rPr>
                 <a:t>Operating System</a:t>
               </a:r>
-              <a:endParaRPr lang="fr-FR" sz="600" b="1" noProof="1">
-                <a:solidFill>
-                  <a:schemeClr val="tx1"/>
-                </a:solidFill>
-                <a:latin typeface="Cambria" panose="02040503050406030204" pitchFamily="18" charset="0"/>
-                <a:ea typeface="Arial Rounded MT Bold" charset="0"/>
-                <a:cs typeface="Arial Rounded MT Bold" charset="0"/>
-              </a:endParaRPr>
             </a:p>
           </p:txBody>
         </p:sp>
@@ -14278,11 +13892,6 @@
                 </a:rPr>
                 <a:t>Windows</a:t>
               </a:r>
-              <a:endParaRPr lang="fr-FR" sz="600" b="1" noProof="1">
-                <a:latin typeface="Cambria" panose="02040503050406030204" pitchFamily="18" charset="0"/>
-                <a:ea typeface="Arial Rounded MT Bold" charset="0"/>
-                <a:cs typeface="Arial Rounded MT Bold" charset="0"/>
-              </a:endParaRPr>
             </a:p>
           </p:txBody>
         </p:sp>
@@ -14350,18 +13959,13 @@
             <a:lstStyle/>
             <a:p>
               <a:r>
-                <a:rPr lang="fr-FR" sz="700" noProof="1" smtClean="0">
+                <a:rPr lang="fr-FR" sz="700" noProof="1">
                   <a:latin typeface="Cambria" panose="02040503050406030204" pitchFamily="18" charset="0"/>
                   <a:ea typeface="Arial Rounded MT Bold" charset="0"/>
                   <a:cs typeface="Arial Rounded MT Bold" charset="0"/>
                 </a:rPr>
                 <a:t>TSDuck</a:t>
               </a:r>
-              <a:endParaRPr lang="fr-FR" sz="700" noProof="1">
-                <a:latin typeface="Cambria" panose="02040503050406030204" pitchFamily="18" charset="0"/>
-                <a:ea typeface="Arial Rounded MT Bold" charset="0"/>
-                <a:cs typeface="Arial Rounded MT Bold" charset="0"/>
-              </a:endParaRPr>
             </a:p>
           </p:txBody>
         </p:sp>
@@ -14412,7 +14016,7 @@
             <a:lstStyle/>
             <a:p>
               <a:r>
-                <a:rPr lang="fr-FR" sz="600" b="1" noProof="1" smtClean="0">
+                <a:rPr lang="fr-FR" sz="600" b="1" noProof="1">
                   <a:solidFill>
                     <a:schemeClr val="tx1"/>
                   </a:solidFill>
@@ -14422,14 +14026,6 @@
                 </a:rPr>
                 <a:t>TSDuck library</a:t>
               </a:r>
-              <a:endParaRPr lang="fr-FR" sz="600" b="1" noProof="1">
-                <a:solidFill>
-                  <a:schemeClr val="tx1"/>
-                </a:solidFill>
-                <a:latin typeface="Cambria" panose="02040503050406030204" pitchFamily="18" charset="0"/>
-                <a:ea typeface="Arial Rounded MT Bold" charset="0"/>
-                <a:cs typeface="Arial Rounded MT Bold" charset="0"/>
-              </a:endParaRPr>
             </a:p>
           </p:txBody>
         </p:sp>
@@ -14476,18 +14072,13 @@
             <a:p>
               <a:pPr algn="ctr"/>
               <a:r>
-                <a:rPr lang="fr-FR" sz="600" b="1" noProof="1" smtClean="0">
+                <a:rPr lang="fr-FR" sz="600" b="1" noProof="1">
                   <a:latin typeface="Cambria" panose="02040503050406030204" pitchFamily="18" charset="0"/>
                   <a:ea typeface="Arial Rounded MT Bold" charset="0"/>
                   <a:cs typeface="Arial Rounded MT Bold" charset="0"/>
                 </a:rPr>
                 <a:t>C++ utilities</a:t>
               </a:r>
-              <a:endParaRPr lang="fr-FR" sz="600" b="1" noProof="1">
-                <a:latin typeface="Cambria" panose="02040503050406030204" pitchFamily="18" charset="0"/>
-                <a:ea typeface="Arial Rounded MT Bold" charset="0"/>
-                <a:cs typeface="Arial Rounded MT Bold" charset="0"/>
-              </a:endParaRPr>
             </a:p>
           </p:txBody>
         </p:sp>
@@ -14543,11 +14134,6 @@
                 </a:rPr>
                 <a:t>Linux</a:t>
               </a:r>
-              <a:endParaRPr lang="fr-FR" sz="600" b="1" noProof="1">
-                <a:latin typeface="Cambria" panose="02040503050406030204" pitchFamily="18" charset="0"/>
-                <a:ea typeface="Arial Rounded MT Bold" charset="0"/>
-                <a:cs typeface="Arial Rounded MT Bold" charset="0"/>
-              </a:endParaRPr>
             </a:p>
           </p:txBody>
         </p:sp>
@@ -14603,11 +14189,6 @@
                 </a:rPr>
                 <a:t>macOS</a:t>
               </a:r>
-              <a:endParaRPr lang="fr-FR" sz="600" b="1" noProof="1">
-                <a:latin typeface="Cambria" panose="02040503050406030204" pitchFamily="18" charset="0"/>
-                <a:ea typeface="Arial Rounded MT Bold" charset="0"/>
-                <a:cs typeface="Arial Rounded MT Bold" charset="0"/>
-              </a:endParaRPr>
             </a:p>
           </p:txBody>
         </p:sp>
@@ -14658,7 +14239,7 @@
             <a:lstStyle/>
             <a:p>
               <a:r>
-                <a:rPr lang="fr-FR" sz="600" b="1" noProof="1" smtClean="0">
+                <a:rPr lang="fr-FR" sz="600" b="1" noProof="1">
                   <a:solidFill>
                     <a:schemeClr val="tx1"/>
                   </a:solidFill>
@@ -14668,14 +14249,6 @@
                 </a:rPr>
                 <a:t>TSDuck plugins</a:t>
               </a:r>
-              <a:endParaRPr lang="fr-FR" sz="600" b="1" noProof="1">
-                <a:solidFill>
-                  <a:schemeClr val="tx1"/>
-                </a:solidFill>
-                <a:latin typeface="Cambria" panose="02040503050406030204" pitchFamily="18" charset="0"/>
-                <a:ea typeface="Arial Rounded MT Bold" charset="0"/>
-                <a:cs typeface="Arial Rounded MT Bold" charset="0"/>
-              </a:endParaRPr>
             </a:p>
           </p:txBody>
         </p:sp>
@@ -14722,18 +14295,13 @@
             <a:p>
               <a:pPr algn="ctr"/>
               <a:r>
-                <a:rPr lang="fr-FR" sz="600" b="1" noProof="1" smtClean="0">
+                <a:rPr lang="fr-FR" sz="600" b="1" noProof="1">
                   <a:latin typeface="Cambria" panose="02040503050406030204" pitchFamily="18" charset="0"/>
                   <a:ea typeface="Arial Rounded MT Bold" charset="0"/>
                   <a:cs typeface="Arial Rounded MT Bold" charset="0"/>
                 </a:rPr>
                 <a:t>TS processing</a:t>
               </a:r>
-              <a:endParaRPr lang="fr-FR" sz="600" b="1" noProof="1">
-                <a:latin typeface="Cambria" panose="02040503050406030204" pitchFamily="18" charset="0"/>
-                <a:ea typeface="Arial Rounded MT Bold" charset="0"/>
-                <a:cs typeface="Arial Rounded MT Bold" charset="0"/>
-              </a:endParaRPr>
             </a:p>
           </p:txBody>
         </p:sp>
@@ -14780,18 +14348,13 @@
             <a:p>
               <a:pPr algn="ctr"/>
               <a:r>
-                <a:rPr lang="fr-FR" sz="600" b="1" noProof="1" smtClean="0">
+                <a:rPr lang="fr-FR" sz="600" b="1" noProof="1">
                   <a:latin typeface="Cambria" panose="02040503050406030204" pitchFamily="18" charset="0"/>
                   <a:ea typeface="Arial Rounded MT Bold" charset="0"/>
                   <a:cs typeface="Arial Rounded MT Bold" charset="0"/>
                 </a:rPr>
                 <a:t>TS input &amp; output</a:t>
               </a:r>
-              <a:endParaRPr lang="fr-FR" sz="600" b="1" noProof="1">
-                <a:latin typeface="Cambria" panose="02040503050406030204" pitchFamily="18" charset="0"/>
-                <a:ea typeface="Arial Rounded MT Bold" charset="0"/>
-                <a:cs typeface="Arial Rounded MT Bold" charset="0"/>
-              </a:endParaRPr>
             </a:p>
           </p:txBody>
         </p:sp>
@@ -14842,7 +14405,7 @@
             <a:lstStyle/>
             <a:p>
               <a:r>
-                <a:rPr lang="fr-FR" sz="600" b="1" noProof="1" smtClean="0">
+                <a:rPr lang="fr-FR" sz="600" b="1" noProof="1">
                   <a:solidFill>
                     <a:schemeClr val="tx1"/>
                   </a:solidFill>
@@ -14852,14 +14415,6 @@
                 </a:rPr>
                 <a:t>TSDuck commands</a:t>
               </a:r>
-              <a:endParaRPr lang="fr-FR" sz="600" b="1" noProof="1">
-                <a:solidFill>
-                  <a:schemeClr val="tx1"/>
-                </a:solidFill>
-                <a:latin typeface="Cambria" panose="02040503050406030204" pitchFamily="18" charset="0"/>
-                <a:ea typeface="Arial Rounded MT Bold" charset="0"/>
-                <a:cs typeface="Arial Rounded MT Bold" charset="0"/>
-              </a:endParaRPr>
             </a:p>
           </p:txBody>
         </p:sp>
@@ -14906,7 +14461,7 @@
             <a:p>
               <a:pPr algn="ctr"/>
               <a:r>
-                <a:rPr lang="fr-FR" sz="600" b="1" noProof="1" smtClean="0">
+                <a:rPr lang="fr-FR" sz="600" b="1" noProof="1">
                   <a:latin typeface="Cambria" panose="02040503050406030204" pitchFamily="18" charset="0"/>
                   <a:ea typeface="Arial Rounded MT Bold" charset="0"/>
                   <a:cs typeface="Arial Rounded MT Bold" charset="0"/>
@@ -14914,7 +14469,7 @@
                 <a:t>other </a:t>
               </a:r>
               <a:r>
-                <a:rPr lang="fr-FR" sz="600" b="1" noProof="1" smtClean="0">
+                <a:rPr lang="fr-FR" sz="600" b="1" noProof="1">
                   <a:latin typeface="Consolas" panose="020B0609020204030204" pitchFamily="49" charset="0"/>
                   <a:ea typeface="Arial Rounded MT Bold" charset="0"/>
                   <a:cs typeface="Consolas" panose="020B0609020204030204" pitchFamily="49" charset="0"/>
@@ -14922,18 +14477,13 @@
                 <a:t>ts</a:t>
               </a:r>
               <a:r>
-                <a:rPr lang="fr-FR" sz="600" b="1" noProof="1" smtClean="0">
+                <a:rPr lang="fr-FR" sz="600" b="1" noProof="1">
                   <a:latin typeface="Cambria" panose="02040503050406030204" pitchFamily="18" charset="0"/>
                   <a:ea typeface="Arial Rounded MT Bold" charset="0"/>
                   <a:cs typeface="Arial Rounded MT Bold" charset="0"/>
                 </a:rPr>
                 <a:t> commands</a:t>
               </a:r>
-              <a:endParaRPr lang="fr-FR" sz="600" b="1" noProof="1">
-                <a:latin typeface="Cambria" panose="02040503050406030204" pitchFamily="18" charset="0"/>
-                <a:ea typeface="Arial Rounded MT Bold" charset="0"/>
-                <a:cs typeface="Arial Rounded MT Bold" charset="0"/>
-              </a:endParaRPr>
             </a:p>
           </p:txBody>
         </p:sp>
@@ -15130,18 +14680,13 @@
             <a:p>
               <a:pPr algn="ctr"/>
               <a:r>
-                <a:rPr lang="fr-FR" sz="600" b="1" noProof="1" smtClean="0">
+                <a:rPr lang="fr-FR" sz="600" b="1" noProof="1">
                   <a:latin typeface="Consolas" panose="020B0609020204030204" pitchFamily="49" charset="0"/>
                   <a:ea typeface="Arial Rounded MT Bold" charset="0"/>
                   <a:cs typeface="Consolas" panose="020B0609020204030204" pitchFamily="49" charset="0"/>
                 </a:rPr>
                 <a:t>tsp</a:t>
               </a:r>
-              <a:endParaRPr lang="fr-FR" sz="600" b="1" noProof="1">
-                <a:latin typeface="Consolas" panose="020B0609020204030204" pitchFamily="49" charset="0"/>
-                <a:ea typeface="Arial Rounded MT Bold" charset="0"/>
-                <a:cs typeface="Consolas" panose="020B0609020204030204" pitchFamily="49" charset="0"/>
-              </a:endParaRPr>
             </a:p>
           </p:txBody>
         </p:sp>
@@ -15188,18 +14733,13 @@
             <a:p>
               <a:pPr algn="ctr"/>
               <a:r>
-                <a:rPr lang="fr-FR" sz="600" b="1" noProof="1" smtClean="0">
+                <a:rPr lang="fr-FR" sz="600" b="1" noProof="1">
                   <a:latin typeface="Consolas" panose="020B0609020204030204" pitchFamily="49" charset="0"/>
                   <a:ea typeface="Arial Rounded MT Bold" charset="0"/>
                   <a:cs typeface="Consolas" panose="020B0609020204030204" pitchFamily="49" charset="0"/>
                 </a:rPr>
                 <a:t>tsswitch</a:t>
               </a:r>
-              <a:endParaRPr lang="fr-FR" sz="600" b="1" noProof="1">
-                <a:latin typeface="Consolas" panose="020B0609020204030204" pitchFamily="49" charset="0"/>
-                <a:ea typeface="Arial Rounded MT Bold" charset="0"/>
-                <a:cs typeface="Consolas" panose="020B0609020204030204" pitchFamily="49" charset="0"/>
-              </a:endParaRPr>
             </a:p>
           </p:txBody>
         </p:sp>
@@ -15249,7 +14789,7 @@
             <a:lstStyle/>
             <a:p>
               <a:r>
-                <a:rPr lang="fr-FR" sz="600" b="1" noProof="1" smtClean="0">
+                <a:rPr lang="fr-FR" sz="600" b="1" noProof="1">
                   <a:solidFill>
                     <a:schemeClr val="tx1"/>
                   </a:solidFill>
@@ -15259,14 +14799,6 @@
                 </a:rPr>
                 <a:t>DVB tuning framework</a:t>
               </a:r>
-              <a:endParaRPr lang="fr-FR" sz="600" b="1" noProof="1">
-                <a:solidFill>
-                  <a:schemeClr val="tx1"/>
-                </a:solidFill>
-                <a:latin typeface="Cambria" panose="02040503050406030204" pitchFamily="18" charset="0"/>
-                <a:ea typeface="Arial Rounded MT Bold" charset="0"/>
-                <a:cs typeface="Arial Rounded MT Bold" charset="0"/>
-              </a:endParaRPr>
             </a:p>
           </p:txBody>
         </p:sp>
@@ -15322,11 +14854,6 @@
                 </a:rPr>
                 <a:t>DirectShow (Windows)</a:t>
               </a:r>
-              <a:endParaRPr lang="fr-FR" sz="600" b="1" noProof="1">
-                <a:latin typeface="Cambria" panose="02040503050406030204" pitchFamily="18" charset="0"/>
-                <a:ea typeface="Arial Rounded MT Bold" charset="0"/>
-                <a:cs typeface="Arial Rounded MT Bold" charset="0"/>
-              </a:endParaRPr>
             </a:p>
           </p:txBody>
         </p:sp>
@@ -15382,11 +14909,6 @@
                 </a:rPr>
                 <a:t>Linux TV</a:t>
               </a:r>
-              <a:endParaRPr lang="fr-FR" sz="600" b="1" noProof="1">
-                <a:latin typeface="Cambria" panose="02040503050406030204" pitchFamily="18" charset="0"/>
-                <a:ea typeface="Arial Rounded MT Bold" charset="0"/>
-                <a:cs typeface="Arial Rounded MT Bold" charset="0"/>
-              </a:endParaRPr>
             </a:p>
           </p:txBody>
         </p:sp>
@@ -15470,18 +14992,13 @@
             <a:p>
               <a:pPr algn="ctr"/>
               <a:r>
-                <a:rPr lang="fr-FR" sz="600" b="1" noProof="1" smtClean="0">
+                <a:rPr lang="fr-FR" sz="600" b="1" noProof="1">
                   <a:latin typeface="Cambria" panose="02040503050406030204" pitchFamily="18" charset="0"/>
                   <a:ea typeface="Arial Rounded MT Bold" charset="0"/>
                   <a:cs typeface="Arial Rounded MT Bold" charset="0"/>
                 </a:rPr>
                 <a:t>MPEG, DVB, DTV</a:t>
               </a:r>
-              <a:endParaRPr lang="fr-FR" sz="600" b="1" noProof="1">
-                <a:latin typeface="Cambria" panose="02040503050406030204" pitchFamily="18" charset="0"/>
-                <a:ea typeface="Arial Rounded MT Bold" charset="0"/>
-                <a:cs typeface="Arial Rounded MT Bold" charset="0"/>
-              </a:endParaRPr>
             </a:p>
           </p:txBody>
         </p:sp>
@@ -15528,18 +15045,13 @@
             <a:p>
               <a:pPr algn="ctr"/>
               <a:r>
-                <a:rPr lang="fr-FR" sz="600" b="1" noProof="1" smtClean="0">
+                <a:rPr lang="fr-FR" sz="600" b="1" noProof="1">
                   <a:latin typeface="Cambria" panose="02040503050406030204" pitchFamily="18" charset="0"/>
                   <a:ea typeface="Arial Rounded MT Bold" charset="0"/>
                   <a:cs typeface="Arial Rounded MT Bold" charset="0"/>
                 </a:rPr>
                 <a:t>OS abstraction</a:t>
               </a:r>
-              <a:endParaRPr lang="fr-FR" sz="600" b="1" noProof="1">
-                <a:latin typeface="Cambria" panose="02040503050406030204" pitchFamily="18" charset="0"/>
-                <a:ea typeface="Arial Rounded MT Bold" charset="0"/>
-                <a:cs typeface="Arial Rounded MT Bold" charset="0"/>
-              </a:endParaRPr>
             </a:p>
           </p:txBody>
         </p:sp>
@@ -15673,11 +15185,6 @@
                 </a:rPr>
                 <a:t>tsanalyze</a:t>
               </a:r>
-              <a:endParaRPr lang="fr-FR" sz="600" b="1" noProof="1">
-                <a:latin typeface="Consolas" panose="020B0609020204030204" pitchFamily="49" charset="0"/>
-                <a:ea typeface="Arial Rounded MT Bold" charset="0"/>
-                <a:cs typeface="Consolas" panose="020B0609020204030204" pitchFamily="49" charset="0"/>
-              </a:endParaRPr>
             </a:p>
           </p:txBody>
         </p:sp>
@@ -15727,7 +15234,7 @@
             <a:lstStyle/>
             <a:p>
               <a:r>
-                <a:rPr lang="fr-FR" sz="600" b="1" noProof="1" smtClean="0">
+                <a:rPr lang="fr-FR" sz="600" b="1" noProof="1">
                   <a:solidFill>
                     <a:schemeClr val="tx1"/>
                   </a:solidFill>
@@ -15737,14 +15244,6 @@
                 </a:rPr>
                 <a:t>3rd-party plugins</a:t>
               </a:r>
-              <a:endParaRPr lang="fr-FR" sz="600" b="1" noProof="1">
-                <a:solidFill>
-                  <a:schemeClr val="tx1"/>
-                </a:solidFill>
-                <a:latin typeface="Cambria" panose="02040503050406030204" pitchFamily="18" charset="0"/>
-                <a:ea typeface="Arial Rounded MT Bold" charset="0"/>
-                <a:cs typeface="Arial Rounded MT Bold" charset="0"/>
-              </a:endParaRPr>
             </a:p>
           </p:txBody>
         </p:sp>
@@ -15857,6 +15356,1502 @@
     <p:extLst>
       <p:ext uri="{BB962C8B-B14F-4D97-AF65-F5344CB8AC3E}">
         <p14:creationId xmlns:p14="http://schemas.microsoft.com/office/powerpoint/2010/main" val="4239256438"/>
+      </p:ext>
+    </p:extLst>
+  </p:cSld>
+  <p:clrMapOvr>
+    <a:masterClrMapping/>
+  </p:clrMapOvr>
+</p:sld>
+</file>
+
+<file path=ppt/slides/slide4.xml><?xml version="1.0" encoding="utf-8"?>
+<p:sld xmlns:a="http://schemas.openxmlformats.org/drawingml/2006/main" xmlns:r="http://schemas.openxmlformats.org/officeDocument/2006/relationships" xmlns:p="http://schemas.openxmlformats.org/presentationml/2006/main">
+  <p:cSld>
+    <p:spTree>
+      <p:nvGrpSpPr>
+        <p:cNvPr id="1" name=""/>
+        <p:cNvGrpSpPr/>
+        <p:nvPr/>
+      </p:nvGrpSpPr>
+      <p:grpSpPr>
+        <a:xfrm>
+          <a:off x="0" y="0"/>
+          <a:ext cx="0" cy="0"/>
+          <a:chOff x="0" y="0"/>
+          <a:chExt cx="0" cy="0"/>
+        </a:xfrm>
+      </p:grpSpPr>
+      <p:sp>
+        <p:nvSpPr>
+          <p:cNvPr id="4" name="Rectangle à coins arrondis 40"/>
+          <p:cNvSpPr/>
+          <p:nvPr/>
+        </p:nvSpPr>
+        <p:spPr>
+          <a:xfrm>
+            <a:off x="909444" y="1458555"/>
+            <a:ext cx="2448000" cy="540000"/>
+          </a:xfrm>
+          <a:prstGeom prst="roundRect">
+            <a:avLst/>
+          </a:prstGeom>
+          <a:solidFill>
+            <a:schemeClr val="accent6">
+              <a:lumMod val="40000"/>
+              <a:lumOff val="60000"/>
+            </a:schemeClr>
+          </a:solidFill>
+          <a:ln w="28575">
+            <a:solidFill>
+              <a:srgbClr val="1F8A4C"/>
+            </a:solidFill>
+          </a:ln>
+        </p:spPr>
+        <p:style>
+          <a:lnRef idx="2">
+            <a:schemeClr val="accent1">
+              <a:shade val="50000"/>
+            </a:schemeClr>
+          </a:lnRef>
+          <a:fillRef idx="1">
+            <a:schemeClr val="accent1"/>
+          </a:fillRef>
+          <a:effectRef idx="0">
+            <a:schemeClr val="accent1"/>
+          </a:effectRef>
+          <a:fontRef idx="minor">
+            <a:schemeClr val="lt1"/>
+          </a:fontRef>
+        </p:style>
+        <p:txBody>
+          <a:bodyPr lIns="36000" rIns="36000" rtlCol="0" anchor="ctr"/>
+          <a:lstStyle/>
+          <a:p>
+            <a:pPr algn="ctr"/>
+            <a:r>
+              <a:rPr lang="fr-FR" sz="900" noProof="1">
+                <a:solidFill>
+                  <a:schemeClr val="tx1"/>
+                </a:solidFill>
+                <a:latin typeface="Cambria" panose="02040503050406030204" pitchFamily="18" charset="0"/>
+                <a:ea typeface="Arial Rounded MT Bold" charset="0"/>
+                <a:cs typeface="Arial Rounded MT Bold" charset="0"/>
+              </a:rPr>
+              <a:t>Microsoft Network Provider</a:t>
+            </a:r>
+          </a:p>
+          <a:p>
+            <a:pPr algn="ctr"/>
+            <a:r>
+              <a:rPr lang="fr-FR" sz="900" noProof="1">
+                <a:solidFill>
+                  <a:schemeClr val="tx1"/>
+                </a:solidFill>
+                <a:latin typeface="Consolas" panose="020B0609020204030204" pitchFamily="49" charset="0"/>
+                <a:ea typeface="Arial Rounded MT Bold" charset="0"/>
+                <a:cs typeface="Arial Rounded MT Bold" charset="0"/>
+              </a:rPr>
+              <a:t>CLSID_NetworkProvider</a:t>
+            </a:r>
+          </a:p>
+        </p:txBody>
+      </p:sp>
+      <p:sp>
+        <p:nvSpPr>
+          <p:cNvPr id="3" name="Rectangle à coins arrondis 40"/>
+          <p:cNvSpPr/>
+          <p:nvPr/>
+        </p:nvSpPr>
+        <p:spPr>
+          <a:xfrm>
+            <a:off x="909444" y="2322266"/>
+            <a:ext cx="2448000" cy="540000"/>
+          </a:xfrm>
+          <a:prstGeom prst="roundRect">
+            <a:avLst/>
+          </a:prstGeom>
+          <a:solidFill>
+            <a:schemeClr val="accent6">
+              <a:lumMod val="40000"/>
+              <a:lumOff val="60000"/>
+            </a:schemeClr>
+          </a:solidFill>
+          <a:ln w="28575">
+            <a:solidFill>
+              <a:srgbClr val="1F8A4C"/>
+            </a:solidFill>
+          </a:ln>
+        </p:spPr>
+        <p:style>
+          <a:lnRef idx="2">
+            <a:schemeClr val="accent1">
+              <a:shade val="50000"/>
+            </a:schemeClr>
+          </a:lnRef>
+          <a:fillRef idx="1">
+            <a:schemeClr val="accent1"/>
+          </a:fillRef>
+          <a:effectRef idx="0">
+            <a:schemeClr val="accent1"/>
+          </a:effectRef>
+          <a:fontRef idx="minor">
+            <a:schemeClr val="lt1"/>
+          </a:fontRef>
+        </p:style>
+        <p:txBody>
+          <a:bodyPr lIns="36000" rIns="36000" rtlCol="0" anchor="ctr"/>
+          <a:lstStyle/>
+          <a:p>
+            <a:pPr algn="ctr"/>
+            <a:r>
+              <a:rPr lang="fr-FR" sz="900" noProof="1">
+                <a:solidFill>
+                  <a:schemeClr val="tx1"/>
+                </a:solidFill>
+                <a:latin typeface="Cambria" panose="02040503050406030204" pitchFamily="18" charset="0"/>
+                <a:ea typeface="Arial Rounded MT Bold" charset="0"/>
+                <a:cs typeface="Arial Rounded MT Bold" charset="0"/>
+              </a:rPr>
+              <a:t>Tuner Filter</a:t>
+            </a:r>
+          </a:p>
+          <a:p>
+            <a:pPr algn="ctr"/>
+            <a:r>
+              <a:rPr lang="fr-FR" sz="900" noProof="1">
+                <a:solidFill>
+                  <a:schemeClr val="tx1"/>
+                </a:solidFill>
+                <a:latin typeface="Cambria" panose="02040503050406030204" pitchFamily="18" charset="0"/>
+                <a:ea typeface="Arial Rounded MT Bold" charset="0"/>
+                <a:cs typeface="Arial Rounded MT Bold" charset="0"/>
+              </a:rPr>
+              <a:t>proprietary, enumerate all </a:t>
+            </a:r>
+            <a:r>
+              <a:rPr lang="fr-FR" sz="900" noProof="1">
+                <a:solidFill>
+                  <a:schemeClr val="tx1"/>
+                </a:solidFill>
+                <a:latin typeface="Consolas" panose="020B0609020204030204" pitchFamily="49" charset="0"/>
+                <a:ea typeface="Arial Rounded MT Bold" charset="0"/>
+                <a:cs typeface="Arial Rounded MT Bold" charset="0"/>
+              </a:rPr>
+              <a:t>KSCATEGORY_BDA_NETWORK_TUNER</a:t>
+            </a:r>
+          </a:p>
+        </p:txBody>
+      </p:sp>
+      <p:cxnSp>
+        <p:nvCxnSpPr>
+          <p:cNvPr id="5" name="Straight Arrow Connector 4"/>
+          <p:cNvCxnSpPr>
+            <a:stCxn id="4" idx="2"/>
+            <a:endCxn id="3" idx="0"/>
+          </p:cNvCxnSpPr>
+          <p:nvPr/>
+        </p:nvCxnSpPr>
+        <p:spPr>
+          <a:xfrm>
+            <a:off x="2133444" y="1998555"/>
+            <a:ext cx="0" cy="323711"/>
+          </a:xfrm>
+          <a:prstGeom prst="straightConnector1">
+            <a:avLst/>
+          </a:prstGeom>
+          <a:solidFill>
+            <a:schemeClr val="accent6">
+              <a:lumMod val="40000"/>
+              <a:lumOff val="60000"/>
+            </a:schemeClr>
+          </a:solidFill>
+          <a:ln w="28575">
+            <a:solidFill>
+              <a:srgbClr val="1F8A4C"/>
+            </a:solidFill>
+            <a:tailEnd type="triangle"/>
+          </a:ln>
+        </p:spPr>
+        <p:style>
+          <a:lnRef idx="2">
+            <a:schemeClr val="accent1">
+              <a:shade val="50000"/>
+            </a:schemeClr>
+          </a:lnRef>
+          <a:fillRef idx="1">
+            <a:schemeClr val="accent1"/>
+          </a:fillRef>
+          <a:effectRef idx="0">
+            <a:schemeClr val="accent1"/>
+          </a:effectRef>
+          <a:fontRef idx="minor">
+            <a:schemeClr val="lt1"/>
+          </a:fontRef>
+        </p:style>
+      </p:cxnSp>
+      <p:sp>
+        <p:nvSpPr>
+          <p:cNvPr id="6" name="Rectangle à coins arrondis 40"/>
+          <p:cNvSpPr/>
+          <p:nvPr/>
+        </p:nvSpPr>
+        <p:spPr>
+          <a:xfrm>
+            <a:off x="909444" y="3189787"/>
+            <a:ext cx="2448000" cy="540000"/>
+          </a:xfrm>
+          <a:prstGeom prst="roundRect">
+            <a:avLst/>
+          </a:prstGeom>
+          <a:solidFill>
+            <a:schemeClr val="accent6">
+              <a:lumMod val="40000"/>
+              <a:lumOff val="60000"/>
+            </a:schemeClr>
+          </a:solidFill>
+          <a:ln w="28575">
+            <a:solidFill>
+              <a:srgbClr val="1F8A4C"/>
+            </a:solidFill>
+            <a:prstDash val="dash"/>
+          </a:ln>
+        </p:spPr>
+        <p:style>
+          <a:lnRef idx="2">
+            <a:schemeClr val="accent1">
+              <a:shade val="50000"/>
+            </a:schemeClr>
+          </a:lnRef>
+          <a:fillRef idx="1">
+            <a:schemeClr val="accent1"/>
+          </a:fillRef>
+          <a:effectRef idx="0">
+            <a:schemeClr val="accent1"/>
+          </a:effectRef>
+          <a:fontRef idx="minor">
+            <a:schemeClr val="lt1"/>
+          </a:fontRef>
+        </p:style>
+        <p:txBody>
+          <a:bodyPr lIns="36000" rIns="36000" rtlCol="0" anchor="ctr"/>
+          <a:lstStyle/>
+          <a:p>
+            <a:pPr algn="ctr"/>
+            <a:r>
+              <a:rPr lang="fr-FR" sz="900" noProof="1">
+                <a:solidFill>
+                  <a:schemeClr val="tx1"/>
+                </a:solidFill>
+                <a:latin typeface="Cambria" panose="02040503050406030204" pitchFamily="18" charset="0"/>
+                <a:ea typeface="Arial Rounded MT Bold" charset="0"/>
+                <a:cs typeface="Arial Rounded MT Bold" charset="0"/>
+              </a:rPr>
+              <a:t>Receiver / Capture Filter</a:t>
+            </a:r>
+          </a:p>
+          <a:p>
+            <a:pPr algn="ctr"/>
+            <a:r>
+              <a:rPr lang="fr-FR" sz="900" noProof="1">
+                <a:solidFill>
+                  <a:schemeClr val="tx1"/>
+                </a:solidFill>
+                <a:latin typeface="Cambria" panose="02040503050406030204" pitchFamily="18" charset="0"/>
+                <a:ea typeface="Arial Rounded MT Bold" charset="0"/>
+                <a:cs typeface="Arial Rounded MT Bold" charset="0"/>
+              </a:rPr>
+              <a:t>optional, proprietary, enumerate all</a:t>
+            </a:r>
+          </a:p>
+          <a:p>
+            <a:pPr algn="ctr"/>
+            <a:r>
+              <a:rPr lang="fr-FR" sz="900" noProof="1">
+                <a:solidFill>
+                  <a:schemeClr val="tx1"/>
+                </a:solidFill>
+                <a:latin typeface="Consolas" panose="020B0609020204030204" pitchFamily="49" charset="0"/>
+                <a:ea typeface="Arial Rounded MT Bold" charset="0"/>
+                <a:cs typeface="Arial Rounded MT Bold" charset="0"/>
+              </a:rPr>
+              <a:t>KSCATEGORY_BDA_RECEIVER_COMPONENT</a:t>
+            </a:r>
+          </a:p>
+        </p:txBody>
+      </p:sp>
+      <p:cxnSp>
+        <p:nvCxnSpPr>
+          <p:cNvPr id="7" name="Straight Arrow Connector 6"/>
+          <p:cNvCxnSpPr>
+            <a:stCxn id="3" idx="2"/>
+            <a:endCxn id="6" idx="0"/>
+          </p:cNvCxnSpPr>
+          <p:nvPr/>
+        </p:nvCxnSpPr>
+        <p:spPr>
+          <a:xfrm>
+            <a:off x="2133444" y="2862266"/>
+            <a:ext cx="0" cy="327521"/>
+          </a:xfrm>
+          <a:prstGeom prst="straightConnector1">
+            <a:avLst/>
+          </a:prstGeom>
+          <a:solidFill>
+            <a:schemeClr val="accent6">
+              <a:lumMod val="40000"/>
+              <a:lumOff val="60000"/>
+            </a:schemeClr>
+          </a:solidFill>
+          <a:ln w="28575">
+            <a:solidFill>
+              <a:srgbClr val="1F8A4C"/>
+            </a:solidFill>
+            <a:tailEnd type="triangle"/>
+          </a:ln>
+        </p:spPr>
+        <p:style>
+          <a:lnRef idx="2">
+            <a:schemeClr val="accent1">
+              <a:shade val="50000"/>
+            </a:schemeClr>
+          </a:lnRef>
+          <a:fillRef idx="1">
+            <a:schemeClr val="accent1"/>
+          </a:fillRef>
+          <a:effectRef idx="0">
+            <a:schemeClr val="accent1"/>
+          </a:effectRef>
+          <a:fontRef idx="minor">
+            <a:schemeClr val="lt1"/>
+          </a:fontRef>
+        </p:style>
+      </p:cxnSp>
+      <p:sp>
+        <p:nvSpPr>
+          <p:cNvPr id="11" name="Rectangle à coins arrondis 40"/>
+          <p:cNvSpPr/>
+          <p:nvPr/>
+        </p:nvSpPr>
+        <p:spPr>
+          <a:xfrm>
+            <a:off x="909444" y="4057308"/>
+            <a:ext cx="2448000" cy="540000"/>
+          </a:xfrm>
+          <a:custGeom>
+            <a:avLst/>
+            <a:gdLst>
+              <a:gd name="connsiteX0" fmla="*/ 0 w 1987061"/>
+              <a:gd name="connsiteY0" fmla="*/ 62890 h 377331"/>
+              <a:gd name="connsiteX1" fmla="*/ 62890 w 1987061"/>
+              <a:gd name="connsiteY1" fmla="*/ 0 h 377331"/>
+              <a:gd name="connsiteX2" fmla="*/ 1924171 w 1987061"/>
+              <a:gd name="connsiteY2" fmla="*/ 0 h 377331"/>
+              <a:gd name="connsiteX3" fmla="*/ 1987061 w 1987061"/>
+              <a:gd name="connsiteY3" fmla="*/ 62890 h 377331"/>
+              <a:gd name="connsiteX4" fmla="*/ 1987061 w 1987061"/>
+              <a:gd name="connsiteY4" fmla="*/ 314441 h 377331"/>
+              <a:gd name="connsiteX5" fmla="*/ 1924171 w 1987061"/>
+              <a:gd name="connsiteY5" fmla="*/ 377331 h 377331"/>
+              <a:gd name="connsiteX6" fmla="*/ 62890 w 1987061"/>
+              <a:gd name="connsiteY6" fmla="*/ 377331 h 377331"/>
+              <a:gd name="connsiteX7" fmla="*/ 0 w 1987061"/>
+              <a:gd name="connsiteY7" fmla="*/ 314441 h 377331"/>
+              <a:gd name="connsiteX8" fmla="*/ 0 w 1987061"/>
+              <a:gd name="connsiteY8" fmla="*/ 62890 h 377331"/>
+              <a:gd name="connsiteX0" fmla="*/ 0 w 1987061"/>
+              <a:gd name="connsiteY0" fmla="*/ 62890 h 377331"/>
+              <a:gd name="connsiteX1" fmla="*/ 62890 w 1987061"/>
+              <a:gd name="connsiteY1" fmla="*/ 0 h 377331"/>
+              <a:gd name="connsiteX2" fmla="*/ 1924171 w 1987061"/>
+              <a:gd name="connsiteY2" fmla="*/ 0 h 377331"/>
+              <a:gd name="connsiteX3" fmla="*/ 1987061 w 1987061"/>
+              <a:gd name="connsiteY3" fmla="*/ 62890 h 377331"/>
+              <a:gd name="connsiteX4" fmla="*/ 1987061 w 1987061"/>
+              <a:gd name="connsiteY4" fmla="*/ 314441 h 377331"/>
+              <a:gd name="connsiteX5" fmla="*/ 1924171 w 1987061"/>
+              <a:gd name="connsiteY5" fmla="*/ 377331 h 377331"/>
+              <a:gd name="connsiteX6" fmla="*/ 472590 w 1987061"/>
+              <a:gd name="connsiteY6" fmla="*/ 374741 h 377331"/>
+              <a:gd name="connsiteX7" fmla="*/ 62890 w 1987061"/>
+              <a:gd name="connsiteY7" fmla="*/ 377331 h 377331"/>
+              <a:gd name="connsiteX8" fmla="*/ 0 w 1987061"/>
+              <a:gd name="connsiteY8" fmla="*/ 314441 h 377331"/>
+              <a:gd name="connsiteX9" fmla="*/ 0 w 1987061"/>
+              <a:gd name="connsiteY9" fmla="*/ 62890 h 377331"/>
+              <a:gd name="connsiteX0" fmla="*/ 0 w 1987061"/>
+              <a:gd name="connsiteY0" fmla="*/ 62890 h 377331"/>
+              <a:gd name="connsiteX1" fmla="*/ 62890 w 1987061"/>
+              <a:gd name="connsiteY1" fmla="*/ 0 h 377331"/>
+              <a:gd name="connsiteX2" fmla="*/ 1924171 w 1987061"/>
+              <a:gd name="connsiteY2" fmla="*/ 0 h 377331"/>
+              <a:gd name="connsiteX3" fmla="*/ 1987061 w 1987061"/>
+              <a:gd name="connsiteY3" fmla="*/ 62890 h 377331"/>
+              <a:gd name="connsiteX4" fmla="*/ 1987061 w 1987061"/>
+              <a:gd name="connsiteY4" fmla="*/ 314441 h 377331"/>
+              <a:gd name="connsiteX5" fmla="*/ 1924171 w 1987061"/>
+              <a:gd name="connsiteY5" fmla="*/ 377331 h 377331"/>
+              <a:gd name="connsiteX6" fmla="*/ 1367940 w 1987061"/>
+              <a:gd name="connsiteY6" fmla="*/ 374741 h 377331"/>
+              <a:gd name="connsiteX7" fmla="*/ 472590 w 1987061"/>
+              <a:gd name="connsiteY7" fmla="*/ 374741 h 377331"/>
+              <a:gd name="connsiteX8" fmla="*/ 62890 w 1987061"/>
+              <a:gd name="connsiteY8" fmla="*/ 377331 h 377331"/>
+              <a:gd name="connsiteX9" fmla="*/ 0 w 1987061"/>
+              <a:gd name="connsiteY9" fmla="*/ 314441 h 377331"/>
+              <a:gd name="connsiteX10" fmla="*/ 0 w 1987061"/>
+              <a:gd name="connsiteY10" fmla="*/ 62890 h 377331"/>
+              <a:gd name="connsiteX0" fmla="*/ 0 w 1987061"/>
+              <a:gd name="connsiteY0" fmla="*/ 69149 h 383590"/>
+              <a:gd name="connsiteX1" fmla="*/ 62890 w 1987061"/>
+              <a:gd name="connsiteY1" fmla="*/ 6259 h 383590"/>
+              <a:gd name="connsiteX2" fmla="*/ 996465 w 1987061"/>
+              <a:gd name="connsiteY2" fmla="*/ 0 h 383590"/>
+              <a:gd name="connsiteX3" fmla="*/ 1924171 w 1987061"/>
+              <a:gd name="connsiteY3" fmla="*/ 6259 h 383590"/>
+              <a:gd name="connsiteX4" fmla="*/ 1987061 w 1987061"/>
+              <a:gd name="connsiteY4" fmla="*/ 69149 h 383590"/>
+              <a:gd name="connsiteX5" fmla="*/ 1987061 w 1987061"/>
+              <a:gd name="connsiteY5" fmla="*/ 320700 h 383590"/>
+              <a:gd name="connsiteX6" fmla="*/ 1924171 w 1987061"/>
+              <a:gd name="connsiteY6" fmla="*/ 383590 h 383590"/>
+              <a:gd name="connsiteX7" fmla="*/ 1367940 w 1987061"/>
+              <a:gd name="connsiteY7" fmla="*/ 381000 h 383590"/>
+              <a:gd name="connsiteX8" fmla="*/ 472590 w 1987061"/>
+              <a:gd name="connsiteY8" fmla="*/ 381000 h 383590"/>
+              <a:gd name="connsiteX9" fmla="*/ 62890 w 1987061"/>
+              <a:gd name="connsiteY9" fmla="*/ 383590 h 383590"/>
+              <a:gd name="connsiteX10" fmla="*/ 0 w 1987061"/>
+              <a:gd name="connsiteY10" fmla="*/ 320700 h 383590"/>
+              <a:gd name="connsiteX11" fmla="*/ 0 w 1987061"/>
+              <a:gd name="connsiteY11" fmla="*/ 69149 h 383590"/>
+              <a:gd name="connsiteX0" fmla="*/ 0 w 1987061"/>
+              <a:gd name="connsiteY0" fmla="*/ 69149 h 390525"/>
+              <a:gd name="connsiteX1" fmla="*/ 62890 w 1987061"/>
+              <a:gd name="connsiteY1" fmla="*/ 6259 h 390525"/>
+              <a:gd name="connsiteX2" fmla="*/ 996465 w 1987061"/>
+              <a:gd name="connsiteY2" fmla="*/ 0 h 390525"/>
+              <a:gd name="connsiteX3" fmla="*/ 1924171 w 1987061"/>
+              <a:gd name="connsiteY3" fmla="*/ 6259 h 390525"/>
+              <a:gd name="connsiteX4" fmla="*/ 1987061 w 1987061"/>
+              <a:gd name="connsiteY4" fmla="*/ 69149 h 390525"/>
+              <a:gd name="connsiteX5" fmla="*/ 1987061 w 1987061"/>
+              <a:gd name="connsiteY5" fmla="*/ 320700 h 390525"/>
+              <a:gd name="connsiteX6" fmla="*/ 1924171 w 1987061"/>
+              <a:gd name="connsiteY6" fmla="*/ 383590 h 390525"/>
+              <a:gd name="connsiteX7" fmla="*/ 1367940 w 1987061"/>
+              <a:gd name="connsiteY7" fmla="*/ 381000 h 390525"/>
+              <a:gd name="connsiteX8" fmla="*/ 624990 w 1987061"/>
+              <a:gd name="connsiteY8" fmla="*/ 390525 h 390525"/>
+              <a:gd name="connsiteX9" fmla="*/ 62890 w 1987061"/>
+              <a:gd name="connsiteY9" fmla="*/ 383590 h 390525"/>
+              <a:gd name="connsiteX10" fmla="*/ 0 w 1987061"/>
+              <a:gd name="connsiteY10" fmla="*/ 320700 h 390525"/>
+              <a:gd name="connsiteX11" fmla="*/ 0 w 1987061"/>
+              <a:gd name="connsiteY11" fmla="*/ 69149 h 390525"/>
+            </a:gdLst>
+            <a:ahLst/>
+            <a:cxnLst>
+              <a:cxn ang="0">
+                <a:pos x="connsiteX0" y="connsiteY0"/>
+              </a:cxn>
+              <a:cxn ang="0">
+                <a:pos x="connsiteX1" y="connsiteY1"/>
+              </a:cxn>
+              <a:cxn ang="0">
+                <a:pos x="connsiteX2" y="connsiteY2"/>
+              </a:cxn>
+              <a:cxn ang="0">
+                <a:pos x="connsiteX3" y="connsiteY3"/>
+              </a:cxn>
+              <a:cxn ang="0">
+                <a:pos x="connsiteX4" y="connsiteY4"/>
+              </a:cxn>
+              <a:cxn ang="0">
+                <a:pos x="connsiteX5" y="connsiteY5"/>
+              </a:cxn>
+              <a:cxn ang="0">
+                <a:pos x="connsiteX6" y="connsiteY6"/>
+              </a:cxn>
+              <a:cxn ang="0">
+                <a:pos x="connsiteX7" y="connsiteY7"/>
+              </a:cxn>
+              <a:cxn ang="0">
+                <a:pos x="connsiteX8" y="connsiteY8"/>
+              </a:cxn>
+              <a:cxn ang="0">
+                <a:pos x="connsiteX9" y="connsiteY9"/>
+              </a:cxn>
+              <a:cxn ang="0">
+                <a:pos x="connsiteX10" y="connsiteY10"/>
+              </a:cxn>
+              <a:cxn ang="0">
+                <a:pos x="connsiteX11" y="connsiteY11"/>
+              </a:cxn>
+            </a:cxnLst>
+            <a:rect l="l" t="t" r="r" b="b"/>
+            <a:pathLst>
+              <a:path w="1987061" h="390525">
+                <a:moveTo>
+                  <a:pt x="0" y="69149"/>
+                </a:moveTo>
+                <a:cubicBezTo>
+                  <a:pt x="0" y="34416"/>
+                  <a:pt x="28157" y="6259"/>
+                  <a:pt x="62890" y="6259"/>
+                </a:cubicBezTo>
+                <a:lnTo>
+                  <a:pt x="996465" y="0"/>
+                </a:lnTo>
+                <a:lnTo>
+                  <a:pt x="1924171" y="6259"/>
+                </a:lnTo>
+                <a:cubicBezTo>
+                  <a:pt x="1958904" y="6259"/>
+                  <a:pt x="1987061" y="34416"/>
+                  <a:pt x="1987061" y="69149"/>
+                </a:cubicBezTo>
+                <a:lnTo>
+                  <a:pt x="1987061" y="320700"/>
+                </a:lnTo>
+                <a:cubicBezTo>
+                  <a:pt x="1987061" y="355433"/>
+                  <a:pt x="1958904" y="383590"/>
+                  <a:pt x="1924171" y="383590"/>
+                </a:cubicBezTo>
+                <a:lnTo>
+                  <a:pt x="1367940" y="381000"/>
+                </a:lnTo>
+                <a:lnTo>
+                  <a:pt x="624990" y="390525"/>
+                </a:lnTo>
+                <a:lnTo>
+                  <a:pt x="62890" y="383590"/>
+                </a:lnTo>
+                <a:cubicBezTo>
+                  <a:pt x="28157" y="383590"/>
+                  <a:pt x="0" y="355433"/>
+                  <a:pt x="0" y="320700"/>
+                </a:cubicBezTo>
+                <a:lnTo>
+                  <a:pt x="0" y="69149"/>
+                </a:lnTo>
+                <a:close/>
+              </a:path>
+            </a:pathLst>
+          </a:custGeom>
+          <a:solidFill>
+            <a:schemeClr val="accent6">
+              <a:lumMod val="40000"/>
+              <a:lumOff val="60000"/>
+            </a:schemeClr>
+          </a:solidFill>
+          <a:ln w="28575">
+            <a:solidFill>
+              <a:srgbClr val="1F8A4C"/>
+            </a:solidFill>
+          </a:ln>
+        </p:spPr>
+        <p:style>
+          <a:lnRef idx="2">
+            <a:schemeClr val="accent1">
+              <a:shade val="50000"/>
+            </a:schemeClr>
+          </a:lnRef>
+          <a:fillRef idx="1">
+            <a:schemeClr val="accent1"/>
+          </a:fillRef>
+          <a:effectRef idx="0">
+            <a:schemeClr val="accent1"/>
+          </a:effectRef>
+          <a:fontRef idx="minor">
+            <a:schemeClr val="lt1"/>
+          </a:fontRef>
+        </p:style>
+        <p:txBody>
+          <a:bodyPr lIns="36000" rIns="36000" rtlCol="0" anchor="ctr"/>
+          <a:lstStyle/>
+          <a:p>
+            <a:pPr algn="ctr"/>
+            <a:r>
+              <a:rPr lang="fr-FR" sz="900" noProof="1">
+                <a:solidFill>
+                  <a:schemeClr val="tx1"/>
+                </a:solidFill>
+                <a:latin typeface="Cambria" panose="02040503050406030204" pitchFamily="18" charset="0"/>
+                <a:ea typeface="Arial Rounded MT Bold" charset="0"/>
+                <a:cs typeface="Arial Rounded MT Bold" charset="0"/>
+              </a:rPr>
+              <a:t>Infinite Tee Filter</a:t>
+            </a:r>
+          </a:p>
+          <a:p>
+            <a:pPr algn="ctr"/>
+            <a:r>
+              <a:rPr lang="fr-FR" sz="900" noProof="1">
+                <a:solidFill>
+                  <a:schemeClr val="tx1"/>
+                </a:solidFill>
+                <a:latin typeface="Consolas" panose="020B0609020204030204" pitchFamily="49" charset="0"/>
+                <a:ea typeface="Arial Rounded MT Bold" charset="0"/>
+                <a:cs typeface="Arial Rounded MT Bold" charset="0"/>
+              </a:rPr>
+              <a:t>CLSID_InfTee</a:t>
+            </a:r>
+          </a:p>
+        </p:txBody>
+      </p:sp>
+      <p:sp>
+        <p:nvSpPr>
+          <p:cNvPr id="12" name="Rectangle à coins arrondis 40"/>
+          <p:cNvSpPr/>
+          <p:nvPr/>
+        </p:nvSpPr>
+        <p:spPr>
+          <a:xfrm>
+            <a:off x="4098679" y="1544209"/>
+            <a:ext cx="1987061" cy="377331"/>
+          </a:xfrm>
+          <a:prstGeom prst="roundRect">
+            <a:avLst/>
+          </a:prstGeom>
+          <a:solidFill>
+            <a:schemeClr val="accent6">
+              <a:lumMod val="40000"/>
+              <a:lumOff val="60000"/>
+            </a:schemeClr>
+          </a:solidFill>
+          <a:ln w="28575">
+            <a:solidFill>
+              <a:srgbClr val="1F8A4C"/>
+            </a:solidFill>
+          </a:ln>
+        </p:spPr>
+        <p:style>
+          <a:lnRef idx="2">
+            <a:schemeClr val="accent1">
+              <a:shade val="50000"/>
+            </a:schemeClr>
+          </a:lnRef>
+          <a:fillRef idx="1">
+            <a:schemeClr val="accent1"/>
+          </a:fillRef>
+          <a:effectRef idx="0">
+            <a:schemeClr val="accent1"/>
+          </a:effectRef>
+          <a:fontRef idx="minor">
+            <a:schemeClr val="lt1"/>
+          </a:fontRef>
+        </p:style>
+        <p:txBody>
+          <a:bodyPr lIns="36000" rIns="36000" rtlCol="0" anchor="ctr"/>
+          <a:lstStyle/>
+          <a:p>
+            <a:pPr algn="ctr"/>
+            <a:r>
+              <a:rPr lang="fr-FR" sz="900" noProof="1">
+                <a:solidFill>
+                  <a:schemeClr val="tx1"/>
+                </a:solidFill>
+                <a:latin typeface="Cambria" panose="02040503050406030204" pitchFamily="18" charset="0"/>
+                <a:ea typeface="Arial Rounded MT Bold" charset="0"/>
+                <a:cs typeface="Arial Rounded MT Bold" charset="0"/>
+              </a:rPr>
+              <a:t>Tuning Space</a:t>
+            </a:r>
+          </a:p>
+        </p:txBody>
+      </p:sp>
+      <p:cxnSp>
+        <p:nvCxnSpPr>
+          <p:cNvPr id="13" name="Straight Arrow Connector 12"/>
+          <p:cNvCxnSpPr>
+            <a:stCxn id="6" idx="2"/>
+            <a:endCxn id="11" idx="2"/>
+          </p:cNvCxnSpPr>
+          <p:nvPr/>
+        </p:nvCxnSpPr>
+        <p:spPr>
+          <a:xfrm>
+            <a:off x="2133444" y="3729787"/>
+            <a:ext cx="3615" cy="327521"/>
+          </a:xfrm>
+          <a:prstGeom prst="straightConnector1">
+            <a:avLst/>
+          </a:prstGeom>
+          <a:solidFill>
+            <a:schemeClr val="accent6">
+              <a:lumMod val="40000"/>
+              <a:lumOff val="60000"/>
+            </a:schemeClr>
+          </a:solidFill>
+          <a:ln w="28575">
+            <a:solidFill>
+              <a:srgbClr val="1F8A4C"/>
+            </a:solidFill>
+            <a:tailEnd type="triangle"/>
+          </a:ln>
+        </p:spPr>
+        <p:style>
+          <a:lnRef idx="2">
+            <a:schemeClr val="accent1">
+              <a:shade val="50000"/>
+            </a:schemeClr>
+          </a:lnRef>
+          <a:fillRef idx="1">
+            <a:schemeClr val="accent1"/>
+          </a:fillRef>
+          <a:effectRef idx="0">
+            <a:schemeClr val="accent1"/>
+          </a:effectRef>
+          <a:fontRef idx="minor">
+            <a:schemeClr val="lt1"/>
+          </a:fontRef>
+        </p:style>
+      </p:cxnSp>
+      <p:cxnSp>
+        <p:nvCxnSpPr>
+          <p:cNvPr id="16" name="Straight Arrow Connector 15"/>
+          <p:cNvCxnSpPr>
+            <a:stCxn id="12" idx="1"/>
+            <a:endCxn id="4" idx="3"/>
+          </p:cNvCxnSpPr>
+          <p:nvPr/>
+        </p:nvCxnSpPr>
+        <p:spPr>
+          <a:xfrm flipH="1" flipV="1">
+            <a:off x="3357444" y="1728555"/>
+            <a:ext cx="741235" cy="4320"/>
+          </a:xfrm>
+          <a:prstGeom prst="straightConnector1">
+            <a:avLst/>
+          </a:prstGeom>
+          <a:solidFill>
+            <a:schemeClr val="accent6">
+              <a:lumMod val="40000"/>
+              <a:lumOff val="60000"/>
+            </a:schemeClr>
+          </a:solidFill>
+          <a:ln w="28575">
+            <a:solidFill>
+              <a:srgbClr val="1F8A4C"/>
+            </a:solidFill>
+            <a:prstDash val="sysDot"/>
+            <a:tailEnd type="triangle"/>
+          </a:ln>
+        </p:spPr>
+        <p:style>
+          <a:lnRef idx="2">
+            <a:schemeClr val="accent1">
+              <a:shade val="50000"/>
+            </a:schemeClr>
+          </a:lnRef>
+          <a:fillRef idx="1">
+            <a:schemeClr val="accent1"/>
+          </a:fillRef>
+          <a:effectRef idx="0">
+            <a:schemeClr val="accent1"/>
+          </a:effectRef>
+          <a:fontRef idx="minor">
+            <a:schemeClr val="lt1"/>
+          </a:fontRef>
+        </p:style>
+      </p:cxnSp>
+      <p:sp>
+        <p:nvSpPr>
+          <p:cNvPr id="21" name="Rectangle à coins arrondis 40"/>
+          <p:cNvSpPr/>
+          <p:nvPr/>
+        </p:nvSpPr>
+        <p:spPr>
+          <a:xfrm>
+            <a:off x="1979776" y="4931015"/>
+            <a:ext cx="1233808" cy="377331"/>
+          </a:xfrm>
+          <a:prstGeom prst="roundRect">
+            <a:avLst/>
+          </a:prstGeom>
+          <a:solidFill>
+            <a:schemeClr val="accent6">
+              <a:lumMod val="40000"/>
+              <a:lumOff val="60000"/>
+            </a:schemeClr>
+          </a:solidFill>
+          <a:ln w="28575">
+            <a:solidFill>
+              <a:srgbClr val="1F8A4C"/>
+            </a:solidFill>
+          </a:ln>
+        </p:spPr>
+        <p:style>
+          <a:lnRef idx="2">
+            <a:schemeClr val="accent1">
+              <a:shade val="50000"/>
+            </a:schemeClr>
+          </a:lnRef>
+          <a:fillRef idx="1">
+            <a:schemeClr val="accent1"/>
+          </a:fillRef>
+          <a:effectRef idx="0">
+            <a:schemeClr val="accent1"/>
+          </a:effectRef>
+          <a:fontRef idx="minor">
+            <a:schemeClr val="lt1"/>
+          </a:fontRef>
+        </p:style>
+        <p:txBody>
+          <a:bodyPr lIns="36000" rIns="36000" rtlCol="0" anchor="ctr"/>
+          <a:lstStyle/>
+          <a:p>
+            <a:pPr algn="ctr"/>
+            <a:r>
+              <a:rPr lang="fr-FR" sz="900" noProof="1">
+                <a:solidFill>
+                  <a:schemeClr val="tx1"/>
+                </a:solidFill>
+                <a:latin typeface="Cambria" panose="02040503050406030204" pitchFamily="18" charset="0"/>
+                <a:ea typeface="Arial Rounded MT Bold" charset="0"/>
+                <a:cs typeface="Arial Rounded MT Bold" charset="0"/>
+              </a:rPr>
+              <a:t>Sink Filter</a:t>
+            </a:r>
+          </a:p>
+          <a:p>
+            <a:pPr algn="ctr"/>
+            <a:r>
+              <a:rPr lang="fr-FR" sz="900" noProof="1">
+                <a:solidFill>
+                  <a:schemeClr val="tx1"/>
+                </a:solidFill>
+                <a:latin typeface="Cambria" panose="02040503050406030204" pitchFamily="18" charset="0"/>
+                <a:ea typeface="Arial Rounded MT Bold" charset="0"/>
+                <a:cs typeface="Arial Rounded MT Bold" charset="0"/>
+              </a:rPr>
+              <a:t>(TSDuck)</a:t>
+            </a:r>
+          </a:p>
+        </p:txBody>
+      </p:sp>
+      <p:cxnSp>
+        <p:nvCxnSpPr>
+          <p:cNvPr id="22" name="Straight Arrow Connector 21"/>
+          <p:cNvCxnSpPr>
+            <a:stCxn id="11" idx="7"/>
+            <a:endCxn id="21" idx="0"/>
+          </p:cNvCxnSpPr>
+          <p:nvPr/>
+        </p:nvCxnSpPr>
+        <p:spPr>
+          <a:xfrm>
+            <a:off x="2594705" y="4584137"/>
+            <a:ext cx="1975" cy="346878"/>
+          </a:xfrm>
+          <a:prstGeom prst="straightConnector1">
+            <a:avLst/>
+          </a:prstGeom>
+          <a:solidFill>
+            <a:schemeClr val="accent6">
+              <a:lumMod val="40000"/>
+              <a:lumOff val="60000"/>
+            </a:schemeClr>
+          </a:solidFill>
+          <a:ln w="28575">
+            <a:solidFill>
+              <a:srgbClr val="1F8A4C"/>
+            </a:solidFill>
+            <a:tailEnd type="triangle"/>
+          </a:ln>
+        </p:spPr>
+        <p:style>
+          <a:lnRef idx="2">
+            <a:schemeClr val="accent1">
+              <a:shade val="50000"/>
+            </a:schemeClr>
+          </a:lnRef>
+          <a:fillRef idx="1">
+            <a:schemeClr val="accent1"/>
+          </a:fillRef>
+          <a:effectRef idx="0">
+            <a:schemeClr val="accent1"/>
+          </a:effectRef>
+          <a:fontRef idx="minor">
+            <a:schemeClr val="lt1"/>
+          </a:fontRef>
+        </p:style>
+      </p:cxnSp>
+      <p:sp>
+        <p:nvSpPr>
+          <p:cNvPr id="25" name="Rectangle à coins arrondis 40"/>
+          <p:cNvSpPr/>
+          <p:nvPr/>
+        </p:nvSpPr>
+        <p:spPr>
+          <a:xfrm>
+            <a:off x="458058" y="5617741"/>
+            <a:ext cx="2448000" cy="540000"/>
+          </a:xfrm>
+          <a:prstGeom prst="roundRect">
+            <a:avLst/>
+          </a:prstGeom>
+          <a:solidFill>
+            <a:schemeClr val="accent6">
+              <a:lumMod val="40000"/>
+              <a:lumOff val="60000"/>
+            </a:schemeClr>
+          </a:solidFill>
+          <a:ln w="28575">
+            <a:solidFill>
+              <a:srgbClr val="1F8A4C"/>
+            </a:solidFill>
+          </a:ln>
+        </p:spPr>
+        <p:style>
+          <a:lnRef idx="2">
+            <a:schemeClr val="accent1">
+              <a:shade val="50000"/>
+            </a:schemeClr>
+          </a:lnRef>
+          <a:fillRef idx="1">
+            <a:schemeClr val="accent1"/>
+          </a:fillRef>
+          <a:effectRef idx="0">
+            <a:schemeClr val="accent1"/>
+          </a:effectRef>
+          <a:fontRef idx="minor">
+            <a:schemeClr val="lt1"/>
+          </a:fontRef>
+        </p:style>
+        <p:txBody>
+          <a:bodyPr lIns="36000" rIns="36000" rtlCol="0" anchor="ctr"/>
+          <a:lstStyle/>
+          <a:p>
+            <a:pPr algn="ctr"/>
+            <a:r>
+              <a:rPr lang="fr-FR" sz="900" noProof="1">
+                <a:solidFill>
+                  <a:schemeClr val="tx1"/>
+                </a:solidFill>
+                <a:latin typeface="Cambria" panose="02040503050406030204" pitchFamily="18" charset="0"/>
+                <a:ea typeface="Arial Rounded MT Bold" charset="0"/>
+                <a:cs typeface="Arial Rounded MT Bold" charset="0"/>
+              </a:rPr>
+              <a:t>Demux Filter</a:t>
+            </a:r>
+          </a:p>
+          <a:p>
+            <a:pPr algn="ctr"/>
+            <a:r>
+              <a:rPr lang="fr-FR" sz="900" noProof="1">
+                <a:solidFill>
+                  <a:schemeClr val="tx1"/>
+                </a:solidFill>
+                <a:latin typeface="Consolas" panose="020B0609020204030204" pitchFamily="49" charset="0"/>
+                <a:ea typeface="Arial Rounded MT Bold" charset="0"/>
+                <a:cs typeface="Arial Rounded MT Bold" charset="0"/>
+              </a:rPr>
+              <a:t>CLSID_MPEG2Demultiplexer</a:t>
+            </a:r>
+          </a:p>
+        </p:txBody>
+      </p:sp>
+      <p:cxnSp>
+        <p:nvCxnSpPr>
+          <p:cNvPr id="26" name="Straight Arrow Connector 25"/>
+          <p:cNvCxnSpPr>
+            <a:stCxn id="11" idx="8"/>
+            <a:endCxn id="25" idx="0"/>
+          </p:cNvCxnSpPr>
+          <p:nvPr/>
+        </p:nvCxnSpPr>
+        <p:spPr>
+          <a:xfrm>
+            <a:off x="1679413" y="4597308"/>
+            <a:ext cx="2645" cy="1020433"/>
+          </a:xfrm>
+          <a:prstGeom prst="straightConnector1">
+            <a:avLst/>
+          </a:prstGeom>
+          <a:solidFill>
+            <a:schemeClr val="accent6">
+              <a:lumMod val="40000"/>
+              <a:lumOff val="60000"/>
+            </a:schemeClr>
+          </a:solidFill>
+          <a:ln w="28575">
+            <a:solidFill>
+              <a:srgbClr val="1F8A4C"/>
+            </a:solidFill>
+            <a:tailEnd type="triangle"/>
+          </a:ln>
+        </p:spPr>
+        <p:style>
+          <a:lnRef idx="2">
+            <a:schemeClr val="accent1">
+              <a:shade val="50000"/>
+            </a:schemeClr>
+          </a:lnRef>
+          <a:fillRef idx="1">
+            <a:schemeClr val="accent1"/>
+          </a:fillRef>
+          <a:effectRef idx="0">
+            <a:schemeClr val="accent1"/>
+          </a:effectRef>
+          <a:fontRef idx="minor">
+            <a:schemeClr val="lt1"/>
+          </a:fontRef>
+        </p:style>
+      </p:cxnSp>
+      <p:sp>
+        <p:nvSpPr>
+          <p:cNvPr id="30" name="Rectangle à coins arrondis 40"/>
+          <p:cNvSpPr/>
+          <p:nvPr/>
+        </p:nvSpPr>
+        <p:spPr>
+          <a:xfrm>
+            <a:off x="458058" y="6482833"/>
+            <a:ext cx="2448000" cy="540000"/>
+          </a:xfrm>
+          <a:prstGeom prst="roundRect">
+            <a:avLst/>
+          </a:prstGeom>
+          <a:solidFill>
+            <a:schemeClr val="accent6">
+              <a:lumMod val="40000"/>
+              <a:lumOff val="60000"/>
+            </a:schemeClr>
+          </a:solidFill>
+          <a:ln w="28575">
+            <a:solidFill>
+              <a:srgbClr val="1F8A4C"/>
+            </a:solidFill>
+          </a:ln>
+        </p:spPr>
+        <p:style>
+          <a:lnRef idx="2">
+            <a:schemeClr val="accent1">
+              <a:shade val="50000"/>
+            </a:schemeClr>
+          </a:lnRef>
+          <a:fillRef idx="1">
+            <a:schemeClr val="accent1"/>
+          </a:fillRef>
+          <a:effectRef idx="0">
+            <a:schemeClr val="accent1"/>
+          </a:effectRef>
+          <a:fontRef idx="minor">
+            <a:schemeClr val="lt1"/>
+          </a:fontRef>
+        </p:style>
+        <p:txBody>
+          <a:bodyPr lIns="36000" rIns="36000" rtlCol="0" anchor="ctr"/>
+          <a:lstStyle/>
+          <a:p>
+            <a:pPr algn="ctr"/>
+            <a:r>
+              <a:rPr lang="fr-FR" sz="900" noProof="1">
+                <a:solidFill>
+                  <a:schemeClr val="tx1"/>
+                </a:solidFill>
+                <a:latin typeface="Cambria" panose="02040503050406030204" pitchFamily="18" charset="0"/>
+                <a:ea typeface="Arial Rounded MT Bold" charset="0"/>
+                <a:cs typeface="Arial Rounded MT Bold" charset="0"/>
+              </a:rPr>
+              <a:t>Transport Information Filter (TIF)</a:t>
+            </a:r>
+          </a:p>
+          <a:p>
+            <a:pPr algn="ctr"/>
+            <a:r>
+              <a:rPr lang="fr-FR" sz="900" noProof="1">
+                <a:solidFill>
+                  <a:schemeClr val="tx1"/>
+                </a:solidFill>
+                <a:latin typeface="Cambria" panose="02040503050406030204" pitchFamily="18" charset="0"/>
+                <a:ea typeface="Arial Rounded MT Bold" charset="0"/>
+                <a:cs typeface="Arial Rounded MT Bold" charset="0"/>
+              </a:rPr>
+              <a:t>enumerate all</a:t>
+            </a:r>
+          </a:p>
+          <a:p>
+            <a:pPr algn="ctr"/>
+            <a:r>
+              <a:rPr lang="fr-FR" sz="900" noProof="1">
+                <a:solidFill>
+                  <a:schemeClr val="tx1"/>
+                </a:solidFill>
+                <a:latin typeface="Consolas" panose="020B0609020204030204" pitchFamily="49" charset="0"/>
+                <a:ea typeface="Arial Rounded MT Bold" charset="0"/>
+                <a:cs typeface="Arial Rounded MT Bold" charset="0"/>
+              </a:rPr>
+              <a:t>KSCATEGORY_BDA_TRANSPORT_INFORMATION</a:t>
+            </a:r>
+          </a:p>
+        </p:txBody>
+      </p:sp>
+      <p:cxnSp>
+        <p:nvCxnSpPr>
+          <p:cNvPr id="32" name="Straight Arrow Connector 31"/>
+          <p:cNvCxnSpPr>
+            <a:stCxn id="25" idx="2"/>
+            <a:endCxn id="30" idx="0"/>
+          </p:cNvCxnSpPr>
+          <p:nvPr/>
+        </p:nvCxnSpPr>
+        <p:spPr>
+          <a:xfrm>
+            <a:off x="1682058" y="6157741"/>
+            <a:ext cx="0" cy="325092"/>
+          </a:xfrm>
+          <a:prstGeom prst="straightConnector1">
+            <a:avLst/>
+          </a:prstGeom>
+          <a:solidFill>
+            <a:schemeClr val="accent6">
+              <a:lumMod val="40000"/>
+              <a:lumOff val="60000"/>
+            </a:schemeClr>
+          </a:solidFill>
+          <a:ln w="28575">
+            <a:solidFill>
+              <a:srgbClr val="1F8A4C"/>
+            </a:solidFill>
+            <a:tailEnd type="triangle"/>
+          </a:ln>
+        </p:spPr>
+        <p:style>
+          <a:lnRef idx="2">
+            <a:schemeClr val="accent1">
+              <a:shade val="50000"/>
+            </a:schemeClr>
+          </a:lnRef>
+          <a:fillRef idx="1">
+            <a:schemeClr val="accent1"/>
+          </a:fillRef>
+          <a:effectRef idx="0">
+            <a:schemeClr val="accent1"/>
+          </a:effectRef>
+          <a:fontRef idx="minor">
+            <a:schemeClr val="lt1"/>
+          </a:fontRef>
+        </p:style>
+      </p:cxnSp>
+      <p:sp>
+        <p:nvSpPr>
+          <p:cNvPr id="35" name="TextBox 34"/>
+          <p:cNvSpPr txBox="1"/>
+          <p:nvPr/>
+        </p:nvSpPr>
+        <p:spPr>
+          <a:xfrm>
+            <a:off x="3497519" y="1520058"/>
+            <a:ext cx="390525" cy="230832"/>
+          </a:xfrm>
+          <a:prstGeom prst="rect">
+            <a:avLst/>
+          </a:prstGeom>
+          <a:noFill/>
+        </p:spPr>
+        <p:txBody>
+          <a:bodyPr wrap="square" rtlCol="0">
+            <a:spAutoFit/>
+          </a:bodyPr>
+          <a:lstStyle/>
+          <a:p>
+            <a:r>
+              <a:rPr lang="fr-FR" sz="900" dirty="0">
+                <a:latin typeface="Cambria" panose="02040503050406030204" pitchFamily="18" charset="0"/>
+                <a:ea typeface="Cambria" panose="02040503050406030204" pitchFamily="18" charset="0"/>
+              </a:rPr>
+              <a:t>put</a:t>
+            </a:r>
+            <a:endParaRPr lang="en-US" sz="900" dirty="0">
+              <a:latin typeface="Cambria" panose="02040503050406030204" pitchFamily="18" charset="0"/>
+              <a:ea typeface="Cambria" panose="02040503050406030204" pitchFamily="18" charset="0"/>
+            </a:endParaRPr>
+          </a:p>
+        </p:txBody>
+      </p:sp>
+      <p:sp>
+        <p:nvSpPr>
+          <p:cNvPr id="52" name="Rectangle à coins arrondis 40"/>
+          <p:cNvSpPr/>
+          <p:nvPr/>
+        </p:nvSpPr>
+        <p:spPr>
+          <a:xfrm>
+            <a:off x="4098679" y="4921018"/>
+            <a:ext cx="1987061" cy="377331"/>
+          </a:xfrm>
+          <a:prstGeom prst="roundRect">
+            <a:avLst/>
+          </a:prstGeom>
+          <a:noFill/>
+          <a:ln w="28575">
+            <a:solidFill>
+              <a:schemeClr val="accent6">
+                <a:lumMod val="60000"/>
+                <a:lumOff val="40000"/>
+              </a:schemeClr>
+            </a:solidFill>
+          </a:ln>
+        </p:spPr>
+        <p:style>
+          <a:lnRef idx="2">
+            <a:schemeClr val="accent1">
+              <a:shade val="50000"/>
+            </a:schemeClr>
+          </a:lnRef>
+          <a:fillRef idx="1">
+            <a:schemeClr val="accent1"/>
+          </a:fillRef>
+          <a:effectRef idx="0">
+            <a:schemeClr val="accent1"/>
+          </a:effectRef>
+          <a:fontRef idx="minor">
+            <a:schemeClr val="lt1"/>
+          </a:fontRef>
+        </p:style>
+        <p:txBody>
+          <a:bodyPr lIns="36000" rIns="36000" rtlCol="0" anchor="ctr"/>
+          <a:lstStyle/>
+          <a:p>
+            <a:pPr algn="ctr"/>
+            <a:r>
+              <a:rPr lang="fr-FR" sz="900" noProof="1">
+                <a:solidFill>
+                  <a:schemeClr val="tx1"/>
+                </a:solidFill>
+                <a:latin typeface="Consolas" panose="020B0609020204030204" pitchFamily="49" charset="0"/>
+                <a:ea typeface="Arial Rounded MT Bold" charset="0"/>
+                <a:cs typeface="Arial Rounded MT Bold" charset="0"/>
+              </a:rPr>
+              <a:t>ts::Tuner</a:t>
+            </a:r>
+            <a:r>
+              <a:rPr lang="fr-FR" sz="900" noProof="1">
+                <a:solidFill>
+                  <a:schemeClr val="tx1"/>
+                </a:solidFill>
+                <a:latin typeface="Cambria" panose="02040503050406030204" pitchFamily="18" charset="0"/>
+                <a:ea typeface="Arial Rounded MT Bold" charset="0"/>
+                <a:cs typeface="Arial Rounded MT Bold" charset="0"/>
+              </a:rPr>
+              <a:t> class</a:t>
+            </a:r>
+          </a:p>
+        </p:txBody>
+      </p:sp>
+      <p:cxnSp>
+        <p:nvCxnSpPr>
+          <p:cNvPr id="53" name="Straight Arrow Connector 52"/>
+          <p:cNvCxnSpPr>
+            <a:stCxn id="21" idx="3"/>
+            <a:endCxn id="52" idx="1"/>
+          </p:cNvCxnSpPr>
+          <p:nvPr/>
+        </p:nvCxnSpPr>
+        <p:spPr>
+          <a:xfrm flipV="1">
+            <a:off x="3213584" y="5109684"/>
+            <a:ext cx="885095" cy="9997"/>
+          </a:xfrm>
+          <a:prstGeom prst="straightConnector1">
+            <a:avLst/>
+          </a:prstGeom>
+          <a:solidFill>
+            <a:schemeClr val="accent6">
+              <a:lumMod val="40000"/>
+              <a:lumOff val="60000"/>
+            </a:schemeClr>
+          </a:solidFill>
+          <a:ln w="28575">
+            <a:solidFill>
+              <a:srgbClr val="1F8A4C"/>
+            </a:solidFill>
+            <a:prstDash val="sysDot"/>
+            <a:tailEnd type="triangle"/>
+          </a:ln>
+        </p:spPr>
+        <p:style>
+          <a:lnRef idx="2">
+            <a:schemeClr val="accent1">
+              <a:shade val="50000"/>
+            </a:schemeClr>
+          </a:lnRef>
+          <a:fillRef idx="1">
+            <a:schemeClr val="accent1"/>
+          </a:fillRef>
+          <a:effectRef idx="0">
+            <a:schemeClr val="accent1"/>
+          </a:effectRef>
+          <a:fontRef idx="minor">
+            <a:schemeClr val="lt1"/>
+          </a:fontRef>
+        </p:style>
+      </p:cxnSp>
+      <p:sp>
+        <p:nvSpPr>
+          <p:cNvPr id="54" name="TextBox 53"/>
+          <p:cNvSpPr txBox="1"/>
+          <p:nvPr/>
+        </p:nvSpPr>
+        <p:spPr>
+          <a:xfrm>
+            <a:off x="3396073" y="4883018"/>
+            <a:ext cx="472536" cy="369332"/>
+          </a:xfrm>
+          <a:prstGeom prst="rect">
+            <a:avLst/>
+          </a:prstGeom>
+          <a:noFill/>
+        </p:spPr>
+        <p:txBody>
+          <a:bodyPr wrap="square" rtlCol="0">
+            <a:spAutoFit/>
+          </a:bodyPr>
+          <a:lstStyle/>
+          <a:p>
+            <a:r>
+              <a:rPr lang="fr-FR" sz="900" dirty="0">
+                <a:latin typeface="Cambria" panose="02040503050406030204" pitchFamily="18" charset="0"/>
+                <a:ea typeface="Cambria" panose="02040503050406030204" pitchFamily="18" charset="0"/>
+              </a:rPr>
+              <a:t>Read</a:t>
+            </a:r>
+            <a:endParaRPr lang="en-US" sz="900" dirty="0">
+              <a:latin typeface="Cambria" panose="02040503050406030204" pitchFamily="18" charset="0"/>
+              <a:ea typeface="Cambria" panose="02040503050406030204" pitchFamily="18" charset="0"/>
+            </a:endParaRPr>
+          </a:p>
+        </p:txBody>
+      </p:sp>
+      <p:pic>
+        <p:nvPicPr>
+          <p:cNvPr id="57" name="Picture 7" descr="D:\Devel\tsduck\images\tsduck-48.png"/>
+          <p:cNvPicPr>
+            <a:picLocks noChangeAspect="1" noChangeArrowheads="1"/>
+          </p:cNvPicPr>
+          <p:nvPr/>
+        </p:nvPicPr>
+        <p:blipFill>
+          <a:blip r:embed="rId2">
+            <a:extLst>
+              <a:ext uri="{28A0092B-C50C-407E-A947-70E740481C1C}">
+                <a14:useLocalDpi xmlns:a14="http://schemas.microsoft.com/office/drawing/2010/main" val="0"/>
+              </a:ext>
+            </a:extLst>
+          </a:blip>
+          <a:srcRect/>
+          <a:stretch>
+            <a:fillRect/>
+          </a:stretch>
+        </p:blipFill>
+        <p:spPr bwMode="auto">
+          <a:xfrm>
+            <a:off x="5620335" y="6882930"/>
+            <a:ext cx="146050" cy="146050"/>
+          </a:xfrm>
+          <a:prstGeom prst="rect">
+            <a:avLst/>
+          </a:prstGeom>
+          <a:noFill/>
+          <a:extLst>
+            <a:ext uri="{909E8E84-426E-40DD-AFC4-6F175D3DCCD1}">
+              <a14:hiddenFill xmlns:a14="http://schemas.microsoft.com/office/drawing/2010/main">
+                <a:solidFill>
+                  <a:srgbClr val="FFFFFF"/>
+                </a:solidFill>
+              </a14:hiddenFill>
+            </a:ext>
+          </a:extLst>
+        </p:spPr>
+      </p:pic>
+      <p:sp>
+        <p:nvSpPr>
+          <p:cNvPr id="58" name="ZoneTexte 241"/>
+          <p:cNvSpPr txBox="1"/>
+          <p:nvPr/>
+        </p:nvSpPr>
+        <p:spPr>
+          <a:xfrm>
+            <a:off x="5783584" y="6902094"/>
+            <a:ext cx="302156" cy="107722"/>
+          </a:xfrm>
+          <a:prstGeom prst="rect">
+            <a:avLst/>
+          </a:prstGeom>
+          <a:noFill/>
+        </p:spPr>
+        <p:txBody>
+          <a:bodyPr wrap="square" lIns="0" tIns="0" rIns="0" bIns="0" rtlCol="0">
+            <a:spAutoFit/>
+          </a:bodyPr>
+          <a:lstStyle/>
+          <a:p>
+            <a:r>
+              <a:rPr lang="fr-FR" sz="700" noProof="1">
+                <a:latin typeface="Cambria" panose="02040503050406030204" pitchFamily="18" charset="0"/>
+                <a:ea typeface="Arial Rounded MT Bold" charset="0"/>
+                <a:cs typeface="Arial Rounded MT Bold" charset="0"/>
+              </a:rPr>
+              <a:t>TSDuck</a:t>
+            </a:r>
+          </a:p>
+        </p:txBody>
+      </p:sp>
+      <p:sp>
+        <p:nvSpPr>
+          <p:cNvPr id="59" name="TextBox 58"/>
+          <p:cNvSpPr txBox="1"/>
+          <p:nvPr/>
+        </p:nvSpPr>
+        <p:spPr>
+          <a:xfrm>
+            <a:off x="3530112" y="6429079"/>
+            <a:ext cx="2555628" cy="415498"/>
+          </a:xfrm>
+          <a:prstGeom prst="rect">
+            <a:avLst/>
+          </a:prstGeom>
+          <a:noFill/>
+        </p:spPr>
+        <p:txBody>
+          <a:bodyPr wrap="square" lIns="0" rIns="0" rtlCol="0">
+            <a:spAutoFit/>
+          </a:bodyPr>
+          <a:lstStyle/>
+          <a:p>
+            <a:pPr algn="r"/>
+            <a:r>
+              <a:rPr lang="fr-FR" sz="1050" b="1" dirty="0">
+                <a:latin typeface="Cambria" panose="02040503050406030204" pitchFamily="18" charset="0"/>
+                <a:ea typeface="Cambria" panose="02040503050406030204" pitchFamily="18" charset="0"/>
+              </a:rPr>
+              <a:t>DirectShow graph for</a:t>
+            </a:r>
+          </a:p>
+          <a:p>
+            <a:pPr algn="r"/>
+            <a:r>
+              <a:rPr lang="fr-FR" sz="1050" b="1" dirty="0">
+                <a:latin typeface="Cambria" panose="02040503050406030204" pitchFamily="18" charset="0"/>
+                <a:ea typeface="Cambria" panose="02040503050406030204" pitchFamily="18" charset="0"/>
+              </a:rPr>
+              <a:t> TSDuck tuner on Windows</a:t>
+            </a:r>
+            <a:endParaRPr lang="en-US" sz="1050" b="1" dirty="0">
+              <a:latin typeface="Cambria" panose="02040503050406030204" pitchFamily="18" charset="0"/>
+              <a:ea typeface="Cambria" panose="02040503050406030204" pitchFamily="18" charset="0"/>
+            </a:endParaRPr>
+          </a:p>
+        </p:txBody>
+      </p:sp>
+    </p:spTree>
+    <p:extLst>
+      <p:ext uri="{BB962C8B-B14F-4D97-AF65-F5344CB8AC3E}">
+        <p14:creationId xmlns:p14="http://schemas.microsoft.com/office/powerpoint/2010/main" val="3183673908"/>
       </p:ext>
     </p:extLst>
   </p:cSld>
@@ -16121,7 +17116,7 @@
   <a:extraClrSchemeLst/>
   <a:extLst>
     <a:ext uri="{05A4C25C-085E-4340-85A3-A5531E510DB2}">
-      <thm15:themeFamily xmlns:thm15="http://schemas.microsoft.com/office/thememl/2012/main" xmlns="" name="Office Theme" id="{62F939B6-93AF-4DB8-9C6B-D6C7DFDC589F}" vid="{4A3C46E8-61CC-4603-A589-7422A47A8E4A}"/>
+      <thm15:themeFamily xmlns:thm15="http://schemas.microsoft.com/office/thememl/2012/main" name="Office Theme" id="{62F939B6-93AF-4DB8-9C6B-D6C7DFDC589F}" vid="{4A3C46E8-61CC-4603-A589-7422A47A8E4A}"/>
     </a:ext>
   </a:extLst>
 </a:theme>
